--- a/week11/Lab11.pptx
+++ b/week11/Lab11.pptx
@@ -5,33 +5,34 @@
     <p:sldMasterId id="2147483648" r:id="rId1"/>
   </p:sldMasterIdLst>
   <p:notesMasterIdLst>
-    <p:notesMasterId r:id="rId6"/>
+    <p:notesMasterId r:id="rId27"/>
   </p:notesMasterIdLst>
   <p:sldIdLst>
-    <p:sldId id="256" r:id="rId3"/>
-    <p:sldId id="477" r:id="rId4"/>
-    <p:sldId id="435" r:id="rId5"/>
-    <p:sldId id="1089" r:id="rId7"/>
-    <p:sldId id="1086" r:id="rId8"/>
-    <p:sldId id="259" r:id="rId9"/>
-    <p:sldId id="1090" r:id="rId10"/>
-    <p:sldId id="430" r:id="rId11"/>
-    <p:sldId id="342" r:id="rId12"/>
-    <p:sldId id="434" r:id="rId13"/>
-    <p:sldId id="416" r:id="rId14"/>
-    <p:sldId id="343" r:id="rId15"/>
-    <p:sldId id="437" r:id="rId16"/>
-    <p:sldId id="438" r:id="rId17"/>
-    <p:sldId id="1091" r:id="rId18"/>
-    <p:sldId id="1092" r:id="rId19"/>
-    <p:sldId id="422" r:id="rId20"/>
-    <p:sldId id="1104" r:id="rId21"/>
-    <p:sldId id="1105" r:id="rId22"/>
-    <p:sldId id="1108" r:id="rId23"/>
-    <p:sldId id="1106" r:id="rId24"/>
-    <p:sldId id="1107" r:id="rId25"/>
-    <p:sldId id="1109" r:id="rId26"/>
-    <p:sldId id="1065" r:id="rId27"/>
+    <p:sldId id="256" r:id="rId2"/>
+    <p:sldId id="477" r:id="rId3"/>
+    <p:sldId id="435" r:id="rId4"/>
+    <p:sldId id="1089" r:id="rId5"/>
+    <p:sldId id="1086" r:id="rId6"/>
+    <p:sldId id="259" r:id="rId7"/>
+    <p:sldId id="1090" r:id="rId8"/>
+    <p:sldId id="430" r:id="rId9"/>
+    <p:sldId id="342" r:id="rId10"/>
+    <p:sldId id="434" r:id="rId11"/>
+    <p:sldId id="416" r:id="rId12"/>
+    <p:sldId id="343" r:id="rId13"/>
+    <p:sldId id="437" r:id="rId14"/>
+    <p:sldId id="438" r:id="rId15"/>
+    <p:sldId id="1091" r:id="rId16"/>
+    <p:sldId id="1092" r:id="rId17"/>
+    <p:sldId id="422" r:id="rId18"/>
+    <p:sldId id="1110" r:id="rId19"/>
+    <p:sldId id="1104" r:id="rId20"/>
+    <p:sldId id="1105" r:id="rId21"/>
+    <p:sldId id="1108" r:id="rId22"/>
+    <p:sldId id="1106" r:id="rId23"/>
+    <p:sldId id="1107" r:id="rId24"/>
+    <p:sldId id="1109" r:id="rId25"/>
+    <p:sldId id="1065" r:id="rId26"/>
   </p:sldIdLst>
   <p:sldSz cx="12192000" cy="6858000"/>
   <p:notesSz cx="6858000" cy="9144000"/>
@@ -130,6 +131,11 @@
       </a:defRPr>
     </a:lvl9pPr>
   </p:defaultTextStyle>
+  <p:extLst>
+    <p:ext uri="{EFAFB233-063F-42B5-8137-9DF3F51BA10A}">
+      <p15:sldGuideLst xmlns:p15="http://schemas.microsoft.com/office/powerpoint/2012/main"/>
+    </p:ext>
+  </p:extLst>
 </p:presentation>
 </file>
 
@@ -215,6 +221,7 @@
           <a:p>
             <a:fld id="{D1237EF7-A117-46B7-88A8-1B7FB98FF0F2}" type="datetimeFigureOut">
               <a:rPr lang="zh-CN" altLang="en-US" smtClean="0"/>
+              <a:t>2021/11/20</a:t>
             </a:fld>
             <a:endParaRPr lang="zh-CN" altLang="en-US"/>
           </a:p>
@@ -281,7 +288,6 @@
               <a:rPr lang="zh-CN" altLang="en-US"/>
               <a:t>单击此处编辑母版文本样式</a:t>
             </a:r>
-            <a:endParaRPr lang="zh-CN" altLang="en-US"/>
           </a:p>
           <a:p>
             <a:pPr lvl="1"/>
@@ -289,7 +295,6 @@
               <a:rPr lang="zh-CN" altLang="en-US"/>
               <a:t>二级</a:t>
             </a:r>
-            <a:endParaRPr lang="zh-CN" altLang="en-US"/>
           </a:p>
           <a:p>
             <a:pPr lvl="2"/>
@@ -297,7 +302,6 @@
               <a:rPr lang="zh-CN" altLang="en-US"/>
               <a:t>三级</a:t>
             </a:r>
-            <a:endParaRPr lang="zh-CN" altLang="en-US"/>
           </a:p>
           <a:p>
             <a:pPr lvl="3"/>
@@ -305,7 +309,6 @@
               <a:rPr lang="zh-CN" altLang="en-US"/>
               <a:t>四级</a:t>
             </a:r>
-            <a:endParaRPr lang="zh-CN" altLang="en-US"/>
           </a:p>
           <a:p>
             <a:pPr lvl="4"/>
@@ -313,7 +316,6 @@
               <a:rPr lang="zh-CN" altLang="en-US"/>
               <a:t>五级</a:t>
             </a:r>
-            <a:endParaRPr lang="zh-CN" altLang="en-US"/>
           </a:p>
         </p:txBody>
       </p:sp>
@@ -377,6 +379,7 @@
           <a:p>
             <a:fld id="{7B705520-EB74-4E10-9207-DDFEA7EA0F0E}" type="slidenum">
               <a:rPr lang="zh-CN" altLang="en-US" smtClean="0"/>
+              <a:t>‹#›</a:t>
             </a:fld>
             <a:endParaRPr lang="zh-CN" altLang="en-US"/>
           </a:p>
@@ -586,6 +589,7 @@
                   <a:prstClr val="black"/>
                 </a:solidFill>
               </a:rPr>
+              <a:t>3</a:t>
             </a:fld>
             <a:endParaRPr lang="en-US" altLang="zh-CN">
               <a:solidFill>
@@ -709,6 +713,7 @@
                   <a:prstClr val="black"/>
                 </a:solidFill>
               </a:rPr>
+              <a:t>4</a:t>
             </a:fld>
             <a:endParaRPr lang="en-US" altLang="zh-CN">
               <a:solidFill>
@@ -832,6 +837,7 @@
                   <a:prstClr val="black"/>
                 </a:solidFill>
               </a:rPr>
+              <a:t>6</a:t>
             </a:fld>
             <a:endParaRPr lang="en-US" altLang="zh-CN">
               <a:solidFill>
@@ -955,6 +961,7 @@
                   <a:prstClr val="black"/>
                 </a:solidFill>
               </a:rPr>
+              <a:t>7</a:t>
             </a:fld>
             <a:endParaRPr lang="en-US" altLang="zh-CN">
               <a:solidFill>
@@ -1078,6 +1085,7 @@
                   <a:prstClr val="black"/>
                 </a:solidFill>
               </a:rPr>
+              <a:t>9</a:t>
             </a:fld>
             <a:endParaRPr lang="en-US" altLang="zh-CN">
               <a:solidFill>
@@ -1201,6 +1209,7 @@
                   <a:prstClr val="black"/>
                 </a:solidFill>
               </a:rPr>
+              <a:t>11</a:t>
             </a:fld>
             <a:endParaRPr lang="en-US" altLang="zh-CN">
               <a:solidFill>
@@ -1324,6 +1333,7 @@
                   <a:prstClr val="black"/>
                 </a:solidFill>
               </a:rPr>
+              <a:t>17</a:t>
             </a:fld>
             <a:endParaRPr lang="en-US" altLang="zh-CN">
               <a:solidFill>
@@ -1334,6 +1344,135 @@
         </p:txBody>
       </p:sp>
     </p:spTree>
+  </p:cSld>
+  <p:clrMapOvr>
+    <a:masterClrMapping/>
+  </p:clrMapOvr>
+</p:notes>
+</file>
+
+<file path=ppt/notesSlides/notesSlide8.xml><?xml version="1.0" encoding="utf-8"?>
+<p:notes xmlns:a="http://schemas.openxmlformats.org/drawingml/2006/main" xmlns:r="http://schemas.openxmlformats.org/officeDocument/2006/relationships" xmlns:p="http://schemas.openxmlformats.org/presentationml/2006/main">
+  <p:cSld>
+    <p:spTree>
+      <p:nvGrpSpPr>
+        <p:cNvPr id="1" name=""/>
+        <p:cNvGrpSpPr/>
+        <p:nvPr/>
+      </p:nvGrpSpPr>
+      <p:grpSpPr>
+        <a:xfrm>
+          <a:off x="0" y="0"/>
+          <a:ext cx="0" cy="0"/>
+          <a:chOff x="0" y="0"/>
+          <a:chExt cx="0" cy="0"/>
+        </a:xfrm>
+      </p:grpSpPr>
+      <p:sp>
+        <p:nvSpPr>
+          <p:cNvPr id="247810" name="Slide Image Placeholder 1"/>
+          <p:cNvSpPr>
+            <a:spLocks noGrp="1" noRot="1" noChangeAspect="1" noTextEdit="1"/>
+          </p:cNvSpPr>
+          <p:nvPr>
+            <p:ph type="sldImg"/>
+          </p:nvPr>
+        </p:nvSpPr>
+        <p:spPr bwMode="auto">
+          <a:xfrm>
+            <a:off x="381000" y="685800"/>
+            <a:ext cx="6096000" cy="3429000"/>
+          </a:xfrm>
+          <a:noFill/>
+          <a:ln>
+            <a:solidFill>
+              <a:srgbClr val="000000"/>
+            </a:solidFill>
+            <a:miter lim="800000"/>
+          </a:ln>
+        </p:spPr>
+      </p:sp>
+      <p:sp>
+        <p:nvSpPr>
+          <p:cNvPr id="3" name="Notes Placeholder 2"/>
+          <p:cNvSpPr>
+            <a:spLocks noGrp="1"/>
+          </p:cNvSpPr>
+          <p:nvPr>
+            <p:ph type="body" idx="1"/>
+          </p:nvPr>
+        </p:nvSpPr>
+        <p:spPr/>
+        <p:txBody>
+          <a:bodyPr wrap="square" numCol="1" anchor="t" anchorCtr="0" compatLnSpc="1"/>
+          <a:lstStyle/>
+          <a:p>
+            <a:pPr marL="542925" indent="-542925" eaLnBrk="1" hangingPunct="1">
+              <a:spcBef>
+                <a:spcPct val="0"/>
+              </a:spcBef>
+            </a:pPr>
+            <a:endParaRPr lang="en-US" altLang="zh-CN" dirty="0"/>
+          </a:p>
+        </p:txBody>
+      </p:sp>
+      <p:sp>
+        <p:nvSpPr>
+          <p:cNvPr id="247812" name="Slide Number Placeholder 3"/>
+          <p:cNvSpPr>
+            <a:spLocks noGrp="1"/>
+          </p:cNvSpPr>
+          <p:nvPr>
+            <p:ph type="sldNum" sz="quarter" idx="5"/>
+          </p:nvPr>
+        </p:nvSpPr>
+        <p:spPr bwMode="auto">
+          <a:extLst>
+            <a:ext uri="{909E8E84-426E-40DD-AFC4-6F175D3DCCD1}">
+              <a14:hiddenFill xmlns:a14="http://schemas.microsoft.com/office/drawing/2010/main">
+                <a:solidFill>
+                  <a:srgbClr val="FFFFFF"/>
+                </a:solidFill>
+              </a14:hiddenFill>
+            </a:ext>
+            <a:ext uri="{91240B29-F687-4F45-9708-019B960494DF}">
+              <a14:hiddenLine xmlns:a14="http://schemas.microsoft.com/office/drawing/2010/main" w="9525">
+                <a:solidFill>
+                  <a:srgbClr val="000000"/>
+                </a:solidFill>
+                <a:miter lim="800000"/>
+                <a:headEnd/>
+                <a:tailEnd/>
+              </a14:hiddenLine>
+            </a:ext>
+          </a:extLst>
+        </p:spPr>
+        <p:txBody>
+          <a:bodyPr/>
+          <a:lstStyle/>
+          <a:p>
+            <a:fld id="{CD5C04F1-088D-43BB-BF6A-7E5350A2ABBF}" type="slidenum">
+              <a:rPr lang="en-US" altLang="zh-CN">
+                <a:solidFill>
+                  <a:prstClr val="black"/>
+                </a:solidFill>
+              </a:rPr>
+              <a:t>18</a:t>
+            </a:fld>
+            <a:endParaRPr lang="en-US" altLang="zh-CN">
+              <a:solidFill>
+                <a:prstClr val="black"/>
+              </a:solidFill>
+            </a:endParaRPr>
+          </a:p>
+        </p:txBody>
+      </p:sp>
+    </p:spTree>
+    <p:extLst>
+      <p:ext uri="{BB962C8B-B14F-4D97-AF65-F5344CB8AC3E}">
+        <p14:creationId xmlns:p14="http://schemas.microsoft.com/office/powerpoint/2010/main" val="3005153859"/>
+      </p:ext>
+    </p:extLst>
   </p:cSld>
   <p:clrMapOvr>
     <a:masterClrMapping/>
@@ -1386,7 +1525,6 @@
               <a:rPr lang="zh-CN" altLang="en-US"/>
               <a:t>单击此处编辑母版标题样式</a:t>
             </a:r>
-            <a:endParaRPr lang="zh-CN" altLang="en-US"/>
           </a:p>
         </p:txBody>
       </p:sp>
@@ -1451,7 +1589,6 @@
               <a:rPr lang="zh-CN" altLang="en-US" dirty="0"/>
               <a:t>单击此处编辑母版副标题样式</a:t>
             </a:r>
-            <a:endParaRPr lang="zh-CN" altLang="en-US" dirty="0"/>
           </a:p>
         </p:txBody>
       </p:sp>
@@ -1472,6 +1609,7 @@
           <a:p>
             <a:fld id="{FC19A4FA-3D9A-4114-B0D5-759CBD56F1AB}" type="datetimeFigureOut">
               <a:rPr lang="zh-CN" altLang="en-US" smtClean="0"/>
+              <a:t>2021/11/20</a:t>
             </a:fld>
             <a:endParaRPr lang="zh-CN" altLang="en-US"/>
           </a:p>
@@ -1513,6 +1651,7 @@
           <a:p>
             <a:fld id="{506F4176-339E-4C4B-80E4-BBE9C4467EFE}" type="slidenum">
               <a:rPr lang="zh-CN" altLang="en-US" smtClean="0"/>
+              <a:t>‹#›</a:t>
             </a:fld>
             <a:endParaRPr lang="zh-CN" altLang="en-US"/>
           </a:p>
@@ -1593,7 +1732,6 @@
               <a:rPr lang="zh-CN" altLang="en-US"/>
               <a:t>单击此处编辑母版标题样式</a:t>
             </a:r>
-            <a:endParaRPr lang="zh-CN" altLang="en-US"/>
           </a:p>
         </p:txBody>
       </p:sp>
@@ -1617,7 +1755,6 @@
               <a:rPr lang="zh-CN" altLang="en-US"/>
               <a:t>单击此处编辑母版文本样式</a:t>
             </a:r>
-            <a:endParaRPr lang="zh-CN" altLang="en-US"/>
           </a:p>
           <a:p>
             <a:pPr lvl="1"/>
@@ -1625,7 +1762,6 @@
               <a:rPr lang="zh-CN" altLang="en-US"/>
               <a:t>第二级</a:t>
             </a:r>
-            <a:endParaRPr lang="zh-CN" altLang="en-US"/>
           </a:p>
           <a:p>
             <a:pPr lvl="2"/>
@@ -1633,7 +1769,6 @@
               <a:rPr lang="zh-CN" altLang="en-US"/>
               <a:t>第三级</a:t>
             </a:r>
-            <a:endParaRPr lang="zh-CN" altLang="en-US"/>
           </a:p>
           <a:p>
             <a:pPr lvl="3"/>
@@ -1641,7 +1776,6 @@
               <a:rPr lang="zh-CN" altLang="en-US"/>
               <a:t>第四级</a:t>
             </a:r>
-            <a:endParaRPr lang="zh-CN" altLang="en-US"/>
           </a:p>
           <a:p>
             <a:pPr lvl="4"/>
@@ -1649,7 +1783,6 @@
               <a:rPr lang="zh-CN" altLang="en-US"/>
               <a:t>第五级</a:t>
             </a:r>
-            <a:endParaRPr lang="zh-CN" altLang="en-US"/>
           </a:p>
         </p:txBody>
       </p:sp>
@@ -1670,6 +1803,7 @@
           <a:p>
             <a:fld id="{FC19A4FA-3D9A-4114-B0D5-759CBD56F1AB}" type="datetimeFigureOut">
               <a:rPr lang="zh-CN" altLang="en-US" smtClean="0"/>
+              <a:t>2021/11/20</a:t>
             </a:fld>
             <a:endParaRPr lang="zh-CN" altLang="en-US"/>
           </a:p>
@@ -1711,6 +1845,7 @@
           <a:p>
             <a:fld id="{506F4176-339E-4C4B-80E4-BBE9C4467EFE}" type="slidenum">
               <a:rPr lang="zh-CN" altLang="en-US" smtClean="0"/>
+              <a:t>‹#›</a:t>
             </a:fld>
             <a:endParaRPr lang="zh-CN" altLang="en-US"/>
           </a:p>
@@ -1765,7 +1900,6 @@
               <a:rPr lang="zh-CN" altLang="en-US"/>
               <a:t>单击此处编辑母版标题样式</a:t>
             </a:r>
-            <a:endParaRPr lang="zh-CN" altLang="en-US"/>
           </a:p>
         </p:txBody>
       </p:sp>
@@ -1794,7 +1928,6 @@
               <a:rPr lang="zh-CN" altLang="en-US"/>
               <a:t>单击此处编辑母版文本样式</a:t>
             </a:r>
-            <a:endParaRPr lang="zh-CN" altLang="en-US"/>
           </a:p>
           <a:p>
             <a:pPr lvl="1"/>
@@ -1802,7 +1935,6 @@
               <a:rPr lang="zh-CN" altLang="en-US"/>
               <a:t>第二级</a:t>
             </a:r>
-            <a:endParaRPr lang="zh-CN" altLang="en-US"/>
           </a:p>
           <a:p>
             <a:pPr lvl="2"/>
@@ -1810,7 +1942,6 @@
               <a:rPr lang="zh-CN" altLang="en-US"/>
               <a:t>第三级</a:t>
             </a:r>
-            <a:endParaRPr lang="zh-CN" altLang="en-US"/>
           </a:p>
           <a:p>
             <a:pPr lvl="3"/>
@@ -1818,7 +1949,6 @@
               <a:rPr lang="zh-CN" altLang="en-US"/>
               <a:t>第四级</a:t>
             </a:r>
-            <a:endParaRPr lang="zh-CN" altLang="en-US"/>
           </a:p>
           <a:p>
             <a:pPr lvl="4"/>
@@ -1826,7 +1956,6 @@
               <a:rPr lang="zh-CN" altLang="en-US"/>
               <a:t>第五级</a:t>
             </a:r>
-            <a:endParaRPr lang="zh-CN" altLang="en-US"/>
           </a:p>
         </p:txBody>
       </p:sp>
@@ -1847,6 +1976,7 @@
           <a:p>
             <a:fld id="{FC19A4FA-3D9A-4114-B0D5-759CBD56F1AB}" type="datetimeFigureOut">
               <a:rPr lang="zh-CN" altLang="en-US" smtClean="0"/>
+              <a:t>2021/11/20</a:t>
             </a:fld>
             <a:endParaRPr lang="zh-CN" altLang="en-US"/>
           </a:p>
@@ -1888,6 +2018,7 @@
           <a:p>
             <a:fld id="{506F4176-339E-4C4B-80E4-BBE9C4467EFE}" type="slidenum">
               <a:rPr lang="zh-CN" altLang="en-US" smtClean="0"/>
+              <a:t>‹#›</a:t>
             </a:fld>
             <a:endParaRPr lang="zh-CN" altLang="en-US"/>
           </a:p>
@@ -1942,7 +2073,6 @@
               <a:rPr lang="zh-CN" altLang="en-US" dirty="0"/>
               <a:t>单击此处编辑母版标题样式</a:t>
             </a:r>
-            <a:endParaRPr lang="zh-CN" altLang="en-US" dirty="0"/>
           </a:p>
         </p:txBody>
       </p:sp>
@@ -1982,7 +2112,6 @@
               <a:rPr lang="zh-CN" altLang="en-US" dirty="0"/>
               <a:t>单击此处编辑母版文本样式</a:t>
             </a:r>
-            <a:endParaRPr lang="zh-CN" altLang="en-US" dirty="0"/>
           </a:p>
           <a:p>
             <a:pPr lvl="1"/>
@@ -1990,7 +2119,6 @@
               <a:rPr lang="zh-CN" altLang="en-US" dirty="0"/>
               <a:t>第二级</a:t>
             </a:r>
-            <a:endParaRPr lang="zh-CN" altLang="en-US" dirty="0"/>
           </a:p>
           <a:p>
             <a:pPr lvl="2"/>
@@ -1998,7 +2126,6 @@
               <a:rPr lang="zh-CN" altLang="en-US" dirty="0"/>
               <a:t>第三级</a:t>
             </a:r>
-            <a:endParaRPr lang="zh-CN" altLang="en-US" dirty="0"/>
           </a:p>
           <a:p>
             <a:pPr lvl="3"/>
@@ -2006,7 +2133,6 @@
               <a:rPr lang="zh-CN" altLang="en-US" dirty="0"/>
               <a:t>第四级</a:t>
             </a:r>
-            <a:endParaRPr lang="zh-CN" altLang="en-US" dirty="0"/>
           </a:p>
           <a:p>
             <a:pPr lvl="4"/>
@@ -2014,7 +2140,6 @@
               <a:rPr lang="zh-CN" altLang="en-US" dirty="0"/>
               <a:t>第五级</a:t>
             </a:r>
-            <a:endParaRPr lang="zh-CN" altLang="en-US" dirty="0"/>
           </a:p>
         </p:txBody>
       </p:sp>
@@ -2035,6 +2160,7 @@
           <a:p>
             <a:fld id="{FC19A4FA-3D9A-4114-B0D5-759CBD56F1AB}" type="datetimeFigureOut">
               <a:rPr lang="zh-CN" altLang="en-US" smtClean="0"/>
+              <a:t>2021/11/20</a:t>
             </a:fld>
             <a:endParaRPr lang="zh-CN" altLang="en-US"/>
           </a:p>
@@ -2076,6 +2202,7 @@
           <a:p>
             <a:fld id="{506F4176-339E-4C4B-80E4-BBE9C4467EFE}" type="slidenum">
               <a:rPr lang="zh-CN" altLang="en-US" smtClean="0"/>
+              <a:t>‹#›</a:t>
             </a:fld>
             <a:endParaRPr lang="zh-CN" altLang="en-US"/>
           </a:p>
@@ -2158,7 +2285,6 @@
               <a:rPr lang="zh-CN" altLang="en-US"/>
               <a:t>单击此处编辑母版标题样式</a:t>
             </a:r>
-            <a:endParaRPr lang="zh-CN" altLang="en-US"/>
           </a:p>
         </p:txBody>
       </p:sp>
@@ -2187,7 +2313,6 @@
               <a:rPr lang="zh-CN" altLang="en-US"/>
               <a:t>单击此处编辑母版文本样式</a:t>
             </a:r>
-            <a:endParaRPr lang="zh-CN" altLang="en-US"/>
           </a:p>
           <a:p>
             <a:pPr lvl="1"/>
@@ -2195,7 +2320,6 @@
               <a:rPr lang="zh-CN" altLang="en-US"/>
               <a:t>第二级</a:t>
             </a:r>
-            <a:endParaRPr lang="zh-CN" altLang="en-US"/>
           </a:p>
           <a:p>
             <a:pPr lvl="2"/>
@@ -2203,7 +2327,6 @@
               <a:rPr lang="zh-CN" altLang="en-US"/>
               <a:t>第三级</a:t>
             </a:r>
-            <a:endParaRPr lang="zh-CN" altLang="en-US"/>
           </a:p>
           <a:p>
             <a:pPr lvl="3"/>
@@ -2211,7 +2334,6 @@
               <a:rPr lang="zh-CN" altLang="en-US"/>
               <a:t>第四级</a:t>
             </a:r>
-            <a:endParaRPr lang="zh-CN" altLang="en-US"/>
           </a:p>
           <a:p>
             <a:pPr lvl="4"/>
@@ -2219,7 +2341,6 @@
               <a:rPr lang="zh-CN" altLang="en-US"/>
               <a:t>第五级</a:t>
             </a:r>
-            <a:endParaRPr lang="zh-CN" altLang="en-US"/>
           </a:p>
         </p:txBody>
       </p:sp>
@@ -2248,7 +2369,6 @@
               <a:rPr lang="zh-CN" altLang="en-US"/>
               <a:t>单击此处编辑母版文本样式</a:t>
             </a:r>
-            <a:endParaRPr lang="zh-CN" altLang="en-US"/>
           </a:p>
           <a:p>
             <a:pPr lvl="1"/>
@@ -2256,7 +2376,6 @@
               <a:rPr lang="zh-CN" altLang="en-US"/>
               <a:t>第二级</a:t>
             </a:r>
-            <a:endParaRPr lang="zh-CN" altLang="en-US"/>
           </a:p>
           <a:p>
             <a:pPr lvl="2"/>
@@ -2264,7 +2383,6 @@
               <a:rPr lang="zh-CN" altLang="en-US"/>
               <a:t>第三级</a:t>
             </a:r>
-            <a:endParaRPr lang="zh-CN" altLang="en-US"/>
           </a:p>
           <a:p>
             <a:pPr lvl="3"/>
@@ -2272,7 +2390,6 @@
               <a:rPr lang="zh-CN" altLang="en-US"/>
               <a:t>第四级</a:t>
             </a:r>
-            <a:endParaRPr lang="zh-CN" altLang="en-US"/>
           </a:p>
           <a:p>
             <a:pPr lvl="4"/>
@@ -2280,7 +2397,6 @@
               <a:rPr lang="zh-CN" altLang="en-US"/>
               <a:t>第五级</a:t>
             </a:r>
-            <a:endParaRPr lang="zh-CN" altLang="en-US"/>
           </a:p>
         </p:txBody>
       </p:sp>
@@ -2301,6 +2417,7 @@
           <a:p>
             <a:fld id="{FC19A4FA-3D9A-4114-B0D5-759CBD56F1AB}" type="datetimeFigureOut">
               <a:rPr lang="zh-CN" altLang="en-US" smtClean="0"/>
+              <a:t>2021/11/20</a:t>
             </a:fld>
             <a:endParaRPr lang="zh-CN" altLang="en-US"/>
           </a:p>
@@ -2342,6 +2459,7 @@
           <a:p>
             <a:fld id="{506F4176-339E-4C4B-80E4-BBE9C4467EFE}" type="slidenum">
               <a:rPr lang="zh-CN" altLang="en-US" smtClean="0"/>
+              <a:t>‹#›</a:t>
             </a:fld>
             <a:endParaRPr lang="zh-CN" altLang="en-US"/>
           </a:p>
@@ -2424,7 +2542,6 @@
               <a:rPr lang="zh-CN" altLang="en-US"/>
               <a:t>单击此处编辑母版标题样式</a:t>
             </a:r>
-            <a:endParaRPr lang="zh-CN" altLang="en-US"/>
           </a:p>
         </p:txBody>
       </p:sp>
@@ -2490,7 +2607,6 @@
               <a:rPr lang="zh-CN" altLang="en-US"/>
               <a:t>单击此处编辑母版文本样式</a:t>
             </a:r>
-            <a:endParaRPr lang="zh-CN" altLang="en-US"/>
           </a:p>
         </p:txBody>
       </p:sp>
@@ -2519,7 +2635,6 @@
               <a:rPr lang="zh-CN" altLang="en-US"/>
               <a:t>单击此处编辑母版文本样式</a:t>
             </a:r>
-            <a:endParaRPr lang="zh-CN" altLang="en-US"/>
           </a:p>
           <a:p>
             <a:pPr lvl="1"/>
@@ -2527,7 +2642,6 @@
               <a:rPr lang="zh-CN" altLang="en-US"/>
               <a:t>第二级</a:t>
             </a:r>
-            <a:endParaRPr lang="zh-CN" altLang="en-US"/>
           </a:p>
           <a:p>
             <a:pPr lvl="2"/>
@@ -2535,7 +2649,6 @@
               <a:rPr lang="zh-CN" altLang="en-US"/>
               <a:t>第三级</a:t>
             </a:r>
-            <a:endParaRPr lang="zh-CN" altLang="en-US"/>
           </a:p>
           <a:p>
             <a:pPr lvl="3"/>
@@ -2543,7 +2656,6 @@
               <a:rPr lang="zh-CN" altLang="en-US"/>
               <a:t>第四级</a:t>
             </a:r>
-            <a:endParaRPr lang="zh-CN" altLang="en-US"/>
           </a:p>
           <a:p>
             <a:pPr lvl="4"/>
@@ -2551,7 +2663,6 @@
               <a:rPr lang="zh-CN" altLang="en-US"/>
               <a:t>第五级</a:t>
             </a:r>
-            <a:endParaRPr lang="zh-CN" altLang="en-US"/>
           </a:p>
         </p:txBody>
       </p:sp>
@@ -2617,7 +2728,6 @@
               <a:rPr lang="zh-CN" altLang="en-US"/>
               <a:t>单击此处编辑母版文本样式</a:t>
             </a:r>
-            <a:endParaRPr lang="zh-CN" altLang="en-US"/>
           </a:p>
         </p:txBody>
       </p:sp>
@@ -2646,7 +2756,6 @@
               <a:rPr lang="zh-CN" altLang="en-US"/>
               <a:t>单击此处编辑母版文本样式</a:t>
             </a:r>
-            <a:endParaRPr lang="zh-CN" altLang="en-US"/>
           </a:p>
           <a:p>
             <a:pPr lvl="1"/>
@@ -2654,7 +2763,6 @@
               <a:rPr lang="zh-CN" altLang="en-US"/>
               <a:t>第二级</a:t>
             </a:r>
-            <a:endParaRPr lang="zh-CN" altLang="en-US"/>
           </a:p>
           <a:p>
             <a:pPr lvl="2"/>
@@ -2662,7 +2770,6 @@
               <a:rPr lang="zh-CN" altLang="en-US"/>
               <a:t>第三级</a:t>
             </a:r>
-            <a:endParaRPr lang="zh-CN" altLang="en-US"/>
           </a:p>
           <a:p>
             <a:pPr lvl="3"/>
@@ -2670,7 +2777,6 @@
               <a:rPr lang="zh-CN" altLang="en-US"/>
               <a:t>第四级</a:t>
             </a:r>
-            <a:endParaRPr lang="zh-CN" altLang="en-US"/>
           </a:p>
           <a:p>
             <a:pPr lvl="4"/>
@@ -2678,7 +2784,6 @@
               <a:rPr lang="zh-CN" altLang="en-US"/>
               <a:t>第五级</a:t>
             </a:r>
-            <a:endParaRPr lang="zh-CN" altLang="en-US"/>
           </a:p>
         </p:txBody>
       </p:sp>
@@ -2699,6 +2804,7 @@
           <a:p>
             <a:fld id="{FC19A4FA-3D9A-4114-B0D5-759CBD56F1AB}" type="datetimeFigureOut">
               <a:rPr lang="zh-CN" altLang="en-US" smtClean="0"/>
+              <a:t>2021/11/20</a:t>
             </a:fld>
             <a:endParaRPr lang="zh-CN" altLang="en-US"/>
           </a:p>
@@ -2740,6 +2846,7 @@
           <a:p>
             <a:fld id="{506F4176-339E-4C4B-80E4-BBE9C4467EFE}" type="slidenum">
               <a:rPr lang="zh-CN" altLang="en-US" smtClean="0"/>
+              <a:t>‹#›</a:t>
             </a:fld>
             <a:endParaRPr lang="zh-CN" altLang="en-US"/>
           </a:p>
@@ -2826,7 +2933,6 @@
               <a:rPr lang="zh-CN" altLang="en-US"/>
               <a:t>单击此处编辑母版标题样式</a:t>
             </a:r>
-            <a:endParaRPr lang="zh-CN" altLang="en-US"/>
           </a:p>
         </p:txBody>
       </p:sp>
@@ -2946,7 +3052,6 @@
               <a:rPr lang="zh-CN" altLang="en-US"/>
               <a:t>单击此处编辑母版文本样式</a:t>
             </a:r>
-            <a:endParaRPr lang="zh-CN" altLang="en-US"/>
           </a:p>
         </p:txBody>
       </p:sp>
@@ -2967,6 +3072,7 @@
           <a:p>
             <a:fld id="{FC19A4FA-3D9A-4114-B0D5-759CBD56F1AB}" type="datetimeFigureOut">
               <a:rPr lang="zh-CN" altLang="en-US" smtClean="0"/>
+              <a:t>2021/11/20</a:t>
             </a:fld>
             <a:endParaRPr lang="zh-CN" altLang="en-US"/>
           </a:p>
@@ -3008,6 +3114,7 @@
           <a:p>
             <a:fld id="{506F4176-339E-4C4B-80E4-BBE9C4467EFE}" type="slidenum">
               <a:rPr lang="zh-CN" altLang="en-US" smtClean="0"/>
+              <a:t>‹#›</a:t>
             </a:fld>
             <a:endParaRPr lang="zh-CN" altLang="en-US"/>
           </a:p>
@@ -3085,7 +3192,6 @@
               <a:rPr lang="zh-CN" altLang="en-US"/>
               <a:t>单击此处编辑母版标题样式</a:t>
             </a:r>
-            <a:endParaRPr lang="zh-CN" altLang="en-US"/>
           </a:p>
         </p:txBody>
       </p:sp>
@@ -3106,6 +3212,7 @@
           <a:p>
             <a:fld id="{FC19A4FA-3D9A-4114-B0D5-759CBD56F1AB}" type="datetimeFigureOut">
               <a:rPr lang="zh-CN" altLang="en-US" smtClean="0"/>
+              <a:t>2021/11/20</a:t>
             </a:fld>
             <a:endParaRPr lang="zh-CN" altLang="en-US"/>
           </a:p>
@@ -3147,6 +3254,7 @@
           <a:p>
             <a:fld id="{506F4176-339E-4C4B-80E4-BBE9C4467EFE}" type="slidenum">
               <a:rPr lang="zh-CN" altLang="en-US" smtClean="0"/>
+              <a:t>‹#›</a:t>
             </a:fld>
             <a:endParaRPr lang="zh-CN" altLang="en-US"/>
           </a:p>
@@ -3194,6 +3302,7 @@
           <a:p>
             <a:fld id="{FC19A4FA-3D9A-4114-B0D5-759CBD56F1AB}" type="datetimeFigureOut">
               <a:rPr lang="zh-CN" altLang="en-US" smtClean="0"/>
+              <a:t>2021/11/20</a:t>
             </a:fld>
             <a:endParaRPr lang="zh-CN" altLang="en-US"/>
           </a:p>
@@ -3235,6 +3344,7 @@
           <a:p>
             <a:fld id="{506F4176-339E-4C4B-80E4-BBE9C4467EFE}" type="slidenum">
               <a:rPr lang="zh-CN" altLang="en-US" smtClean="0"/>
+              <a:t>‹#›</a:t>
             </a:fld>
             <a:endParaRPr lang="zh-CN" altLang="en-US"/>
           </a:p>
@@ -3293,7 +3403,6 @@
               <a:rPr lang="zh-CN" altLang="en-US"/>
               <a:t>单击此处编辑母版标题样式</a:t>
             </a:r>
-            <a:endParaRPr lang="zh-CN" altLang="en-US"/>
           </a:p>
         </p:txBody>
       </p:sp>
@@ -3350,7 +3459,6 @@
               <a:rPr lang="zh-CN" altLang="en-US"/>
               <a:t>单击此处编辑母版文本样式</a:t>
             </a:r>
-            <a:endParaRPr lang="zh-CN" altLang="en-US"/>
           </a:p>
           <a:p>
             <a:pPr lvl="1"/>
@@ -3358,7 +3466,6 @@
               <a:rPr lang="zh-CN" altLang="en-US"/>
               <a:t>第二级</a:t>
             </a:r>
-            <a:endParaRPr lang="zh-CN" altLang="en-US"/>
           </a:p>
           <a:p>
             <a:pPr lvl="2"/>
@@ -3366,7 +3473,6 @@
               <a:rPr lang="zh-CN" altLang="en-US"/>
               <a:t>第三级</a:t>
             </a:r>
-            <a:endParaRPr lang="zh-CN" altLang="en-US"/>
           </a:p>
           <a:p>
             <a:pPr lvl="3"/>
@@ -3374,7 +3480,6 @@
               <a:rPr lang="zh-CN" altLang="en-US"/>
               <a:t>第四级</a:t>
             </a:r>
-            <a:endParaRPr lang="zh-CN" altLang="en-US"/>
           </a:p>
           <a:p>
             <a:pPr lvl="4"/>
@@ -3382,7 +3487,6 @@
               <a:rPr lang="zh-CN" altLang="en-US"/>
               <a:t>第五级</a:t>
             </a:r>
-            <a:endParaRPr lang="zh-CN" altLang="en-US"/>
           </a:p>
         </p:txBody>
       </p:sp>
@@ -3448,7 +3552,6 @@
               <a:rPr lang="zh-CN" altLang="en-US"/>
               <a:t>单击此处编辑母版文本样式</a:t>
             </a:r>
-            <a:endParaRPr lang="zh-CN" altLang="en-US"/>
           </a:p>
         </p:txBody>
       </p:sp>
@@ -3469,6 +3572,7 @@
           <a:p>
             <a:fld id="{FC19A4FA-3D9A-4114-B0D5-759CBD56F1AB}" type="datetimeFigureOut">
               <a:rPr lang="zh-CN" altLang="en-US" smtClean="0"/>
+              <a:t>2021/11/20</a:t>
             </a:fld>
             <a:endParaRPr lang="zh-CN" altLang="en-US"/>
           </a:p>
@@ -3510,6 +3614,7 @@
           <a:p>
             <a:fld id="{506F4176-339E-4C4B-80E4-BBE9C4467EFE}" type="slidenum">
               <a:rPr lang="zh-CN" altLang="en-US" smtClean="0"/>
+              <a:t>‹#›</a:t>
             </a:fld>
             <a:endParaRPr lang="zh-CN" altLang="en-US"/>
           </a:p>
@@ -3568,7 +3673,6 @@
               <a:rPr lang="zh-CN" altLang="en-US"/>
               <a:t>单击此处编辑母版标题样式</a:t>
             </a:r>
-            <a:endParaRPr lang="zh-CN" altLang="en-US"/>
           </a:p>
         </p:txBody>
       </p:sp>
@@ -3695,7 +3799,6 @@
               <a:rPr lang="zh-CN" altLang="en-US"/>
               <a:t>单击此处编辑母版文本样式</a:t>
             </a:r>
-            <a:endParaRPr lang="zh-CN" altLang="en-US"/>
           </a:p>
         </p:txBody>
       </p:sp>
@@ -3716,6 +3819,7 @@
           <a:p>
             <a:fld id="{FC19A4FA-3D9A-4114-B0D5-759CBD56F1AB}" type="datetimeFigureOut">
               <a:rPr lang="zh-CN" altLang="en-US" smtClean="0"/>
+              <a:t>2021/11/20</a:t>
             </a:fld>
             <a:endParaRPr lang="zh-CN" altLang="en-US"/>
           </a:p>
@@ -3757,6 +3861,7 @@
           <a:p>
             <a:fld id="{506F4176-339E-4C4B-80E4-BBE9C4467EFE}" type="slidenum">
               <a:rPr lang="zh-CN" altLang="en-US" smtClean="0"/>
+              <a:t>‹#›</a:t>
             </a:fld>
             <a:endParaRPr lang="zh-CN" altLang="en-US"/>
           </a:p>
@@ -3821,7 +3926,6 @@
               <a:rPr lang="zh-CN" altLang="en-US" dirty="0"/>
               <a:t>单击此处编辑母版标题样式</a:t>
             </a:r>
-            <a:endParaRPr lang="zh-CN" altLang="en-US" dirty="0"/>
           </a:p>
         </p:txBody>
       </p:sp>
@@ -3855,7 +3959,6 @@
               <a:rPr lang="zh-CN" altLang="en-US" dirty="0"/>
               <a:t>单击此处编辑母版文本样式</a:t>
             </a:r>
-            <a:endParaRPr lang="zh-CN" altLang="en-US" dirty="0"/>
           </a:p>
           <a:p>
             <a:pPr lvl="1"/>
@@ -3863,7 +3966,6 @@
               <a:rPr lang="zh-CN" altLang="en-US" dirty="0"/>
               <a:t>第二级</a:t>
             </a:r>
-            <a:endParaRPr lang="zh-CN" altLang="en-US" dirty="0"/>
           </a:p>
           <a:p>
             <a:pPr lvl="2"/>
@@ -3871,7 +3973,6 @@
               <a:rPr lang="zh-CN" altLang="en-US" dirty="0"/>
               <a:t>第三级</a:t>
             </a:r>
-            <a:endParaRPr lang="zh-CN" altLang="en-US" dirty="0"/>
           </a:p>
           <a:p>
             <a:pPr lvl="3"/>
@@ -3879,7 +3980,6 @@
               <a:rPr lang="zh-CN" altLang="en-US" dirty="0"/>
               <a:t>第四级</a:t>
             </a:r>
-            <a:endParaRPr lang="zh-CN" altLang="en-US" dirty="0"/>
           </a:p>
           <a:p>
             <a:pPr lvl="4"/>
@@ -3887,7 +3987,6 @@
               <a:rPr lang="zh-CN" altLang="en-US" dirty="0"/>
               <a:t>第五级</a:t>
             </a:r>
-            <a:endParaRPr lang="zh-CN" altLang="en-US" dirty="0"/>
           </a:p>
         </p:txBody>
       </p:sp>
@@ -3926,6 +4025,7 @@
           <a:p>
             <a:fld id="{FC19A4FA-3D9A-4114-B0D5-759CBD56F1AB}" type="datetimeFigureOut">
               <a:rPr lang="zh-CN" altLang="en-US" smtClean="0"/>
+              <a:t>2021/11/20</a:t>
             </a:fld>
             <a:endParaRPr lang="zh-CN" altLang="en-US"/>
           </a:p>
@@ -4003,6 +4103,7 @@
           <a:p>
             <a:fld id="{506F4176-339E-4C4B-80E4-BBE9C4467EFE}" type="slidenum">
               <a:rPr lang="zh-CN" altLang="en-US" smtClean="0"/>
+              <a:t>‹#›</a:t>
             </a:fld>
             <a:endParaRPr lang="zh-CN" altLang="en-US"/>
           </a:p>
@@ -4017,7 +4118,7 @@
           <p:nvPr userDrawn="1"/>
         </p:nvPicPr>
         <p:blipFill>
-          <a:blip r:embed="rId12" cstate="print">
+          <a:blip r:embed="rId13" cstate="print">
             <a:extLst>
               <a:ext uri="{28A0092B-C50C-407E-A947-70E740481C1C}">
                 <a14:useLocalDpi xmlns:a14="http://schemas.microsoft.com/office/drawing/2010/main" val="0"/>
@@ -4521,7 +4622,7 @@
             <p:nvPr/>
           </p:nvPicPr>
           <p:blipFill>
-            <a:blip r:embed="rId1">
+            <a:blip r:embed="rId2">
               <a:extLst>
                 <a:ext uri="{28A0092B-C50C-407E-A947-70E740481C1C}">
                   <a14:useLocalDpi xmlns:a14="http://schemas.microsoft.com/office/drawing/2010/main" val="0"/>
@@ -4585,7 +4686,7 @@
             <p:nvPr/>
           </p:nvPicPr>
           <p:blipFill>
-            <a:blip r:embed="rId2">
+            <a:blip r:embed="rId3">
               <a:extLst>
                 <a:ext uri="{28A0092B-C50C-407E-A947-70E740481C1C}">
                   <a14:useLocalDpi xmlns:a14="http://schemas.microsoft.com/office/drawing/2010/main" val="0"/>
@@ -4650,7 +4751,7 @@
           <p:nvPr/>
         </p:nvPicPr>
         <p:blipFill>
-          <a:blip r:embed="rId3">
+          <a:blip r:embed="rId4">
             <a:extLst>
               <a:ext uri="{28A0092B-C50C-407E-A947-70E740481C1C}">
                 <a14:useLocalDpi xmlns:a14="http://schemas.microsoft.com/office/drawing/2010/main" val="0"/>
@@ -4709,7 +4810,7 @@
           <p:nvPr/>
         </p:nvPicPr>
         <p:blipFill>
-          <a:blip r:embed="rId4">
+          <a:blip r:embed="rId5">
             <a:extLst>
               <a:ext uri="{28A0092B-C50C-407E-A947-70E740481C1C}">
                 <a14:useLocalDpi xmlns:a14="http://schemas.microsoft.com/office/drawing/2010/main" val="0"/>
@@ -5887,7 +5988,7 @@
           <p:nvPr/>
         </p:nvPicPr>
         <p:blipFill>
-          <a:blip r:embed="rId1">
+          <a:blip r:embed="rId3">
             <a:extLst>
               <a:ext uri="{28A0092B-C50C-407E-A947-70E740481C1C}">
                 <a14:useLocalDpi xmlns:a14="http://schemas.microsoft.com/office/drawing/2010/main" val="0"/>
@@ -5951,7 +6052,7 @@
           <p:nvPr/>
         </p:nvPicPr>
         <p:blipFill>
-          <a:blip r:embed="rId2">
+          <a:blip r:embed="rId4">
             <a:extLst>
               <a:ext uri="{28A0092B-C50C-407E-A947-70E740481C1C}">
                 <a14:useLocalDpi xmlns:a14="http://schemas.microsoft.com/office/drawing/2010/main" val="0"/>
@@ -6032,7 +6133,6 @@
               <a:rPr lang="en-US" altLang="zh-CN" sz="4000" dirty="0"/>
               <a:t> Return object</a:t>
             </a:r>
-            <a:endParaRPr lang="en-US" altLang="zh-CN" sz="4000" dirty="0"/>
           </a:p>
         </p:txBody>
       </p:sp>
@@ -6101,7 +6201,6 @@
               <a:rPr lang="en-US" altLang="zh-CN" sz="2200" dirty="0"/>
               <a:t>Returning an object invokes the copy constructor, whereas returning a reference doesn’t.</a:t>
             </a:r>
-            <a:endParaRPr lang="en-US" altLang="zh-CN" sz="2200" dirty="0"/>
           </a:p>
           <a:p>
             <a:pPr marL="0" lvl="1"/>
@@ -6109,7 +6208,6 @@
               <a:rPr lang="en-US" altLang="zh-CN" sz="2200" dirty="0"/>
               <a:t>The reference should be to an object that exists when the calling function is executing.</a:t>
             </a:r>
-            <a:endParaRPr lang="en-US" altLang="zh-CN" sz="2200" dirty="0"/>
           </a:p>
         </p:txBody>
       </p:sp>
@@ -6669,7 +6767,7 @@
           <p:nvPr/>
         </p:nvPicPr>
         <p:blipFill>
-          <a:blip r:embed="rId1"/>
+          <a:blip r:embed="rId2"/>
           <a:stretch>
             <a:fillRect/>
           </a:stretch>
@@ -6693,7 +6791,7 @@
           <p:nvPr/>
         </p:nvPicPr>
         <p:blipFill>
-          <a:blip r:embed="rId2"/>
+          <a:blip r:embed="rId3"/>
           <a:stretch>
             <a:fillRect/>
           </a:stretch>
@@ -6747,7 +6845,6 @@
               <a:rPr lang="en-US" altLang="zh-CN" sz="2000" b="1" dirty="0"/>
               <a:t>assignment operator </a:t>
             </a:r>
-            <a:endParaRPr lang="en-US" altLang="zh-CN" sz="2000" b="1" dirty="0"/>
           </a:p>
           <a:p>
             <a:pPr marL="0" lvl="1"/>
@@ -6763,7 +6860,6 @@
               <a:rPr lang="en-US" altLang="zh-CN" sz="2000" dirty="0"/>
               <a:t>. The first is done for reasons of efficiency, and</a:t>
             </a:r>
-            <a:endParaRPr lang="en-US" altLang="zh-CN" sz="2000" dirty="0"/>
           </a:p>
           <a:p>
             <a:pPr marL="0" lvl="1"/>
@@ -6823,7 +6919,7 @@
           <p:nvPr/>
         </p:nvPicPr>
         <p:blipFill>
-          <a:blip r:embed="rId3">
+          <a:blip r:embed="rId4">
             <a:extLst>
               <a:ext uri="{28A0092B-C50C-407E-A947-70E740481C1C}">
                 <a14:useLocalDpi xmlns:a14="http://schemas.microsoft.com/office/drawing/2010/main" val="0"/>
@@ -7004,14 +7100,12 @@
                 <a:rPr lang="en-US" altLang="zh-CN" sz="1635" dirty="0"/>
                 <a:t>Returning a reference allows the function to avoid calling the String copy</a:t>
               </a:r>
-              <a:endParaRPr lang="en-US" altLang="zh-CN" sz="1635" dirty="0"/>
             </a:p>
             <a:p>
               <a:r>
                 <a:rPr lang="en-US" altLang="zh-CN" sz="1635" dirty="0"/>
                 <a:t>constructor to create a new String object. In this case, the return type is </a:t>
               </a:r>
-              <a:endParaRPr lang="en-US" altLang="zh-CN" sz="1635" dirty="0"/>
             </a:p>
             <a:p>
               <a:r>
@@ -7026,7 +7120,6 @@
                 <a:rPr lang="en-US" altLang="zh-CN" sz="1635" dirty="0"/>
                 <a:t> because the operator=() method return a reference to s2, which</a:t>
               </a:r>
-              <a:endParaRPr lang="en-US" altLang="zh-CN" sz="1635" dirty="0"/>
             </a:p>
             <a:p>
               <a:r>
@@ -7047,7 +7140,7 @@
           <p:nvPr/>
         </p:nvPicPr>
         <p:blipFill>
-          <a:blip r:embed="rId4">
+          <a:blip r:embed="rId5">
             <a:extLst>
               <a:ext uri="{28A0092B-C50C-407E-A947-70E740481C1C}">
                 <a14:useLocalDpi xmlns:a14="http://schemas.microsoft.com/office/drawing/2010/main" val="0"/>
@@ -7236,7 +7329,6 @@
                 <a:rPr lang="en-US" altLang="zh-CN" sz="1635" dirty="0"/>
                 <a:t> &amp;</a:t>
               </a:r>
-              <a:endParaRPr lang="en-US" altLang="zh-CN" sz="1635" dirty="0"/>
             </a:p>
             <a:p>
               <a:r>
@@ -7259,7 +7351,6 @@
                 <a:rPr lang="en-US" altLang="zh-CN" sz="1635" dirty="0"/>
                 <a:t> class </a:t>
               </a:r>
-              <a:endParaRPr lang="en-US" altLang="zh-CN" sz="1635" dirty="0"/>
             </a:p>
             <a:p>
               <a:r>
@@ -8005,7 +8096,7 @@
           <p:nvPr/>
         </p:nvPicPr>
         <p:blipFill>
-          <a:blip r:embed="rId1"/>
+          <a:blip r:embed="rId2"/>
           <a:stretch>
             <a:fillRect/>
           </a:stretch>
@@ -8029,7 +8120,7 @@
           <p:nvPr/>
         </p:nvPicPr>
         <p:blipFill>
-          <a:blip r:embed="rId2"/>
+          <a:blip r:embed="rId3"/>
           <a:stretch>
             <a:fillRect/>
           </a:stretch>
@@ -8075,11 +8166,6 @@
               </a:rPr>
               <a:t>If the object being returned is local to the called function, then it should not be returned by reference</a:t>
             </a:r>
-            <a:endParaRPr lang="en-US" altLang="zh-CN" sz="2000" dirty="0">
-              <a:solidFill>
-                <a:prstClr val="black"/>
-              </a:solidFill>
-            </a:endParaRPr>
           </a:p>
           <a:p>
             <a:pPr marL="0" lvl="1"/>
@@ -8091,11 +8177,6 @@
               </a:rPr>
               <a:t>because the local object has its destructor called when the function terminates. Thus, when control</a:t>
             </a:r>
-            <a:endParaRPr lang="en-US" altLang="zh-CN" sz="2000" dirty="0">
-              <a:solidFill>
-                <a:prstClr val="black"/>
-              </a:solidFill>
-            </a:endParaRPr>
           </a:p>
           <a:p>
             <a:pPr marL="0" lvl="1"/>
@@ -8185,11 +8266,6 @@
               </a:rPr>
               <a:t>There is the added expense of calling the copy constructor to create the returned object, but that is</a:t>
             </a:r>
-            <a:endParaRPr lang="en-US" altLang="zh-CN" sz="2200" dirty="0">
-              <a:solidFill>
-                <a:prstClr val="black"/>
-              </a:solidFill>
-            </a:endParaRPr>
           </a:p>
           <a:p>
             <a:pPr marL="0" lvl="1"/>
@@ -8367,11 +8443,6 @@
                     </a:rPr>
                     <a:t>The statement invokes the Rational constructor to create a temporary Rational </a:t>
                   </a:r>
-                  <a:endParaRPr lang="en-US" altLang="zh-CN" sz="2000" dirty="0">
-                    <a:solidFill>
-                      <a:prstClr val="black"/>
-                    </a:solidFill>
-                  </a:endParaRPr>
                 </a:p>
                 <a:p>
                   <a:r>
@@ -8382,11 +8453,6 @@
                     </a:rPr>
                     <a:t>object  and returns the object to the caller. The function shouldn’t return a </a:t>
                   </a:r>
-                  <a:endParaRPr lang="en-US" altLang="zh-CN" sz="2000" dirty="0">
-                    <a:solidFill>
-                      <a:prstClr val="black"/>
-                    </a:solidFill>
-                  </a:endParaRPr>
                 </a:p>
                 <a:p>
                   <a:r>
@@ -8397,11 +8463,6 @@
                     </a:rPr>
                     <a:t>reference to a temporary object,  it should return an actual Rational object, </a:t>
                   </a:r>
-                  <a:endParaRPr lang="en-US" altLang="zh-CN" sz="2000" dirty="0">
-                    <a:solidFill>
-                      <a:prstClr val="black"/>
-                    </a:solidFill>
-                  </a:endParaRPr>
                 </a:p>
                 <a:p>
                   <a:r>
@@ -8909,7 +8970,7 @@
           <p:nvPr/>
         </p:nvPicPr>
         <p:blipFill>
-          <a:blip r:embed="rId1"/>
+          <a:blip r:embed="rId2"/>
           <a:stretch>
             <a:fillRect/>
           </a:stretch>
@@ -9065,11 +9126,6 @@
               </a:rPr>
               <a:t> object. Then statement 1 is still allowed but the statement 2 </a:t>
             </a:r>
-            <a:endParaRPr lang="en-US" altLang="zh-CN" sz="2200" dirty="0">
-              <a:solidFill>
-                <a:prstClr val="black"/>
-              </a:solidFill>
-            </a:endParaRPr>
           </a:p>
           <a:p>
             <a:pPr marL="0" lvl="1"/>
@@ -9165,11 +9221,6 @@
                 </a:rPr>
                 <a:t> stands for the temporary object which the copy constructor constructs.</a:t>
               </a:r>
-              <a:endParaRPr lang="en-US" altLang="zh-CN" dirty="0">
-                <a:solidFill>
-                  <a:prstClr val="black"/>
-                </a:solidFill>
-              </a:endParaRPr>
             </a:p>
             <a:p>
               <a:r>
@@ -9196,11 +9247,6 @@
                 </a:rPr>
                 <a:t> and</a:t>
               </a:r>
-              <a:endParaRPr lang="en-US" altLang="zh-CN" dirty="0">
-                <a:solidFill>
-                  <a:prstClr val="black"/>
-                </a:solidFill>
-              </a:endParaRPr>
             </a:p>
             <a:p>
               <a:r>
@@ -9338,7 +9384,7 @@
           <p:nvPr/>
         </p:nvPicPr>
         <p:blipFill>
-          <a:blip r:embed="rId2"/>
+          <a:blip r:embed="rId3"/>
           <a:stretch>
             <a:fillRect/>
           </a:stretch>
@@ -9738,7 +9784,7 @@
           <p:nvPr/>
         </p:nvPicPr>
         <p:blipFill>
-          <a:blip r:embed="rId1"/>
+          <a:blip r:embed="rId2"/>
           <a:stretch>
             <a:fillRect/>
           </a:stretch>
@@ -10304,7 +10350,7 @@
           <p:nvPr/>
         </p:nvPicPr>
         <p:blipFill>
-          <a:blip r:embed="rId1"/>
+          <a:blip r:embed="rId2"/>
           <a:stretch>
             <a:fillRect/>
           </a:stretch>
@@ -10394,11 +10440,6 @@
               </a:rPr>
               <a:t>Remember, release the memory in the caller. But in some cases, you can not release any memory</a:t>
             </a:r>
-            <a:endParaRPr lang="en-US" altLang="zh-CN" sz="2200" dirty="0">
-              <a:solidFill>
-                <a:prstClr val="black"/>
-              </a:solidFill>
-            </a:endParaRPr>
           </a:p>
           <a:p>
             <a:pPr marL="0" lvl="1"/>
@@ -10874,7 +10915,7 @@
           <p:nvPr/>
         </p:nvPicPr>
         <p:blipFill>
-          <a:blip r:embed="rId2"/>
+          <a:blip r:embed="rId3"/>
           <a:stretch>
             <a:fillRect/>
           </a:stretch>
@@ -11343,7 +11384,6 @@
               <a:rPr lang="en-US" altLang="zh-CN" sz="3800" dirty="0"/>
               <a:t>Using Pointers to Objects</a:t>
             </a:r>
-            <a:endParaRPr lang="en-US" altLang="zh-CN" sz="3800" dirty="0"/>
           </a:p>
         </p:txBody>
       </p:sp>
@@ -11386,7 +11426,7 @@
           <p:nvPr/>
         </p:nvPicPr>
         <p:blipFill>
-          <a:blip r:embed="rId1"/>
+          <a:blip r:embed="rId3"/>
           <a:stretch>
             <a:fillRect/>
           </a:stretch>
@@ -12199,7 +12239,305 @@
         <p:cNvGrpSpPr/>
         <p:nvPr/>
       </p:nvGrpSpPr>
-      <p:grpSpPr/>
+      <p:grpSpPr>
+        <a:xfrm>
+          <a:off x="0" y="0"/>
+          <a:ext cx="0" cy="0"/>
+          <a:chOff x="0" y="0"/>
+          <a:chExt cx="0" cy="0"/>
+        </a:xfrm>
+      </p:grpSpPr>
+      <p:sp>
+        <p:nvSpPr>
+          <p:cNvPr id="10" name="Title 1"/>
+          <p:cNvSpPr>
+            <a:spLocks noGrp="1"/>
+          </p:cNvSpPr>
+          <p:nvPr>
+            <p:ph type="title"/>
+          </p:nvPr>
+        </p:nvSpPr>
+        <p:spPr>
+          <a:xfrm>
+            <a:off x="1336804" y="299129"/>
+            <a:ext cx="6880948" cy="971258"/>
+          </a:xfrm>
+        </p:spPr>
+        <p:txBody>
+          <a:bodyPr>
+            <a:noAutofit/>
+          </a:bodyPr>
+          <a:lstStyle/>
+          <a:p>
+            <a:r>
+              <a:rPr lang="en-US" altLang="zh-CN" sz="3800" dirty="0"/>
+              <a:t>Smart pointers</a:t>
+            </a:r>
+          </a:p>
+        </p:txBody>
+      </p:sp>
+      <p:sp>
+        <p:nvSpPr>
+          <p:cNvPr id="2" name="TextBox 1"/>
+          <p:cNvSpPr txBox="1"/>
+          <p:nvPr/>
+        </p:nvSpPr>
+        <p:spPr>
+          <a:xfrm>
+            <a:off x="789327" y="1512612"/>
+            <a:ext cx="10217990" cy="2308324"/>
+          </a:xfrm>
+          <a:prstGeom prst="rect">
+            <a:avLst/>
+          </a:prstGeom>
+          <a:noFill/>
+        </p:spPr>
+        <p:txBody>
+          <a:bodyPr wrap="none" rtlCol="0">
+            <a:spAutoFit/>
+          </a:bodyPr>
+          <a:lstStyle/>
+          <a:p>
+            <a:r>
+              <a:rPr lang="en-US" altLang="zh-CN" sz="2400" dirty="0"/>
+              <a:t>To make using dynamic memory easier (and safer), the new library provides two </a:t>
+            </a:r>
+          </a:p>
+          <a:p>
+            <a:r>
+              <a:rPr lang="en-US" altLang="zh-CN" sz="2400" dirty="0"/>
+              <a:t>smart pointer types(</a:t>
+            </a:r>
+            <a:r>
+              <a:rPr lang="en-US" altLang="zh-CN" sz="2400" b="1" dirty="0" err="1"/>
+              <a:t>unique_ptr</a:t>
+            </a:r>
+            <a:r>
+              <a:rPr lang="en-US" altLang="zh-CN" sz="2400" b="1" dirty="0"/>
+              <a:t> </a:t>
+            </a:r>
+            <a:r>
+              <a:rPr lang="en-US" altLang="zh-CN" sz="2400" dirty="0"/>
+              <a:t>and </a:t>
+            </a:r>
+            <a:r>
+              <a:rPr lang="en-US" altLang="zh-CN" sz="2400" b="1" dirty="0" err="1"/>
+              <a:t>shared_ptr</a:t>
+            </a:r>
+            <a:r>
+              <a:rPr lang="en-US" altLang="zh-CN" sz="2400" dirty="0"/>
+              <a:t>) that manage dynamic objects. </a:t>
+            </a:r>
+          </a:p>
+          <a:p>
+            <a:r>
+              <a:rPr lang="en-US" altLang="zh-CN" sz="2400" dirty="0"/>
+              <a:t>A smart pointer acts like a regular pointer with the important exception that it </a:t>
+            </a:r>
+          </a:p>
+          <a:p>
+            <a:r>
+              <a:rPr lang="en-US" altLang="zh-CN" sz="2400" dirty="0"/>
+              <a:t>automatically deletes the object to which it points. A</a:t>
+            </a:r>
+            <a:r>
+              <a:rPr lang="en-US" altLang="zh-CN" sz="2400" b="0" i="0" dirty="0">
+                <a:solidFill>
+                  <a:srgbClr val="171717"/>
+                </a:solidFill>
+                <a:effectLst/>
+                <a:latin typeface="Segoe UI" panose="020B0502040204020203" pitchFamily="34" charset="0"/>
+              </a:rPr>
+              <a:t> smart pointer is a class </a:t>
+            </a:r>
+          </a:p>
+          <a:p>
+            <a:r>
+              <a:rPr lang="en-US" altLang="zh-CN" sz="2400" b="0" i="0" dirty="0">
+                <a:solidFill>
+                  <a:srgbClr val="171717"/>
+                </a:solidFill>
+                <a:effectLst/>
+                <a:latin typeface="Segoe UI" panose="020B0502040204020203" pitchFamily="34" charset="0"/>
+              </a:rPr>
+              <a:t>template </a:t>
+            </a:r>
+            <a:r>
+              <a:rPr kumimoji="0" lang="zh-CN" altLang="zh-CN" sz="2400" b="0" i="0" u="none" strike="noStrike" cap="none" normalizeH="0" baseline="0" dirty="0">
+                <a:ln>
+                  <a:noFill/>
+                </a:ln>
+                <a:solidFill>
+                  <a:srgbClr val="171717"/>
+                </a:solidFill>
+                <a:effectLst/>
+                <a:latin typeface="Segoe UI" panose="020B0502040204020203" pitchFamily="34" charset="0"/>
+                <a:cs typeface="Segoe UI" panose="020B0502040204020203" pitchFamily="34" charset="0"/>
+              </a:rPr>
+              <a:t>defined in the </a:t>
+            </a:r>
+            <a:r>
+              <a:rPr lang="en-US" altLang="zh-CN" sz="2400" b="1" dirty="0">
+                <a:solidFill>
+                  <a:srgbClr val="171717"/>
+                </a:solidFill>
+                <a:latin typeface="Segoe UI" panose="020B0502040204020203" pitchFamily="34" charset="0"/>
+                <a:cs typeface="Segoe UI" panose="020B0502040204020203" pitchFamily="34" charset="0"/>
+              </a:rPr>
+              <a:t>s</a:t>
+            </a:r>
+            <a:r>
+              <a:rPr kumimoji="0" lang="en-US" altLang="zh-CN" sz="2400" b="1" i="0" u="none" strike="noStrike" cap="none" normalizeH="0" baseline="0" dirty="0">
+                <a:ln>
+                  <a:noFill/>
+                </a:ln>
+                <a:solidFill>
+                  <a:srgbClr val="171717"/>
+                </a:solidFill>
+                <a:effectLst/>
+                <a:latin typeface="Segoe UI" panose="020B0502040204020203" pitchFamily="34" charset="0"/>
+                <a:cs typeface="Segoe UI" panose="020B0502040204020203" pitchFamily="34" charset="0"/>
+              </a:rPr>
+              <a:t>td</a:t>
+            </a:r>
+            <a:r>
+              <a:rPr kumimoji="0" lang="en-US" altLang="zh-CN" sz="2400" b="0" i="0" u="none" strike="noStrike" cap="none" normalizeH="0" baseline="0" dirty="0">
+                <a:ln>
+                  <a:noFill/>
+                </a:ln>
+                <a:solidFill>
+                  <a:srgbClr val="171717"/>
+                </a:solidFill>
+                <a:effectLst/>
+                <a:latin typeface="Segoe UI" panose="020B0502040204020203" pitchFamily="34" charset="0"/>
+                <a:cs typeface="Segoe UI" panose="020B0502040204020203" pitchFamily="34" charset="0"/>
+              </a:rPr>
+              <a:t> </a:t>
+            </a:r>
+            <a:r>
+              <a:rPr kumimoji="0" lang="zh-CN" altLang="zh-CN" sz="2400" b="0" i="0" u="none" strike="noStrike" cap="none" normalizeH="0" baseline="0" dirty="0">
+                <a:ln>
+                  <a:noFill/>
+                </a:ln>
+                <a:solidFill>
+                  <a:srgbClr val="171717"/>
+                </a:solidFill>
+                <a:effectLst/>
+                <a:latin typeface="Segoe UI" panose="020B0502040204020203" pitchFamily="34" charset="0"/>
+                <a:cs typeface="Segoe UI" panose="020B0502040204020203" pitchFamily="34" charset="0"/>
+              </a:rPr>
+              <a:t>namespace in the </a:t>
+            </a:r>
+            <a:r>
+              <a:rPr kumimoji="0" lang="zh-CN" altLang="zh-CN" sz="2400" b="1" i="0" u="none" strike="noStrike" cap="none" normalizeH="0" baseline="0" dirty="0">
+                <a:ln>
+                  <a:noFill/>
+                </a:ln>
+                <a:solidFill>
+                  <a:schemeClr val="tx1"/>
+                </a:solidFill>
+                <a:effectLst/>
+                <a:latin typeface="Segoe UI" panose="020B0502040204020203" pitchFamily="34" charset="0"/>
+                <a:cs typeface="Segoe UI" panose="020B0502040204020203" pitchFamily="34" charset="0"/>
+              </a:rPr>
+              <a:t>&lt;memory&gt;</a:t>
+            </a:r>
+            <a:r>
+              <a:rPr kumimoji="0" lang="zh-CN" altLang="zh-CN" sz="2400" b="1" i="0" u="none" strike="noStrike" cap="none" normalizeH="0" baseline="0" dirty="0">
+                <a:ln>
+                  <a:noFill/>
+                </a:ln>
+                <a:solidFill>
+                  <a:srgbClr val="171717"/>
+                </a:solidFill>
+                <a:effectLst/>
+                <a:latin typeface="Segoe UI" panose="020B0502040204020203" pitchFamily="34" charset="0"/>
+                <a:cs typeface="Segoe UI" panose="020B0502040204020203" pitchFamily="34" charset="0"/>
+              </a:rPr>
+              <a:t> </a:t>
+            </a:r>
+            <a:r>
+              <a:rPr kumimoji="0" lang="zh-CN" altLang="zh-CN" sz="2400" b="0" i="0" u="none" strike="noStrike" cap="none" normalizeH="0" baseline="0" dirty="0">
+                <a:ln>
+                  <a:noFill/>
+                </a:ln>
+                <a:solidFill>
+                  <a:srgbClr val="171717"/>
+                </a:solidFill>
+                <a:effectLst/>
+                <a:latin typeface="Segoe UI" panose="020B0502040204020203" pitchFamily="34" charset="0"/>
+                <a:cs typeface="Segoe UI" panose="020B0502040204020203" pitchFamily="34" charset="0"/>
+              </a:rPr>
+              <a:t>header file.</a:t>
+            </a:r>
+            <a:r>
+              <a:rPr kumimoji="0" lang="zh-CN" altLang="zh-CN" sz="1200" b="0" i="0" u="none" strike="noStrike" cap="none" normalizeH="0" baseline="0" dirty="0">
+                <a:ln>
+                  <a:noFill/>
+                </a:ln>
+                <a:solidFill>
+                  <a:schemeClr val="tx1"/>
+                </a:solidFill>
+                <a:effectLst/>
+              </a:rPr>
+              <a:t> </a:t>
+            </a:r>
+            <a:endParaRPr kumimoji="0" lang="zh-CN" altLang="zh-CN" sz="3600" b="0" i="0" u="none" strike="noStrike" cap="none" normalizeH="0" baseline="0" dirty="0">
+              <a:ln>
+                <a:noFill/>
+              </a:ln>
+              <a:solidFill>
+                <a:schemeClr val="tx1"/>
+              </a:solidFill>
+              <a:effectLst/>
+              <a:latin typeface="Arial" panose="020B0604020202020204" pitchFamily="34" charset="0"/>
+            </a:endParaRPr>
+          </a:p>
+          <a:p>
+            <a:r>
+              <a:rPr lang="en-US" altLang="zh-CN" sz="2400" b="0" i="0" dirty="0">
+                <a:solidFill>
+                  <a:srgbClr val="171717"/>
+                </a:solidFill>
+                <a:effectLst/>
+                <a:latin typeface="Segoe UI" panose="020B0502040204020203" pitchFamily="34" charset="0"/>
+              </a:rPr>
+              <a:t> </a:t>
+            </a:r>
+            <a:endParaRPr lang="zh-CN" altLang="en-US" sz="2400" dirty="0"/>
+          </a:p>
+        </p:txBody>
+      </p:sp>
+    </p:spTree>
+    <p:extLst>
+      <p:ext uri="{BB962C8B-B14F-4D97-AF65-F5344CB8AC3E}">
+        <p14:creationId xmlns:p14="http://schemas.microsoft.com/office/powerpoint/2010/main" val="1138636665"/>
+      </p:ext>
+    </p:extLst>
+  </p:cSld>
+  <p:clrMapOvr>
+    <a:masterClrMapping/>
+  </p:clrMapOvr>
+</p:sld>
+</file>
+
+<file path=ppt/slides/slide19.xml><?xml version="1.0" encoding="utf-8"?>
+<p:sld xmlns:a="http://schemas.openxmlformats.org/drawingml/2006/main" xmlns:r="http://schemas.openxmlformats.org/officeDocument/2006/relationships" xmlns:p="http://schemas.openxmlformats.org/presentationml/2006/main">
+  <p:cSld>
+    <p:spTree>
+      <p:nvGrpSpPr>
+        <p:cNvPr id="1" name=""/>
+        <p:cNvGrpSpPr/>
+        <p:nvPr/>
+      </p:nvGrpSpPr>
+      <p:grpSpPr>
+        <a:xfrm>
+          <a:off x="0" y="0"/>
+          <a:ext cx="0" cy="0"/>
+          <a:chOff x="0" y="0"/>
+          <a:chExt cx="0" cy="0"/>
+        </a:xfrm>
+      </p:grpSpPr>
       <p:sp>
         <p:nvSpPr>
           <p:cNvPr id="2" name="标题 1"/>
@@ -12213,12 +12551,12 @@
         <p:spPr/>
         <p:txBody>
           <a:bodyPr/>
+          <a:lstStyle/>
           <a:p>
             <a:r>
               <a:rPr lang="en-US" altLang="zh-CN"/>
               <a:t>Unique pointer</a:t>
             </a:r>
-            <a:endParaRPr lang="en-US" altLang="zh-CN"/>
           </a:p>
         </p:txBody>
       </p:sp>
@@ -12235,33 +12573,30 @@
         <p:spPr/>
         <p:txBody>
           <a:bodyPr/>
+          <a:lstStyle/>
           <a:p>
             <a:r>
               <a:rPr lang="en-US" altLang="zh-CN"/>
               <a:t>C++ provides unique pointers to help manage your dynamic memory.</a:t>
             </a:r>
-            <a:endParaRPr lang="en-US" altLang="zh-CN"/>
           </a:p>
           <a:p>
             <a:r>
               <a:rPr lang="en-US" altLang="zh-CN"/>
               <a:t>A unique pointer object take ownership of a pointer.</a:t>
             </a:r>
-            <a:endParaRPr lang="en-US" altLang="zh-CN"/>
           </a:p>
           <a:p>
             <a:r>
               <a:rPr lang="en-US" altLang="zh-CN"/>
               <a:t>When the unique pointer is deleted, the memory is freed too.</a:t>
             </a:r>
-            <a:endParaRPr lang="en-US" altLang="zh-CN"/>
           </a:p>
           <a:p>
             <a:r>
               <a:rPr lang="en-US" altLang="zh-CN"/>
               <a:t>You can initialize it with a raw pointer.</a:t>
             </a:r>
-            <a:endParaRPr lang="en-US" altLang="zh-CN"/>
           </a:p>
         </p:txBody>
       </p:sp>
@@ -12274,7 +12609,7 @@
           <p:nvPr/>
         </p:nvPicPr>
         <p:blipFill>
-          <a:blip r:embed="rId1"/>
+          <a:blip r:embed="rId2"/>
           <a:stretch>
             <a:fillRect/>
           </a:stretch>
@@ -12298,7 +12633,7 @@
           <p:nvPr/>
         </p:nvPicPr>
         <p:blipFill>
-          <a:blip r:embed="rId2"/>
+          <a:blip r:embed="rId3"/>
           <a:stretch>
             <a:fillRect/>
           </a:stretch>
@@ -12307,116 +12642,6 @@
           <a:xfrm>
             <a:off x="7639685" y="4057015"/>
             <a:ext cx="3829050" cy="894080"/>
-          </a:xfrm>
-          <a:prstGeom prst="rect">
-            <a:avLst/>
-          </a:prstGeom>
-        </p:spPr>
-      </p:pic>
-    </p:spTree>
-  </p:cSld>
-  <p:clrMapOvr>
-    <a:masterClrMapping/>
-  </p:clrMapOvr>
-</p:sld>
-</file>
-
-<file path=ppt/slides/slide19.xml><?xml version="1.0" encoding="utf-8"?>
-<p:sld xmlns:a="http://schemas.openxmlformats.org/drawingml/2006/main" xmlns:r="http://schemas.openxmlformats.org/officeDocument/2006/relationships" xmlns:p="http://schemas.openxmlformats.org/presentationml/2006/main">
-  <p:cSld>
-    <p:spTree>
-      <p:nvGrpSpPr>
-        <p:cNvPr id="1" name=""/>
-        <p:cNvGrpSpPr/>
-        <p:nvPr/>
-      </p:nvGrpSpPr>
-      <p:grpSpPr/>
-      <p:sp>
-        <p:nvSpPr>
-          <p:cNvPr id="2" name="标题 1"/>
-          <p:cNvSpPr>
-            <a:spLocks noGrp="1"/>
-          </p:cNvSpPr>
-          <p:nvPr>
-            <p:ph type="title"/>
-          </p:nvPr>
-        </p:nvSpPr>
-        <p:spPr/>
-        <p:txBody>
-          <a:bodyPr/>
-          <a:p>
-            <a:r>
-              <a:rPr lang="en-US" altLang="zh-CN"/>
-              <a:t>Unique pointer</a:t>
-            </a:r>
-            <a:endParaRPr lang="en-US" altLang="zh-CN"/>
-          </a:p>
-        </p:txBody>
-      </p:sp>
-      <p:sp>
-        <p:nvSpPr>
-          <p:cNvPr id="3" name="内容占位符 2"/>
-          <p:cNvSpPr>
-            <a:spLocks noGrp="1"/>
-          </p:cNvSpPr>
-          <p:nvPr>
-            <p:ph idx="1"/>
-          </p:nvPr>
-        </p:nvSpPr>
-        <p:spPr/>
-        <p:txBody>
-          <a:bodyPr/>
-          <a:p>
-            <a:r>
-              <a:rPr lang="en-US" altLang="zh-CN"/>
-              <a:t>There are several ways to use a unique pointer:</a:t>
-            </a:r>
-            <a:endParaRPr lang="en-US" altLang="zh-CN"/>
-          </a:p>
-        </p:txBody>
-      </p:sp>
-      <p:pic>
-        <p:nvPicPr>
-          <p:cNvPr id="5" name="图片 4"/>
-          <p:cNvPicPr>
-            <a:picLocks noChangeAspect="1"/>
-          </p:cNvPicPr>
-          <p:nvPr/>
-        </p:nvPicPr>
-        <p:blipFill>
-          <a:blip r:embed="rId1"/>
-          <a:stretch>
-            <a:fillRect/>
-          </a:stretch>
-        </p:blipFill>
-        <p:spPr>
-          <a:xfrm>
-            <a:off x="6917055" y="2327910"/>
-            <a:ext cx="2816860" cy="1614805"/>
-          </a:xfrm>
-          <a:prstGeom prst="rect">
-            <a:avLst/>
-          </a:prstGeom>
-        </p:spPr>
-      </p:pic>
-      <p:pic>
-        <p:nvPicPr>
-          <p:cNvPr id="6" name="图片 5"/>
-          <p:cNvPicPr>
-            <a:picLocks noChangeAspect="1"/>
-          </p:cNvPicPr>
-          <p:nvPr/>
-        </p:nvPicPr>
-        <p:blipFill>
-          <a:blip r:embed="rId2"/>
-          <a:stretch>
-            <a:fillRect/>
-          </a:stretch>
-        </p:blipFill>
-        <p:spPr>
-          <a:xfrm>
-            <a:off x="1267460" y="2327910"/>
-            <a:ext cx="4728845" cy="3019425"/>
           </a:xfrm>
           <a:prstGeom prst="rect">
             <a:avLst/>
@@ -12476,13 +12701,6 @@
               </a:rPr>
               <a:t>Dynamic memory in classes</a:t>
             </a:r>
-            <a:endParaRPr lang="en-US" altLang="zh-CN" sz="4000" b="1" i="0" dirty="0">
-              <a:solidFill>
-                <a:srgbClr val="24292F"/>
-              </a:solidFill>
-              <a:effectLst/>
-              <a:cs typeface="+mj-lt"/>
-            </a:endParaRPr>
           </a:p>
         </p:txBody>
       </p:sp>
@@ -12516,9 +12734,6 @@
               </a:rPr>
               <a:t>Constructor and destructor</a:t>
             </a:r>
-            <a:endParaRPr lang="en-US" altLang="zh-CN" dirty="0">
-              <a:sym typeface="+mn-ea"/>
-            </a:endParaRPr>
           </a:p>
           <a:p>
             <a:pPr marL="285750" indent="-285750">
@@ -12531,9 +12746,6 @@
               </a:rPr>
               <a:t>Copy constructor</a:t>
             </a:r>
-            <a:endParaRPr lang="en-US" altLang="zh-CN" dirty="0">
-              <a:sym typeface="+mn-ea"/>
-            </a:endParaRPr>
           </a:p>
           <a:p>
             <a:pPr marL="285750" indent="-285750">
@@ -12546,9 +12758,6 @@
               </a:rPr>
               <a:t>Assignment operator</a:t>
             </a:r>
-            <a:endParaRPr lang="en-US" altLang="zh-CN" dirty="0">
-              <a:sym typeface="+mn-ea"/>
-            </a:endParaRPr>
           </a:p>
           <a:p>
             <a:pPr marL="285750" indent="-285750">
@@ -12561,9 +12770,6 @@
               </a:rPr>
               <a:t>Return objects</a:t>
             </a:r>
-            <a:endParaRPr lang="en-US" altLang="zh-CN" dirty="0">
-              <a:sym typeface="+mn-ea"/>
-            </a:endParaRPr>
           </a:p>
           <a:p>
             <a:pPr marL="285750" indent="-285750">
@@ -12576,9 +12782,18 @@
               </a:rPr>
               <a:t>Pointers to objects</a:t>
             </a:r>
-            <a:endParaRPr lang="en-US" altLang="zh-CN" dirty="0">
-              <a:sym typeface="+mn-ea"/>
-            </a:endParaRPr>
+          </a:p>
+          <a:p>
+            <a:pPr marL="285750" indent="-285750">
+              <a:buFont typeface="Arial" panose="020B0604020202020204" pitchFamily="34" charset="0"/>
+              <a:buChar char="•"/>
+            </a:pPr>
+            <a:r>
+              <a:rPr lang="en-US" altLang="zh-CN" dirty="0">
+                <a:sym typeface="+mn-ea"/>
+              </a:rPr>
+              <a:t>Smart pointers</a:t>
+            </a:r>
           </a:p>
           <a:p>
             <a:pPr marL="0" indent="0">
@@ -12607,7 +12822,14 @@
         <p:cNvGrpSpPr/>
         <p:nvPr/>
       </p:nvGrpSpPr>
-      <p:grpSpPr/>
+      <p:grpSpPr>
+        <a:xfrm>
+          <a:off x="0" y="0"/>
+          <a:ext cx="0" cy="0"/>
+          <a:chOff x="0" y="0"/>
+          <a:chExt cx="0" cy="0"/>
+        </a:xfrm>
+      </p:grpSpPr>
       <p:sp>
         <p:nvSpPr>
           <p:cNvPr id="2" name="标题 1"/>
@@ -12621,12 +12843,12 @@
         <p:spPr/>
         <p:txBody>
           <a:bodyPr/>
+          <a:lstStyle/>
           <a:p>
             <a:r>
               <a:rPr lang="en-US" altLang="zh-CN"/>
               <a:t>Unique pointer</a:t>
             </a:r>
-            <a:endParaRPr lang="en-US" altLang="zh-CN"/>
           </a:p>
         </p:txBody>
       </p:sp>
@@ -12643,40 +12865,57 @@
         <p:spPr/>
         <p:txBody>
           <a:bodyPr/>
+          <a:lstStyle/>
           <a:p>
             <a:r>
               <a:rPr lang="en-US" altLang="zh-CN"/>
-              <a:t>Does smart pointers always solve our problems?</a:t>
-            </a:r>
-            <a:endParaRPr lang="en-US" altLang="zh-CN"/>
-          </a:p>
-          <a:p>
-            <a:r>
-              <a:rPr lang="en-US" altLang="zh-CN"/>
-              <a:t>Can we do this?</a:t>
-            </a:r>
-            <a:endParaRPr lang="en-US" altLang="zh-CN"/>
+              <a:t>There are several ways to use a unique pointer:</a:t>
+            </a:r>
           </a:p>
         </p:txBody>
       </p:sp>
       <p:pic>
         <p:nvPicPr>
-          <p:cNvPr id="4" name="图片 3"/>
+          <p:cNvPr id="5" name="图片 4"/>
           <p:cNvPicPr>
             <a:picLocks noChangeAspect="1"/>
           </p:cNvPicPr>
           <p:nvPr/>
         </p:nvPicPr>
         <p:blipFill>
-          <a:blip r:embed="rId1"/>
+          <a:blip r:embed="rId2"/>
           <a:stretch>
             <a:fillRect/>
           </a:stretch>
         </p:blipFill>
         <p:spPr>
           <a:xfrm>
-            <a:off x="3543300" y="2663825"/>
-            <a:ext cx="3123565" cy="2176780"/>
+            <a:off x="6917055" y="2327910"/>
+            <a:ext cx="2816860" cy="1614805"/>
+          </a:xfrm>
+          <a:prstGeom prst="rect">
+            <a:avLst/>
+          </a:prstGeom>
+        </p:spPr>
+      </p:pic>
+      <p:pic>
+        <p:nvPicPr>
+          <p:cNvPr id="6" name="图片 5"/>
+          <p:cNvPicPr>
+            <a:picLocks noChangeAspect="1"/>
+          </p:cNvPicPr>
+          <p:nvPr/>
+        </p:nvPicPr>
+        <p:blipFill>
+          <a:blip r:embed="rId3"/>
+          <a:stretch>
+            <a:fillRect/>
+          </a:stretch>
+        </p:blipFill>
+        <p:spPr>
+          <a:xfrm>
+            <a:off x="1267460" y="2327910"/>
+            <a:ext cx="4728845" cy="3019425"/>
           </a:xfrm>
           <a:prstGeom prst="rect">
             <a:avLst/>
@@ -12700,7 +12939,14 @@
         <p:cNvGrpSpPr/>
         <p:nvPr/>
       </p:nvGrpSpPr>
-      <p:grpSpPr/>
+      <p:grpSpPr>
+        <a:xfrm>
+          <a:off x="0" y="0"/>
+          <a:ext cx="0" cy="0"/>
+          <a:chOff x="0" y="0"/>
+          <a:chExt cx="0" cy="0"/>
+        </a:xfrm>
+      </p:grpSpPr>
       <p:sp>
         <p:nvSpPr>
           <p:cNvPr id="2" name="标题 1"/>
@@ -12714,12 +12960,12 @@
         <p:spPr/>
         <p:txBody>
           <a:bodyPr/>
+          <a:lstStyle/>
           <a:p>
             <a:r>
               <a:rPr lang="en-US" altLang="zh-CN"/>
               <a:t>Unique pointer</a:t>
             </a:r>
-            <a:endParaRPr lang="en-US" altLang="zh-CN"/>
           </a:p>
         </p:txBody>
       </p:sp>
@@ -12736,12 +12982,18 @@
         <p:spPr/>
         <p:txBody>
           <a:bodyPr/>
+          <a:lstStyle/>
           <a:p>
             <a:r>
               <a:rPr lang="en-US" altLang="zh-CN"/>
-              <a:t>Try the following code:</a:t>
-            </a:r>
-            <a:endParaRPr lang="en-US" altLang="zh-CN"/>
+              <a:t>Does smart pointers always solve our problems?</a:t>
+            </a:r>
+          </a:p>
+          <a:p>
+            <a:r>
+              <a:rPr lang="en-US" altLang="zh-CN"/>
+              <a:t>Can we do this?</a:t>
+            </a:r>
           </a:p>
         </p:txBody>
       </p:sp>
@@ -12754,15 +13006,15 @@
           <p:nvPr/>
         </p:nvPicPr>
         <p:blipFill>
-          <a:blip r:embed="rId1"/>
+          <a:blip r:embed="rId2"/>
           <a:stretch>
             <a:fillRect/>
           </a:stretch>
         </p:blipFill>
         <p:spPr>
           <a:xfrm>
-            <a:off x="2011680" y="2292985"/>
-            <a:ext cx="3311525" cy="2481580"/>
+            <a:off x="3543300" y="2663825"/>
+            <a:ext cx="3123565" cy="2176780"/>
           </a:xfrm>
           <a:prstGeom prst="rect">
             <a:avLst/>
@@ -12786,7 +13038,14 @@
         <p:cNvGrpSpPr/>
         <p:nvPr/>
       </p:nvGrpSpPr>
-      <p:grpSpPr/>
+      <p:grpSpPr>
+        <a:xfrm>
+          <a:off x="0" y="0"/>
+          <a:ext cx="0" cy="0"/>
+          <a:chOff x="0" y="0"/>
+          <a:chExt cx="0" cy="0"/>
+        </a:xfrm>
+      </p:grpSpPr>
       <p:sp>
         <p:nvSpPr>
           <p:cNvPr id="2" name="标题 1"/>
@@ -12800,12 +13059,12 @@
         <p:spPr/>
         <p:txBody>
           <a:bodyPr/>
+          <a:lstStyle/>
           <a:p>
             <a:r>
               <a:rPr lang="en-US" altLang="zh-CN"/>
-              <a:t>Shared pointer</a:t>
-            </a:r>
-            <a:endParaRPr lang="en-US" altLang="zh-CN"/>
+              <a:t>Unique pointer</a:t>
+            </a:r>
           </a:p>
         </p:txBody>
       </p:sp>
@@ -12822,26 +13081,12 @@
         <p:spPr/>
         <p:txBody>
           <a:bodyPr/>
+          <a:lstStyle/>
           <a:p>
             <a:r>
               <a:rPr lang="en-US" altLang="zh-CN"/>
-              <a:t>C++ provides shared pointer to help manage your dynamic memory.</a:t>
-            </a:r>
-            <a:endParaRPr lang="en-US" altLang="zh-CN"/>
-          </a:p>
-          <a:p>
-            <a:r>
-              <a:rPr lang="en-US" altLang="zh-CN"/>
-              <a:t>You can make several shared pointers points to one piece of memory.</a:t>
-            </a:r>
-            <a:endParaRPr lang="en-US" altLang="zh-CN"/>
-          </a:p>
-          <a:p>
-            <a:r>
-              <a:rPr lang="en-US" altLang="zh-CN"/>
-              <a:t>If the last one of them is released, the dynamic memory is released.</a:t>
-            </a:r>
-            <a:endParaRPr lang="en-US" altLang="zh-CN"/>
+              <a:t>Try the following code:</a:t>
+            </a:r>
           </a:p>
         </p:txBody>
       </p:sp>
@@ -12854,7 +13099,112 @@
           <p:nvPr/>
         </p:nvPicPr>
         <p:blipFill>
-          <a:blip r:embed="rId1"/>
+          <a:blip r:embed="rId2"/>
+          <a:stretch>
+            <a:fillRect/>
+          </a:stretch>
+        </p:blipFill>
+        <p:spPr>
+          <a:xfrm>
+            <a:off x="2011680" y="2292985"/>
+            <a:ext cx="3311525" cy="2481580"/>
+          </a:xfrm>
+          <a:prstGeom prst="rect">
+            <a:avLst/>
+          </a:prstGeom>
+        </p:spPr>
+      </p:pic>
+    </p:spTree>
+  </p:cSld>
+  <p:clrMapOvr>
+    <a:masterClrMapping/>
+  </p:clrMapOvr>
+</p:sld>
+</file>
+
+<file path=ppt/slides/slide23.xml><?xml version="1.0" encoding="utf-8"?>
+<p:sld xmlns:a="http://schemas.openxmlformats.org/drawingml/2006/main" xmlns:r="http://schemas.openxmlformats.org/officeDocument/2006/relationships" xmlns:p="http://schemas.openxmlformats.org/presentationml/2006/main">
+  <p:cSld>
+    <p:spTree>
+      <p:nvGrpSpPr>
+        <p:cNvPr id="1" name=""/>
+        <p:cNvGrpSpPr/>
+        <p:nvPr/>
+      </p:nvGrpSpPr>
+      <p:grpSpPr>
+        <a:xfrm>
+          <a:off x="0" y="0"/>
+          <a:ext cx="0" cy="0"/>
+          <a:chOff x="0" y="0"/>
+          <a:chExt cx="0" cy="0"/>
+        </a:xfrm>
+      </p:grpSpPr>
+      <p:sp>
+        <p:nvSpPr>
+          <p:cNvPr id="2" name="标题 1"/>
+          <p:cNvSpPr>
+            <a:spLocks noGrp="1"/>
+          </p:cNvSpPr>
+          <p:nvPr>
+            <p:ph type="title"/>
+          </p:nvPr>
+        </p:nvSpPr>
+        <p:spPr/>
+        <p:txBody>
+          <a:bodyPr/>
+          <a:lstStyle/>
+          <a:p>
+            <a:r>
+              <a:rPr lang="en-US" altLang="zh-CN"/>
+              <a:t>Shared pointer</a:t>
+            </a:r>
+          </a:p>
+        </p:txBody>
+      </p:sp>
+      <p:sp>
+        <p:nvSpPr>
+          <p:cNvPr id="3" name="内容占位符 2"/>
+          <p:cNvSpPr>
+            <a:spLocks noGrp="1"/>
+          </p:cNvSpPr>
+          <p:nvPr>
+            <p:ph idx="1"/>
+          </p:nvPr>
+        </p:nvSpPr>
+        <p:spPr/>
+        <p:txBody>
+          <a:bodyPr/>
+          <a:lstStyle/>
+          <a:p>
+            <a:r>
+              <a:rPr lang="en-US" altLang="zh-CN"/>
+              <a:t>C++ provides shared pointer to help manage your dynamic memory.</a:t>
+            </a:r>
+          </a:p>
+          <a:p>
+            <a:r>
+              <a:rPr lang="en-US" altLang="zh-CN"/>
+              <a:t>You can make several shared pointers points to one piece of memory.</a:t>
+            </a:r>
+          </a:p>
+          <a:p>
+            <a:r>
+              <a:rPr lang="en-US" altLang="zh-CN"/>
+              <a:t>If the last one of them is released, the dynamic memory is released.</a:t>
+            </a:r>
+          </a:p>
+        </p:txBody>
+      </p:sp>
+      <p:pic>
+        <p:nvPicPr>
+          <p:cNvPr id="4" name="图片 3"/>
+          <p:cNvPicPr>
+            <a:picLocks noChangeAspect="1"/>
+          </p:cNvPicPr>
+          <p:nvPr/>
+        </p:nvPicPr>
+        <p:blipFill>
+          <a:blip r:embed="rId2"/>
           <a:stretch>
             <a:fillRect/>
           </a:stretch>
@@ -12878,7 +13228,7 @@
           <p:nvPr/>
         </p:nvPicPr>
         <p:blipFill>
-          <a:blip r:embed="rId2"/>
+          <a:blip r:embed="rId3"/>
           <a:stretch>
             <a:fillRect/>
           </a:stretch>
@@ -12887,104 +13237,6 @@
           <a:xfrm>
             <a:off x="6203950" y="3451860"/>
             <a:ext cx="3608070" cy="1183005"/>
-          </a:xfrm>
-          <a:prstGeom prst="rect">
-            <a:avLst/>
-          </a:prstGeom>
-        </p:spPr>
-      </p:pic>
-    </p:spTree>
-  </p:cSld>
-  <p:clrMapOvr>
-    <a:masterClrMapping/>
-  </p:clrMapOvr>
-</p:sld>
-</file>
-
-<file path=ppt/slides/slide23.xml><?xml version="1.0" encoding="utf-8"?>
-<p:sld xmlns:a="http://schemas.openxmlformats.org/drawingml/2006/main" xmlns:r="http://schemas.openxmlformats.org/officeDocument/2006/relationships" xmlns:p="http://schemas.openxmlformats.org/presentationml/2006/main">
-  <p:cSld>
-    <p:spTree>
-      <p:nvGrpSpPr>
-        <p:cNvPr id="1" name=""/>
-        <p:cNvGrpSpPr/>
-        <p:nvPr/>
-      </p:nvGrpSpPr>
-      <p:grpSpPr/>
-      <p:sp>
-        <p:nvSpPr>
-          <p:cNvPr id="2" name="标题 1"/>
-          <p:cNvSpPr>
-            <a:spLocks noGrp="1"/>
-          </p:cNvSpPr>
-          <p:nvPr>
-            <p:ph type="title"/>
-          </p:nvPr>
-        </p:nvSpPr>
-        <p:spPr/>
-        <p:txBody>
-          <a:bodyPr/>
-          <a:p>
-            <a:r>
-              <a:rPr lang="en-US" altLang="zh-CN"/>
-              <a:t>Shared pointer</a:t>
-            </a:r>
-            <a:endParaRPr lang="en-US" altLang="zh-CN"/>
-          </a:p>
-        </p:txBody>
-      </p:sp>
-      <p:sp>
-        <p:nvSpPr>
-          <p:cNvPr id="3" name="内容占位符 2"/>
-          <p:cNvSpPr>
-            <a:spLocks noGrp="1"/>
-          </p:cNvSpPr>
-          <p:nvPr>
-            <p:ph idx="1"/>
-          </p:nvPr>
-        </p:nvSpPr>
-        <p:spPr>
-          <a:xfrm>
-            <a:off x="838199" y="1003780"/>
-            <a:ext cx="11053879" cy="4849968"/>
-          </a:xfrm>
-        </p:spPr>
-        <p:txBody>
-          <a:bodyPr/>
-          <a:p>
-            <a:r>
-              <a:rPr lang="en-US" altLang="zh-CN"/>
-              <a:t>Does shared pointer always releases memory?</a:t>
-            </a:r>
-            <a:endParaRPr lang="en-US" altLang="zh-CN"/>
-          </a:p>
-          <a:p>
-            <a:r>
-              <a:rPr lang="en-US" altLang="zh-CN"/>
-              <a:t>Can we do this?</a:t>
-            </a:r>
-            <a:endParaRPr lang="en-US" altLang="zh-CN"/>
-          </a:p>
-        </p:txBody>
-      </p:sp>
-      <p:pic>
-        <p:nvPicPr>
-          <p:cNvPr id="4" name="图片 3"/>
-          <p:cNvPicPr>
-            <a:picLocks noChangeAspect="1"/>
-          </p:cNvPicPr>
-          <p:nvPr/>
-        </p:nvPicPr>
-        <p:blipFill>
-          <a:blip r:embed="rId1"/>
-          <a:stretch>
-            <a:fillRect/>
-          </a:stretch>
-        </p:blipFill>
-        <p:spPr>
-          <a:xfrm>
-            <a:off x="3834765" y="1464310"/>
-            <a:ext cx="3462655" cy="5393690"/>
           </a:xfrm>
           <a:prstGeom prst="rect">
             <a:avLst/>
@@ -13033,9 +13285,112 @@
           <a:p>
             <a:r>
               <a:rPr lang="en-US" altLang="zh-CN"/>
+              <a:t>Shared pointer</a:t>
+            </a:r>
+          </a:p>
+        </p:txBody>
+      </p:sp>
+      <p:sp>
+        <p:nvSpPr>
+          <p:cNvPr id="3" name="内容占位符 2"/>
+          <p:cNvSpPr>
+            <a:spLocks noGrp="1"/>
+          </p:cNvSpPr>
+          <p:nvPr>
+            <p:ph idx="1"/>
+          </p:nvPr>
+        </p:nvSpPr>
+        <p:spPr>
+          <a:xfrm>
+            <a:off x="838199" y="1003780"/>
+            <a:ext cx="11053879" cy="4849968"/>
+          </a:xfrm>
+        </p:spPr>
+        <p:txBody>
+          <a:bodyPr/>
+          <a:lstStyle/>
+          <a:p>
+            <a:r>
+              <a:rPr lang="en-US" altLang="zh-CN"/>
+              <a:t>Does shared pointer always releases memory?</a:t>
+            </a:r>
+          </a:p>
+          <a:p>
+            <a:r>
+              <a:rPr lang="en-US" altLang="zh-CN"/>
+              <a:t>Can we do this?</a:t>
+            </a:r>
+          </a:p>
+        </p:txBody>
+      </p:sp>
+      <p:pic>
+        <p:nvPicPr>
+          <p:cNvPr id="4" name="图片 3"/>
+          <p:cNvPicPr>
+            <a:picLocks noChangeAspect="1"/>
+          </p:cNvPicPr>
+          <p:nvPr/>
+        </p:nvPicPr>
+        <p:blipFill>
+          <a:blip r:embed="rId2"/>
+          <a:stretch>
+            <a:fillRect/>
+          </a:stretch>
+        </p:blipFill>
+        <p:spPr>
+          <a:xfrm>
+            <a:off x="3834765" y="1464310"/>
+            <a:ext cx="3462655" cy="5393690"/>
+          </a:xfrm>
+          <a:prstGeom prst="rect">
+            <a:avLst/>
+          </a:prstGeom>
+        </p:spPr>
+      </p:pic>
+    </p:spTree>
+  </p:cSld>
+  <p:clrMapOvr>
+    <a:masterClrMapping/>
+  </p:clrMapOvr>
+</p:sld>
+</file>
+
+<file path=ppt/slides/slide25.xml><?xml version="1.0" encoding="utf-8"?>
+<p:sld xmlns:a="http://schemas.openxmlformats.org/drawingml/2006/main" xmlns:r="http://schemas.openxmlformats.org/officeDocument/2006/relationships" xmlns:p="http://schemas.openxmlformats.org/presentationml/2006/main">
+  <p:cSld>
+    <p:spTree>
+      <p:nvGrpSpPr>
+        <p:cNvPr id="1" name=""/>
+        <p:cNvGrpSpPr/>
+        <p:nvPr/>
+      </p:nvGrpSpPr>
+      <p:grpSpPr>
+        <a:xfrm>
+          <a:off x="0" y="0"/>
+          <a:ext cx="0" cy="0"/>
+          <a:chOff x="0" y="0"/>
+          <a:chExt cx="0" cy="0"/>
+        </a:xfrm>
+      </p:grpSpPr>
+      <p:sp>
+        <p:nvSpPr>
+          <p:cNvPr id="2" name="标题 1"/>
+          <p:cNvSpPr>
+            <a:spLocks noGrp="1"/>
+          </p:cNvSpPr>
+          <p:nvPr>
+            <p:ph type="title"/>
+          </p:nvPr>
+        </p:nvSpPr>
+        <p:spPr/>
+        <p:txBody>
+          <a:bodyPr/>
+          <a:lstStyle/>
+          <a:p>
+            <a:r>
+              <a:rPr lang="en-US" altLang="zh-CN"/>
               <a:t>Exercise:</a:t>
             </a:r>
-            <a:endParaRPr lang="en-US" altLang="zh-CN"/>
           </a:p>
         </p:txBody>
       </p:sp>
@@ -13068,10 +13423,6 @@
               </a:rPr>
               <a:t>Create a class for matrices which elements are in float. The class should support the follow operations and has no memory management problem. When a matrix is assigned to another by =, the two matrices will share the same data.</a:t>
             </a:r>
-            <a:endParaRPr lang="en-US" altLang="zh-CN" sz="1600" b="0" dirty="0">
-              <a:effectLst/>
-              <a:latin typeface="Consolas" panose="020B0609020204030204" pitchFamily="49" charset="0"/>
-            </a:endParaRPr>
           </a:p>
           <a:p>
             <a:r>
@@ -13081,10 +13432,6 @@
               </a:rPr>
               <a:t>class Matrix{...};</a:t>
             </a:r>
-            <a:endParaRPr lang="en-US" altLang="zh-CN" sz="1600" b="0" dirty="0">
-              <a:effectLst/>
-              <a:latin typeface="Consolas" panose="020B0609020204030204" pitchFamily="49" charset="0"/>
-            </a:endParaRPr>
           </a:p>
           <a:p>
             <a:r>
@@ -13094,10 +13441,6 @@
               </a:rPr>
               <a:t>Matrix a(3,4);</a:t>
             </a:r>
-            <a:endParaRPr lang="en-US" altLang="zh-CN" sz="1600" b="0" dirty="0">
-              <a:effectLst/>
-              <a:latin typeface="Consolas" panose="020B0609020204030204" pitchFamily="49" charset="0"/>
-            </a:endParaRPr>
           </a:p>
           <a:p>
             <a:r>
@@ -13107,10 +13450,6 @@
               </a:rPr>
               <a:t>Matrix b(3,4);</a:t>
             </a:r>
-            <a:endParaRPr lang="en-US" altLang="zh-CN" sz="1600" b="0" dirty="0">
-              <a:effectLst/>
-              <a:latin typeface="Consolas" panose="020B0609020204030204" pitchFamily="49" charset="0"/>
-            </a:endParaRPr>
           </a:p>
           <a:p>
             <a:r>
@@ -13120,10 +13459,6 @@
               </a:rPr>
               <a:t>Matrix c = a + b;</a:t>
             </a:r>
-            <a:endParaRPr lang="en-US" altLang="zh-CN" sz="1600" b="0" dirty="0">
-              <a:effectLst/>
-              <a:latin typeface="Consolas" panose="020B0609020204030204" pitchFamily="49" charset="0"/>
-            </a:endParaRPr>
           </a:p>
           <a:p>
             <a:r>
@@ -13133,10 +13468,6 @@
               </a:rPr>
               <a:t>Matrix d = a * 2.0f;</a:t>
             </a:r>
-            <a:endParaRPr lang="en-US" altLang="zh-CN" sz="1600" b="0" dirty="0">
-              <a:effectLst/>
-              <a:latin typeface="Consolas" panose="020B0609020204030204" pitchFamily="49" charset="0"/>
-            </a:endParaRPr>
           </a:p>
           <a:p>
             <a:pPr marL="0" indent="0">
@@ -13206,7 +13537,6 @@
               <a:rPr lang="en-US" altLang="zh-CN" sz="4720" dirty="0"/>
               <a:t>Constructor and Destructor</a:t>
             </a:r>
-            <a:endParaRPr lang="en-US" altLang="zh-CN" sz="4720" dirty="0"/>
           </a:p>
         </p:txBody>
       </p:sp>
@@ -13257,11 +13587,6 @@
               </a:rPr>
               <a:t>, you should think more carefully  about </a:t>
             </a:r>
-            <a:endParaRPr lang="en-US" altLang="zh-CN" sz="2400" dirty="0">
-              <a:solidFill>
-                <a:prstClr val="black"/>
-              </a:solidFill>
-            </a:endParaRPr>
           </a:p>
           <a:p>
             <a:pPr marL="0" lvl="1"/>
@@ -13392,11 +13717,6 @@
               </a:rPr>
               <a:t> to allocate enough memory to hold the data where the </a:t>
             </a:r>
-            <a:endParaRPr lang="en-US" altLang="zh-CN" sz="2400" dirty="0">
-              <a:solidFill>
-                <a:prstClr val="black"/>
-              </a:solidFill>
-            </a:endParaRPr>
           </a:p>
           <a:p>
             <a:pPr marL="0" lvl="1"/>
@@ -13408,11 +13728,6 @@
               </a:rPr>
               <a:t>pointer points to. Second, initialize the storage space with proper data.</a:t>
             </a:r>
-            <a:endParaRPr lang="en-US" altLang="zh-CN" sz="2400" dirty="0">
-              <a:solidFill>
-                <a:prstClr val="black"/>
-              </a:solidFill>
-            </a:endParaRPr>
           </a:p>
         </p:txBody>
       </p:sp>
@@ -13629,7 +13944,7 @@
           <p:nvPr/>
         </p:nvPicPr>
         <p:blipFill>
-          <a:blip r:embed="rId1">
+          <a:blip r:embed="rId3">
             <a:extLst>
               <a:ext uri="{28A0092B-C50C-407E-A947-70E740481C1C}">
                 <a14:useLocalDpi xmlns:a14="http://schemas.microsoft.com/office/drawing/2010/main" val="0"/>
@@ -13688,7 +14003,7 @@
           <p:nvPr/>
         </p:nvPicPr>
         <p:blipFill>
-          <a:blip r:embed="rId2">
+          <a:blip r:embed="rId4">
             <a:extLst>
               <a:ext uri="{28A0092B-C50C-407E-A947-70E740481C1C}">
                 <a14:useLocalDpi xmlns:a14="http://schemas.microsoft.com/office/drawing/2010/main" val="0"/>
@@ -14240,7 +14555,7 @@
           <p:nvPr/>
         </p:nvPicPr>
         <p:blipFill>
-          <a:blip r:embed="rId1">
+          <a:blip r:embed="rId2">
             <a:extLst>
               <a:ext uri="{28A0092B-C50C-407E-A947-70E740481C1C}">
                 <a14:useLocalDpi xmlns:a14="http://schemas.microsoft.com/office/drawing/2010/main" val="0"/>
@@ -14418,7 +14733,7 @@
           <p:nvPr/>
         </p:nvPicPr>
         <p:blipFill>
-          <a:blip r:embed="rId2">
+          <a:blip r:embed="rId3">
             <a:extLst>
               <a:ext uri="{28A0092B-C50C-407E-A947-70E740481C1C}">
                 <a14:useLocalDpi xmlns:a14="http://schemas.microsoft.com/office/drawing/2010/main" val="0"/>
@@ -14923,7 +15238,6 @@
               <a:rPr lang="en-US" altLang="zh-CN" sz="4720" dirty="0"/>
               <a:t> Copy Constructor</a:t>
             </a:r>
-            <a:endParaRPr lang="en-US" altLang="zh-CN" sz="4720" dirty="0"/>
           </a:p>
         </p:txBody>
       </p:sp>
@@ -15495,7 +15809,7 @@
           <p:nvPr/>
         </p:nvPicPr>
         <p:blipFill>
-          <a:blip r:embed="rId1">
+          <a:blip r:embed="rId3">
             <a:extLst>
               <a:ext uri="{28A0092B-C50C-407E-A947-70E740481C1C}">
                 <a14:useLocalDpi xmlns:a14="http://schemas.microsoft.com/office/drawing/2010/main" val="0"/>
@@ -15961,7 +16275,6 @@
               <a:rPr lang="en-US" altLang="zh-CN" sz="2180" dirty="0"/>
               <a:t>Complex c1 (c2);</a:t>
             </a:r>
-            <a:endParaRPr lang="en-US" altLang="zh-CN" sz="2180" dirty="0"/>
           </a:p>
           <a:p>
             <a:pPr>
@@ -15973,7 +16286,6 @@
               <a:rPr lang="en-US" altLang="zh-CN" sz="2180" dirty="0"/>
               <a:t>Complex c3 = c1;</a:t>
             </a:r>
-            <a:endParaRPr lang="en-US" altLang="zh-CN" sz="2180" dirty="0"/>
           </a:p>
           <a:p>
             <a:pPr>
@@ -15985,7 +16297,6 @@
               <a:rPr lang="en-US" altLang="zh-CN" sz="2180" dirty="0"/>
               <a:t>Complex c4 = Complex(c1);</a:t>
             </a:r>
-            <a:endParaRPr lang="en-US" altLang="zh-CN" sz="2180" dirty="0"/>
           </a:p>
           <a:p>
             <a:pPr>
@@ -16187,21 +16498,18 @@
               <a:rPr lang="en-US" altLang="zh-CN" sz="2400" dirty="0"/>
               <a:t>1. When a class object is returned by value.</a:t>
             </a:r>
-            <a:endParaRPr lang="en-US" altLang="zh-CN" sz="2400" dirty="0"/>
           </a:p>
           <a:p>
             <a:r>
               <a:rPr lang="en-US" altLang="zh-CN" sz="2400" dirty="0"/>
               <a:t>2. When an object is passed to a function as an argument and is passed by value.</a:t>
             </a:r>
-            <a:endParaRPr lang="en-US" altLang="zh-CN" sz="2400" dirty="0"/>
           </a:p>
           <a:p>
             <a:r>
               <a:rPr lang="en-US" altLang="zh-CN" sz="2400" dirty="0"/>
               <a:t>3. When an object is constructed from another object of the same class.</a:t>
             </a:r>
-            <a:endParaRPr lang="en-US" altLang="zh-CN" sz="2400" dirty="0"/>
           </a:p>
           <a:p>
             <a:r>
@@ -16628,7 +16936,6 @@
               <a:rPr lang="en-US" altLang="zh-CN" sz="4000" dirty="0"/>
               <a:t> Assignment Operator</a:t>
             </a:r>
-            <a:endParaRPr lang="en-US" altLang="zh-CN" sz="4000" dirty="0"/>
           </a:p>
         </p:txBody>
       </p:sp>
@@ -16786,11 +17093,6 @@
               </a:rPr>
               <a:t>to free former obligations.</a:t>
             </a:r>
-            <a:endParaRPr lang="en-US" altLang="zh-CN" sz="2200" dirty="0">
-              <a:solidFill>
-                <a:prstClr val="black"/>
-              </a:solidFill>
-            </a:endParaRPr>
           </a:p>
           <a:p>
             <a:pPr marL="311150" indent="-311150">
@@ -16805,11 +17107,6 @@
               </a:rPr>
               <a:t>The function should protect against assigning an object to itself; otherwise, the freeing of memory described previously could erase the object’s contents before they are reassigned.</a:t>
             </a:r>
-            <a:endParaRPr lang="en-US" altLang="zh-CN" sz="2200" dirty="0">
-              <a:solidFill>
-                <a:prstClr val="black"/>
-              </a:solidFill>
-            </a:endParaRPr>
           </a:p>
           <a:p>
             <a:pPr marL="311150" indent="-311150">
@@ -16841,7 +17138,7 @@
           <p:nvPr/>
         </p:nvPicPr>
         <p:blipFill>
-          <a:blip r:embed="rId1">
+          <a:blip r:embed="rId3">
             <a:extLst>
               <a:ext uri="{28A0092B-C50C-407E-A947-70E740481C1C}">
                 <a14:useLocalDpi xmlns:a14="http://schemas.microsoft.com/office/drawing/2010/main" val="0"/>
@@ -18489,6 +18786,8 @@
       </a:bgFillStyleLst>
     </a:fmtScheme>
   </a:themeElements>
+  <a:objectDefaults/>
+  <a:extraClrSchemeLst/>
   <a:extLst>
     <a:ext uri="{05A4C25C-085E-4340-85A3-A5531E510DB2}">
       <thm15:themeFamily xmlns:thm15="http://schemas.microsoft.com/office/thememl/2012/main" name="Office Theme" id="{62F939B6-93AF-4DB8-9C6B-D6C7DFDC589F}" vid="{4A3C46E8-61CC-4603-A589-7422A47A8E4A}"/>
@@ -18748,6 +19047,8 @@
       </a:bgFillStyleLst>
     </a:fmtScheme>
   </a:themeElements>
+  <a:objectDefaults/>
+  <a:extraClrSchemeLst/>
   <a:extLst>
     <a:ext uri="{05A4C25C-085E-4340-85A3-A5531E510DB2}">
       <thm15:themeFamily xmlns:thm15="http://schemas.microsoft.com/office/thememl/2012/main" name="Office Theme" id="{62F939B6-93AF-4DB8-9C6B-D6C7DFDC589F}" vid="{4A3C46E8-61CC-4603-A589-7422A47A8E4A}"/>

--- a/week11/Lab11.pptx
+++ b/week11/Lab11.pptx
@@ -209,7 +209,7 @@
           <a:p>
             <a:fld id="{D1237EF7-A117-46B7-88A8-1B7FB98FF0F2}" type="datetimeFigureOut">
               <a:rPr lang="zh-CN" altLang="en-US" smtClean="0"/>
-              <a:t>2022/11/22</a:t>
+              <a:t>2022/11/24</a:t>
             </a:fld>
             <a:endParaRPr lang="zh-CN" altLang="en-US"/>
           </a:p>
@@ -853,7 +853,7 @@
           <a:p>
             <a:fld id="{FC19A4FA-3D9A-4114-B0D5-759CBD56F1AB}" type="datetimeFigureOut">
               <a:rPr lang="zh-CN" altLang="en-US" smtClean="0"/>
-              <a:t>2022/11/22</a:t>
+              <a:t>2022/11/24</a:t>
             </a:fld>
             <a:endParaRPr lang="zh-CN" altLang="en-US"/>
           </a:p>
@@ -1047,7 +1047,7 @@
           <a:p>
             <a:fld id="{FC19A4FA-3D9A-4114-B0D5-759CBD56F1AB}" type="datetimeFigureOut">
               <a:rPr lang="zh-CN" altLang="en-US" smtClean="0"/>
-              <a:t>2022/11/22</a:t>
+              <a:t>2022/11/24</a:t>
             </a:fld>
             <a:endParaRPr lang="zh-CN" altLang="en-US"/>
           </a:p>
@@ -1220,7 +1220,7 @@
           <a:p>
             <a:fld id="{FC19A4FA-3D9A-4114-B0D5-759CBD56F1AB}" type="datetimeFigureOut">
               <a:rPr lang="zh-CN" altLang="en-US" smtClean="0"/>
-              <a:t>2022/11/22</a:t>
+              <a:t>2022/11/24</a:t>
             </a:fld>
             <a:endParaRPr lang="zh-CN" altLang="en-US"/>
           </a:p>
@@ -1404,7 +1404,7 @@
           <a:p>
             <a:fld id="{FC19A4FA-3D9A-4114-B0D5-759CBD56F1AB}" type="datetimeFigureOut">
               <a:rPr lang="zh-CN" altLang="en-US" smtClean="0"/>
-              <a:t>2022/11/22</a:t>
+              <a:t>2022/11/24</a:t>
             </a:fld>
             <a:endParaRPr lang="zh-CN" altLang="en-US"/>
           </a:p>
@@ -1661,7 +1661,7 @@
           <a:p>
             <a:fld id="{FC19A4FA-3D9A-4114-B0D5-759CBD56F1AB}" type="datetimeFigureOut">
               <a:rPr lang="zh-CN" altLang="en-US" smtClean="0"/>
-              <a:t>2022/11/22</a:t>
+              <a:t>2022/11/24</a:t>
             </a:fld>
             <a:endParaRPr lang="zh-CN" altLang="en-US"/>
           </a:p>
@@ -2048,7 +2048,7 @@
           <a:p>
             <a:fld id="{FC19A4FA-3D9A-4114-B0D5-759CBD56F1AB}" type="datetimeFigureOut">
               <a:rPr lang="zh-CN" altLang="en-US" smtClean="0"/>
-              <a:t>2022/11/22</a:t>
+              <a:t>2022/11/24</a:t>
             </a:fld>
             <a:endParaRPr lang="zh-CN" altLang="en-US"/>
           </a:p>
@@ -2316,7 +2316,7 @@
           <a:p>
             <a:fld id="{FC19A4FA-3D9A-4114-B0D5-759CBD56F1AB}" type="datetimeFigureOut">
               <a:rPr lang="zh-CN" altLang="en-US" smtClean="0"/>
-              <a:t>2022/11/22</a:t>
+              <a:t>2022/11/24</a:t>
             </a:fld>
             <a:endParaRPr lang="zh-CN" altLang="en-US"/>
           </a:p>
@@ -2456,7 +2456,7 @@
           <a:p>
             <a:fld id="{FC19A4FA-3D9A-4114-B0D5-759CBD56F1AB}" type="datetimeFigureOut">
               <a:rPr lang="zh-CN" altLang="en-US" smtClean="0"/>
-              <a:t>2022/11/22</a:t>
+              <a:t>2022/11/24</a:t>
             </a:fld>
             <a:endParaRPr lang="zh-CN" altLang="en-US"/>
           </a:p>
@@ -2546,7 +2546,7 @@
           <a:p>
             <a:fld id="{FC19A4FA-3D9A-4114-B0D5-759CBD56F1AB}" type="datetimeFigureOut">
               <a:rPr lang="zh-CN" altLang="en-US" smtClean="0"/>
-              <a:t>2022/11/22</a:t>
+              <a:t>2022/11/24</a:t>
             </a:fld>
             <a:endParaRPr lang="zh-CN" altLang="en-US"/>
           </a:p>
@@ -2816,7 +2816,7 @@
           <a:p>
             <a:fld id="{FC19A4FA-3D9A-4114-B0D5-759CBD56F1AB}" type="datetimeFigureOut">
               <a:rPr lang="zh-CN" altLang="en-US" smtClean="0"/>
-              <a:t>2022/11/22</a:t>
+              <a:t>2022/11/24</a:t>
             </a:fld>
             <a:endParaRPr lang="zh-CN" altLang="en-US"/>
           </a:p>
@@ -3063,7 +3063,7 @@
           <a:p>
             <a:fld id="{FC19A4FA-3D9A-4114-B0D5-759CBD56F1AB}" type="datetimeFigureOut">
               <a:rPr lang="zh-CN" altLang="en-US" smtClean="0"/>
-              <a:t>2022/11/22</a:t>
+              <a:t>2022/11/24</a:t>
             </a:fld>
             <a:endParaRPr lang="zh-CN" altLang="en-US"/>
           </a:p>
@@ -3269,7 +3269,7 @@
           <a:p>
             <a:fld id="{FC19A4FA-3D9A-4114-B0D5-759CBD56F1AB}" type="datetimeFigureOut">
               <a:rPr lang="zh-CN" altLang="en-US" smtClean="0"/>
-              <a:t>2022/11/22</a:t>
+              <a:t>2022/11/24</a:t>
             </a:fld>
             <a:endParaRPr lang="zh-CN" altLang="en-US"/>
           </a:p>
@@ -4191,7 +4191,7 @@
           <a:lstStyle/>
           <a:p>
             <a:r>
-              <a:rPr lang="en-US" altLang="zh-CN"/>
+              <a:rPr lang="en-US" altLang="zh-CN" dirty="0"/>
               <a:t>Exercise:</a:t>
             </a:r>
           </a:p>
@@ -4215,62 +4215,161 @@
         </p:spPr>
         <p:txBody>
           <a:bodyPr>
-            <a:normAutofit/>
+            <a:normAutofit lnSpcReduction="10000"/>
           </a:bodyPr>
           <a:lstStyle/>
           <a:p>
             <a:r>
-              <a:rPr lang="en-US" altLang="zh-CN" sz="1600" b="0" dirty="0">
+              <a:rPr lang="en-US" altLang="zh-CN" b="0" dirty="0">
+                <a:effectLst/>
+              </a:rPr>
+              <a:t>Create a class Matrix </a:t>
+            </a:r>
+            <a:r>
+              <a:rPr lang="en-US" altLang="zh-CN" dirty="0"/>
+              <a:t>to describe a matrix</a:t>
+            </a:r>
+            <a:r>
+              <a:rPr lang="en-US" altLang="zh-CN" b="0" dirty="0">
+                <a:effectLst/>
+              </a:rPr>
+              <a:t>. The element type is float. </a:t>
+            </a:r>
+            <a:r>
+              <a:rPr lang="en-US" altLang="zh-CN" dirty="0"/>
+              <a:t>One member of the class is </a:t>
+            </a:r>
+            <a:r>
+              <a:rPr lang="en-US" altLang="zh-CN" dirty="0" err="1">
+                <a:solidFill>
+                  <a:srgbClr val="0000CC"/>
+                </a:solidFill>
+              </a:rPr>
+              <a:t>shared_ptr</a:t>
+            </a:r>
+            <a:r>
+              <a:rPr lang="en-US" altLang="zh-CN" dirty="0">
+                <a:solidFill>
+                  <a:srgbClr val="0000CC"/>
+                </a:solidFill>
+              </a:rPr>
+              <a:t>&lt;&gt;</a:t>
+            </a:r>
+            <a:r>
+              <a:rPr lang="en-US" altLang="zh-CN" dirty="0"/>
+              <a:t> for the matrix data. </a:t>
+            </a:r>
+            <a:endParaRPr lang="en-US" altLang="zh-CN" b="0" dirty="0">
+              <a:effectLst/>
+            </a:endParaRPr>
+          </a:p>
+          <a:p>
+            <a:r>
+              <a:rPr lang="en-US" altLang="zh-CN" dirty="0"/>
+              <a:t>The two matrices can share the same data through a copy constructor or a copy assignment.</a:t>
+            </a:r>
+            <a:endParaRPr lang="en-US" altLang="zh-CN" b="0" dirty="0">
+              <a:effectLst/>
+            </a:endParaRPr>
+          </a:p>
+          <a:p>
+            <a:r>
+              <a:rPr lang="en-US" altLang="zh-CN" b="0" dirty="0">
+                <a:effectLst/>
+              </a:rPr>
+              <a:t>The following code can run smoothly without memory problems.</a:t>
+            </a:r>
+            <a:endParaRPr lang="en-US" altLang="zh-CN" sz="1600" b="0" dirty="0">
+              <a:effectLst/>
+            </a:endParaRPr>
+          </a:p>
+          <a:p>
+            <a:endParaRPr lang="en-US" altLang="zh-CN" sz="1600" dirty="0">
+              <a:latin typeface="Consolas" panose="020B0609020204030204" pitchFamily="49" charset="0"/>
+            </a:endParaRPr>
+          </a:p>
+          <a:p>
+            <a:pPr marL="685800" lvl="1" indent="0">
+              <a:buNone/>
+            </a:pPr>
+            <a:r>
+              <a:rPr lang="en-US" altLang="zh-CN" sz="2000" dirty="0">
                 <a:effectLst/>
                 <a:latin typeface="Consolas" panose="020B0609020204030204" pitchFamily="49" charset="0"/>
+                <a:cs typeface="Consolas" panose="020B0609020204030204" pitchFamily="49" charset="0"/>
               </a:rPr>
-              <a:t>Create a class for matrices which elements are in float. The class should support the follow operations and has no memory management problem. When a matrix is assigned to another by =, the two matrices will share the same data.</a:t>
-            </a:r>
-          </a:p>
-          <a:p>
-            <a:r>
-              <a:rPr lang="en-US" altLang="zh-CN" sz="1600" b="0" dirty="0">
+              <a:t>class Matrix{...};</a:t>
+            </a:r>
+          </a:p>
+          <a:p>
+            <a:pPr marL="685800" lvl="1" indent="0">
+              <a:buNone/>
+            </a:pPr>
+            <a:r>
+              <a:rPr lang="en-US" altLang="zh-CN" sz="2000" dirty="0">
                 <a:effectLst/>
                 <a:latin typeface="Consolas" panose="020B0609020204030204" pitchFamily="49" charset="0"/>
+                <a:cs typeface="Consolas" panose="020B0609020204030204" pitchFamily="49" charset="0"/>
               </a:rPr>
-              <a:t>class Matrix{...};</a:t>
-            </a:r>
-          </a:p>
-          <a:p>
-            <a:r>
-              <a:rPr lang="en-US" altLang="zh-CN" sz="1600" b="0" dirty="0">
+              <a:t>Matrix a(3,4);</a:t>
+            </a:r>
+          </a:p>
+          <a:p>
+            <a:pPr marL="685800" lvl="1" indent="0">
+              <a:buNone/>
+            </a:pPr>
+            <a:r>
+              <a:rPr lang="en-US" altLang="zh-CN" sz="2000" dirty="0">
                 <a:effectLst/>
                 <a:latin typeface="Consolas" panose="020B0609020204030204" pitchFamily="49" charset="0"/>
+                <a:cs typeface="Consolas" panose="020B0609020204030204" pitchFamily="49" charset="0"/>
               </a:rPr>
-              <a:t>Matrix a(3,4);</a:t>
-            </a:r>
-          </a:p>
-          <a:p>
-            <a:r>
-              <a:rPr lang="en-US" altLang="zh-CN" sz="1600" b="0" dirty="0">
+              <a:t>Matrix b(3,4);</a:t>
+            </a:r>
+          </a:p>
+          <a:p>
+            <a:pPr marL="685800" lvl="1" indent="0">
+              <a:buNone/>
+            </a:pPr>
+            <a:r>
+              <a:rPr lang="en-US" altLang="zh-CN" sz="2000" dirty="0">
                 <a:effectLst/>
                 <a:latin typeface="Consolas" panose="020B0609020204030204" pitchFamily="49" charset="0"/>
+                <a:cs typeface="Consolas" panose="020B0609020204030204" pitchFamily="49" charset="0"/>
               </a:rPr>
-              <a:t>Matrix b(3,4);</a:t>
-            </a:r>
-          </a:p>
-          <a:p>
-            <a:r>
-              <a:rPr lang="en-US" altLang="zh-CN" sz="1600" b="0" dirty="0">
+              <a:t>Matrix c = a + b;</a:t>
+            </a:r>
+          </a:p>
+          <a:p>
+            <a:pPr marL="685800" lvl="1" indent="0">
+              <a:buNone/>
+            </a:pPr>
+            <a:r>
+              <a:rPr lang="en-US" altLang="zh-CN" sz="2000" dirty="0">
                 <a:effectLst/>
                 <a:latin typeface="Consolas" panose="020B0609020204030204" pitchFamily="49" charset="0"/>
+                <a:cs typeface="Consolas" panose="020B0609020204030204" pitchFamily="49" charset="0"/>
               </a:rPr>
-              <a:t>Matrix c = a + b;</a:t>
-            </a:r>
-          </a:p>
-          <a:p>
-            <a:r>
-              <a:rPr lang="en-US" altLang="zh-CN" sz="1600" b="0" dirty="0">
+              <a:t>Matrix d = a;</a:t>
+            </a:r>
+          </a:p>
+          <a:p>
+            <a:pPr marL="685800" lvl="1" indent="0">
+              <a:buNone/>
+            </a:pPr>
+            <a:r>
+              <a:rPr lang="en-US" altLang="zh-CN" sz="2000" dirty="0">
                 <a:effectLst/>
                 <a:latin typeface="Consolas" panose="020B0609020204030204" pitchFamily="49" charset="0"/>
+                <a:cs typeface="Consolas" panose="020B0609020204030204" pitchFamily="49" charset="0"/>
               </a:rPr>
-              <a:t>Matrix d = a * 2.0f;</a:t>
-            </a:r>
+              <a:t>d = b;</a:t>
+            </a:r>
+            <a:endParaRPr lang="en-US" altLang="zh-CN" sz="1200" dirty="0">
+              <a:effectLst/>
+              <a:latin typeface="Consolas" panose="020B0609020204030204" pitchFamily="49" charset="0"/>
+              <a:cs typeface="Consolas" panose="020B0609020204030204" pitchFamily="49" charset="0"/>
+            </a:endParaRPr>
           </a:p>
           <a:p>
             <a:pPr marL="0" indent="0">

--- a/week11/Lab11.pptx
+++ b/week11/Lab11.pptx
@@ -5,7 +5,7 @@
     <p:sldMasterId id="2147483648" r:id="rId1"/>
   </p:sldMasterIdLst>
   <p:notesMasterIdLst>
-    <p:notesMasterId r:id="rId15"/>
+    <p:notesMasterId r:id="rId17"/>
   </p:notesMasterIdLst>
   <p:sldIdLst>
     <p:sldId id="256" r:id="rId2"/>
@@ -16,11 +16,13 @@
     <p:sldId id="430" r:id="rId7"/>
     <p:sldId id="1110" r:id="rId8"/>
     <p:sldId id="1104" r:id="rId9"/>
-    <p:sldId id="1105" r:id="rId10"/>
-    <p:sldId id="1108" r:id="rId11"/>
+    <p:sldId id="1116" r:id="rId10"/>
+    <p:sldId id="1105" r:id="rId11"/>
     <p:sldId id="1107" r:id="rId12"/>
-    <p:sldId id="1109" r:id="rId13"/>
-    <p:sldId id="1065" r:id="rId14"/>
+    <p:sldId id="1117" r:id="rId13"/>
+    <p:sldId id="1109" r:id="rId14"/>
+    <p:sldId id="1115" r:id="rId15"/>
+    <p:sldId id="1065" r:id="rId16"/>
   </p:sldIdLst>
   <p:sldSz cx="12192000" cy="6858000"/>
   <p:notesSz cx="6858000" cy="9144000"/>
@@ -209,7 +211,7 @@
           <a:p>
             <a:fld id="{D1237EF7-A117-46B7-88A8-1B7FB98FF0F2}" type="datetimeFigureOut">
               <a:rPr lang="zh-CN" altLang="en-US" smtClean="0"/>
-              <a:t>2022/11/24</a:t>
+              <a:t>2023/4/24</a:t>
             </a:fld>
             <a:endParaRPr lang="zh-CN" altLang="en-US"/>
           </a:p>
@@ -853,7 +855,7 @@
           <a:p>
             <a:fld id="{FC19A4FA-3D9A-4114-B0D5-759CBD56F1AB}" type="datetimeFigureOut">
               <a:rPr lang="zh-CN" altLang="en-US" smtClean="0"/>
-              <a:t>2022/11/24</a:t>
+              <a:t>2023/4/24</a:t>
             </a:fld>
             <a:endParaRPr lang="zh-CN" altLang="en-US"/>
           </a:p>
@@ -1047,7 +1049,7 @@
           <a:p>
             <a:fld id="{FC19A4FA-3D9A-4114-B0D5-759CBD56F1AB}" type="datetimeFigureOut">
               <a:rPr lang="zh-CN" altLang="en-US" smtClean="0"/>
-              <a:t>2022/11/24</a:t>
+              <a:t>2023/4/24</a:t>
             </a:fld>
             <a:endParaRPr lang="zh-CN" altLang="en-US"/>
           </a:p>
@@ -1220,7 +1222,7 @@
           <a:p>
             <a:fld id="{FC19A4FA-3D9A-4114-B0D5-759CBD56F1AB}" type="datetimeFigureOut">
               <a:rPr lang="zh-CN" altLang="en-US" smtClean="0"/>
-              <a:t>2022/11/24</a:t>
+              <a:t>2023/4/24</a:t>
             </a:fld>
             <a:endParaRPr lang="zh-CN" altLang="en-US"/>
           </a:p>
@@ -1404,7 +1406,7 @@
           <a:p>
             <a:fld id="{FC19A4FA-3D9A-4114-B0D5-759CBD56F1AB}" type="datetimeFigureOut">
               <a:rPr lang="zh-CN" altLang="en-US" smtClean="0"/>
-              <a:t>2022/11/24</a:t>
+              <a:t>2023/4/24</a:t>
             </a:fld>
             <a:endParaRPr lang="zh-CN" altLang="en-US"/>
           </a:p>
@@ -1661,7 +1663,7 @@
           <a:p>
             <a:fld id="{FC19A4FA-3D9A-4114-B0D5-759CBD56F1AB}" type="datetimeFigureOut">
               <a:rPr lang="zh-CN" altLang="en-US" smtClean="0"/>
-              <a:t>2022/11/24</a:t>
+              <a:t>2023/4/24</a:t>
             </a:fld>
             <a:endParaRPr lang="zh-CN" altLang="en-US"/>
           </a:p>
@@ -2048,7 +2050,7 @@
           <a:p>
             <a:fld id="{FC19A4FA-3D9A-4114-B0D5-759CBD56F1AB}" type="datetimeFigureOut">
               <a:rPr lang="zh-CN" altLang="en-US" smtClean="0"/>
-              <a:t>2022/11/24</a:t>
+              <a:t>2023/4/24</a:t>
             </a:fld>
             <a:endParaRPr lang="zh-CN" altLang="en-US"/>
           </a:p>
@@ -2316,7 +2318,7 @@
           <a:p>
             <a:fld id="{FC19A4FA-3D9A-4114-B0D5-759CBD56F1AB}" type="datetimeFigureOut">
               <a:rPr lang="zh-CN" altLang="en-US" smtClean="0"/>
-              <a:t>2022/11/24</a:t>
+              <a:t>2023/4/24</a:t>
             </a:fld>
             <a:endParaRPr lang="zh-CN" altLang="en-US"/>
           </a:p>
@@ -2456,7 +2458,7 @@
           <a:p>
             <a:fld id="{FC19A4FA-3D9A-4114-B0D5-759CBD56F1AB}" type="datetimeFigureOut">
               <a:rPr lang="zh-CN" altLang="en-US" smtClean="0"/>
-              <a:t>2022/11/24</a:t>
+              <a:t>2023/4/24</a:t>
             </a:fld>
             <a:endParaRPr lang="zh-CN" altLang="en-US"/>
           </a:p>
@@ -2546,7 +2548,7 @@
           <a:p>
             <a:fld id="{FC19A4FA-3D9A-4114-B0D5-759CBD56F1AB}" type="datetimeFigureOut">
               <a:rPr lang="zh-CN" altLang="en-US" smtClean="0"/>
-              <a:t>2022/11/24</a:t>
+              <a:t>2023/4/24</a:t>
             </a:fld>
             <a:endParaRPr lang="zh-CN" altLang="en-US"/>
           </a:p>
@@ -2816,7 +2818,7 @@
           <a:p>
             <a:fld id="{FC19A4FA-3D9A-4114-B0D5-759CBD56F1AB}" type="datetimeFigureOut">
               <a:rPr lang="zh-CN" altLang="en-US" smtClean="0"/>
-              <a:t>2022/11/24</a:t>
+              <a:t>2023/4/24</a:t>
             </a:fld>
             <a:endParaRPr lang="zh-CN" altLang="en-US"/>
           </a:p>
@@ -3063,7 +3065,7 @@
           <a:p>
             <a:fld id="{FC19A4FA-3D9A-4114-B0D5-759CBD56F1AB}" type="datetimeFigureOut">
               <a:rPr lang="zh-CN" altLang="en-US" smtClean="0"/>
-              <a:t>2022/11/24</a:t>
+              <a:t>2023/4/24</a:t>
             </a:fld>
             <a:endParaRPr lang="zh-CN" altLang="en-US"/>
           </a:p>
@@ -3269,7 +3271,7 @@
           <a:p>
             <a:fld id="{FC19A4FA-3D9A-4114-B0D5-759CBD56F1AB}" type="datetimeFigureOut">
               <a:rPr lang="zh-CN" altLang="en-US" smtClean="0"/>
-              <a:t>2022/11/24</a:t>
+              <a:t>2023/4/24</a:t>
             </a:fld>
             <a:endParaRPr lang="zh-CN" altLang="en-US"/>
           </a:p>
@@ -3843,59 +3845,15 @@
           <a:chExt cx="0" cy="0"/>
         </a:xfrm>
       </p:grpSpPr>
-      <p:sp>
-        <p:nvSpPr>
-          <p:cNvPr id="2" name="标题 1"/>
-          <p:cNvSpPr>
-            <a:spLocks noGrp="1"/>
-          </p:cNvSpPr>
-          <p:nvPr>
-            <p:ph type="title"/>
-          </p:nvPr>
-        </p:nvSpPr>
-        <p:spPr/>
-        <p:txBody>
-          <a:bodyPr/>
-          <a:lstStyle/>
-          <a:p>
-            <a:r>
-              <a:rPr lang="en-US" altLang="zh-CN"/>
-              <a:t>Unique pointer</a:t>
-            </a:r>
-          </a:p>
-        </p:txBody>
-      </p:sp>
-      <p:sp>
-        <p:nvSpPr>
-          <p:cNvPr id="3" name="内容占位符 2"/>
-          <p:cNvSpPr>
-            <a:spLocks noGrp="1"/>
-          </p:cNvSpPr>
-          <p:nvPr>
-            <p:ph idx="1"/>
-          </p:nvPr>
-        </p:nvSpPr>
-        <p:spPr/>
-        <p:txBody>
-          <a:bodyPr/>
-          <a:lstStyle/>
-          <a:p>
-            <a:r>
-              <a:rPr lang="en-US" altLang="zh-CN"/>
-              <a:t>Does smart pointers always solve our problems?</a:t>
-            </a:r>
-          </a:p>
-          <a:p>
-            <a:r>
-              <a:rPr lang="en-US" altLang="zh-CN"/>
-              <a:t>Can we do this?</a:t>
-            </a:r>
-          </a:p>
-        </p:txBody>
-      </p:sp>
       <p:pic>
         <p:nvPicPr>
-          <p:cNvPr id="4" name="图片 3"/>
+          <p:cNvPr id="7" name="图片 6">
+            <a:extLst>
+              <a:ext uri="{FF2B5EF4-FFF2-40B4-BE49-F238E27FC236}">
+                <a16:creationId xmlns:a16="http://schemas.microsoft.com/office/drawing/2014/main" id="{000491D4-7B50-7886-5B39-B9284D1C1218}"/>
+              </a:ext>
+            </a:extLst>
+          </p:cNvPr>
           <p:cNvPicPr>
             <a:picLocks noChangeAspect="1"/>
           </p:cNvPicPr>
@@ -3909,19 +3867,1491 @@
         </p:blipFill>
         <p:spPr>
           <a:xfrm>
-            <a:off x="3543300" y="2663825"/>
-            <a:ext cx="3123565" cy="2176780"/>
+            <a:off x="6009770" y="3963339"/>
+            <a:ext cx="3189980" cy="2453831"/>
           </a:xfrm>
           <a:prstGeom prst="rect">
             <a:avLst/>
           </a:prstGeom>
         </p:spPr>
       </p:pic>
+      <p:pic>
+        <p:nvPicPr>
+          <p:cNvPr id="13" name="图片 12">
+            <a:extLst>
+              <a:ext uri="{FF2B5EF4-FFF2-40B4-BE49-F238E27FC236}">
+                <a16:creationId xmlns:a16="http://schemas.microsoft.com/office/drawing/2014/main" id="{977E5095-B78C-627D-A6EF-F0E967CEB5C1}"/>
+              </a:ext>
+            </a:extLst>
+          </p:cNvPr>
+          <p:cNvPicPr>
+            <a:picLocks noChangeAspect="1"/>
+          </p:cNvPicPr>
+          <p:nvPr/>
+        </p:nvPicPr>
+        <p:blipFill>
+          <a:blip r:embed="rId3"/>
+          <a:stretch>
+            <a:fillRect/>
+          </a:stretch>
+        </p:blipFill>
+        <p:spPr>
+          <a:xfrm>
+            <a:off x="869175" y="1205156"/>
+            <a:ext cx="4125468" cy="4292073"/>
+          </a:xfrm>
+          <a:prstGeom prst="rect">
+            <a:avLst/>
+          </a:prstGeom>
+        </p:spPr>
+      </p:pic>
+      <p:pic>
+        <p:nvPicPr>
+          <p:cNvPr id="15" name="图片 14">
+            <a:extLst>
+              <a:ext uri="{FF2B5EF4-FFF2-40B4-BE49-F238E27FC236}">
+                <a16:creationId xmlns:a16="http://schemas.microsoft.com/office/drawing/2014/main" id="{35D70E85-508A-D0A6-66EA-49CAF6C682E3}"/>
+              </a:ext>
+            </a:extLst>
+          </p:cNvPr>
+          <p:cNvPicPr>
+            <a:picLocks noChangeAspect="1"/>
+          </p:cNvPicPr>
+          <p:nvPr/>
+        </p:nvPicPr>
+        <p:blipFill>
+          <a:blip r:embed="rId4"/>
+          <a:stretch>
+            <a:fillRect/>
+          </a:stretch>
+        </p:blipFill>
+        <p:spPr>
+          <a:xfrm>
+            <a:off x="5333809" y="903404"/>
+            <a:ext cx="3874199" cy="2621023"/>
+          </a:xfrm>
+          <a:prstGeom prst="rect">
+            <a:avLst/>
+          </a:prstGeom>
+        </p:spPr>
+      </p:pic>
+      <p:grpSp>
+        <p:nvGrpSpPr>
+          <p:cNvPr id="35" name="组合 34">
+            <a:extLst>
+              <a:ext uri="{FF2B5EF4-FFF2-40B4-BE49-F238E27FC236}">
+                <a16:creationId xmlns:a16="http://schemas.microsoft.com/office/drawing/2014/main" id="{5D6753D6-1F49-771B-6591-2552710EBC86}"/>
+              </a:ext>
+            </a:extLst>
+          </p:cNvPr>
+          <p:cNvGrpSpPr/>
+          <p:nvPr/>
+        </p:nvGrpSpPr>
+        <p:grpSpPr>
+          <a:xfrm>
+            <a:off x="5440680" y="1261872"/>
+            <a:ext cx="6010249" cy="1554480"/>
+            <a:chOff x="5440680" y="1261872"/>
+            <a:chExt cx="6010249" cy="1554480"/>
+          </a:xfrm>
+        </p:grpSpPr>
+        <p:grpSp>
+          <p:nvGrpSpPr>
+            <p:cNvPr id="16" name="组合 15">
+              <a:extLst>
+                <a:ext uri="{FF2B5EF4-FFF2-40B4-BE49-F238E27FC236}">
+                  <a16:creationId xmlns:a16="http://schemas.microsoft.com/office/drawing/2014/main" id="{0ACF1472-8B00-AEE6-C165-10158E85726A}"/>
+                </a:ext>
+              </a:extLst>
+            </p:cNvPr>
+            <p:cNvGrpSpPr/>
+            <p:nvPr/>
+          </p:nvGrpSpPr>
+          <p:grpSpPr>
+            <a:xfrm>
+              <a:off x="5440680" y="1261872"/>
+              <a:ext cx="6010249" cy="1065889"/>
+              <a:chOff x="1929384" y="4361688"/>
+              <a:chExt cx="6010249" cy="1065889"/>
+            </a:xfrm>
+          </p:grpSpPr>
+          <p:sp>
+            <p:nvSpPr>
+              <p:cNvPr id="17" name="椭圆 16">
+                <a:extLst>
+                  <a:ext uri="{FF2B5EF4-FFF2-40B4-BE49-F238E27FC236}">
+                    <a16:creationId xmlns:a16="http://schemas.microsoft.com/office/drawing/2014/main" id="{E52A565F-C6C4-DB77-3002-32C188314A1F}"/>
+                  </a:ext>
+                </a:extLst>
+              </p:cNvPr>
+              <p:cNvSpPr/>
+              <p:nvPr/>
+            </p:nvSpPr>
+            <p:spPr>
+              <a:xfrm>
+                <a:off x="1929384" y="4361688"/>
+                <a:ext cx="2651760" cy="219456"/>
+              </a:xfrm>
+              <a:prstGeom prst="ellipse">
+                <a:avLst/>
+              </a:prstGeom>
+              <a:noFill/>
+              <a:ln w="19050">
+                <a:solidFill>
+                  <a:srgbClr val="FF0000"/>
+                </a:solidFill>
+              </a:ln>
+            </p:spPr>
+            <p:style>
+              <a:lnRef idx="2">
+                <a:schemeClr val="accent1">
+                  <a:shade val="50000"/>
+                </a:schemeClr>
+              </a:lnRef>
+              <a:fillRef idx="1">
+                <a:schemeClr val="accent1"/>
+              </a:fillRef>
+              <a:effectRef idx="0">
+                <a:schemeClr val="accent1"/>
+              </a:effectRef>
+              <a:fontRef idx="minor">
+                <a:schemeClr val="lt1"/>
+              </a:fontRef>
+            </p:style>
+            <p:txBody>
+              <a:bodyPr rtlCol="0" anchor="ctr"/>
+              <a:lstStyle/>
+              <a:p>
+                <a:pPr marL="0" marR="0" lvl="0" indent="0" algn="ctr" defTabSz="914400" rtl="0" eaLnBrk="1" fontAlgn="auto" latinLnBrk="0" hangingPunct="1">
+                  <a:lnSpc>
+                    <a:spcPct val="100000"/>
+                  </a:lnSpc>
+                  <a:spcBef>
+                    <a:spcPts val="0"/>
+                  </a:spcBef>
+                  <a:spcAft>
+                    <a:spcPts val="0"/>
+                  </a:spcAft>
+                  <a:buClrTx/>
+                  <a:buSzTx/>
+                  <a:buFontTx/>
+                  <a:buNone/>
+                  <a:tabLst/>
+                  <a:defRPr/>
+                </a:pPr>
+                <a:endParaRPr kumimoji="0" lang="zh-CN" altLang="en-US" sz="1800" b="0" i="0" u="none" strike="noStrike" kern="1200" cap="none" spc="0" normalizeH="0" baseline="0" noProof="0">
+                  <a:ln>
+                    <a:noFill/>
+                  </a:ln>
+                  <a:solidFill>
+                    <a:prstClr val="white"/>
+                  </a:solidFill>
+                  <a:effectLst/>
+                  <a:uLnTx/>
+                  <a:uFillTx/>
+                  <a:latin typeface="Calibri"/>
+                  <a:ea typeface="宋体" panose="02010600030101010101" pitchFamily="2" charset="-122"/>
+                  <a:cs typeface="+mn-cs"/>
+                </a:endParaRPr>
+              </a:p>
+            </p:txBody>
+          </p:sp>
+          <p:cxnSp>
+            <p:nvCxnSpPr>
+              <p:cNvPr id="18" name="直接箭头连接符 17">
+                <a:extLst>
+                  <a:ext uri="{FF2B5EF4-FFF2-40B4-BE49-F238E27FC236}">
+                    <a16:creationId xmlns:a16="http://schemas.microsoft.com/office/drawing/2014/main" id="{877784F2-E99C-BCDD-7C48-3CA2F21A9AF3}"/>
+                  </a:ext>
+                </a:extLst>
+              </p:cNvPr>
+              <p:cNvCxnSpPr>
+                <a:cxnSpLocks/>
+              </p:cNvCxnSpPr>
+              <p:nvPr/>
+            </p:nvCxnSpPr>
+            <p:spPr>
+              <a:xfrm flipH="1" flipV="1">
+                <a:off x="4472254" y="4502967"/>
+                <a:ext cx="484899" cy="601445"/>
+              </a:xfrm>
+              <a:prstGeom prst="straightConnector1">
+                <a:avLst/>
+              </a:prstGeom>
+              <a:ln w="19050">
+                <a:solidFill>
+                  <a:srgbClr val="FF0000"/>
+                </a:solidFill>
+                <a:tailEnd type="triangle"/>
+              </a:ln>
+            </p:spPr>
+            <p:style>
+              <a:lnRef idx="1">
+                <a:schemeClr val="accent1"/>
+              </a:lnRef>
+              <a:fillRef idx="0">
+                <a:schemeClr val="accent1"/>
+              </a:fillRef>
+              <a:effectRef idx="0">
+                <a:schemeClr val="accent1"/>
+              </a:effectRef>
+              <a:fontRef idx="minor">
+                <a:schemeClr val="tx1"/>
+              </a:fontRef>
+            </p:style>
+          </p:cxnSp>
+          <p:sp>
+            <p:nvSpPr>
+              <p:cNvPr id="19" name="文本框 18">
+                <a:extLst>
+                  <a:ext uri="{FF2B5EF4-FFF2-40B4-BE49-F238E27FC236}">
+                    <a16:creationId xmlns:a16="http://schemas.microsoft.com/office/drawing/2014/main" id="{5001B4AF-BBA3-39D6-7D4D-574200D920DF}"/>
+                  </a:ext>
+                </a:extLst>
+              </p:cNvPr>
+              <p:cNvSpPr txBox="1"/>
+              <p:nvPr/>
+            </p:nvSpPr>
+            <p:spPr>
+              <a:xfrm>
+                <a:off x="5013960" y="4781246"/>
+                <a:ext cx="2925673" cy="646331"/>
+              </a:xfrm>
+              <a:prstGeom prst="rect">
+                <a:avLst/>
+              </a:prstGeom>
+              <a:noFill/>
+            </p:spPr>
+            <p:txBody>
+              <a:bodyPr wrap="none" rtlCol="0">
+                <a:spAutoFit/>
+              </a:bodyPr>
+              <a:lstStyle/>
+              <a:p>
+                <a:pPr marL="0" marR="0" lvl="0" indent="0" algn="l" defTabSz="914400" rtl="0" eaLnBrk="1" fontAlgn="auto" latinLnBrk="0" hangingPunct="1">
+                  <a:lnSpc>
+                    <a:spcPct val="100000"/>
+                  </a:lnSpc>
+                  <a:spcBef>
+                    <a:spcPts val="0"/>
+                  </a:spcBef>
+                  <a:spcAft>
+                    <a:spcPts val="0"/>
+                  </a:spcAft>
+                  <a:buClrTx/>
+                  <a:buSzTx/>
+                  <a:buFontTx/>
+                  <a:buNone/>
+                  <a:tabLst/>
+                  <a:defRPr/>
+                </a:pPr>
+                <a:r>
+                  <a:rPr kumimoji="0" lang="en-US" altLang="zh-CN" sz="1800" b="0" i="0" u="none" strike="noStrike" kern="1200" cap="none" spc="0" normalizeH="0" baseline="0" noProof="0" dirty="0">
+                    <a:ln>
+                      <a:noFill/>
+                    </a:ln>
+                    <a:solidFill>
+                      <a:prstClr val="black"/>
+                    </a:solidFill>
+                    <a:effectLst/>
+                    <a:uLnTx/>
+                    <a:uFillTx/>
+                    <a:latin typeface="Calibri"/>
+                    <a:ea typeface="宋体" panose="02010600030101010101" pitchFamily="2" charset="-122"/>
+                    <a:cs typeface="+mn-cs"/>
+                  </a:rPr>
+                  <a:t>You can create </a:t>
+                </a:r>
+                <a:r>
+                  <a:rPr kumimoji="0" lang="en-US" altLang="zh-CN" sz="1800" b="0" i="0" u="none" strike="noStrike" kern="1200" cap="none" spc="0" normalizeH="0" baseline="0" noProof="0" dirty="0" err="1">
+                    <a:ln>
+                      <a:noFill/>
+                    </a:ln>
+                    <a:solidFill>
+                      <a:prstClr val="black"/>
+                    </a:solidFill>
+                    <a:effectLst/>
+                    <a:uLnTx/>
+                    <a:uFillTx/>
+                    <a:latin typeface="Calibri"/>
+                    <a:ea typeface="宋体" panose="02010600030101010101" pitchFamily="2" charset="-122"/>
+                    <a:cs typeface="+mn-cs"/>
+                  </a:rPr>
+                  <a:t>unique_ptr</a:t>
+                </a:r>
+                <a:r>
+                  <a:rPr kumimoji="0" lang="en-US" altLang="zh-CN" sz="1800" b="0" i="0" u="none" strike="noStrike" kern="1200" cap="none" spc="0" normalizeH="0" baseline="0" noProof="0" dirty="0">
+                    <a:ln>
+                      <a:noFill/>
+                    </a:ln>
+                    <a:solidFill>
+                      <a:prstClr val="black"/>
+                    </a:solidFill>
+                    <a:effectLst/>
+                    <a:uLnTx/>
+                    <a:uFillTx/>
+                    <a:latin typeface="Calibri"/>
+                    <a:ea typeface="宋体" panose="02010600030101010101" pitchFamily="2" charset="-122"/>
+                    <a:cs typeface="+mn-cs"/>
+                  </a:rPr>
+                  <a:t> by</a:t>
+                </a:r>
+              </a:p>
+              <a:p>
+                <a:pPr marL="0" marR="0" lvl="0" indent="0" algn="l" defTabSz="914400" rtl="0" eaLnBrk="1" fontAlgn="auto" latinLnBrk="0" hangingPunct="1">
+                  <a:lnSpc>
+                    <a:spcPct val="100000"/>
+                  </a:lnSpc>
+                  <a:spcBef>
+                    <a:spcPts val="0"/>
+                  </a:spcBef>
+                  <a:spcAft>
+                    <a:spcPts val="0"/>
+                  </a:spcAft>
+                  <a:buClrTx/>
+                  <a:buSzTx/>
+                  <a:buFontTx/>
+                  <a:buNone/>
+                  <a:tabLst/>
+                  <a:defRPr/>
+                </a:pPr>
+                <a:r>
+                  <a:rPr lang="en-US" altLang="zh-CN" dirty="0">
+                    <a:solidFill>
+                      <a:prstClr val="black"/>
+                    </a:solidFill>
+                    <a:latin typeface="Calibri"/>
+                    <a:ea typeface="宋体" panose="02010600030101010101" pitchFamily="2" charset="-122"/>
+                  </a:rPr>
+                  <a:t>user-define type.</a:t>
+                </a:r>
+                <a:endParaRPr kumimoji="0" lang="zh-CN" altLang="en-US" sz="1800" b="0" i="0" u="none" strike="noStrike" kern="1200" cap="none" spc="0" normalizeH="0" baseline="0" noProof="0" dirty="0">
+                  <a:ln>
+                    <a:noFill/>
+                  </a:ln>
+                  <a:solidFill>
+                    <a:prstClr val="black"/>
+                  </a:solidFill>
+                  <a:effectLst/>
+                  <a:uLnTx/>
+                  <a:uFillTx/>
+                  <a:latin typeface="Calibri"/>
+                  <a:ea typeface="宋体" panose="02010600030101010101" pitchFamily="2" charset="-122"/>
+                  <a:cs typeface="+mn-cs"/>
+                </a:endParaRPr>
+              </a:p>
+            </p:txBody>
+          </p:sp>
+        </p:grpSp>
+        <p:grpSp>
+          <p:nvGrpSpPr>
+            <p:cNvPr id="20" name="组合 19">
+              <a:extLst>
+                <a:ext uri="{FF2B5EF4-FFF2-40B4-BE49-F238E27FC236}">
+                  <a16:creationId xmlns:a16="http://schemas.microsoft.com/office/drawing/2014/main" id="{F6629EB2-CBA2-7BA1-8C17-E104806920BC}"/>
+                </a:ext>
+              </a:extLst>
+            </p:cNvPr>
+            <p:cNvGrpSpPr/>
+            <p:nvPr/>
+          </p:nvGrpSpPr>
+          <p:grpSpPr>
+            <a:xfrm>
+              <a:off x="5504688" y="1773936"/>
+              <a:ext cx="2963761" cy="466344"/>
+              <a:chOff x="2185416" y="4315968"/>
+              <a:chExt cx="2963761" cy="466344"/>
+            </a:xfrm>
+          </p:grpSpPr>
+          <p:sp>
+            <p:nvSpPr>
+              <p:cNvPr id="21" name="椭圆 20">
+                <a:extLst>
+                  <a:ext uri="{FF2B5EF4-FFF2-40B4-BE49-F238E27FC236}">
+                    <a16:creationId xmlns:a16="http://schemas.microsoft.com/office/drawing/2014/main" id="{9685DA26-E484-B17E-CB74-39D2812F0425}"/>
+                  </a:ext>
+                </a:extLst>
+              </p:cNvPr>
+              <p:cNvSpPr/>
+              <p:nvPr/>
+            </p:nvSpPr>
+            <p:spPr>
+              <a:xfrm>
+                <a:off x="2185416" y="4315968"/>
+                <a:ext cx="2139696" cy="466344"/>
+              </a:xfrm>
+              <a:prstGeom prst="ellipse">
+                <a:avLst/>
+              </a:prstGeom>
+              <a:noFill/>
+              <a:ln w="19050">
+                <a:solidFill>
+                  <a:srgbClr val="FF0000"/>
+                </a:solidFill>
+              </a:ln>
+            </p:spPr>
+            <p:style>
+              <a:lnRef idx="2">
+                <a:schemeClr val="accent1">
+                  <a:shade val="50000"/>
+                </a:schemeClr>
+              </a:lnRef>
+              <a:fillRef idx="1">
+                <a:schemeClr val="accent1"/>
+              </a:fillRef>
+              <a:effectRef idx="0">
+                <a:schemeClr val="accent1"/>
+              </a:effectRef>
+              <a:fontRef idx="minor">
+                <a:schemeClr val="lt1"/>
+              </a:fontRef>
+            </p:style>
+            <p:txBody>
+              <a:bodyPr rtlCol="0" anchor="ctr"/>
+              <a:lstStyle/>
+              <a:p>
+                <a:pPr marL="0" marR="0" lvl="0" indent="0" algn="ctr" defTabSz="914400" rtl="0" eaLnBrk="1" fontAlgn="auto" latinLnBrk="0" hangingPunct="1">
+                  <a:lnSpc>
+                    <a:spcPct val="100000"/>
+                  </a:lnSpc>
+                  <a:spcBef>
+                    <a:spcPts val="0"/>
+                  </a:spcBef>
+                  <a:spcAft>
+                    <a:spcPts val="0"/>
+                  </a:spcAft>
+                  <a:buClrTx/>
+                  <a:buSzTx/>
+                  <a:buFontTx/>
+                  <a:buNone/>
+                  <a:tabLst/>
+                  <a:defRPr/>
+                </a:pPr>
+                <a:endParaRPr kumimoji="0" lang="zh-CN" altLang="en-US" sz="1800" b="0" i="0" u="none" strike="noStrike" kern="1200" cap="none" spc="0" normalizeH="0" baseline="0" noProof="0">
+                  <a:ln>
+                    <a:noFill/>
+                  </a:ln>
+                  <a:solidFill>
+                    <a:prstClr val="white"/>
+                  </a:solidFill>
+                  <a:effectLst/>
+                  <a:uLnTx/>
+                  <a:uFillTx/>
+                  <a:latin typeface="Calibri"/>
+                  <a:ea typeface="宋体" panose="02010600030101010101" pitchFamily="2" charset="-122"/>
+                  <a:cs typeface="+mn-cs"/>
+                </a:endParaRPr>
+              </a:p>
+            </p:txBody>
+          </p:sp>
+          <p:cxnSp>
+            <p:nvCxnSpPr>
+              <p:cNvPr id="22" name="直接箭头连接符 21">
+                <a:extLst>
+                  <a:ext uri="{FF2B5EF4-FFF2-40B4-BE49-F238E27FC236}">
+                    <a16:creationId xmlns:a16="http://schemas.microsoft.com/office/drawing/2014/main" id="{3DE8680A-AAC9-B788-49BD-06DCB9295663}"/>
+                  </a:ext>
+                </a:extLst>
+              </p:cNvPr>
+              <p:cNvCxnSpPr>
+                <a:cxnSpLocks/>
+              </p:cNvCxnSpPr>
+              <p:nvPr/>
+            </p:nvCxnSpPr>
+            <p:spPr>
+              <a:xfrm flipH="1" flipV="1">
+                <a:off x="4285488" y="4462272"/>
+                <a:ext cx="863689" cy="86868"/>
+              </a:xfrm>
+              <a:prstGeom prst="straightConnector1">
+                <a:avLst/>
+              </a:prstGeom>
+              <a:ln w="19050">
+                <a:solidFill>
+                  <a:srgbClr val="FF0000"/>
+                </a:solidFill>
+                <a:tailEnd type="triangle"/>
+              </a:ln>
+            </p:spPr>
+            <p:style>
+              <a:lnRef idx="1">
+                <a:schemeClr val="accent1"/>
+              </a:lnRef>
+              <a:fillRef idx="0">
+                <a:schemeClr val="accent1"/>
+              </a:fillRef>
+              <a:effectRef idx="0">
+                <a:schemeClr val="accent1"/>
+              </a:effectRef>
+              <a:fontRef idx="minor">
+                <a:schemeClr val="tx1"/>
+              </a:fontRef>
+            </p:style>
+          </p:cxnSp>
+        </p:grpSp>
+        <p:grpSp>
+          <p:nvGrpSpPr>
+            <p:cNvPr id="24" name="组合 23">
+              <a:extLst>
+                <a:ext uri="{FF2B5EF4-FFF2-40B4-BE49-F238E27FC236}">
+                  <a16:creationId xmlns:a16="http://schemas.microsoft.com/office/drawing/2014/main" id="{55FCA9CD-A7BE-F323-A1C3-CB0C36C0D76B}"/>
+                </a:ext>
+              </a:extLst>
+            </p:cNvPr>
+            <p:cNvGrpSpPr/>
+            <p:nvPr/>
+          </p:nvGrpSpPr>
+          <p:grpSpPr>
+            <a:xfrm>
+              <a:off x="5577840" y="2007108"/>
+              <a:ext cx="3127248" cy="809244"/>
+              <a:chOff x="1929384" y="3799332"/>
+              <a:chExt cx="3127248" cy="809244"/>
+            </a:xfrm>
+          </p:grpSpPr>
+          <p:sp>
+            <p:nvSpPr>
+              <p:cNvPr id="25" name="椭圆 24">
+                <a:extLst>
+                  <a:ext uri="{FF2B5EF4-FFF2-40B4-BE49-F238E27FC236}">
+                    <a16:creationId xmlns:a16="http://schemas.microsoft.com/office/drawing/2014/main" id="{AE24404D-FA50-9DDB-B0AB-2D87C4664F3A}"/>
+                  </a:ext>
+                </a:extLst>
+              </p:cNvPr>
+              <p:cNvSpPr/>
+              <p:nvPr/>
+            </p:nvSpPr>
+            <p:spPr>
+              <a:xfrm>
+                <a:off x="1929384" y="4316421"/>
+                <a:ext cx="3127248" cy="292155"/>
+              </a:xfrm>
+              <a:prstGeom prst="ellipse">
+                <a:avLst/>
+              </a:prstGeom>
+              <a:noFill/>
+              <a:ln w="19050">
+                <a:solidFill>
+                  <a:srgbClr val="FF0000"/>
+                </a:solidFill>
+              </a:ln>
+            </p:spPr>
+            <p:style>
+              <a:lnRef idx="2">
+                <a:schemeClr val="accent1">
+                  <a:shade val="50000"/>
+                </a:schemeClr>
+              </a:lnRef>
+              <a:fillRef idx="1">
+                <a:schemeClr val="accent1"/>
+              </a:fillRef>
+              <a:effectRef idx="0">
+                <a:schemeClr val="accent1"/>
+              </a:effectRef>
+              <a:fontRef idx="minor">
+                <a:schemeClr val="lt1"/>
+              </a:fontRef>
+            </p:style>
+            <p:txBody>
+              <a:bodyPr rtlCol="0" anchor="ctr"/>
+              <a:lstStyle/>
+              <a:p>
+                <a:pPr marL="0" marR="0" lvl="0" indent="0" algn="ctr" defTabSz="914400" rtl="0" eaLnBrk="1" fontAlgn="auto" latinLnBrk="0" hangingPunct="1">
+                  <a:lnSpc>
+                    <a:spcPct val="100000"/>
+                  </a:lnSpc>
+                  <a:spcBef>
+                    <a:spcPts val="0"/>
+                  </a:spcBef>
+                  <a:spcAft>
+                    <a:spcPts val="0"/>
+                  </a:spcAft>
+                  <a:buClrTx/>
+                  <a:buSzTx/>
+                  <a:buFontTx/>
+                  <a:buNone/>
+                  <a:tabLst/>
+                  <a:defRPr/>
+                </a:pPr>
+                <a:endParaRPr kumimoji="0" lang="zh-CN" altLang="en-US" sz="1800" b="0" i="0" u="none" strike="noStrike" kern="1200" cap="none" spc="0" normalizeH="0" baseline="0" noProof="0" dirty="0">
+                  <a:ln>
+                    <a:noFill/>
+                  </a:ln>
+                  <a:solidFill>
+                    <a:prstClr val="white"/>
+                  </a:solidFill>
+                  <a:effectLst/>
+                  <a:uLnTx/>
+                  <a:uFillTx/>
+                  <a:latin typeface="Calibri"/>
+                  <a:ea typeface="宋体" panose="02010600030101010101" pitchFamily="2" charset="-122"/>
+                  <a:cs typeface="+mn-cs"/>
+                </a:endParaRPr>
+              </a:p>
+            </p:txBody>
+          </p:sp>
+          <p:cxnSp>
+            <p:nvCxnSpPr>
+              <p:cNvPr id="26" name="直接箭头连接符 25">
+                <a:extLst>
+                  <a:ext uri="{FF2B5EF4-FFF2-40B4-BE49-F238E27FC236}">
+                    <a16:creationId xmlns:a16="http://schemas.microsoft.com/office/drawing/2014/main" id="{40971CA2-8453-2C7E-A08C-233D5497AFCB}"/>
+                  </a:ext>
+                </a:extLst>
+              </p:cNvPr>
+              <p:cNvCxnSpPr>
+                <a:cxnSpLocks/>
+              </p:cNvCxnSpPr>
+              <p:nvPr/>
+            </p:nvCxnSpPr>
+            <p:spPr>
+              <a:xfrm flipH="1">
+                <a:off x="4335094" y="3799332"/>
+                <a:ext cx="484899" cy="517089"/>
+              </a:xfrm>
+              <a:prstGeom prst="straightConnector1">
+                <a:avLst/>
+              </a:prstGeom>
+              <a:ln w="19050">
+                <a:solidFill>
+                  <a:srgbClr val="FF0000"/>
+                </a:solidFill>
+                <a:tailEnd type="triangle"/>
+              </a:ln>
+            </p:spPr>
+            <p:style>
+              <a:lnRef idx="1">
+                <a:schemeClr val="accent1"/>
+              </a:lnRef>
+              <a:fillRef idx="0">
+                <a:schemeClr val="accent1"/>
+              </a:fillRef>
+              <a:effectRef idx="0">
+                <a:schemeClr val="accent1"/>
+              </a:effectRef>
+              <a:fontRef idx="minor">
+                <a:schemeClr val="tx1"/>
+              </a:fontRef>
+            </p:style>
+          </p:cxnSp>
+        </p:grpSp>
+      </p:grpSp>
+      <p:grpSp>
+        <p:nvGrpSpPr>
+          <p:cNvPr id="43" name="组合 42">
+            <a:extLst>
+              <a:ext uri="{FF2B5EF4-FFF2-40B4-BE49-F238E27FC236}">
+                <a16:creationId xmlns:a16="http://schemas.microsoft.com/office/drawing/2014/main" id="{215C7A4C-B3BF-DFA5-79C9-BF23B57F9795}"/>
+              </a:ext>
+            </a:extLst>
+          </p:cNvPr>
+          <p:cNvGrpSpPr/>
+          <p:nvPr/>
+        </p:nvGrpSpPr>
+        <p:grpSpPr>
+          <a:xfrm>
+            <a:off x="5871479" y="3930266"/>
+            <a:ext cx="3516362" cy="1324486"/>
+            <a:chOff x="5871479" y="3930266"/>
+            <a:chExt cx="3516362" cy="1324486"/>
+          </a:xfrm>
+        </p:grpSpPr>
+        <p:sp>
+          <p:nvSpPr>
+            <p:cNvPr id="37" name="椭圆 36">
+              <a:extLst>
+                <a:ext uri="{FF2B5EF4-FFF2-40B4-BE49-F238E27FC236}">
+                  <a16:creationId xmlns:a16="http://schemas.microsoft.com/office/drawing/2014/main" id="{7E9A0109-F94D-637B-D0AA-0830C6603CEF}"/>
+                </a:ext>
+              </a:extLst>
+            </p:cNvPr>
+            <p:cNvSpPr/>
+            <p:nvPr/>
+          </p:nvSpPr>
+          <p:spPr>
+            <a:xfrm>
+              <a:off x="5871479" y="3930266"/>
+              <a:ext cx="3464546" cy="285118"/>
+            </a:xfrm>
+            <a:prstGeom prst="ellipse">
+              <a:avLst/>
+            </a:prstGeom>
+            <a:noFill/>
+            <a:ln w="19050">
+              <a:solidFill>
+                <a:srgbClr val="FF0000"/>
+              </a:solidFill>
+            </a:ln>
+          </p:spPr>
+          <p:style>
+            <a:lnRef idx="2">
+              <a:schemeClr val="accent1">
+                <a:shade val="50000"/>
+              </a:schemeClr>
+            </a:lnRef>
+            <a:fillRef idx="1">
+              <a:schemeClr val="accent1"/>
+            </a:fillRef>
+            <a:effectRef idx="0">
+              <a:schemeClr val="accent1"/>
+            </a:effectRef>
+            <a:fontRef idx="minor">
+              <a:schemeClr val="lt1"/>
+            </a:fontRef>
+          </p:style>
+          <p:txBody>
+            <a:bodyPr rtlCol="0" anchor="ctr"/>
+            <a:lstStyle>
+              <a:defPPr>
+                <a:defRPr lang="zh-CN"/>
+              </a:defPPr>
+              <a:lvl1pPr marL="0" algn="l" defTabSz="914400" rtl="0" eaLnBrk="1" latinLnBrk="0" hangingPunct="1">
+                <a:defRPr sz="1800" kern="1200">
+                  <a:solidFill>
+                    <a:schemeClr val="lt1"/>
+                  </a:solidFill>
+                  <a:latin typeface="+mn-lt"/>
+                  <a:ea typeface="+mn-ea"/>
+                  <a:cs typeface="+mn-cs"/>
+                </a:defRPr>
+              </a:lvl1pPr>
+              <a:lvl2pPr marL="457200" algn="l" defTabSz="914400" rtl="0" eaLnBrk="1" latinLnBrk="0" hangingPunct="1">
+                <a:defRPr sz="1800" kern="1200">
+                  <a:solidFill>
+                    <a:schemeClr val="lt1"/>
+                  </a:solidFill>
+                  <a:latin typeface="+mn-lt"/>
+                  <a:ea typeface="+mn-ea"/>
+                  <a:cs typeface="+mn-cs"/>
+                </a:defRPr>
+              </a:lvl2pPr>
+              <a:lvl3pPr marL="914400" algn="l" defTabSz="914400" rtl="0" eaLnBrk="1" latinLnBrk="0" hangingPunct="1">
+                <a:defRPr sz="1800" kern="1200">
+                  <a:solidFill>
+                    <a:schemeClr val="lt1"/>
+                  </a:solidFill>
+                  <a:latin typeface="+mn-lt"/>
+                  <a:ea typeface="+mn-ea"/>
+                  <a:cs typeface="+mn-cs"/>
+                </a:defRPr>
+              </a:lvl3pPr>
+              <a:lvl4pPr marL="1371600" algn="l" defTabSz="914400" rtl="0" eaLnBrk="1" latinLnBrk="0" hangingPunct="1">
+                <a:defRPr sz="1800" kern="1200">
+                  <a:solidFill>
+                    <a:schemeClr val="lt1"/>
+                  </a:solidFill>
+                  <a:latin typeface="+mn-lt"/>
+                  <a:ea typeface="+mn-ea"/>
+                  <a:cs typeface="+mn-cs"/>
+                </a:defRPr>
+              </a:lvl4pPr>
+              <a:lvl5pPr marL="1828800" algn="l" defTabSz="914400" rtl="0" eaLnBrk="1" latinLnBrk="0" hangingPunct="1">
+                <a:defRPr sz="1800" kern="1200">
+                  <a:solidFill>
+                    <a:schemeClr val="lt1"/>
+                  </a:solidFill>
+                  <a:latin typeface="+mn-lt"/>
+                  <a:ea typeface="+mn-ea"/>
+                  <a:cs typeface="+mn-cs"/>
+                </a:defRPr>
+              </a:lvl5pPr>
+              <a:lvl6pPr marL="2286000" algn="l" defTabSz="914400" rtl="0" eaLnBrk="1" latinLnBrk="0" hangingPunct="1">
+                <a:defRPr sz="1800" kern="1200">
+                  <a:solidFill>
+                    <a:schemeClr val="lt1"/>
+                  </a:solidFill>
+                  <a:latin typeface="+mn-lt"/>
+                  <a:ea typeface="+mn-ea"/>
+                  <a:cs typeface="+mn-cs"/>
+                </a:defRPr>
+              </a:lvl6pPr>
+              <a:lvl7pPr marL="2743200" algn="l" defTabSz="914400" rtl="0" eaLnBrk="1" latinLnBrk="0" hangingPunct="1">
+                <a:defRPr sz="1800" kern="1200">
+                  <a:solidFill>
+                    <a:schemeClr val="lt1"/>
+                  </a:solidFill>
+                  <a:latin typeface="+mn-lt"/>
+                  <a:ea typeface="+mn-ea"/>
+                  <a:cs typeface="+mn-cs"/>
+                </a:defRPr>
+              </a:lvl7pPr>
+              <a:lvl8pPr marL="3200400" algn="l" defTabSz="914400" rtl="0" eaLnBrk="1" latinLnBrk="0" hangingPunct="1">
+                <a:defRPr sz="1800" kern="1200">
+                  <a:solidFill>
+                    <a:schemeClr val="lt1"/>
+                  </a:solidFill>
+                  <a:latin typeface="+mn-lt"/>
+                  <a:ea typeface="+mn-ea"/>
+                  <a:cs typeface="+mn-cs"/>
+                </a:defRPr>
+              </a:lvl8pPr>
+              <a:lvl9pPr marL="3657600" algn="l" defTabSz="914400" rtl="0" eaLnBrk="1" latinLnBrk="0" hangingPunct="1">
+                <a:defRPr sz="1800" kern="1200">
+                  <a:solidFill>
+                    <a:schemeClr val="lt1"/>
+                  </a:solidFill>
+                  <a:latin typeface="+mn-lt"/>
+                  <a:ea typeface="+mn-ea"/>
+                  <a:cs typeface="+mn-cs"/>
+                </a:defRPr>
+              </a:lvl9pPr>
+            </a:lstStyle>
+            <a:p>
+              <a:pPr marL="0" marR="0" lvl="0" indent="0" algn="ctr" defTabSz="914400" rtl="0" eaLnBrk="1" fontAlgn="auto" latinLnBrk="0" hangingPunct="1">
+                <a:lnSpc>
+                  <a:spcPct val="100000"/>
+                </a:lnSpc>
+                <a:spcBef>
+                  <a:spcPts val="0"/>
+                </a:spcBef>
+                <a:spcAft>
+                  <a:spcPts val="0"/>
+                </a:spcAft>
+                <a:buClrTx/>
+                <a:buSzTx/>
+                <a:buFontTx/>
+                <a:buNone/>
+                <a:tabLst/>
+                <a:defRPr/>
+              </a:pPr>
+              <a:endParaRPr kumimoji="0" lang="zh-CN" altLang="en-US" sz="1800" b="0" i="0" u="none" strike="noStrike" kern="1200" cap="none" spc="0" normalizeH="0" baseline="0" noProof="0">
+                <a:ln>
+                  <a:noFill/>
+                </a:ln>
+                <a:solidFill>
+                  <a:prstClr val="white"/>
+                </a:solidFill>
+                <a:effectLst/>
+                <a:uLnTx/>
+                <a:uFillTx/>
+                <a:latin typeface="Calibri"/>
+                <a:ea typeface="宋体" panose="02010600030101010101" pitchFamily="2" charset="-122"/>
+                <a:cs typeface="+mn-cs"/>
+              </a:endParaRPr>
+            </a:p>
+          </p:txBody>
+        </p:sp>
+        <p:sp>
+          <p:nvSpPr>
+            <p:cNvPr id="40" name="椭圆 39">
+              <a:extLst>
+                <a:ext uri="{FF2B5EF4-FFF2-40B4-BE49-F238E27FC236}">
+                  <a16:creationId xmlns:a16="http://schemas.microsoft.com/office/drawing/2014/main" id="{BCBC1557-8847-1F2D-5F00-031222E9AADB}"/>
+                </a:ext>
+              </a:extLst>
+            </p:cNvPr>
+            <p:cNvSpPr/>
+            <p:nvPr/>
+          </p:nvSpPr>
+          <p:spPr>
+            <a:xfrm>
+              <a:off x="5886719" y="4448426"/>
+              <a:ext cx="3464546" cy="285118"/>
+            </a:xfrm>
+            <a:prstGeom prst="ellipse">
+              <a:avLst/>
+            </a:prstGeom>
+            <a:noFill/>
+            <a:ln w="19050">
+              <a:solidFill>
+                <a:srgbClr val="FF0000"/>
+              </a:solidFill>
+            </a:ln>
+          </p:spPr>
+          <p:style>
+            <a:lnRef idx="2">
+              <a:schemeClr val="accent1">
+                <a:shade val="50000"/>
+              </a:schemeClr>
+            </a:lnRef>
+            <a:fillRef idx="1">
+              <a:schemeClr val="accent1"/>
+            </a:fillRef>
+            <a:effectRef idx="0">
+              <a:schemeClr val="accent1"/>
+            </a:effectRef>
+            <a:fontRef idx="minor">
+              <a:schemeClr val="lt1"/>
+            </a:fontRef>
+          </p:style>
+          <p:txBody>
+            <a:bodyPr rtlCol="0" anchor="ctr"/>
+            <a:lstStyle>
+              <a:defPPr>
+                <a:defRPr lang="zh-CN"/>
+              </a:defPPr>
+              <a:lvl1pPr marL="0" algn="l" defTabSz="914400" rtl="0" eaLnBrk="1" latinLnBrk="0" hangingPunct="1">
+                <a:defRPr sz="1800" kern="1200">
+                  <a:solidFill>
+                    <a:schemeClr val="lt1"/>
+                  </a:solidFill>
+                  <a:latin typeface="+mn-lt"/>
+                  <a:ea typeface="+mn-ea"/>
+                  <a:cs typeface="+mn-cs"/>
+                </a:defRPr>
+              </a:lvl1pPr>
+              <a:lvl2pPr marL="457200" algn="l" defTabSz="914400" rtl="0" eaLnBrk="1" latinLnBrk="0" hangingPunct="1">
+                <a:defRPr sz="1800" kern="1200">
+                  <a:solidFill>
+                    <a:schemeClr val="lt1"/>
+                  </a:solidFill>
+                  <a:latin typeface="+mn-lt"/>
+                  <a:ea typeface="+mn-ea"/>
+                  <a:cs typeface="+mn-cs"/>
+                </a:defRPr>
+              </a:lvl2pPr>
+              <a:lvl3pPr marL="914400" algn="l" defTabSz="914400" rtl="0" eaLnBrk="1" latinLnBrk="0" hangingPunct="1">
+                <a:defRPr sz="1800" kern="1200">
+                  <a:solidFill>
+                    <a:schemeClr val="lt1"/>
+                  </a:solidFill>
+                  <a:latin typeface="+mn-lt"/>
+                  <a:ea typeface="+mn-ea"/>
+                  <a:cs typeface="+mn-cs"/>
+                </a:defRPr>
+              </a:lvl3pPr>
+              <a:lvl4pPr marL="1371600" algn="l" defTabSz="914400" rtl="0" eaLnBrk="1" latinLnBrk="0" hangingPunct="1">
+                <a:defRPr sz="1800" kern="1200">
+                  <a:solidFill>
+                    <a:schemeClr val="lt1"/>
+                  </a:solidFill>
+                  <a:latin typeface="+mn-lt"/>
+                  <a:ea typeface="+mn-ea"/>
+                  <a:cs typeface="+mn-cs"/>
+                </a:defRPr>
+              </a:lvl4pPr>
+              <a:lvl5pPr marL="1828800" algn="l" defTabSz="914400" rtl="0" eaLnBrk="1" latinLnBrk="0" hangingPunct="1">
+                <a:defRPr sz="1800" kern="1200">
+                  <a:solidFill>
+                    <a:schemeClr val="lt1"/>
+                  </a:solidFill>
+                  <a:latin typeface="+mn-lt"/>
+                  <a:ea typeface="+mn-ea"/>
+                  <a:cs typeface="+mn-cs"/>
+                </a:defRPr>
+              </a:lvl5pPr>
+              <a:lvl6pPr marL="2286000" algn="l" defTabSz="914400" rtl="0" eaLnBrk="1" latinLnBrk="0" hangingPunct="1">
+                <a:defRPr sz="1800" kern="1200">
+                  <a:solidFill>
+                    <a:schemeClr val="lt1"/>
+                  </a:solidFill>
+                  <a:latin typeface="+mn-lt"/>
+                  <a:ea typeface="+mn-ea"/>
+                  <a:cs typeface="+mn-cs"/>
+                </a:defRPr>
+              </a:lvl6pPr>
+              <a:lvl7pPr marL="2743200" algn="l" defTabSz="914400" rtl="0" eaLnBrk="1" latinLnBrk="0" hangingPunct="1">
+                <a:defRPr sz="1800" kern="1200">
+                  <a:solidFill>
+                    <a:schemeClr val="lt1"/>
+                  </a:solidFill>
+                  <a:latin typeface="+mn-lt"/>
+                  <a:ea typeface="+mn-ea"/>
+                  <a:cs typeface="+mn-cs"/>
+                </a:defRPr>
+              </a:lvl7pPr>
+              <a:lvl8pPr marL="3200400" algn="l" defTabSz="914400" rtl="0" eaLnBrk="1" latinLnBrk="0" hangingPunct="1">
+                <a:defRPr sz="1800" kern="1200">
+                  <a:solidFill>
+                    <a:schemeClr val="lt1"/>
+                  </a:solidFill>
+                  <a:latin typeface="+mn-lt"/>
+                  <a:ea typeface="+mn-ea"/>
+                  <a:cs typeface="+mn-cs"/>
+                </a:defRPr>
+              </a:lvl8pPr>
+              <a:lvl9pPr marL="3657600" algn="l" defTabSz="914400" rtl="0" eaLnBrk="1" latinLnBrk="0" hangingPunct="1">
+                <a:defRPr sz="1800" kern="1200">
+                  <a:solidFill>
+                    <a:schemeClr val="lt1"/>
+                  </a:solidFill>
+                  <a:latin typeface="+mn-lt"/>
+                  <a:ea typeface="+mn-ea"/>
+                  <a:cs typeface="+mn-cs"/>
+                </a:defRPr>
+              </a:lvl9pPr>
+            </a:lstStyle>
+            <a:p>
+              <a:pPr marL="0" marR="0" lvl="0" indent="0" algn="ctr" defTabSz="914400" rtl="0" eaLnBrk="1" fontAlgn="auto" latinLnBrk="0" hangingPunct="1">
+                <a:lnSpc>
+                  <a:spcPct val="100000"/>
+                </a:lnSpc>
+                <a:spcBef>
+                  <a:spcPts val="0"/>
+                </a:spcBef>
+                <a:spcAft>
+                  <a:spcPts val="0"/>
+                </a:spcAft>
+                <a:buClrTx/>
+                <a:buSzTx/>
+                <a:buFontTx/>
+                <a:buNone/>
+                <a:tabLst/>
+                <a:defRPr/>
+              </a:pPr>
+              <a:endParaRPr kumimoji="0" lang="zh-CN" altLang="en-US" sz="1800" b="0" i="0" u="none" strike="noStrike" kern="1200" cap="none" spc="0" normalizeH="0" baseline="0" noProof="0">
+                <a:ln>
+                  <a:noFill/>
+                </a:ln>
+                <a:solidFill>
+                  <a:prstClr val="white"/>
+                </a:solidFill>
+                <a:effectLst/>
+                <a:uLnTx/>
+                <a:uFillTx/>
+                <a:latin typeface="Calibri"/>
+                <a:ea typeface="宋体" panose="02010600030101010101" pitchFamily="2" charset="-122"/>
+                <a:cs typeface="+mn-cs"/>
+              </a:endParaRPr>
+            </a:p>
+          </p:txBody>
+        </p:sp>
+        <p:sp>
+          <p:nvSpPr>
+            <p:cNvPr id="41" name="椭圆 40">
+              <a:extLst>
+                <a:ext uri="{FF2B5EF4-FFF2-40B4-BE49-F238E27FC236}">
+                  <a16:creationId xmlns:a16="http://schemas.microsoft.com/office/drawing/2014/main" id="{724D3685-BCC1-D1F2-4FE0-27C48C8E34B4}"/>
+                </a:ext>
+              </a:extLst>
+            </p:cNvPr>
+            <p:cNvSpPr/>
+            <p:nvPr/>
+          </p:nvSpPr>
+          <p:spPr>
+            <a:xfrm>
+              <a:off x="5923295" y="4969634"/>
+              <a:ext cx="3464546" cy="285118"/>
+            </a:xfrm>
+            <a:prstGeom prst="ellipse">
+              <a:avLst/>
+            </a:prstGeom>
+            <a:noFill/>
+            <a:ln w="19050">
+              <a:solidFill>
+                <a:srgbClr val="FF0000"/>
+              </a:solidFill>
+            </a:ln>
+          </p:spPr>
+          <p:style>
+            <a:lnRef idx="2">
+              <a:schemeClr val="accent1">
+                <a:shade val="50000"/>
+              </a:schemeClr>
+            </a:lnRef>
+            <a:fillRef idx="1">
+              <a:schemeClr val="accent1"/>
+            </a:fillRef>
+            <a:effectRef idx="0">
+              <a:schemeClr val="accent1"/>
+            </a:effectRef>
+            <a:fontRef idx="minor">
+              <a:schemeClr val="lt1"/>
+            </a:fontRef>
+          </p:style>
+          <p:txBody>
+            <a:bodyPr rtlCol="0" anchor="ctr"/>
+            <a:lstStyle>
+              <a:defPPr>
+                <a:defRPr lang="zh-CN"/>
+              </a:defPPr>
+              <a:lvl1pPr marL="0" algn="l" defTabSz="914400" rtl="0" eaLnBrk="1" latinLnBrk="0" hangingPunct="1">
+                <a:defRPr sz="1800" kern="1200">
+                  <a:solidFill>
+                    <a:schemeClr val="lt1"/>
+                  </a:solidFill>
+                  <a:latin typeface="+mn-lt"/>
+                  <a:ea typeface="+mn-ea"/>
+                  <a:cs typeface="+mn-cs"/>
+                </a:defRPr>
+              </a:lvl1pPr>
+              <a:lvl2pPr marL="457200" algn="l" defTabSz="914400" rtl="0" eaLnBrk="1" latinLnBrk="0" hangingPunct="1">
+                <a:defRPr sz="1800" kern="1200">
+                  <a:solidFill>
+                    <a:schemeClr val="lt1"/>
+                  </a:solidFill>
+                  <a:latin typeface="+mn-lt"/>
+                  <a:ea typeface="+mn-ea"/>
+                  <a:cs typeface="+mn-cs"/>
+                </a:defRPr>
+              </a:lvl2pPr>
+              <a:lvl3pPr marL="914400" algn="l" defTabSz="914400" rtl="0" eaLnBrk="1" latinLnBrk="0" hangingPunct="1">
+                <a:defRPr sz="1800" kern="1200">
+                  <a:solidFill>
+                    <a:schemeClr val="lt1"/>
+                  </a:solidFill>
+                  <a:latin typeface="+mn-lt"/>
+                  <a:ea typeface="+mn-ea"/>
+                  <a:cs typeface="+mn-cs"/>
+                </a:defRPr>
+              </a:lvl3pPr>
+              <a:lvl4pPr marL="1371600" algn="l" defTabSz="914400" rtl="0" eaLnBrk="1" latinLnBrk="0" hangingPunct="1">
+                <a:defRPr sz="1800" kern="1200">
+                  <a:solidFill>
+                    <a:schemeClr val="lt1"/>
+                  </a:solidFill>
+                  <a:latin typeface="+mn-lt"/>
+                  <a:ea typeface="+mn-ea"/>
+                  <a:cs typeface="+mn-cs"/>
+                </a:defRPr>
+              </a:lvl4pPr>
+              <a:lvl5pPr marL="1828800" algn="l" defTabSz="914400" rtl="0" eaLnBrk="1" latinLnBrk="0" hangingPunct="1">
+                <a:defRPr sz="1800" kern="1200">
+                  <a:solidFill>
+                    <a:schemeClr val="lt1"/>
+                  </a:solidFill>
+                  <a:latin typeface="+mn-lt"/>
+                  <a:ea typeface="+mn-ea"/>
+                  <a:cs typeface="+mn-cs"/>
+                </a:defRPr>
+              </a:lvl5pPr>
+              <a:lvl6pPr marL="2286000" algn="l" defTabSz="914400" rtl="0" eaLnBrk="1" latinLnBrk="0" hangingPunct="1">
+                <a:defRPr sz="1800" kern="1200">
+                  <a:solidFill>
+                    <a:schemeClr val="lt1"/>
+                  </a:solidFill>
+                  <a:latin typeface="+mn-lt"/>
+                  <a:ea typeface="+mn-ea"/>
+                  <a:cs typeface="+mn-cs"/>
+                </a:defRPr>
+              </a:lvl6pPr>
+              <a:lvl7pPr marL="2743200" algn="l" defTabSz="914400" rtl="0" eaLnBrk="1" latinLnBrk="0" hangingPunct="1">
+                <a:defRPr sz="1800" kern="1200">
+                  <a:solidFill>
+                    <a:schemeClr val="lt1"/>
+                  </a:solidFill>
+                  <a:latin typeface="+mn-lt"/>
+                  <a:ea typeface="+mn-ea"/>
+                  <a:cs typeface="+mn-cs"/>
+                </a:defRPr>
+              </a:lvl7pPr>
+              <a:lvl8pPr marL="3200400" algn="l" defTabSz="914400" rtl="0" eaLnBrk="1" latinLnBrk="0" hangingPunct="1">
+                <a:defRPr sz="1800" kern="1200">
+                  <a:solidFill>
+                    <a:schemeClr val="lt1"/>
+                  </a:solidFill>
+                  <a:latin typeface="+mn-lt"/>
+                  <a:ea typeface="+mn-ea"/>
+                  <a:cs typeface="+mn-cs"/>
+                </a:defRPr>
+              </a:lvl8pPr>
+              <a:lvl9pPr marL="3657600" algn="l" defTabSz="914400" rtl="0" eaLnBrk="1" latinLnBrk="0" hangingPunct="1">
+                <a:defRPr sz="1800" kern="1200">
+                  <a:solidFill>
+                    <a:schemeClr val="lt1"/>
+                  </a:solidFill>
+                  <a:latin typeface="+mn-lt"/>
+                  <a:ea typeface="+mn-ea"/>
+                  <a:cs typeface="+mn-cs"/>
+                </a:defRPr>
+              </a:lvl9pPr>
+            </a:lstStyle>
+            <a:p>
+              <a:pPr marL="0" marR="0" lvl="0" indent="0" algn="ctr" defTabSz="914400" rtl="0" eaLnBrk="1" fontAlgn="auto" latinLnBrk="0" hangingPunct="1">
+                <a:lnSpc>
+                  <a:spcPct val="100000"/>
+                </a:lnSpc>
+                <a:spcBef>
+                  <a:spcPts val="0"/>
+                </a:spcBef>
+                <a:spcAft>
+                  <a:spcPts val="0"/>
+                </a:spcAft>
+                <a:buClrTx/>
+                <a:buSzTx/>
+                <a:buFontTx/>
+                <a:buNone/>
+                <a:tabLst/>
+                <a:defRPr/>
+              </a:pPr>
+              <a:endParaRPr kumimoji="0" lang="zh-CN" altLang="en-US" sz="1800" b="0" i="0" u="none" strike="noStrike" kern="1200" cap="none" spc="0" normalizeH="0" baseline="0" noProof="0">
+                <a:ln>
+                  <a:noFill/>
+                </a:ln>
+                <a:solidFill>
+                  <a:prstClr val="white"/>
+                </a:solidFill>
+                <a:effectLst/>
+                <a:uLnTx/>
+                <a:uFillTx/>
+                <a:latin typeface="Calibri"/>
+                <a:ea typeface="宋体" panose="02010600030101010101" pitchFamily="2" charset="-122"/>
+                <a:cs typeface="+mn-cs"/>
+              </a:endParaRPr>
+            </a:p>
+          </p:txBody>
+        </p:sp>
+      </p:grpSp>
+      <p:sp>
+        <p:nvSpPr>
+          <p:cNvPr id="42" name="矩形 41">
+            <a:extLst>
+              <a:ext uri="{FF2B5EF4-FFF2-40B4-BE49-F238E27FC236}">
+                <a16:creationId xmlns:a16="http://schemas.microsoft.com/office/drawing/2014/main" id="{853C9447-24AB-2DA5-B304-CEECCC25E05B}"/>
+              </a:ext>
+            </a:extLst>
+          </p:cNvPr>
+          <p:cNvSpPr/>
+          <p:nvPr/>
+        </p:nvSpPr>
+        <p:spPr>
+          <a:xfrm>
+            <a:off x="6009770" y="5497229"/>
+            <a:ext cx="3033646" cy="838820"/>
+          </a:xfrm>
+          <a:prstGeom prst="rect">
+            <a:avLst/>
+          </a:prstGeom>
+          <a:noFill/>
+          <a:ln w="19050">
+            <a:solidFill>
+              <a:srgbClr val="00B0F0"/>
+            </a:solidFill>
+          </a:ln>
+        </p:spPr>
+        <p:style>
+          <a:lnRef idx="2">
+            <a:schemeClr val="accent1">
+              <a:shade val="50000"/>
+            </a:schemeClr>
+          </a:lnRef>
+          <a:fillRef idx="1">
+            <a:schemeClr val="accent1"/>
+          </a:fillRef>
+          <a:effectRef idx="0">
+            <a:schemeClr val="accent1"/>
+          </a:effectRef>
+          <a:fontRef idx="minor">
+            <a:schemeClr val="lt1"/>
+          </a:fontRef>
+        </p:style>
+        <p:txBody>
+          <a:bodyPr rtlCol="0" anchor="ctr"/>
+          <a:lstStyle/>
+          <a:p>
+            <a:pPr algn="ctr"/>
+            <a:endParaRPr lang="zh-CN" altLang="en-US"/>
+          </a:p>
+        </p:txBody>
+      </p:sp>
     </p:spTree>
   </p:cSld>
   <p:clrMapOvr>
     <a:masterClrMapping/>
   </p:clrMapOvr>
+  <p:timing>
+    <p:tnLst>
+      <p:par>
+        <p:cTn id="1" dur="indefinite" restart="never" nodeType="tmRoot">
+          <p:childTnLst>
+            <p:seq concurrent="1" nextAc="seek">
+              <p:cTn id="2" dur="indefinite" nodeType="mainSeq">
+                <p:childTnLst>
+                  <p:par>
+                    <p:cTn id="3" fill="hold">
+                      <p:stCondLst>
+                        <p:cond delay="indefinite"/>
+                      </p:stCondLst>
+                      <p:childTnLst>
+                        <p:par>
+                          <p:cTn id="4" fill="hold">
+                            <p:stCondLst>
+                              <p:cond delay="0"/>
+                            </p:stCondLst>
+                            <p:childTnLst>
+                              <p:par>
+                                <p:cTn id="5" presetID="1" presetClass="entr" presetSubtype="0" fill="hold" nodeType="clickEffect">
+                                  <p:stCondLst>
+                                    <p:cond delay="0"/>
+                                  </p:stCondLst>
+                                  <p:childTnLst>
+                                    <p:set>
+                                      <p:cBhvr>
+                                        <p:cTn id="6" dur="1" fill="hold">
+                                          <p:stCondLst>
+                                            <p:cond delay="0"/>
+                                          </p:stCondLst>
+                                        </p:cTn>
+                                        <p:tgtEl>
+                                          <p:spTgt spid="35"/>
+                                        </p:tgtEl>
+                                        <p:attrNameLst>
+                                          <p:attrName>style.visibility</p:attrName>
+                                        </p:attrNameLst>
+                                      </p:cBhvr>
+                                      <p:to>
+                                        <p:strVal val="visible"/>
+                                      </p:to>
+                                    </p:set>
+                                  </p:childTnLst>
+                                </p:cTn>
+                              </p:par>
+                            </p:childTnLst>
+                          </p:cTn>
+                        </p:par>
+                      </p:childTnLst>
+                    </p:cTn>
+                  </p:par>
+                  <p:par>
+                    <p:cTn id="7" fill="hold">
+                      <p:stCondLst>
+                        <p:cond delay="indefinite"/>
+                      </p:stCondLst>
+                      <p:childTnLst>
+                        <p:par>
+                          <p:cTn id="8" fill="hold">
+                            <p:stCondLst>
+                              <p:cond delay="0"/>
+                            </p:stCondLst>
+                            <p:childTnLst>
+                              <p:par>
+                                <p:cTn id="9" presetID="1" presetClass="entr" presetSubtype="0" fill="hold" nodeType="clickEffect">
+                                  <p:stCondLst>
+                                    <p:cond delay="0"/>
+                                  </p:stCondLst>
+                                  <p:childTnLst>
+                                    <p:set>
+                                      <p:cBhvr>
+                                        <p:cTn id="10" dur="1" fill="hold">
+                                          <p:stCondLst>
+                                            <p:cond delay="0"/>
+                                          </p:stCondLst>
+                                        </p:cTn>
+                                        <p:tgtEl>
+                                          <p:spTgt spid="7"/>
+                                        </p:tgtEl>
+                                        <p:attrNameLst>
+                                          <p:attrName>style.visibility</p:attrName>
+                                        </p:attrNameLst>
+                                      </p:cBhvr>
+                                      <p:to>
+                                        <p:strVal val="visible"/>
+                                      </p:to>
+                                    </p:set>
+                                  </p:childTnLst>
+                                </p:cTn>
+                              </p:par>
+                            </p:childTnLst>
+                          </p:cTn>
+                        </p:par>
+                      </p:childTnLst>
+                    </p:cTn>
+                  </p:par>
+                  <p:par>
+                    <p:cTn id="11" fill="hold">
+                      <p:stCondLst>
+                        <p:cond delay="indefinite"/>
+                      </p:stCondLst>
+                      <p:childTnLst>
+                        <p:par>
+                          <p:cTn id="12" fill="hold">
+                            <p:stCondLst>
+                              <p:cond delay="0"/>
+                            </p:stCondLst>
+                            <p:childTnLst>
+                              <p:par>
+                                <p:cTn id="13" presetID="1" presetClass="entr" presetSubtype="0" fill="hold" nodeType="clickEffect">
+                                  <p:stCondLst>
+                                    <p:cond delay="0"/>
+                                  </p:stCondLst>
+                                  <p:childTnLst>
+                                    <p:set>
+                                      <p:cBhvr>
+                                        <p:cTn id="14" dur="1" fill="hold">
+                                          <p:stCondLst>
+                                            <p:cond delay="0"/>
+                                          </p:stCondLst>
+                                        </p:cTn>
+                                        <p:tgtEl>
+                                          <p:spTgt spid="43"/>
+                                        </p:tgtEl>
+                                        <p:attrNameLst>
+                                          <p:attrName>style.visibility</p:attrName>
+                                        </p:attrNameLst>
+                                      </p:cBhvr>
+                                      <p:to>
+                                        <p:strVal val="visible"/>
+                                      </p:to>
+                                    </p:set>
+                                  </p:childTnLst>
+                                </p:cTn>
+                              </p:par>
+                            </p:childTnLst>
+                          </p:cTn>
+                        </p:par>
+                      </p:childTnLst>
+                    </p:cTn>
+                  </p:par>
+                  <p:par>
+                    <p:cTn id="15" fill="hold">
+                      <p:stCondLst>
+                        <p:cond delay="indefinite"/>
+                      </p:stCondLst>
+                      <p:childTnLst>
+                        <p:par>
+                          <p:cTn id="16" fill="hold">
+                            <p:stCondLst>
+                              <p:cond delay="0"/>
+                            </p:stCondLst>
+                            <p:childTnLst>
+                              <p:par>
+                                <p:cTn id="17" presetID="1" presetClass="entr" presetSubtype="0" fill="hold" grpId="0" nodeType="clickEffect">
+                                  <p:stCondLst>
+                                    <p:cond delay="0"/>
+                                  </p:stCondLst>
+                                  <p:childTnLst>
+                                    <p:set>
+                                      <p:cBhvr>
+                                        <p:cTn id="18" dur="1" fill="hold">
+                                          <p:stCondLst>
+                                            <p:cond delay="0"/>
+                                          </p:stCondLst>
+                                        </p:cTn>
+                                        <p:tgtEl>
+                                          <p:spTgt spid="42"/>
+                                        </p:tgtEl>
+                                        <p:attrNameLst>
+                                          <p:attrName>style.visibility</p:attrName>
+                                        </p:attrNameLst>
+                                      </p:cBhvr>
+                                      <p:to>
+                                        <p:strVal val="visible"/>
+                                      </p:to>
+                                    </p:set>
+                                  </p:childTnLst>
+                                </p:cTn>
+                              </p:par>
+                            </p:childTnLst>
+                          </p:cTn>
+                        </p:par>
+                      </p:childTnLst>
+                    </p:cTn>
+                  </p:par>
+                </p:childTnLst>
+              </p:cTn>
+              <p:prevCondLst>
+                <p:cond evt="onPrev" delay="0">
+                  <p:tgtEl>
+                    <p:sldTgt/>
+                  </p:tgtEl>
+                </p:cond>
+              </p:prevCondLst>
+              <p:nextCondLst>
+                <p:cond evt="onNext" delay="0">
+                  <p:tgtEl>
+                    <p:sldTgt/>
+                  </p:tgtEl>
+                </p:cond>
+              </p:nextCondLst>
+            </p:seq>
+          </p:childTnLst>
+        </p:cTn>
+      </p:par>
+    </p:tnLst>
+    <p:bldLst>
+      <p:bldP spid="42" grpId="0" animBg="1"/>
+    </p:bldLst>
+  </p:timing>
 </p:sld>
 </file>
 
@@ -3954,11 +5384,13 @@
         </p:nvSpPr>
         <p:spPr/>
         <p:txBody>
-          <a:bodyPr/>
+          <a:bodyPr>
+            <a:normAutofit/>
+          </a:bodyPr>
           <a:lstStyle/>
           <a:p>
             <a:r>
-              <a:rPr lang="en-US" altLang="zh-CN"/>
+              <a:rPr lang="en-US" altLang="zh-CN" sz="3600" b="1" dirty="0"/>
               <a:t>Shared pointer</a:t>
             </a:r>
           </a:p>
@@ -3976,24 +5408,1592 @@
         </p:nvSpPr>
         <p:spPr/>
         <p:txBody>
+          <a:bodyPr>
+            <a:normAutofit/>
+          </a:bodyPr>
+          <a:lstStyle/>
+          <a:p>
+            <a:r>
+              <a:rPr lang="en-US" altLang="zh-CN" sz="2400" dirty="0"/>
+              <a:t>More than one pointer can point to one object. </a:t>
+            </a:r>
+          </a:p>
+          <a:p>
+            <a:r>
+              <a:rPr lang="en-US" altLang="zh-CN" sz="2400" dirty="0"/>
+              <a:t>After you initialize a </a:t>
+            </a:r>
+            <a:r>
+              <a:rPr lang="en-US" altLang="zh-CN" sz="2400" dirty="0" err="1"/>
+              <a:t>shared_ptr</a:t>
+            </a:r>
+            <a:r>
+              <a:rPr lang="en-US" altLang="zh-CN" sz="2400" dirty="0"/>
+              <a:t>&lt;&gt;, you can copy it, pass it by value in function arguments, and assign it to other </a:t>
+            </a:r>
+            <a:r>
+              <a:rPr lang="en-US" altLang="zh-CN" sz="2400" dirty="0" err="1"/>
+              <a:t>shard_ptr</a:t>
+            </a:r>
+            <a:r>
+              <a:rPr lang="en-US" altLang="zh-CN" sz="2400" dirty="0"/>
+              <a:t>&lt;&gt; instances.</a:t>
+            </a:r>
+          </a:p>
+          <a:p>
+            <a:r>
+              <a:rPr lang="en-US" altLang="zh-CN" sz="2400" dirty="0"/>
+              <a:t>The shared pointer maintains a </a:t>
+            </a:r>
+            <a:r>
+              <a:rPr lang="en-US" altLang="zh-CN" sz="2400" dirty="0" err="1"/>
+              <a:t>Ref_count</a:t>
+            </a:r>
+            <a:r>
+              <a:rPr lang="en-US" altLang="zh-CN" sz="2400" dirty="0"/>
+              <a:t> that is a reference counter.</a:t>
+            </a:r>
+          </a:p>
+          <a:p>
+            <a:r>
+              <a:rPr lang="en-US" altLang="zh-CN" sz="2400" dirty="0"/>
+              <a:t>If the last pointer is released, the dynamic memory is released.</a:t>
+            </a:r>
+          </a:p>
+          <a:p>
+            <a:r>
+              <a:rPr lang="en-US" altLang="zh-CN" sz="2400" dirty="0"/>
+              <a:t>We can know the value of </a:t>
+            </a:r>
+            <a:r>
+              <a:rPr lang="en-US" altLang="zh-CN" sz="2400" dirty="0" err="1"/>
+              <a:t>Ref_count</a:t>
+            </a:r>
+            <a:r>
+              <a:rPr lang="en-US" altLang="zh-CN" sz="2400" dirty="0"/>
+              <a:t> by using the </a:t>
+            </a:r>
+            <a:r>
+              <a:rPr lang="en-US" altLang="zh-CN" sz="2400" b="1" dirty="0" err="1"/>
+              <a:t>use_count</a:t>
+            </a:r>
+            <a:r>
+              <a:rPr lang="en-US" altLang="zh-CN" sz="2400" b="1" dirty="0"/>
+              <a:t>() </a:t>
+            </a:r>
+            <a:r>
+              <a:rPr lang="en-US" altLang="zh-CN" sz="2400" dirty="0"/>
+              <a:t>function.</a:t>
+            </a:r>
+          </a:p>
+        </p:txBody>
+      </p:sp>
+    </p:spTree>
+  </p:cSld>
+  <p:clrMapOvr>
+    <a:masterClrMapping/>
+  </p:clrMapOvr>
+</p:sld>
+</file>
+
+<file path=ppt/slides/slide12.xml><?xml version="1.0" encoding="utf-8"?>
+<p:sld xmlns:a="http://schemas.openxmlformats.org/drawingml/2006/main" xmlns:r="http://schemas.openxmlformats.org/officeDocument/2006/relationships" xmlns:p="http://schemas.openxmlformats.org/presentationml/2006/main">
+  <p:cSld>
+    <p:spTree>
+      <p:nvGrpSpPr>
+        <p:cNvPr id="1" name=""/>
+        <p:cNvGrpSpPr/>
+        <p:nvPr/>
+      </p:nvGrpSpPr>
+      <p:grpSpPr>
+        <a:xfrm>
+          <a:off x="0" y="0"/>
+          <a:ext cx="0" cy="0"/>
+          <a:chOff x="0" y="0"/>
+          <a:chExt cx="0" cy="0"/>
+        </a:xfrm>
+      </p:grpSpPr>
+      <p:pic>
+        <p:nvPicPr>
+          <p:cNvPr id="6" name="图片 5">
+            <a:extLst>
+              <a:ext uri="{FF2B5EF4-FFF2-40B4-BE49-F238E27FC236}">
+                <a16:creationId xmlns:a16="http://schemas.microsoft.com/office/drawing/2014/main" id="{2FABA06E-3D5A-C55A-EE86-8158BA9C3E38}"/>
+              </a:ext>
+            </a:extLst>
+          </p:cNvPr>
+          <p:cNvPicPr>
+            <a:picLocks noChangeAspect="1"/>
+          </p:cNvPicPr>
+          <p:nvPr/>
+        </p:nvPicPr>
+        <p:blipFill>
+          <a:blip r:embed="rId2"/>
+          <a:stretch>
+            <a:fillRect/>
+          </a:stretch>
+        </p:blipFill>
+        <p:spPr>
+          <a:xfrm>
+            <a:off x="646133" y="1514058"/>
+            <a:ext cx="4125468" cy="4292073"/>
+          </a:xfrm>
+          <a:prstGeom prst="rect">
+            <a:avLst/>
+          </a:prstGeom>
+        </p:spPr>
+      </p:pic>
+      <p:pic>
+        <p:nvPicPr>
+          <p:cNvPr id="21" name="图片 20">
+            <a:extLst>
+              <a:ext uri="{FF2B5EF4-FFF2-40B4-BE49-F238E27FC236}">
+                <a16:creationId xmlns:a16="http://schemas.microsoft.com/office/drawing/2014/main" id="{322A2CC0-2F30-9491-4E43-D851AB24EB53}"/>
+              </a:ext>
+            </a:extLst>
+          </p:cNvPr>
+          <p:cNvPicPr>
+            <a:picLocks noChangeAspect="1"/>
+          </p:cNvPicPr>
+          <p:nvPr/>
+        </p:nvPicPr>
+        <p:blipFill>
+          <a:blip r:embed="rId3"/>
+          <a:stretch>
+            <a:fillRect/>
+          </a:stretch>
+        </p:blipFill>
+        <p:spPr>
+          <a:xfrm>
+            <a:off x="3832822" y="321120"/>
+            <a:ext cx="4808258" cy="3307037"/>
+          </a:xfrm>
+          <a:prstGeom prst="rect">
+            <a:avLst/>
+          </a:prstGeom>
+        </p:spPr>
+      </p:pic>
+      <p:grpSp>
+        <p:nvGrpSpPr>
+          <p:cNvPr id="7" name="组合 6">
+            <a:extLst>
+              <a:ext uri="{FF2B5EF4-FFF2-40B4-BE49-F238E27FC236}">
+                <a16:creationId xmlns:a16="http://schemas.microsoft.com/office/drawing/2014/main" id="{DB8B26F6-603A-1C89-584C-91C85232D2DC}"/>
+              </a:ext>
+            </a:extLst>
+          </p:cNvPr>
+          <p:cNvGrpSpPr/>
+          <p:nvPr/>
+        </p:nvGrpSpPr>
+        <p:grpSpPr>
+          <a:xfrm>
+            <a:off x="3858768" y="612648"/>
+            <a:ext cx="7735041" cy="1417320"/>
+            <a:chOff x="5440680" y="1271016"/>
+            <a:chExt cx="7735041" cy="1417320"/>
+          </a:xfrm>
+        </p:grpSpPr>
+        <p:grpSp>
+          <p:nvGrpSpPr>
+            <p:cNvPr id="8" name="组合 7">
+              <a:extLst>
+                <a:ext uri="{FF2B5EF4-FFF2-40B4-BE49-F238E27FC236}">
+                  <a16:creationId xmlns:a16="http://schemas.microsoft.com/office/drawing/2014/main" id="{55027F3D-1B76-8955-29B1-0578B8399242}"/>
+                </a:ext>
+              </a:extLst>
+            </p:cNvPr>
+            <p:cNvGrpSpPr/>
+            <p:nvPr/>
+          </p:nvGrpSpPr>
+          <p:grpSpPr>
+            <a:xfrm>
+              <a:off x="5440680" y="1271016"/>
+              <a:ext cx="7735041" cy="1202710"/>
+              <a:chOff x="1929384" y="4370832"/>
+              <a:chExt cx="7735041" cy="1202710"/>
+            </a:xfrm>
+          </p:grpSpPr>
+          <p:sp>
+            <p:nvSpPr>
+              <p:cNvPr id="15" name="椭圆 14">
+                <a:extLst>
+                  <a:ext uri="{FF2B5EF4-FFF2-40B4-BE49-F238E27FC236}">
+                    <a16:creationId xmlns:a16="http://schemas.microsoft.com/office/drawing/2014/main" id="{A2773BAD-24CC-4FFE-D19D-E038641EDF1B}"/>
+                  </a:ext>
+                </a:extLst>
+              </p:cNvPr>
+              <p:cNvSpPr/>
+              <p:nvPr/>
+            </p:nvSpPr>
+            <p:spPr>
+              <a:xfrm>
+                <a:off x="1929384" y="4370832"/>
+                <a:ext cx="2528062" cy="228600"/>
+              </a:xfrm>
+              <a:prstGeom prst="ellipse">
+                <a:avLst/>
+              </a:prstGeom>
+              <a:noFill/>
+              <a:ln w="19050">
+                <a:solidFill>
+                  <a:srgbClr val="FF0000"/>
+                </a:solidFill>
+              </a:ln>
+            </p:spPr>
+            <p:style>
+              <a:lnRef idx="2">
+                <a:schemeClr val="accent1">
+                  <a:shade val="50000"/>
+                </a:schemeClr>
+              </a:lnRef>
+              <a:fillRef idx="1">
+                <a:schemeClr val="accent1"/>
+              </a:fillRef>
+              <a:effectRef idx="0">
+                <a:schemeClr val="accent1"/>
+              </a:effectRef>
+              <a:fontRef idx="minor">
+                <a:schemeClr val="lt1"/>
+              </a:fontRef>
+            </p:style>
+            <p:txBody>
+              <a:bodyPr rtlCol="0" anchor="ctr"/>
+              <a:lstStyle/>
+              <a:p>
+                <a:pPr marL="0" marR="0" lvl="0" indent="0" algn="ctr" defTabSz="914400" rtl="0" eaLnBrk="1" fontAlgn="auto" latinLnBrk="0" hangingPunct="1">
+                  <a:lnSpc>
+                    <a:spcPct val="100000"/>
+                  </a:lnSpc>
+                  <a:spcBef>
+                    <a:spcPts val="0"/>
+                  </a:spcBef>
+                  <a:spcAft>
+                    <a:spcPts val="0"/>
+                  </a:spcAft>
+                  <a:buClrTx/>
+                  <a:buSzTx/>
+                  <a:buFontTx/>
+                  <a:buNone/>
+                  <a:tabLst/>
+                  <a:defRPr/>
+                </a:pPr>
+                <a:endParaRPr kumimoji="0" lang="zh-CN" altLang="en-US" sz="1800" b="0" i="0" u="none" strike="noStrike" kern="1200" cap="none" spc="0" normalizeH="0" baseline="0" noProof="0">
+                  <a:ln>
+                    <a:noFill/>
+                  </a:ln>
+                  <a:solidFill>
+                    <a:prstClr val="white"/>
+                  </a:solidFill>
+                  <a:effectLst/>
+                  <a:uLnTx/>
+                  <a:uFillTx/>
+                  <a:latin typeface="Calibri"/>
+                  <a:ea typeface="宋体" panose="02010600030101010101" pitchFamily="2" charset="-122"/>
+                  <a:cs typeface="+mn-cs"/>
+                </a:endParaRPr>
+              </a:p>
+            </p:txBody>
+          </p:sp>
+          <p:cxnSp>
+            <p:nvCxnSpPr>
+              <p:cNvPr id="16" name="直接箭头连接符 15">
+                <a:extLst>
+                  <a:ext uri="{FF2B5EF4-FFF2-40B4-BE49-F238E27FC236}">
+                    <a16:creationId xmlns:a16="http://schemas.microsoft.com/office/drawing/2014/main" id="{90C4C5F8-9432-FE5E-4C54-A328FE09689C}"/>
+                  </a:ext>
+                </a:extLst>
+              </p:cNvPr>
+              <p:cNvCxnSpPr>
+                <a:cxnSpLocks/>
+              </p:cNvCxnSpPr>
+              <p:nvPr/>
+            </p:nvCxnSpPr>
+            <p:spPr>
+              <a:xfrm flipH="1" flipV="1">
+                <a:off x="4472254" y="4502967"/>
+                <a:ext cx="746595" cy="497771"/>
+              </a:xfrm>
+              <a:prstGeom prst="straightConnector1">
+                <a:avLst/>
+              </a:prstGeom>
+              <a:ln w="19050">
+                <a:solidFill>
+                  <a:srgbClr val="FF0000"/>
+                </a:solidFill>
+                <a:tailEnd type="triangle"/>
+              </a:ln>
+            </p:spPr>
+            <p:style>
+              <a:lnRef idx="1">
+                <a:schemeClr val="accent1"/>
+              </a:lnRef>
+              <a:fillRef idx="0">
+                <a:schemeClr val="accent1"/>
+              </a:fillRef>
+              <a:effectRef idx="0">
+                <a:schemeClr val="accent1"/>
+              </a:effectRef>
+              <a:fontRef idx="minor">
+                <a:schemeClr val="tx1"/>
+              </a:fontRef>
+            </p:style>
+          </p:cxnSp>
+          <p:sp>
+            <p:nvSpPr>
+              <p:cNvPr id="17" name="文本框 16">
+                <a:extLst>
+                  <a:ext uri="{FF2B5EF4-FFF2-40B4-BE49-F238E27FC236}">
+                    <a16:creationId xmlns:a16="http://schemas.microsoft.com/office/drawing/2014/main" id="{C87531C1-38DB-570F-6ED3-48A91D31427D}"/>
+                  </a:ext>
+                </a:extLst>
+              </p:cNvPr>
+              <p:cNvSpPr txBox="1"/>
+              <p:nvPr/>
+            </p:nvSpPr>
+            <p:spPr>
+              <a:xfrm>
+                <a:off x="5218849" y="4650212"/>
+                <a:ext cx="4445576" cy="923330"/>
+              </a:xfrm>
+              <a:prstGeom prst="rect">
+                <a:avLst/>
+              </a:prstGeom>
+              <a:noFill/>
+            </p:spPr>
+            <p:txBody>
+              <a:bodyPr wrap="none" rtlCol="0">
+                <a:spAutoFit/>
+              </a:bodyPr>
+              <a:lstStyle/>
+              <a:p>
+                <a:pPr marL="0" marR="0" lvl="0" indent="0" algn="l" defTabSz="914400" rtl="0" eaLnBrk="1" fontAlgn="auto" latinLnBrk="0" hangingPunct="1">
+                  <a:lnSpc>
+                    <a:spcPct val="100000"/>
+                  </a:lnSpc>
+                  <a:spcBef>
+                    <a:spcPts val="0"/>
+                  </a:spcBef>
+                  <a:spcAft>
+                    <a:spcPts val="0"/>
+                  </a:spcAft>
+                  <a:buClrTx/>
+                  <a:buSzTx/>
+                  <a:buFontTx/>
+                  <a:buNone/>
+                  <a:tabLst/>
+                  <a:defRPr/>
+                </a:pPr>
+                <a:r>
+                  <a:rPr kumimoji="0" lang="en-US" altLang="zh-CN" sz="1800" b="0" i="0" u="none" strike="noStrike" kern="1200" cap="none" spc="0" normalizeH="0" baseline="0" noProof="0" dirty="0">
+                    <a:ln>
+                      <a:noFill/>
+                    </a:ln>
+                    <a:solidFill>
+                      <a:prstClr val="black"/>
+                    </a:solidFill>
+                    <a:effectLst/>
+                    <a:uLnTx/>
+                    <a:uFillTx/>
+                    <a:latin typeface="Calibri"/>
+                    <a:ea typeface="宋体" panose="02010600030101010101" pitchFamily="2" charset="-122"/>
+                    <a:cs typeface="+mn-cs"/>
+                  </a:rPr>
+                  <a:t>Use </a:t>
+                </a:r>
+                <a:r>
+                  <a:rPr kumimoji="0" lang="en-US" altLang="zh-CN" sz="1800" b="1" i="0" u="none" strike="noStrike" kern="1200" cap="none" spc="0" normalizeH="0" baseline="0" noProof="0" dirty="0">
+                    <a:ln>
+                      <a:noFill/>
+                    </a:ln>
+                    <a:solidFill>
+                      <a:prstClr val="black"/>
+                    </a:solidFill>
+                    <a:effectLst/>
+                    <a:uLnTx/>
+                    <a:uFillTx/>
+                    <a:latin typeface="Calibri"/>
+                    <a:ea typeface="宋体" panose="02010600030101010101" pitchFamily="2" charset="-122"/>
+                    <a:cs typeface="+mn-cs"/>
+                  </a:rPr>
+                  <a:t>new</a:t>
+                </a:r>
+                <a:r>
+                  <a:rPr kumimoji="0" lang="en-US" altLang="zh-CN" sz="1800" b="0" i="0" u="none" strike="noStrike" kern="1200" cap="none" spc="0" normalizeH="0" baseline="0" noProof="0" dirty="0">
+                    <a:ln>
+                      <a:noFill/>
+                    </a:ln>
+                    <a:solidFill>
+                      <a:prstClr val="black"/>
+                    </a:solidFill>
+                    <a:effectLst/>
+                    <a:uLnTx/>
+                    <a:uFillTx/>
+                    <a:latin typeface="Calibri"/>
+                    <a:ea typeface="宋体" panose="02010600030101010101" pitchFamily="2" charset="-122"/>
+                    <a:cs typeface="+mn-cs"/>
+                  </a:rPr>
+                  <a:t> operator or </a:t>
+                </a:r>
+                <a:r>
+                  <a:rPr kumimoji="0" lang="en-US" altLang="zh-CN" sz="1800" b="1" i="0" u="none" strike="noStrike" kern="1200" cap="none" spc="0" normalizeH="0" baseline="0" noProof="0" dirty="0" err="1">
+                    <a:ln>
+                      <a:noFill/>
+                    </a:ln>
+                    <a:solidFill>
+                      <a:prstClr val="black"/>
+                    </a:solidFill>
+                    <a:effectLst/>
+                    <a:uLnTx/>
+                    <a:uFillTx/>
+                    <a:latin typeface="Calibri"/>
+                    <a:ea typeface="宋体" panose="02010600030101010101" pitchFamily="2" charset="-122"/>
+                    <a:cs typeface="+mn-cs"/>
+                  </a:rPr>
+                  <a:t>make_shared</a:t>
+                </a:r>
+                <a:r>
+                  <a:rPr kumimoji="0" lang="en-US" altLang="zh-CN" sz="1800" b="1" i="0" u="none" strike="noStrike" kern="1200" cap="none" spc="0" normalizeH="0" baseline="0" noProof="0" dirty="0">
+                    <a:ln>
+                      <a:noFill/>
+                    </a:ln>
+                    <a:solidFill>
+                      <a:prstClr val="black"/>
+                    </a:solidFill>
+                    <a:effectLst/>
+                    <a:uLnTx/>
+                    <a:uFillTx/>
+                    <a:latin typeface="Calibri"/>
+                    <a:ea typeface="宋体" panose="02010600030101010101" pitchFamily="2" charset="-122"/>
+                    <a:cs typeface="+mn-cs"/>
+                  </a:rPr>
+                  <a:t>() </a:t>
+                </a:r>
+                <a:r>
+                  <a:rPr kumimoji="0" lang="en-US" altLang="zh-CN" sz="1800" b="0" i="0" u="none" strike="noStrike" kern="1200" cap="none" spc="0" normalizeH="0" baseline="0" noProof="0" dirty="0">
+                    <a:ln>
+                      <a:noFill/>
+                    </a:ln>
+                    <a:solidFill>
+                      <a:prstClr val="black"/>
+                    </a:solidFill>
+                    <a:effectLst/>
+                    <a:uLnTx/>
+                    <a:uFillTx/>
+                    <a:latin typeface="Calibri"/>
+                    <a:ea typeface="宋体" panose="02010600030101010101" pitchFamily="2" charset="-122"/>
+                    <a:cs typeface="+mn-cs"/>
+                  </a:rPr>
+                  <a:t>function</a:t>
+                </a:r>
+              </a:p>
+              <a:p>
+                <a:pPr marL="0" marR="0" lvl="0" indent="0" algn="l" defTabSz="914400" rtl="0" eaLnBrk="1" fontAlgn="auto" latinLnBrk="0" hangingPunct="1">
+                  <a:lnSpc>
+                    <a:spcPct val="100000"/>
+                  </a:lnSpc>
+                  <a:spcBef>
+                    <a:spcPts val="0"/>
+                  </a:spcBef>
+                  <a:spcAft>
+                    <a:spcPts val="0"/>
+                  </a:spcAft>
+                  <a:buClrTx/>
+                  <a:buSzTx/>
+                  <a:buFontTx/>
+                  <a:buNone/>
+                  <a:tabLst/>
+                  <a:defRPr/>
+                </a:pPr>
+                <a:r>
+                  <a:rPr kumimoji="0" lang="en-US" altLang="zh-CN" sz="1800" b="0" i="0" u="none" strike="noStrike" kern="1200" cap="none" spc="0" normalizeH="0" baseline="0" noProof="0" dirty="0">
+                    <a:ln>
+                      <a:noFill/>
+                    </a:ln>
+                    <a:solidFill>
+                      <a:prstClr val="black"/>
+                    </a:solidFill>
+                    <a:effectLst/>
+                    <a:uLnTx/>
+                    <a:uFillTx/>
+                    <a:latin typeface="Calibri"/>
+                    <a:ea typeface="宋体" panose="02010600030101010101" pitchFamily="2" charset="-122"/>
+                    <a:cs typeface="+mn-cs"/>
+                  </a:rPr>
+                  <a:t>to create </a:t>
+                </a:r>
+                <a:r>
+                  <a:rPr lang="en-US" altLang="zh-CN" dirty="0">
+                    <a:solidFill>
+                      <a:prstClr val="black"/>
+                    </a:solidFill>
+                    <a:latin typeface="Calibri"/>
+                    <a:ea typeface="宋体" panose="02010600030101010101" pitchFamily="2" charset="-122"/>
+                  </a:rPr>
+                  <a:t>shared</a:t>
+                </a:r>
+                <a:r>
+                  <a:rPr kumimoji="0" lang="en-US" altLang="zh-CN" sz="1800" b="0" i="0" u="none" strike="noStrike" kern="1200" cap="none" spc="0" normalizeH="0" baseline="0" noProof="0" dirty="0">
+                    <a:ln>
+                      <a:noFill/>
+                    </a:ln>
+                    <a:solidFill>
+                      <a:prstClr val="black"/>
+                    </a:solidFill>
+                    <a:effectLst/>
+                    <a:uLnTx/>
+                    <a:uFillTx/>
+                    <a:latin typeface="Calibri"/>
+                    <a:ea typeface="宋体" panose="02010600030101010101" pitchFamily="2" charset="-122"/>
+                    <a:cs typeface="+mn-cs"/>
+                  </a:rPr>
+                  <a:t>_</a:t>
+                </a:r>
+                <a:r>
+                  <a:rPr kumimoji="0" lang="en-US" altLang="zh-CN" sz="1800" b="0" i="0" u="none" strike="noStrike" kern="1200" cap="none" spc="0" normalizeH="0" baseline="0" noProof="0" dirty="0" err="1">
+                    <a:ln>
+                      <a:noFill/>
+                    </a:ln>
+                    <a:solidFill>
+                      <a:prstClr val="black"/>
+                    </a:solidFill>
+                    <a:effectLst/>
+                    <a:uLnTx/>
+                    <a:uFillTx/>
+                    <a:latin typeface="Calibri"/>
+                    <a:ea typeface="宋体" panose="02010600030101010101" pitchFamily="2" charset="-122"/>
+                    <a:cs typeface="+mn-cs"/>
+                  </a:rPr>
+                  <a:t>ptr</a:t>
+                </a:r>
+                <a:r>
+                  <a:rPr kumimoji="0" lang="en-US" altLang="zh-CN" sz="1800" b="0" i="0" u="none" strike="noStrike" kern="1200" cap="none" spc="0" normalizeH="0" baseline="0" noProof="0" dirty="0">
+                    <a:ln>
+                      <a:noFill/>
+                    </a:ln>
+                    <a:solidFill>
+                      <a:prstClr val="black"/>
+                    </a:solidFill>
+                    <a:effectLst/>
+                    <a:uLnTx/>
+                    <a:uFillTx/>
+                    <a:latin typeface="Calibri"/>
+                    <a:ea typeface="宋体" panose="02010600030101010101" pitchFamily="2" charset="-122"/>
+                    <a:cs typeface="+mn-cs"/>
+                  </a:rPr>
+                  <a:t>.  </a:t>
+                </a:r>
+                <a:r>
+                  <a:rPr kumimoji="0" lang="en-US" altLang="zh-CN" sz="1800" b="0" i="0" u="none" strike="noStrike" kern="1200" cap="none" spc="0" normalizeH="0" baseline="0" noProof="0" dirty="0" err="1">
+                    <a:ln>
+                      <a:noFill/>
+                    </a:ln>
+                    <a:solidFill>
+                      <a:prstClr val="black"/>
+                    </a:solidFill>
+                    <a:effectLst/>
+                    <a:uLnTx/>
+                    <a:uFillTx/>
+                    <a:latin typeface="Calibri"/>
+                    <a:ea typeface="宋体" panose="02010600030101010101" pitchFamily="2" charset="-122"/>
+                    <a:cs typeface="+mn-cs"/>
+                  </a:rPr>
+                  <a:t>make_shared</a:t>
+                </a:r>
+                <a:r>
+                  <a:rPr kumimoji="0" lang="en-US" altLang="zh-CN" sz="1800" b="0" i="0" u="none" strike="noStrike" kern="1200" cap="none" spc="0" normalizeH="0" baseline="0" noProof="0" dirty="0">
+                    <a:ln>
+                      <a:noFill/>
+                    </a:ln>
+                    <a:solidFill>
+                      <a:prstClr val="black"/>
+                    </a:solidFill>
+                    <a:effectLst/>
+                    <a:uLnTx/>
+                    <a:uFillTx/>
+                    <a:latin typeface="Calibri"/>
+                    <a:ea typeface="宋体" panose="02010600030101010101" pitchFamily="2" charset="-122"/>
+                    <a:cs typeface="+mn-cs"/>
+                  </a:rPr>
+                  <a:t>() is </a:t>
+                </a:r>
+              </a:p>
+              <a:p>
+                <a:pPr marL="0" marR="0" lvl="0" indent="0" algn="l" defTabSz="914400" rtl="0" eaLnBrk="1" fontAlgn="auto" latinLnBrk="0" hangingPunct="1">
+                  <a:lnSpc>
+                    <a:spcPct val="100000"/>
+                  </a:lnSpc>
+                  <a:spcBef>
+                    <a:spcPts val="0"/>
+                  </a:spcBef>
+                  <a:spcAft>
+                    <a:spcPts val="0"/>
+                  </a:spcAft>
+                  <a:buClrTx/>
+                  <a:buSzTx/>
+                  <a:buFontTx/>
+                  <a:buNone/>
+                  <a:tabLst/>
+                  <a:defRPr/>
+                </a:pPr>
+                <a:r>
+                  <a:rPr kumimoji="0" lang="en-US" altLang="zh-CN" sz="1800" b="0" i="0" u="none" strike="noStrike" kern="1200" cap="none" spc="0" normalizeH="0" baseline="0" noProof="0" dirty="0">
+                    <a:ln>
+                      <a:noFill/>
+                    </a:ln>
+                    <a:solidFill>
+                      <a:prstClr val="black"/>
+                    </a:solidFill>
+                    <a:effectLst/>
+                    <a:uLnTx/>
+                    <a:uFillTx/>
+                    <a:latin typeface="Calibri"/>
+                    <a:ea typeface="宋体" panose="02010600030101010101" pitchFamily="2" charset="-122"/>
+                    <a:cs typeface="+mn-cs"/>
+                  </a:rPr>
+                  <a:t>recommended.</a:t>
+                </a:r>
+                <a:endParaRPr kumimoji="0" lang="zh-CN" altLang="en-US" sz="1800" b="0" i="0" u="none" strike="noStrike" kern="1200" cap="none" spc="0" normalizeH="0" baseline="0" noProof="0" dirty="0">
+                  <a:ln>
+                    <a:noFill/>
+                  </a:ln>
+                  <a:solidFill>
+                    <a:prstClr val="black"/>
+                  </a:solidFill>
+                  <a:effectLst/>
+                  <a:uLnTx/>
+                  <a:uFillTx/>
+                  <a:latin typeface="Calibri"/>
+                  <a:ea typeface="宋体" panose="02010600030101010101" pitchFamily="2" charset="-122"/>
+                  <a:cs typeface="+mn-cs"/>
+                </a:endParaRPr>
+              </a:p>
+            </p:txBody>
+          </p:sp>
+        </p:grpSp>
+        <p:grpSp>
+          <p:nvGrpSpPr>
+            <p:cNvPr id="9" name="组合 8">
+              <a:extLst>
+                <a:ext uri="{FF2B5EF4-FFF2-40B4-BE49-F238E27FC236}">
+                  <a16:creationId xmlns:a16="http://schemas.microsoft.com/office/drawing/2014/main" id="{88DB0721-1B86-BD39-131C-64A2BB2552A8}"/>
+                </a:ext>
+              </a:extLst>
+            </p:cNvPr>
+            <p:cNvGrpSpPr/>
+            <p:nvPr/>
+          </p:nvGrpSpPr>
+          <p:grpSpPr>
+            <a:xfrm>
+              <a:off x="5504688" y="1773936"/>
+              <a:ext cx="3225457" cy="398490"/>
+              <a:chOff x="2185416" y="4315968"/>
+              <a:chExt cx="3225457" cy="398490"/>
+            </a:xfrm>
+          </p:grpSpPr>
+          <p:sp>
+            <p:nvSpPr>
+              <p:cNvPr id="13" name="椭圆 12">
+                <a:extLst>
+                  <a:ext uri="{FF2B5EF4-FFF2-40B4-BE49-F238E27FC236}">
+                    <a16:creationId xmlns:a16="http://schemas.microsoft.com/office/drawing/2014/main" id="{793C7EF8-6998-88EE-62C3-5BAB98596A9F}"/>
+                  </a:ext>
+                </a:extLst>
+              </p:cNvPr>
+              <p:cNvSpPr/>
+              <p:nvPr/>
+            </p:nvSpPr>
+            <p:spPr>
+              <a:xfrm>
+                <a:off x="2185416" y="4315968"/>
+                <a:ext cx="2011680" cy="398490"/>
+              </a:xfrm>
+              <a:prstGeom prst="ellipse">
+                <a:avLst/>
+              </a:prstGeom>
+              <a:noFill/>
+              <a:ln w="19050">
+                <a:solidFill>
+                  <a:srgbClr val="FF0000"/>
+                </a:solidFill>
+              </a:ln>
+            </p:spPr>
+            <p:style>
+              <a:lnRef idx="2">
+                <a:schemeClr val="accent1">
+                  <a:shade val="50000"/>
+                </a:schemeClr>
+              </a:lnRef>
+              <a:fillRef idx="1">
+                <a:schemeClr val="accent1"/>
+              </a:fillRef>
+              <a:effectRef idx="0">
+                <a:schemeClr val="accent1"/>
+              </a:effectRef>
+              <a:fontRef idx="minor">
+                <a:schemeClr val="lt1"/>
+              </a:fontRef>
+            </p:style>
+            <p:txBody>
+              <a:bodyPr rtlCol="0" anchor="ctr"/>
+              <a:lstStyle/>
+              <a:p>
+                <a:pPr marL="0" marR="0" lvl="0" indent="0" algn="ctr" defTabSz="914400" rtl="0" eaLnBrk="1" fontAlgn="auto" latinLnBrk="0" hangingPunct="1">
+                  <a:lnSpc>
+                    <a:spcPct val="100000"/>
+                  </a:lnSpc>
+                  <a:spcBef>
+                    <a:spcPts val="0"/>
+                  </a:spcBef>
+                  <a:spcAft>
+                    <a:spcPts val="0"/>
+                  </a:spcAft>
+                  <a:buClrTx/>
+                  <a:buSzTx/>
+                  <a:buFontTx/>
+                  <a:buNone/>
+                  <a:tabLst/>
+                  <a:defRPr/>
+                </a:pPr>
+                <a:endParaRPr kumimoji="0" lang="zh-CN" altLang="en-US" sz="1800" b="0" i="0" u="none" strike="noStrike" kern="1200" cap="none" spc="0" normalizeH="0" baseline="0" noProof="0" dirty="0">
+                  <a:ln>
+                    <a:noFill/>
+                  </a:ln>
+                  <a:solidFill>
+                    <a:prstClr val="white"/>
+                  </a:solidFill>
+                  <a:effectLst/>
+                  <a:uLnTx/>
+                  <a:uFillTx/>
+                  <a:latin typeface="Calibri"/>
+                  <a:ea typeface="宋体" panose="02010600030101010101" pitchFamily="2" charset="-122"/>
+                  <a:cs typeface="+mn-cs"/>
+                </a:endParaRPr>
+              </a:p>
+            </p:txBody>
+          </p:sp>
+          <p:cxnSp>
+            <p:nvCxnSpPr>
+              <p:cNvPr id="14" name="直接箭头连接符 13">
+                <a:extLst>
+                  <a:ext uri="{FF2B5EF4-FFF2-40B4-BE49-F238E27FC236}">
+                    <a16:creationId xmlns:a16="http://schemas.microsoft.com/office/drawing/2014/main" id="{EE06781E-AB32-BE45-5865-D50A6C4483CE}"/>
+                  </a:ext>
+                </a:extLst>
+              </p:cNvPr>
+              <p:cNvCxnSpPr>
+                <a:cxnSpLocks/>
+                <a:endCxn id="13" idx="6"/>
+              </p:cNvCxnSpPr>
+              <p:nvPr/>
+            </p:nvCxnSpPr>
+            <p:spPr>
+              <a:xfrm flipH="1">
+                <a:off x="4197096" y="4438525"/>
+                <a:ext cx="1213777" cy="76688"/>
+              </a:xfrm>
+              <a:prstGeom prst="straightConnector1">
+                <a:avLst/>
+              </a:prstGeom>
+              <a:ln w="19050">
+                <a:solidFill>
+                  <a:srgbClr val="FF0000"/>
+                </a:solidFill>
+                <a:tailEnd type="triangle"/>
+              </a:ln>
+            </p:spPr>
+            <p:style>
+              <a:lnRef idx="1">
+                <a:schemeClr val="accent1"/>
+              </a:lnRef>
+              <a:fillRef idx="0">
+                <a:schemeClr val="accent1"/>
+              </a:fillRef>
+              <a:effectRef idx="0">
+                <a:schemeClr val="accent1"/>
+              </a:effectRef>
+              <a:fontRef idx="minor">
+                <a:schemeClr val="tx1"/>
+              </a:fontRef>
+            </p:style>
+          </p:cxnSp>
+        </p:grpSp>
+        <p:grpSp>
+          <p:nvGrpSpPr>
+            <p:cNvPr id="10" name="组合 9">
+              <a:extLst>
+                <a:ext uri="{FF2B5EF4-FFF2-40B4-BE49-F238E27FC236}">
+                  <a16:creationId xmlns:a16="http://schemas.microsoft.com/office/drawing/2014/main" id="{CF84DC0F-7628-51BF-A77E-A0DE33FBB032}"/>
+                </a:ext>
+              </a:extLst>
+            </p:cNvPr>
+            <p:cNvGrpSpPr/>
+            <p:nvPr/>
+          </p:nvGrpSpPr>
+          <p:grpSpPr>
+            <a:xfrm>
+              <a:off x="5586984" y="1896493"/>
+              <a:ext cx="3143161" cy="791843"/>
+              <a:chOff x="1938528" y="3688717"/>
+              <a:chExt cx="3143161" cy="791843"/>
+            </a:xfrm>
+          </p:grpSpPr>
+          <p:sp>
+            <p:nvSpPr>
+              <p:cNvPr id="11" name="椭圆 10">
+                <a:extLst>
+                  <a:ext uri="{FF2B5EF4-FFF2-40B4-BE49-F238E27FC236}">
+                    <a16:creationId xmlns:a16="http://schemas.microsoft.com/office/drawing/2014/main" id="{C0CABE9D-654C-E8C9-5DA4-1A59985C202C}"/>
+                  </a:ext>
+                </a:extLst>
+              </p:cNvPr>
+              <p:cNvSpPr/>
+              <p:nvPr/>
+            </p:nvSpPr>
+            <p:spPr>
+              <a:xfrm>
+                <a:off x="1938528" y="4188405"/>
+                <a:ext cx="2881465" cy="292155"/>
+              </a:xfrm>
+              <a:prstGeom prst="ellipse">
+                <a:avLst/>
+              </a:prstGeom>
+              <a:noFill/>
+              <a:ln w="19050">
+                <a:solidFill>
+                  <a:srgbClr val="FF0000"/>
+                </a:solidFill>
+              </a:ln>
+            </p:spPr>
+            <p:style>
+              <a:lnRef idx="2">
+                <a:schemeClr val="accent1">
+                  <a:shade val="50000"/>
+                </a:schemeClr>
+              </a:lnRef>
+              <a:fillRef idx="1">
+                <a:schemeClr val="accent1"/>
+              </a:fillRef>
+              <a:effectRef idx="0">
+                <a:schemeClr val="accent1"/>
+              </a:effectRef>
+              <a:fontRef idx="minor">
+                <a:schemeClr val="lt1"/>
+              </a:fontRef>
+            </p:style>
+            <p:txBody>
+              <a:bodyPr rtlCol="0" anchor="ctr"/>
+              <a:lstStyle/>
+              <a:p>
+                <a:pPr marL="0" marR="0" lvl="0" indent="0" algn="ctr" defTabSz="914400" rtl="0" eaLnBrk="1" fontAlgn="auto" latinLnBrk="0" hangingPunct="1">
+                  <a:lnSpc>
+                    <a:spcPct val="100000"/>
+                  </a:lnSpc>
+                  <a:spcBef>
+                    <a:spcPts val="0"/>
+                  </a:spcBef>
+                  <a:spcAft>
+                    <a:spcPts val="0"/>
+                  </a:spcAft>
+                  <a:buClrTx/>
+                  <a:buSzTx/>
+                  <a:buFontTx/>
+                  <a:buNone/>
+                  <a:tabLst/>
+                  <a:defRPr/>
+                </a:pPr>
+                <a:endParaRPr kumimoji="0" lang="zh-CN" altLang="en-US" sz="1800" b="0" i="0" u="none" strike="noStrike" kern="1200" cap="none" spc="0" normalizeH="0" baseline="0" noProof="0" dirty="0">
+                  <a:ln>
+                    <a:noFill/>
+                  </a:ln>
+                  <a:solidFill>
+                    <a:prstClr val="white"/>
+                  </a:solidFill>
+                  <a:effectLst/>
+                  <a:uLnTx/>
+                  <a:uFillTx/>
+                  <a:latin typeface="Calibri"/>
+                  <a:ea typeface="宋体" panose="02010600030101010101" pitchFamily="2" charset="-122"/>
+                  <a:cs typeface="+mn-cs"/>
+                </a:endParaRPr>
+              </a:p>
+            </p:txBody>
+          </p:sp>
+          <p:cxnSp>
+            <p:nvCxnSpPr>
+              <p:cNvPr id="12" name="直接箭头连接符 11">
+                <a:extLst>
+                  <a:ext uri="{FF2B5EF4-FFF2-40B4-BE49-F238E27FC236}">
+                    <a16:creationId xmlns:a16="http://schemas.microsoft.com/office/drawing/2014/main" id="{5A4D1CC0-DE23-7918-D3D7-06F4B00ADBFD}"/>
+                  </a:ext>
+                </a:extLst>
+              </p:cNvPr>
+              <p:cNvCxnSpPr>
+                <a:cxnSpLocks/>
+                <a:endCxn id="11" idx="7"/>
+              </p:cNvCxnSpPr>
+              <p:nvPr/>
+            </p:nvCxnSpPr>
+            <p:spPr>
+              <a:xfrm flipH="1">
+                <a:off x="4398012" y="3688717"/>
+                <a:ext cx="683677" cy="542473"/>
+              </a:xfrm>
+              <a:prstGeom prst="straightConnector1">
+                <a:avLst/>
+              </a:prstGeom>
+              <a:ln w="19050">
+                <a:solidFill>
+                  <a:srgbClr val="FF0000"/>
+                </a:solidFill>
+                <a:tailEnd type="triangle"/>
+              </a:ln>
+            </p:spPr>
+            <p:style>
+              <a:lnRef idx="1">
+                <a:schemeClr val="accent1"/>
+              </a:lnRef>
+              <a:fillRef idx="0">
+                <a:schemeClr val="accent1"/>
+              </a:fillRef>
+              <a:effectRef idx="0">
+                <a:schemeClr val="accent1"/>
+              </a:effectRef>
+              <a:fontRef idx="minor">
+                <a:schemeClr val="tx1"/>
+              </a:fontRef>
+            </p:style>
+          </p:cxnSp>
+        </p:grpSp>
+      </p:grpSp>
+      <p:pic>
+        <p:nvPicPr>
+          <p:cNvPr id="19" name="图片 18">
+            <a:extLst>
+              <a:ext uri="{FF2B5EF4-FFF2-40B4-BE49-F238E27FC236}">
+                <a16:creationId xmlns:a16="http://schemas.microsoft.com/office/drawing/2014/main" id="{440FA9C5-F846-520A-F4CC-D7BD44843E73}"/>
+              </a:ext>
+            </a:extLst>
+          </p:cNvPr>
+          <p:cNvPicPr>
+            <a:picLocks noChangeAspect="1"/>
+          </p:cNvPicPr>
+          <p:nvPr/>
+        </p:nvPicPr>
+        <p:blipFill>
+          <a:blip r:embed="rId4"/>
+          <a:stretch>
+            <a:fillRect/>
+          </a:stretch>
+        </p:blipFill>
+        <p:spPr>
+          <a:xfrm>
+            <a:off x="6386830" y="3690053"/>
+            <a:ext cx="2846828" cy="2054182"/>
+          </a:xfrm>
+          <a:prstGeom prst="rect">
+            <a:avLst/>
+          </a:prstGeom>
+        </p:spPr>
+      </p:pic>
+      <p:grpSp>
+        <p:nvGrpSpPr>
+          <p:cNvPr id="28" name="组合 27">
+            <a:extLst>
+              <a:ext uri="{FF2B5EF4-FFF2-40B4-BE49-F238E27FC236}">
+                <a16:creationId xmlns:a16="http://schemas.microsoft.com/office/drawing/2014/main" id="{A4D08358-6A91-C0E2-2354-05A3B2ED5D8A}"/>
+              </a:ext>
+            </a:extLst>
+          </p:cNvPr>
+          <p:cNvGrpSpPr/>
+          <p:nvPr/>
+        </p:nvGrpSpPr>
+        <p:grpSpPr>
+          <a:xfrm>
+            <a:off x="4069080" y="2274973"/>
+            <a:ext cx="5164578" cy="2699362"/>
+            <a:chOff x="4069080" y="2274973"/>
+            <a:chExt cx="5164578" cy="2699362"/>
+          </a:xfrm>
+        </p:grpSpPr>
+        <p:sp>
+          <p:nvSpPr>
+            <p:cNvPr id="24" name="矩形 23">
+              <a:extLst>
+                <a:ext uri="{FF2B5EF4-FFF2-40B4-BE49-F238E27FC236}">
+                  <a16:creationId xmlns:a16="http://schemas.microsoft.com/office/drawing/2014/main" id="{2973C220-44E9-ABFD-2FF5-E0DF3647C665}"/>
+                </a:ext>
+              </a:extLst>
+            </p:cNvPr>
+            <p:cNvSpPr/>
+            <p:nvPr/>
+          </p:nvSpPr>
+          <p:spPr>
+            <a:xfrm>
+              <a:off x="4069080" y="2274973"/>
+              <a:ext cx="1865376" cy="185722"/>
+            </a:xfrm>
+            <a:prstGeom prst="rect">
+              <a:avLst/>
+            </a:prstGeom>
+            <a:noFill/>
+            <a:ln w="19050">
+              <a:solidFill>
+                <a:srgbClr val="00B0F0"/>
+              </a:solidFill>
+            </a:ln>
+          </p:spPr>
+          <p:style>
+            <a:lnRef idx="2">
+              <a:schemeClr val="accent1">
+                <a:shade val="50000"/>
+              </a:schemeClr>
+            </a:lnRef>
+            <a:fillRef idx="1">
+              <a:schemeClr val="accent1"/>
+            </a:fillRef>
+            <a:effectRef idx="0">
+              <a:schemeClr val="accent1"/>
+            </a:effectRef>
+            <a:fontRef idx="minor">
+              <a:schemeClr val="lt1"/>
+            </a:fontRef>
+          </p:style>
+          <p:txBody>
+            <a:bodyPr rtlCol="0" anchor="ctr"/>
+            <a:lstStyle/>
+            <a:p>
+              <a:pPr algn="ctr"/>
+              <a:endParaRPr lang="zh-CN" altLang="en-US"/>
+            </a:p>
+          </p:txBody>
+        </p:sp>
+        <p:sp>
+          <p:nvSpPr>
+            <p:cNvPr id="25" name="矩形 24">
+              <a:extLst>
+                <a:ext uri="{FF2B5EF4-FFF2-40B4-BE49-F238E27FC236}">
+                  <a16:creationId xmlns:a16="http://schemas.microsoft.com/office/drawing/2014/main" id="{6AC08E7A-328E-4A94-7C2E-0BDB4FCC71E1}"/>
+                </a:ext>
+              </a:extLst>
+            </p:cNvPr>
+            <p:cNvSpPr/>
+            <p:nvPr/>
+          </p:nvSpPr>
+          <p:spPr>
+            <a:xfrm>
+              <a:off x="6361176" y="4777380"/>
+              <a:ext cx="2872482" cy="196955"/>
+            </a:xfrm>
+            <a:prstGeom prst="rect">
+              <a:avLst/>
+            </a:prstGeom>
+            <a:noFill/>
+            <a:ln w="19050">
+              <a:solidFill>
+                <a:srgbClr val="00B0F0"/>
+              </a:solidFill>
+            </a:ln>
+          </p:spPr>
+          <p:style>
+            <a:lnRef idx="2">
+              <a:schemeClr val="accent1">
+                <a:shade val="50000"/>
+              </a:schemeClr>
+            </a:lnRef>
+            <a:fillRef idx="1">
+              <a:schemeClr val="accent1"/>
+            </a:fillRef>
+            <a:effectRef idx="0">
+              <a:schemeClr val="accent1"/>
+            </a:effectRef>
+            <a:fontRef idx="minor">
+              <a:schemeClr val="lt1"/>
+            </a:fontRef>
+          </p:style>
+          <p:txBody>
+            <a:bodyPr rtlCol="0" anchor="ctr"/>
+            <a:lstStyle/>
+            <a:p>
+              <a:pPr algn="ctr"/>
+              <a:endParaRPr lang="zh-CN" altLang="en-US"/>
+            </a:p>
+          </p:txBody>
+        </p:sp>
+        <p:cxnSp>
+          <p:nvCxnSpPr>
+            <p:cNvPr id="27" name="直接箭头连接符 26">
+              <a:extLst>
+                <a:ext uri="{FF2B5EF4-FFF2-40B4-BE49-F238E27FC236}">
+                  <a16:creationId xmlns:a16="http://schemas.microsoft.com/office/drawing/2014/main" id="{8B6565E0-E03F-120E-2364-3D239C672C0E}"/>
+                </a:ext>
+              </a:extLst>
+            </p:cNvPr>
+            <p:cNvCxnSpPr/>
+            <p:nvPr/>
+          </p:nvCxnSpPr>
+          <p:spPr>
+            <a:xfrm>
+              <a:off x="5805171" y="2460695"/>
+              <a:ext cx="1857501" cy="2285041"/>
+            </a:xfrm>
+            <a:prstGeom prst="straightConnector1">
+              <a:avLst/>
+            </a:prstGeom>
+            <a:ln w="19050">
+              <a:tailEnd type="triangle"/>
+            </a:ln>
+          </p:spPr>
+          <p:style>
+            <a:lnRef idx="1">
+              <a:schemeClr val="accent1"/>
+            </a:lnRef>
+            <a:fillRef idx="0">
+              <a:schemeClr val="accent1"/>
+            </a:fillRef>
+            <a:effectRef idx="0">
+              <a:schemeClr val="accent1"/>
+            </a:effectRef>
+            <a:fontRef idx="minor">
+              <a:schemeClr val="tx1"/>
+            </a:fontRef>
+          </p:style>
+        </p:cxnSp>
+      </p:grpSp>
+      <p:grpSp>
+        <p:nvGrpSpPr>
+          <p:cNvPr id="29" name="组合 28">
+            <a:extLst>
+              <a:ext uri="{FF2B5EF4-FFF2-40B4-BE49-F238E27FC236}">
+                <a16:creationId xmlns:a16="http://schemas.microsoft.com/office/drawing/2014/main" id="{31698E79-2FB9-EA84-9434-4E6191AC53F4}"/>
+              </a:ext>
+            </a:extLst>
+          </p:cNvPr>
+          <p:cNvGrpSpPr/>
+          <p:nvPr/>
+        </p:nvGrpSpPr>
+        <p:grpSpPr>
+          <a:xfrm>
+            <a:off x="4047744" y="2747413"/>
+            <a:ext cx="5173722" cy="2434186"/>
+            <a:chOff x="4069080" y="2274973"/>
+            <a:chExt cx="5173722" cy="2434186"/>
+          </a:xfrm>
+        </p:grpSpPr>
+        <p:sp>
+          <p:nvSpPr>
+            <p:cNvPr id="30" name="矩形 29">
+              <a:extLst>
+                <a:ext uri="{FF2B5EF4-FFF2-40B4-BE49-F238E27FC236}">
+                  <a16:creationId xmlns:a16="http://schemas.microsoft.com/office/drawing/2014/main" id="{85754BA0-1D60-E600-2A37-A209D3590D91}"/>
+                </a:ext>
+              </a:extLst>
+            </p:cNvPr>
+            <p:cNvSpPr/>
+            <p:nvPr/>
+          </p:nvSpPr>
+          <p:spPr>
+            <a:xfrm>
+              <a:off x="4069080" y="2274973"/>
+              <a:ext cx="862584" cy="185722"/>
+            </a:xfrm>
+            <a:prstGeom prst="rect">
+              <a:avLst/>
+            </a:prstGeom>
+            <a:noFill/>
+            <a:ln w="19050">
+              <a:solidFill>
+                <a:srgbClr val="FF0000"/>
+              </a:solidFill>
+            </a:ln>
+          </p:spPr>
+          <p:style>
+            <a:lnRef idx="2">
+              <a:schemeClr val="accent1">
+                <a:shade val="50000"/>
+              </a:schemeClr>
+            </a:lnRef>
+            <a:fillRef idx="1">
+              <a:schemeClr val="accent1"/>
+            </a:fillRef>
+            <a:effectRef idx="0">
+              <a:schemeClr val="accent1"/>
+            </a:effectRef>
+            <a:fontRef idx="minor">
+              <a:schemeClr val="lt1"/>
+            </a:fontRef>
+          </p:style>
+          <p:txBody>
+            <a:bodyPr rtlCol="0" anchor="ctr"/>
+            <a:lstStyle/>
+            <a:p>
+              <a:pPr algn="ctr"/>
+              <a:endParaRPr lang="zh-CN" altLang="en-US"/>
+            </a:p>
+          </p:txBody>
+        </p:sp>
+        <p:sp>
+          <p:nvSpPr>
+            <p:cNvPr id="31" name="矩形 30">
+              <a:extLst>
+                <a:ext uri="{FF2B5EF4-FFF2-40B4-BE49-F238E27FC236}">
+                  <a16:creationId xmlns:a16="http://schemas.microsoft.com/office/drawing/2014/main" id="{D0A53899-E90D-6AC9-D428-A933315D8509}"/>
+                </a:ext>
+              </a:extLst>
+            </p:cNvPr>
+            <p:cNvSpPr/>
+            <p:nvPr/>
+          </p:nvSpPr>
+          <p:spPr>
+            <a:xfrm>
+              <a:off x="6370320" y="4512204"/>
+              <a:ext cx="2872482" cy="196955"/>
+            </a:xfrm>
+            <a:prstGeom prst="rect">
+              <a:avLst/>
+            </a:prstGeom>
+            <a:noFill/>
+            <a:ln w="19050">
+              <a:solidFill>
+                <a:srgbClr val="FF0000"/>
+              </a:solidFill>
+            </a:ln>
+          </p:spPr>
+          <p:style>
+            <a:lnRef idx="2">
+              <a:schemeClr val="accent1">
+                <a:shade val="50000"/>
+              </a:schemeClr>
+            </a:lnRef>
+            <a:fillRef idx="1">
+              <a:schemeClr val="accent1"/>
+            </a:fillRef>
+            <a:effectRef idx="0">
+              <a:schemeClr val="accent1"/>
+            </a:effectRef>
+            <a:fontRef idx="minor">
+              <a:schemeClr val="lt1"/>
+            </a:fontRef>
+          </p:style>
+          <p:txBody>
+            <a:bodyPr rtlCol="0" anchor="ctr"/>
+            <a:lstStyle/>
+            <a:p>
+              <a:pPr algn="ctr"/>
+              <a:endParaRPr lang="zh-CN" altLang="en-US" dirty="0"/>
+            </a:p>
+          </p:txBody>
+        </p:sp>
+        <p:cxnSp>
+          <p:nvCxnSpPr>
+            <p:cNvPr id="32" name="直接箭头连接符 31">
+              <a:extLst>
+                <a:ext uri="{FF2B5EF4-FFF2-40B4-BE49-F238E27FC236}">
+                  <a16:creationId xmlns:a16="http://schemas.microsoft.com/office/drawing/2014/main" id="{1894BA72-CF74-A273-EA60-EFAB88FA1C6D}"/>
+                </a:ext>
+              </a:extLst>
+            </p:cNvPr>
+            <p:cNvCxnSpPr>
+              <a:cxnSpLocks/>
+            </p:cNvCxnSpPr>
+            <p:nvPr/>
+          </p:nvCxnSpPr>
+          <p:spPr>
+            <a:xfrm>
+              <a:off x="4897756" y="2402269"/>
+              <a:ext cx="1463420" cy="2227643"/>
+            </a:xfrm>
+            <a:prstGeom prst="straightConnector1">
+              <a:avLst/>
+            </a:prstGeom>
+            <a:ln w="19050">
+              <a:solidFill>
+                <a:srgbClr val="FF0000"/>
+              </a:solidFill>
+              <a:tailEnd type="triangle"/>
+            </a:ln>
+          </p:spPr>
+          <p:style>
+            <a:lnRef idx="1">
+              <a:schemeClr val="accent1"/>
+            </a:lnRef>
+            <a:fillRef idx="0">
+              <a:schemeClr val="accent1"/>
+            </a:fillRef>
+            <a:effectRef idx="0">
+              <a:schemeClr val="accent1"/>
+            </a:effectRef>
+            <a:fontRef idx="minor">
+              <a:schemeClr val="tx1"/>
+            </a:fontRef>
+          </p:style>
+        </p:cxnSp>
+      </p:grpSp>
+    </p:spTree>
+    <p:extLst>
+      <p:ext uri="{BB962C8B-B14F-4D97-AF65-F5344CB8AC3E}">
+        <p14:creationId xmlns:p14="http://schemas.microsoft.com/office/powerpoint/2010/main" val="965633515"/>
+      </p:ext>
+    </p:extLst>
+  </p:cSld>
+  <p:clrMapOvr>
+    <a:masterClrMapping/>
+  </p:clrMapOvr>
+  <p:timing>
+    <p:tnLst>
+      <p:par>
+        <p:cTn id="1" dur="indefinite" restart="never" nodeType="tmRoot">
+          <p:childTnLst>
+            <p:seq concurrent="1" nextAc="seek">
+              <p:cTn id="2" dur="indefinite" nodeType="mainSeq">
+                <p:childTnLst>
+                  <p:par>
+                    <p:cTn id="3" fill="hold">
+                      <p:stCondLst>
+                        <p:cond delay="indefinite"/>
+                      </p:stCondLst>
+                      <p:childTnLst>
+                        <p:par>
+                          <p:cTn id="4" fill="hold">
+                            <p:stCondLst>
+                              <p:cond delay="0"/>
+                            </p:stCondLst>
+                            <p:childTnLst>
+                              <p:par>
+                                <p:cTn id="5" presetID="1" presetClass="entr" presetSubtype="0" fill="hold" nodeType="clickEffect">
+                                  <p:stCondLst>
+                                    <p:cond delay="0"/>
+                                  </p:stCondLst>
+                                  <p:childTnLst>
+                                    <p:set>
+                                      <p:cBhvr>
+                                        <p:cTn id="6" dur="1" fill="hold">
+                                          <p:stCondLst>
+                                            <p:cond delay="0"/>
+                                          </p:stCondLst>
+                                        </p:cTn>
+                                        <p:tgtEl>
+                                          <p:spTgt spid="7"/>
+                                        </p:tgtEl>
+                                        <p:attrNameLst>
+                                          <p:attrName>style.visibility</p:attrName>
+                                        </p:attrNameLst>
+                                      </p:cBhvr>
+                                      <p:to>
+                                        <p:strVal val="visible"/>
+                                      </p:to>
+                                    </p:set>
+                                  </p:childTnLst>
+                                </p:cTn>
+                              </p:par>
+                            </p:childTnLst>
+                          </p:cTn>
+                        </p:par>
+                      </p:childTnLst>
+                    </p:cTn>
+                  </p:par>
+                  <p:par>
+                    <p:cTn id="7" fill="hold">
+                      <p:stCondLst>
+                        <p:cond delay="indefinite"/>
+                      </p:stCondLst>
+                      <p:childTnLst>
+                        <p:par>
+                          <p:cTn id="8" fill="hold">
+                            <p:stCondLst>
+                              <p:cond delay="0"/>
+                            </p:stCondLst>
+                            <p:childTnLst>
+                              <p:par>
+                                <p:cTn id="9" presetID="1" presetClass="entr" presetSubtype="0" fill="hold" nodeType="clickEffect">
+                                  <p:stCondLst>
+                                    <p:cond delay="0"/>
+                                  </p:stCondLst>
+                                  <p:childTnLst>
+                                    <p:set>
+                                      <p:cBhvr>
+                                        <p:cTn id="10" dur="1" fill="hold">
+                                          <p:stCondLst>
+                                            <p:cond delay="0"/>
+                                          </p:stCondLst>
+                                        </p:cTn>
+                                        <p:tgtEl>
+                                          <p:spTgt spid="19"/>
+                                        </p:tgtEl>
+                                        <p:attrNameLst>
+                                          <p:attrName>style.visibility</p:attrName>
+                                        </p:attrNameLst>
+                                      </p:cBhvr>
+                                      <p:to>
+                                        <p:strVal val="visible"/>
+                                      </p:to>
+                                    </p:set>
+                                  </p:childTnLst>
+                                </p:cTn>
+                              </p:par>
+                            </p:childTnLst>
+                          </p:cTn>
+                        </p:par>
+                      </p:childTnLst>
+                    </p:cTn>
+                  </p:par>
+                  <p:par>
+                    <p:cTn id="11" fill="hold">
+                      <p:stCondLst>
+                        <p:cond delay="indefinite"/>
+                      </p:stCondLst>
+                      <p:childTnLst>
+                        <p:par>
+                          <p:cTn id="12" fill="hold">
+                            <p:stCondLst>
+                              <p:cond delay="0"/>
+                            </p:stCondLst>
+                            <p:childTnLst>
+                              <p:par>
+                                <p:cTn id="13" presetID="1" presetClass="entr" presetSubtype="0" fill="hold" nodeType="clickEffect">
+                                  <p:stCondLst>
+                                    <p:cond delay="0"/>
+                                  </p:stCondLst>
+                                  <p:childTnLst>
+                                    <p:set>
+                                      <p:cBhvr>
+                                        <p:cTn id="14" dur="1" fill="hold">
+                                          <p:stCondLst>
+                                            <p:cond delay="0"/>
+                                          </p:stCondLst>
+                                        </p:cTn>
+                                        <p:tgtEl>
+                                          <p:spTgt spid="28"/>
+                                        </p:tgtEl>
+                                        <p:attrNameLst>
+                                          <p:attrName>style.visibility</p:attrName>
+                                        </p:attrNameLst>
+                                      </p:cBhvr>
+                                      <p:to>
+                                        <p:strVal val="visible"/>
+                                      </p:to>
+                                    </p:set>
+                                  </p:childTnLst>
+                                </p:cTn>
+                              </p:par>
+                            </p:childTnLst>
+                          </p:cTn>
+                        </p:par>
+                      </p:childTnLst>
+                    </p:cTn>
+                  </p:par>
+                  <p:par>
+                    <p:cTn id="15" fill="hold">
+                      <p:stCondLst>
+                        <p:cond delay="indefinite"/>
+                      </p:stCondLst>
+                      <p:childTnLst>
+                        <p:par>
+                          <p:cTn id="16" fill="hold">
+                            <p:stCondLst>
+                              <p:cond delay="0"/>
+                            </p:stCondLst>
+                            <p:childTnLst>
+                              <p:par>
+                                <p:cTn id="17" presetID="1" presetClass="entr" presetSubtype="0" fill="hold" nodeType="clickEffect">
+                                  <p:stCondLst>
+                                    <p:cond delay="0"/>
+                                  </p:stCondLst>
+                                  <p:childTnLst>
+                                    <p:set>
+                                      <p:cBhvr>
+                                        <p:cTn id="18" dur="1" fill="hold">
+                                          <p:stCondLst>
+                                            <p:cond delay="0"/>
+                                          </p:stCondLst>
+                                        </p:cTn>
+                                        <p:tgtEl>
+                                          <p:spTgt spid="29"/>
+                                        </p:tgtEl>
+                                        <p:attrNameLst>
+                                          <p:attrName>style.visibility</p:attrName>
+                                        </p:attrNameLst>
+                                      </p:cBhvr>
+                                      <p:to>
+                                        <p:strVal val="visible"/>
+                                      </p:to>
+                                    </p:set>
+                                  </p:childTnLst>
+                                </p:cTn>
+                              </p:par>
+                            </p:childTnLst>
+                          </p:cTn>
+                        </p:par>
+                      </p:childTnLst>
+                    </p:cTn>
+                  </p:par>
+                </p:childTnLst>
+              </p:cTn>
+              <p:prevCondLst>
+                <p:cond evt="onPrev" delay="0">
+                  <p:tgtEl>
+                    <p:sldTgt/>
+                  </p:tgtEl>
+                </p:cond>
+              </p:prevCondLst>
+              <p:nextCondLst>
+                <p:cond evt="onNext" delay="0">
+                  <p:tgtEl>
+                    <p:sldTgt/>
+                  </p:tgtEl>
+                </p:cond>
+              </p:nextCondLst>
+            </p:seq>
+          </p:childTnLst>
+        </p:cTn>
+      </p:par>
+    </p:tnLst>
+  </p:timing>
+</p:sld>
+</file>
+
+<file path=ppt/slides/slide13.xml><?xml version="1.0" encoding="utf-8"?>
+<p:sld xmlns:a="http://schemas.openxmlformats.org/drawingml/2006/main" xmlns:r="http://schemas.openxmlformats.org/officeDocument/2006/relationships" xmlns:p="http://schemas.openxmlformats.org/presentationml/2006/main">
+  <p:cSld>
+    <p:spTree>
+      <p:nvGrpSpPr>
+        <p:cNvPr id="1" name=""/>
+        <p:cNvGrpSpPr/>
+        <p:nvPr/>
+      </p:nvGrpSpPr>
+      <p:grpSpPr>
+        <a:xfrm>
+          <a:off x="0" y="0"/>
+          <a:ext cx="0" cy="0"/>
+          <a:chOff x="0" y="0"/>
+          <a:chExt cx="0" cy="0"/>
+        </a:xfrm>
+      </p:grpSpPr>
+      <p:sp>
+        <p:nvSpPr>
+          <p:cNvPr id="3" name="内容占位符 2"/>
+          <p:cNvSpPr>
+            <a:spLocks noGrp="1"/>
+          </p:cNvSpPr>
+          <p:nvPr>
+            <p:ph idx="1"/>
+          </p:nvPr>
+        </p:nvSpPr>
+        <p:spPr>
+          <a:xfrm>
+            <a:off x="1346199" y="671272"/>
+            <a:ext cx="9783620" cy="658765"/>
+          </a:xfrm>
+        </p:spPr>
+        <p:txBody>
           <a:bodyPr/>
           <a:lstStyle/>
           <a:p>
-            <a:r>
-              <a:rPr lang="en-US" altLang="zh-CN"/>
-              <a:t>C++ provides shared pointer to help manage your dynamic memory.</a:t>
-            </a:r>
-          </a:p>
-          <a:p>
-            <a:r>
-              <a:rPr lang="en-US" altLang="zh-CN"/>
-              <a:t>You can make several shared pointers points to one piece of memory.</a:t>
-            </a:r>
-          </a:p>
-          <a:p>
-            <a:r>
-              <a:rPr lang="en-US" altLang="zh-CN"/>
-              <a:t>If the last one of them is released, the dynamic memory is released.</a:t>
+            <a:pPr marL="0" indent="0">
+              <a:buNone/>
+            </a:pPr>
+            <a:r>
+              <a:rPr lang="en-US" altLang="zh-CN" dirty="0"/>
+              <a:t>Does shared pointer always releases memory? Can we do this?</a:t>
             </a:r>
           </a:p>
         </p:txBody>
@@ -4014,32 +7014,8 @@
         </p:blipFill>
         <p:spPr>
           <a:xfrm>
-            <a:off x="1534795" y="3199130"/>
-            <a:ext cx="3612515" cy="2838450"/>
-          </a:xfrm>
-          <a:prstGeom prst="rect">
-            <a:avLst/>
-          </a:prstGeom>
-        </p:spPr>
-      </p:pic>
-      <p:pic>
-        <p:nvPicPr>
-          <p:cNvPr id="5" name="图片 4"/>
-          <p:cNvPicPr>
-            <a:picLocks noChangeAspect="1"/>
-          </p:cNvPicPr>
-          <p:nvPr/>
-        </p:nvPicPr>
-        <p:blipFill>
-          <a:blip r:embed="rId3"/>
-          <a:stretch>
-            <a:fillRect/>
-          </a:stretch>
-        </p:blipFill>
-        <p:spPr>
-          <a:xfrm>
-            <a:off x="6203950" y="3451860"/>
-            <a:ext cx="3608070" cy="1183005"/>
+            <a:off x="3834765" y="1371950"/>
+            <a:ext cx="3462655" cy="5393690"/>
           </a:xfrm>
           <a:prstGeom prst="rect">
             <a:avLst/>
@@ -4054,7 +7030,7 @@
 </p:sld>
 </file>
 
-<file path=ppt/slides/slide12.xml><?xml version="1.0" encoding="utf-8"?>
+<file path=ppt/slides/slide14.xml><?xml version="1.0" encoding="utf-8"?>
 <p:sld xmlns:a="http://schemas.openxmlformats.org/drawingml/2006/main" xmlns:r="http://schemas.openxmlformats.org/officeDocument/2006/relationships" xmlns:p="http://schemas.openxmlformats.org/presentationml/2006/main">
   <p:cSld>
     <p:spTree>
@@ -4087,70 +7063,539 @@
           <a:lstStyle/>
           <a:p>
             <a:r>
-              <a:rPr lang="en-US" altLang="zh-CN"/>
-              <a:t>Shared pointer</a:t>
+              <a:rPr lang="en-US" altLang="zh-CN" dirty="0"/>
+              <a:t>Exercise:</a:t>
             </a:r>
           </a:p>
         </p:txBody>
       </p:sp>
       <p:sp>
         <p:nvSpPr>
-          <p:cNvPr id="3" name="内容占位符 2"/>
-          <p:cNvSpPr>
-            <a:spLocks noGrp="1"/>
-          </p:cNvSpPr>
-          <p:nvPr>
-            <p:ph idx="1"/>
-          </p:nvPr>
+          <p:cNvPr id="6" name="文本框 5">
+            <a:extLst>
+              <a:ext uri="{FF2B5EF4-FFF2-40B4-BE49-F238E27FC236}">
+                <a16:creationId xmlns:a16="http://schemas.microsoft.com/office/drawing/2014/main" id="{0E03AA6F-63EA-06A4-E215-32BF342C09B6}"/>
+              </a:ext>
+            </a:extLst>
+          </p:cNvPr>
+          <p:cNvSpPr txBox="1"/>
+          <p:nvPr/>
         </p:nvSpPr>
         <p:spPr>
           <a:xfrm>
-            <a:off x="838199" y="1003780"/>
-            <a:ext cx="11053879" cy="4849968"/>
-          </a:xfrm>
-        </p:spPr>
-        <p:txBody>
-          <a:bodyPr/>
-          <a:lstStyle/>
-          <a:p>
-            <a:r>
-              <a:rPr lang="en-US" altLang="zh-CN"/>
-              <a:t>Does shared pointer always releases memory?</a:t>
-            </a:r>
-          </a:p>
-          <a:p>
-            <a:r>
-              <a:rPr lang="en-US" altLang="zh-CN"/>
-              <a:t>Can we do this?</a:t>
-            </a:r>
-          </a:p>
-        </p:txBody>
-      </p:sp>
-      <p:pic>
-        <p:nvPicPr>
-          <p:cNvPr id="4" name="图片 3"/>
-          <p:cNvPicPr>
-            <a:picLocks noChangeAspect="1"/>
-          </p:cNvPicPr>
-          <p:nvPr/>
-        </p:nvPicPr>
-        <p:blipFill>
-          <a:blip r:embed="rId2"/>
-          <a:stretch>
-            <a:fillRect/>
-          </a:stretch>
-        </p:blipFill>
-        <p:spPr>
-          <a:xfrm>
-            <a:off x="3834765" y="1464310"/>
-            <a:ext cx="3462655" cy="5393690"/>
+            <a:off x="884425" y="1330800"/>
+            <a:ext cx="5211575" cy="1938992"/>
           </a:xfrm>
           <a:prstGeom prst="rect">
             <a:avLst/>
           </a:prstGeom>
+          <a:noFill/>
         </p:spPr>
-      </p:pic>
+        <p:txBody>
+          <a:bodyPr wrap="square" rtlCol="0">
+            <a:spAutoFit/>
+          </a:bodyPr>
+          <a:lstStyle/>
+          <a:p>
+            <a:r>
+              <a:rPr lang="en-US" altLang="zh-CN" sz="2400" dirty="0"/>
+              <a:t>1. Could the program be compiled successfully? Why? Modify the program until it passes the compilation. Then run the program. What will happen? Explain the result to the SA.</a:t>
+            </a:r>
+            <a:endParaRPr lang="zh-CN" altLang="en-US" sz="2400" dirty="0"/>
+          </a:p>
+        </p:txBody>
+      </p:sp>
+      <p:sp>
+        <p:nvSpPr>
+          <p:cNvPr id="8" name="文本框 7">
+            <a:extLst>
+              <a:ext uri="{FF2B5EF4-FFF2-40B4-BE49-F238E27FC236}">
+                <a16:creationId xmlns:a16="http://schemas.microsoft.com/office/drawing/2014/main" id="{66FD7D47-2BFF-2284-DB91-CA27F639300A}"/>
+              </a:ext>
+            </a:extLst>
+          </p:cNvPr>
+          <p:cNvSpPr txBox="1"/>
+          <p:nvPr/>
+        </p:nvSpPr>
+        <p:spPr>
+          <a:xfrm>
+            <a:off x="7035546" y="838357"/>
+            <a:ext cx="3900678" cy="5755422"/>
+          </a:xfrm>
+          <a:prstGeom prst="rect">
+            <a:avLst/>
+          </a:prstGeom>
+          <a:solidFill>
+            <a:schemeClr val="bg2"/>
+          </a:solidFill>
+          <a:ln>
+            <a:solidFill>
+              <a:srgbClr val="0000CC"/>
+            </a:solidFill>
+          </a:ln>
+        </p:spPr>
+        <p:txBody>
+          <a:bodyPr wrap="square">
+            <a:spAutoFit/>
+          </a:bodyPr>
+          <a:lstStyle/>
+          <a:p>
+            <a:r>
+              <a:rPr lang="en-US" altLang="zh-CN" sz="1600" b="0" dirty="0">
+                <a:effectLst/>
+              </a:rPr>
+              <a:t>#include &lt;iostream&gt;</a:t>
+            </a:r>
+          </a:p>
+          <a:p>
+            <a:r>
+              <a:rPr lang="en-US" altLang="zh-CN" sz="1600" b="0" dirty="0">
+                <a:effectLst/>
+              </a:rPr>
+              <a:t>#include &lt;memory&gt;</a:t>
+            </a:r>
+          </a:p>
+          <a:p>
+            <a:br>
+              <a:rPr lang="en-US" altLang="zh-CN" sz="1600" b="0" dirty="0">
+                <a:effectLst/>
+              </a:rPr>
+            </a:br>
+            <a:r>
+              <a:rPr lang="en-US" altLang="zh-CN" sz="1600" b="0" dirty="0">
+                <a:effectLst/>
+              </a:rPr>
+              <a:t>using namespace std;</a:t>
+            </a:r>
+          </a:p>
+          <a:p>
+            <a:br>
+              <a:rPr lang="en-US" altLang="zh-CN" sz="1600" b="0" dirty="0">
+                <a:effectLst/>
+              </a:rPr>
+            </a:br>
+            <a:r>
+              <a:rPr lang="en-US" altLang="zh-CN" sz="1600" b="0" dirty="0">
+                <a:effectLst/>
+              </a:rPr>
+              <a:t>int main()</a:t>
+            </a:r>
+          </a:p>
+          <a:p>
+            <a:r>
+              <a:rPr lang="en-US" altLang="zh-CN" sz="1600" b="0" dirty="0">
+                <a:effectLst/>
+              </a:rPr>
+              <a:t>{</a:t>
+            </a:r>
+          </a:p>
+          <a:p>
+            <a:r>
+              <a:rPr lang="en-US" altLang="zh-CN" sz="1600" b="0" dirty="0">
+                <a:effectLst/>
+              </a:rPr>
+              <a:t>    double *</a:t>
+            </a:r>
+            <a:r>
+              <a:rPr lang="en-US" altLang="zh-CN" sz="1600" b="0" dirty="0" err="1">
+                <a:effectLst/>
+              </a:rPr>
+              <a:t>p_reg</a:t>
+            </a:r>
+            <a:r>
+              <a:rPr lang="en-US" altLang="zh-CN" sz="1600" b="0" dirty="0">
+                <a:effectLst/>
+              </a:rPr>
+              <a:t> = new double(5);</a:t>
+            </a:r>
+          </a:p>
+          <a:p>
+            <a:r>
+              <a:rPr lang="en-US" altLang="zh-CN" sz="1600" b="0" dirty="0">
+                <a:effectLst/>
+              </a:rPr>
+              <a:t>    </a:t>
+            </a:r>
+            <a:r>
+              <a:rPr lang="en-US" altLang="zh-CN" sz="1600" b="0" dirty="0" err="1">
+                <a:effectLst/>
+              </a:rPr>
+              <a:t>shared_ptr</a:t>
+            </a:r>
+            <a:r>
+              <a:rPr lang="en-US" altLang="zh-CN" sz="1600" b="0" dirty="0">
+                <a:effectLst/>
+              </a:rPr>
+              <a:t>&lt;double&gt; pd;</a:t>
+            </a:r>
+          </a:p>
+          <a:p>
+            <a:r>
+              <a:rPr lang="en-US" altLang="zh-CN" sz="1600" b="0" dirty="0">
+                <a:effectLst/>
+              </a:rPr>
+              <a:t>    pd = </a:t>
+            </a:r>
+            <a:r>
+              <a:rPr lang="en-US" altLang="zh-CN" sz="1600" b="0" dirty="0" err="1">
+                <a:effectLst/>
+              </a:rPr>
+              <a:t>p_reg</a:t>
+            </a:r>
+            <a:r>
+              <a:rPr lang="en-US" altLang="zh-CN" sz="1600" b="0" dirty="0">
+                <a:effectLst/>
+              </a:rPr>
+              <a:t>;     </a:t>
+            </a:r>
+          </a:p>
+          <a:p>
+            <a:r>
+              <a:rPr lang="en-US" altLang="zh-CN" sz="1600" dirty="0"/>
+              <a:t>    </a:t>
+            </a:r>
+            <a:r>
+              <a:rPr lang="en-US" altLang="zh-CN" sz="1600" b="0" dirty="0">
+                <a:effectLst/>
+              </a:rPr>
+              <a:t>pd = </a:t>
+            </a:r>
+            <a:r>
+              <a:rPr lang="en-US" altLang="zh-CN" sz="1600" b="0" dirty="0" err="1">
+                <a:effectLst/>
+              </a:rPr>
+              <a:t>shared_ptr</a:t>
+            </a:r>
+            <a:r>
+              <a:rPr lang="en-US" altLang="zh-CN" sz="1600" b="0" dirty="0">
+                <a:effectLst/>
+              </a:rPr>
+              <a:t>&lt;double&gt;(</a:t>
+            </a:r>
+            <a:r>
+              <a:rPr lang="en-US" altLang="zh-CN" sz="1600" b="0" dirty="0" err="1">
+                <a:effectLst/>
+              </a:rPr>
+              <a:t>p_reg</a:t>
+            </a:r>
+            <a:r>
+              <a:rPr lang="en-US" altLang="zh-CN" sz="1600" b="0" dirty="0">
+                <a:effectLst/>
+              </a:rPr>
+              <a:t>); </a:t>
+            </a:r>
+          </a:p>
+          <a:p>
+            <a:r>
+              <a:rPr lang="en-US" altLang="zh-CN" sz="1600" b="0" dirty="0">
+                <a:effectLst/>
+              </a:rPr>
+              <a:t>    </a:t>
+            </a:r>
+            <a:r>
+              <a:rPr lang="en-US" altLang="zh-CN" sz="1600" b="0" dirty="0" err="1">
+                <a:effectLst/>
+              </a:rPr>
+              <a:t>cout</a:t>
+            </a:r>
+            <a:r>
+              <a:rPr lang="en-US" altLang="zh-CN" sz="1600" b="0" dirty="0">
+                <a:effectLst/>
+              </a:rPr>
+              <a:t> &lt;&lt; "*pd = " &lt;&lt; *pd &lt;&lt; </a:t>
+            </a:r>
+            <a:r>
+              <a:rPr lang="en-US" altLang="zh-CN" sz="1600" b="0" dirty="0" err="1">
+                <a:effectLst/>
+              </a:rPr>
+              <a:t>endl</a:t>
+            </a:r>
+            <a:r>
+              <a:rPr lang="en-US" altLang="zh-CN" sz="1600" b="0" dirty="0">
+                <a:effectLst/>
+              </a:rPr>
+              <a:t>;</a:t>
+            </a:r>
+          </a:p>
+          <a:p>
+            <a:br>
+              <a:rPr lang="en-US" altLang="zh-CN" sz="1600" b="0" dirty="0">
+                <a:effectLst/>
+              </a:rPr>
+            </a:br>
+            <a:r>
+              <a:rPr lang="en-US" altLang="zh-CN" sz="1600" b="0" dirty="0">
+                <a:effectLst/>
+              </a:rPr>
+              <a:t>    </a:t>
+            </a:r>
+            <a:r>
+              <a:rPr lang="en-US" altLang="zh-CN" sz="1600" b="0" dirty="0" err="1">
+                <a:effectLst/>
+              </a:rPr>
+              <a:t>shared_ptr</a:t>
+            </a:r>
+            <a:r>
+              <a:rPr lang="en-US" altLang="zh-CN" sz="1600" b="0" dirty="0">
+                <a:effectLst/>
+              </a:rPr>
+              <a:t>&lt;double&gt; </a:t>
+            </a:r>
+            <a:r>
+              <a:rPr lang="en-US" altLang="zh-CN" sz="1600" b="0" dirty="0" err="1">
+                <a:effectLst/>
+              </a:rPr>
+              <a:t>pshared</a:t>
+            </a:r>
+            <a:r>
+              <a:rPr lang="en-US" altLang="zh-CN" sz="1600" b="0" dirty="0">
+                <a:effectLst/>
+              </a:rPr>
+              <a:t> = </a:t>
+            </a:r>
+            <a:r>
+              <a:rPr lang="en-US" altLang="zh-CN" sz="1600" b="0" dirty="0" err="1">
+                <a:effectLst/>
+              </a:rPr>
+              <a:t>p_reg</a:t>
+            </a:r>
+            <a:r>
+              <a:rPr lang="en-US" altLang="zh-CN" sz="1600" b="0" dirty="0">
+                <a:effectLst/>
+              </a:rPr>
+              <a:t>; </a:t>
+            </a:r>
+          </a:p>
+          <a:p>
+            <a:r>
+              <a:rPr lang="en-US" altLang="zh-CN" sz="1600" b="0" dirty="0">
+                <a:effectLst/>
+              </a:rPr>
+              <a:t>    </a:t>
+            </a:r>
+            <a:r>
+              <a:rPr lang="en-US" altLang="zh-CN" sz="1600" b="0" dirty="0" err="1">
+                <a:effectLst/>
+              </a:rPr>
+              <a:t>shared_ptr</a:t>
+            </a:r>
+            <a:r>
+              <a:rPr lang="en-US" altLang="zh-CN" sz="1600" b="0" dirty="0">
+                <a:effectLst/>
+              </a:rPr>
+              <a:t>&lt;double&gt; </a:t>
+            </a:r>
+            <a:r>
+              <a:rPr lang="en-US" altLang="zh-CN" sz="1600" b="0" dirty="0" err="1">
+                <a:effectLst/>
+              </a:rPr>
+              <a:t>pshared</a:t>
+            </a:r>
+            <a:r>
+              <a:rPr lang="en-US" altLang="zh-CN" sz="1600" b="0" dirty="0">
+                <a:effectLst/>
+              </a:rPr>
+              <a:t>(</a:t>
+            </a:r>
+            <a:r>
+              <a:rPr lang="en-US" altLang="zh-CN" sz="1600" b="0" dirty="0" err="1">
+                <a:effectLst/>
+              </a:rPr>
+              <a:t>p_reg</a:t>
+            </a:r>
+            <a:r>
+              <a:rPr lang="en-US" altLang="zh-CN" sz="1600" b="0" dirty="0">
+                <a:effectLst/>
+              </a:rPr>
+              <a:t>); </a:t>
+            </a:r>
+          </a:p>
+          <a:p>
+            <a:r>
+              <a:rPr lang="en-US" altLang="zh-CN" sz="1600" b="0" dirty="0">
+                <a:effectLst/>
+              </a:rPr>
+              <a:t>    </a:t>
+            </a:r>
+            <a:r>
+              <a:rPr lang="en-US" altLang="zh-CN" sz="1600" b="0" dirty="0" err="1">
+                <a:effectLst/>
+              </a:rPr>
+              <a:t>cout</a:t>
+            </a:r>
+            <a:r>
+              <a:rPr lang="en-US" altLang="zh-CN" sz="1600" b="0" dirty="0">
+                <a:effectLst/>
+              </a:rPr>
+              <a:t> &lt;&lt; "*</a:t>
+            </a:r>
+            <a:r>
+              <a:rPr lang="en-US" altLang="zh-CN" sz="1600" b="0" dirty="0" err="1">
+                <a:effectLst/>
+              </a:rPr>
+              <a:t>pshred</a:t>
+            </a:r>
+            <a:r>
+              <a:rPr lang="en-US" altLang="zh-CN" sz="1600" b="0" dirty="0">
+                <a:effectLst/>
+              </a:rPr>
+              <a:t> = " &lt;&lt; *</a:t>
+            </a:r>
+            <a:r>
+              <a:rPr lang="en-US" altLang="zh-CN" sz="1600" b="0" dirty="0" err="1">
+                <a:effectLst/>
+              </a:rPr>
+              <a:t>pshared</a:t>
+            </a:r>
+            <a:r>
+              <a:rPr lang="en-US" altLang="zh-CN" sz="1600" b="0" dirty="0">
+                <a:effectLst/>
+              </a:rPr>
+              <a:t> &lt;&lt; </a:t>
+            </a:r>
+            <a:r>
+              <a:rPr lang="en-US" altLang="zh-CN" sz="1600" b="0" dirty="0" err="1">
+                <a:effectLst/>
+              </a:rPr>
+              <a:t>endl</a:t>
+            </a:r>
+            <a:r>
+              <a:rPr lang="en-US" altLang="zh-CN" sz="1600" b="0" dirty="0">
+                <a:effectLst/>
+              </a:rPr>
+              <a:t>;</a:t>
+            </a:r>
+          </a:p>
+          <a:p>
+            <a:br>
+              <a:rPr lang="en-US" altLang="zh-CN" sz="1600" b="0" dirty="0">
+                <a:effectLst/>
+              </a:rPr>
+            </a:br>
+            <a:r>
+              <a:rPr lang="en-US" altLang="zh-CN" sz="1600" b="0" dirty="0">
+                <a:effectLst/>
+              </a:rPr>
+              <a:t>    string str(“Hello World!");</a:t>
+            </a:r>
+          </a:p>
+          <a:p>
+            <a:r>
+              <a:rPr lang="en-US" altLang="zh-CN" sz="1600" b="0" dirty="0">
+                <a:effectLst/>
+              </a:rPr>
+              <a:t>    </a:t>
+            </a:r>
+            <a:r>
+              <a:rPr lang="en-US" altLang="zh-CN" sz="1600" b="0" dirty="0" err="1">
+                <a:effectLst/>
+              </a:rPr>
+              <a:t>shared_ptr</a:t>
+            </a:r>
+            <a:r>
+              <a:rPr lang="en-US" altLang="zh-CN" sz="1600" b="0" dirty="0">
+                <a:effectLst/>
+              </a:rPr>
+              <a:t>&lt;string&gt; </a:t>
+            </a:r>
+            <a:r>
+              <a:rPr lang="en-US" altLang="zh-CN" sz="1600" b="0" dirty="0" err="1">
+                <a:effectLst/>
+              </a:rPr>
+              <a:t>pstr</a:t>
+            </a:r>
+            <a:r>
+              <a:rPr lang="en-US" altLang="zh-CN" sz="1600" b="0" dirty="0">
+                <a:effectLst/>
+              </a:rPr>
+              <a:t>(&amp;str); </a:t>
+            </a:r>
+          </a:p>
+          <a:p>
+            <a:r>
+              <a:rPr lang="en-US" altLang="zh-CN" sz="1600" b="0" dirty="0">
+                <a:effectLst/>
+              </a:rPr>
+              <a:t>    </a:t>
+            </a:r>
+            <a:r>
+              <a:rPr lang="en-US" altLang="zh-CN" sz="1600" b="0" dirty="0" err="1">
+                <a:effectLst/>
+              </a:rPr>
+              <a:t>cout</a:t>
+            </a:r>
+            <a:r>
+              <a:rPr lang="en-US" altLang="zh-CN" sz="1600" b="0" dirty="0">
+                <a:effectLst/>
+              </a:rPr>
+              <a:t> &lt;&lt; "*</a:t>
+            </a:r>
+            <a:r>
+              <a:rPr lang="en-US" altLang="zh-CN" sz="1600" b="0" dirty="0" err="1">
+                <a:effectLst/>
+              </a:rPr>
+              <a:t>pstr</a:t>
+            </a:r>
+            <a:r>
+              <a:rPr lang="en-US" altLang="zh-CN" sz="1600" b="0" dirty="0">
+                <a:effectLst/>
+              </a:rPr>
+              <a:t> = " &lt;&lt; *</a:t>
+            </a:r>
+            <a:r>
+              <a:rPr lang="en-US" altLang="zh-CN" sz="1600" b="0" dirty="0" err="1">
+                <a:effectLst/>
+              </a:rPr>
+              <a:t>pstr</a:t>
+            </a:r>
+            <a:r>
+              <a:rPr lang="en-US" altLang="zh-CN" sz="1600" b="0" dirty="0">
+                <a:effectLst/>
+              </a:rPr>
+              <a:t> &lt;&lt; </a:t>
+            </a:r>
+            <a:r>
+              <a:rPr lang="en-US" altLang="zh-CN" sz="1600" b="0" dirty="0" err="1">
+                <a:effectLst/>
+              </a:rPr>
+              <a:t>endl</a:t>
+            </a:r>
+            <a:r>
+              <a:rPr lang="en-US" altLang="zh-CN" sz="1600" b="0" dirty="0">
+                <a:effectLst/>
+              </a:rPr>
+              <a:t>;</a:t>
+            </a:r>
+          </a:p>
+          <a:p>
+            <a:br>
+              <a:rPr lang="en-US" altLang="zh-CN" sz="1600" b="0" dirty="0">
+                <a:effectLst/>
+              </a:rPr>
+            </a:br>
+            <a:r>
+              <a:rPr lang="en-US" altLang="zh-CN" sz="1600" b="0" dirty="0">
+                <a:effectLst/>
+              </a:rPr>
+              <a:t>    return 0;</a:t>
+            </a:r>
+          </a:p>
+          <a:p>
+            <a:r>
+              <a:rPr lang="en-US" altLang="zh-CN" sz="1600" b="0" dirty="0">
+                <a:effectLst/>
+              </a:rPr>
+              <a:t>}</a:t>
+            </a:r>
+          </a:p>
+        </p:txBody>
+      </p:sp>
     </p:spTree>
+    <p:extLst>
+      <p:ext uri="{BB962C8B-B14F-4D97-AF65-F5344CB8AC3E}">
+        <p14:creationId xmlns:p14="http://schemas.microsoft.com/office/powerpoint/2010/main" val="379909440"/>
+      </p:ext>
+    </p:extLst>
   </p:cSld>
   <p:clrMapOvr>
     <a:masterClrMapping/>
@@ -4158,7 +7603,7 @@
 </p:sld>
 </file>
 
-<file path=ppt/slides/slide13.xml><?xml version="1.0" encoding="utf-8"?>
+<file path=ppt/slides/slide15.xml><?xml version="1.0" encoding="utf-8"?>
 <p:sld xmlns:a="http://schemas.openxmlformats.org/drawingml/2006/main" xmlns:r="http://schemas.openxmlformats.org/officeDocument/2006/relationships" xmlns:p="http://schemas.openxmlformats.org/presentationml/2006/main">
   <p:cSld>
     <p:spTree>
@@ -4209,8 +7654,8 @@
         </p:nvSpPr>
         <p:spPr>
           <a:xfrm>
-            <a:off x="197225" y="1326994"/>
-            <a:ext cx="11694854" cy="5020017"/>
+            <a:off x="705226" y="1299284"/>
+            <a:ext cx="11098848" cy="5020017"/>
           </a:xfrm>
         </p:spPr>
         <p:txBody>
@@ -4219,6 +7664,13 @@
           </a:bodyPr>
           <a:lstStyle/>
           <a:p>
+            <a:pPr marL="0" indent="0">
+              <a:buNone/>
+            </a:pPr>
+            <a:r>
+              <a:rPr lang="en-US" altLang="zh-CN" dirty="0"/>
+              <a:t>2.</a:t>
+            </a:r>
             <a:r>
               <a:rPr lang="en-US" altLang="zh-CN" b="0" dirty="0">
                 <a:effectLst/>
@@ -4253,7 +7705,7 @@
                   <a:srgbClr val="0000CC"/>
                 </a:solidFill>
               </a:rPr>
-              <a:t>&lt;&gt;</a:t>
+              <a:t>&lt;float&gt;</a:t>
             </a:r>
             <a:r>
               <a:rPr lang="en-US" altLang="zh-CN" dirty="0"/>
@@ -4264,6 +7716,9 @@
             </a:endParaRPr>
           </a:p>
           <a:p>
+            <a:pPr marL="0" indent="0">
+              <a:buNone/>
+            </a:pPr>
             <a:r>
               <a:rPr lang="en-US" altLang="zh-CN" dirty="0"/>
               <a:t>The two matrices can share the same data through a copy constructor or a copy assignment.</a:t>
@@ -4273,6 +7728,9 @@
             </a:endParaRPr>
           </a:p>
           <a:p>
+            <a:pPr marL="0" indent="0">
+              <a:buNone/>
+            </a:pPr>
             <a:r>
               <a:rPr lang="en-US" altLang="zh-CN" b="0" dirty="0">
                 <a:effectLst/>
@@ -4389,6 +7847,11 @@
         </p:txBody>
       </p:sp>
     </p:spTree>
+    <p:extLst>
+      <p:ext uri="{BB962C8B-B14F-4D97-AF65-F5344CB8AC3E}">
+        <p14:creationId xmlns:p14="http://schemas.microsoft.com/office/powerpoint/2010/main" val="541328908"/>
+      </p:ext>
+    </p:extLst>
   </p:cSld>
   <p:clrMapOvr>
     <a:masterClrMapping/>
@@ -8483,7 +11946,7 @@
           <a:lstStyle/>
           <a:p>
             <a:r>
-              <a:rPr lang="en-US" altLang="zh-CN" sz="3800" dirty="0"/>
+              <a:rPr lang="en-US" altLang="zh-CN" sz="3800" b="1" dirty="0"/>
               <a:t>Smart pointers</a:t>
             </a:r>
           </a:p>
@@ -8498,7 +11961,7 @@
         <p:spPr>
           <a:xfrm>
             <a:off x="789327" y="1512612"/>
-            <a:ext cx="10217990" cy="2308324"/>
+            <a:ext cx="10760446" cy="1200329"/>
           </a:xfrm>
           <a:prstGeom prst="rect">
             <a:avLst/>
@@ -8513,13 +11976,13 @@
           <a:p>
             <a:r>
               <a:rPr lang="en-US" altLang="zh-CN" sz="2400" dirty="0"/>
-              <a:t>To make using dynamic memory easier (and safer), the new library provides two </a:t>
+              <a:t>To make using dynamic memory easier (and safer), the C++ new library provides two </a:t>
             </a:r>
           </a:p>
           <a:p>
             <a:r>
               <a:rPr lang="en-US" altLang="zh-CN" sz="2400" dirty="0"/>
-              <a:t>smart pointer types(</a:t>
+              <a:t>smart pointer types(smart pointer template classes)</a:t>
             </a:r>
             <a:r>
               <a:rPr lang="en-US" altLang="zh-CN" sz="2400" b="1" dirty="0" err="1"/>
@@ -8539,9 +12002,88 @@
             </a:r>
             <a:r>
               <a:rPr lang="en-US" altLang="zh-CN" sz="2400" dirty="0"/>
-              <a:t>) that manage dynamic objects. </a:t>
-            </a:r>
-          </a:p>
+              <a:t> that </a:t>
+            </a:r>
+          </a:p>
+          <a:p>
+            <a:r>
+              <a:rPr lang="en-US" altLang="zh-CN" sz="2400" dirty="0"/>
+              <a:t>manage dynamic objects. </a:t>
+            </a:r>
+          </a:p>
+        </p:txBody>
+      </p:sp>
+      <p:sp>
+        <p:nvSpPr>
+          <p:cNvPr id="4" name="文本框 3">
+            <a:extLst>
+              <a:ext uri="{FF2B5EF4-FFF2-40B4-BE49-F238E27FC236}">
+                <a16:creationId xmlns:a16="http://schemas.microsoft.com/office/drawing/2014/main" id="{75972260-1F8F-643B-17F1-12680B3CD0FE}"/>
+              </a:ext>
+            </a:extLst>
+          </p:cNvPr>
+          <p:cNvSpPr txBox="1"/>
+          <p:nvPr/>
+        </p:nvSpPr>
+        <p:spPr>
+          <a:xfrm>
+            <a:off x="841353" y="4145059"/>
+            <a:ext cx="10436142" cy="830997"/>
+          </a:xfrm>
+          <a:prstGeom prst="rect">
+            <a:avLst/>
+          </a:prstGeom>
+          <a:noFill/>
+        </p:spPr>
+        <p:txBody>
+          <a:bodyPr wrap="square">
+            <a:spAutoFit/>
+          </a:bodyPr>
+          <a:lstStyle/>
+          <a:p>
+            <a:r>
+              <a:rPr lang="en-US" altLang="zh-CN" sz="2400" dirty="0"/>
+              <a:t>Each of these classes has an </a:t>
+            </a:r>
+            <a:r>
+              <a:rPr lang="en-US" altLang="zh-CN" sz="2400" b="1" dirty="0"/>
+              <a:t>explicit constructor </a:t>
+            </a:r>
+            <a:r>
+              <a:rPr lang="en-US" altLang="zh-CN" sz="2400" dirty="0"/>
+              <a:t>taking a pointer as an argument. Thus, there is no automatic type cast from a pointer to a smart pointer object.</a:t>
+            </a:r>
+            <a:endParaRPr lang="zh-CN" altLang="en-US" sz="2400" dirty="0"/>
+          </a:p>
+        </p:txBody>
+      </p:sp>
+      <p:sp>
+        <p:nvSpPr>
+          <p:cNvPr id="5" name="TextBox 1">
+            <a:extLst>
+              <a:ext uri="{FF2B5EF4-FFF2-40B4-BE49-F238E27FC236}">
+                <a16:creationId xmlns:a16="http://schemas.microsoft.com/office/drawing/2014/main" id="{771A82C1-FE82-8CBB-A3EB-51D19452FB4A}"/>
+              </a:ext>
+            </a:extLst>
+          </p:cNvPr>
+          <p:cNvSpPr txBox="1"/>
+          <p:nvPr/>
+        </p:nvSpPr>
+        <p:spPr>
+          <a:xfrm>
+            <a:off x="823064" y="2767805"/>
+            <a:ext cx="10945263" cy="1200329"/>
+          </a:xfrm>
+          <a:prstGeom prst="rect">
+            <a:avLst/>
+          </a:prstGeom>
+          <a:noFill/>
+        </p:spPr>
+        <p:txBody>
+          <a:bodyPr wrap="square" rtlCol="0">
+            <a:spAutoFit/>
+          </a:bodyPr>
+          <a:lstStyle/>
           <a:p>
             <a:r>
               <a:rPr lang="en-US" altLang="zh-CN" sz="2400" dirty="0"/>
@@ -8550,8 +12092,12 @@
           </a:p>
           <a:p>
             <a:r>
+              <a:rPr lang="en-US" altLang="zh-CN" sz="2400" b="1" dirty="0"/>
+              <a:t>automatically deletes </a:t>
+            </a:r>
+            <a:r>
               <a:rPr lang="en-US" altLang="zh-CN" sz="2400" dirty="0"/>
-              <a:t>automatically deletes the object to which it points. A</a:t>
+              <a:t>the object to which it points. A</a:t>
             </a:r>
             <a:r>
               <a:rPr lang="en-US" altLang="zh-CN" sz="2400" b="0" i="0" dirty="0">
@@ -8559,21 +12105,8 @@
                   <a:srgbClr val="171717"/>
                 </a:solidFill>
                 <a:effectLst/>
-                <a:latin typeface="Segoe UI" panose="020B0502040204020203" pitchFamily="34" charset="0"/>
               </a:rPr>
-              <a:t> smart pointer is a class </a:t>
-            </a:r>
-          </a:p>
-          <a:p>
-            <a:r>
-              <a:rPr lang="en-US" altLang="zh-CN" sz="2400" b="0" i="0" dirty="0">
-                <a:solidFill>
-                  <a:srgbClr val="171717"/>
-                </a:solidFill>
-                <a:effectLst/>
-                <a:latin typeface="Segoe UI" panose="020B0502040204020203" pitchFamily="34" charset="0"/>
-              </a:rPr>
-              <a:t>template </a:t>
+              <a:t> smart pointer is a class template </a:t>
             </a:r>
             <a:r>
               <a:rPr kumimoji="0" lang="zh-CN" altLang="zh-CN" sz="2400" b="0" i="0" u="none" strike="noStrike" cap="none" normalizeH="0" baseline="0" dirty="0">
@@ -8584,7 +12117,6 @@
                   <a:srgbClr val="171717"/>
                 </a:solidFill>
                 <a:effectLst/>
-                <a:latin typeface="Segoe UI" panose="020B0502040204020203" pitchFamily="34" charset="0"/>
                 <a:cs typeface="Segoe UI" panose="020B0502040204020203" pitchFamily="34" charset="0"/>
               </a:rPr>
               <a:t>defined in the </a:t>
@@ -8594,7 +12126,6 @@
                 <a:solidFill>
                   <a:srgbClr val="171717"/>
                 </a:solidFill>
-                <a:latin typeface="Segoe UI" panose="020B0502040204020203" pitchFamily="34" charset="0"/>
                 <a:cs typeface="Segoe UI" panose="020B0502040204020203" pitchFamily="34" charset="0"/>
               </a:rPr>
               <a:t>s</a:t>
@@ -8608,7 +12139,6 @@
                   <a:srgbClr val="171717"/>
                 </a:solidFill>
                 <a:effectLst/>
-                <a:latin typeface="Segoe UI" panose="020B0502040204020203" pitchFamily="34" charset="0"/>
                 <a:cs typeface="Segoe UI" panose="020B0502040204020203" pitchFamily="34" charset="0"/>
               </a:rPr>
               <a:t>td</a:t>
@@ -8622,7 +12152,6 @@
                   <a:srgbClr val="171717"/>
                 </a:solidFill>
                 <a:effectLst/>
-                <a:latin typeface="Segoe UI" panose="020B0502040204020203" pitchFamily="34" charset="0"/>
                 <a:cs typeface="Segoe UI" panose="020B0502040204020203" pitchFamily="34" charset="0"/>
               </a:rPr>
               <a:t> </a:t>
@@ -8636,7 +12165,6 @@
                   <a:srgbClr val="171717"/>
                 </a:solidFill>
                 <a:effectLst/>
-                <a:latin typeface="Segoe UI" panose="020B0502040204020203" pitchFamily="34" charset="0"/>
                 <a:cs typeface="Segoe UI" panose="020B0502040204020203" pitchFamily="34" charset="0"/>
               </a:rPr>
               <a:t>namespace in the </a:t>
@@ -8650,7 +12178,6 @@
                   <a:schemeClr val="tx1"/>
                 </a:solidFill>
                 <a:effectLst/>
-                <a:latin typeface="Segoe UI" panose="020B0502040204020203" pitchFamily="34" charset="0"/>
                 <a:cs typeface="Segoe UI" panose="020B0502040204020203" pitchFamily="34" charset="0"/>
               </a:rPr>
               <a:t>&lt;memory&gt;</a:t>
@@ -8664,7 +12191,6 @@
                   <a:srgbClr val="171717"/>
                 </a:solidFill>
                 <a:effectLst/>
-                <a:latin typeface="Segoe UI" panose="020B0502040204020203" pitchFamily="34" charset="0"/>
                 <a:cs typeface="Segoe UI" panose="020B0502040204020203" pitchFamily="34" charset="0"/>
               </a:rPr>
               <a:t> </a:t>
@@ -8678,13 +12204,12 @@
                   <a:srgbClr val="171717"/>
                 </a:solidFill>
                 <a:effectLst/>
-                <a:latin typeface="Segoe UI" panose="020B0502040204020203" pitchFamily="34" charset="0"/>
                 <a:cs typeface="Segoe UI" panose="020B0502040204020203" pitchFamily="34" charset="0"/>
               </a:rPr>
               <a:t>header file.</a:t>
             </a:r>
             <a:r>
-              <a:rPr kumimoji="0" lang="zh-CN" altLang="zh-CN" sz="1200" b="0" i="0" u="none" strike="noStrike" cap="none" normalizeH="0" baseline="0" dirty="0">
+              <a:rPr kumimoji="0" lang="zh-CN" altLang="zh-CN" sz="2400" b="0" i="0" u="none" strike="noStrike" cap="none" normalizeH="0" baseline="0" dirty="0">
                 <a:ln>
                   <a:noFill/>
                 </a:ln>
@@ -8695,29 +12220,6 @@
               </a:rPr>
               <a:t> </a:t>
             </a:r>
-            <a:endParaRPr kumimoji="0" lang="zh-CN" altLang="zh-CN" sz="3600" b="0" i="0" u="none" strike="noStrike" cap="none" normalizeH="0" baseline="0" dirty="0">
-              <a:ln>
-                <a:noFill/>
-              </a:ln>
-              <a:solidFill>
-                <a:schemeClr val="tx1"/>
-              </a:solidFill>
-              <a:effectLst/>
-              <a:latin typeface="Arial" panose="020B0604020202020204" pitchFamily="34" charset="0"/>
-            </a:endParaRPr>
-          </a:p>
-          <a:p>
-            <a:r>
-              <a:rPr lang="en-US" altLang="zh-CN" sz="2400" b="0" i="0" dirty="0">
-                <a:solidFill>
-                  <a:srgbClr val="171717"/>
-                </a:solidFill>
-                <a:effectLst/>
-                <a:latin typeface="Segoe UI" panose="020B0502040204020203" pitchFamily="34" charset="0"/>
-              </a:rPr>
-              <a:t> </a:t>
-            </a:r>
-            <a:endParaRPr lang="zh-CN" altLang="en-US" sz="2400" dirty="0"/>
           </a:p>
         </p:txBody>
       </p:sp>
@@ -8731,6 +12233,130 @@
   <p:clrMapOvr>
     <a:masterClrMapping/>
   </p:clrMapOvr>
+  <p:timing>
+    <p:tnLst>
+      <p:par>
+        <p:cTn id="1" dur="indefinite" restart="never" nodeType="tmRoot">
+          <p:childTnLst>
+            <p:seq concurrent="1" nextAc="seek">
+              <p:cTn id="2" dur="indefinite" nodeType="mainSeq">
+                <p:childTnLst>
+                  <p:par>
+                    <p:cTn id="3" fill="hold">
+                      <p:stCondLst>
+                        <p:cond delay="indefinite"/>
+                      </p:stCondLst>
+                      <p:childTnLst>
+                        <p:par>
+                          <p:cTn id="4" fill="hold">
+                            <p:stCondLst>
+                              <p:cond delay="0"/>
+                            </p:stCondLst>
+                            <p:childTnLst>
+                              <p:par>
+                                <p:cTn id="5" presetID="1" presetClass="entr" presetSubtype="0" fill="hold" grpId="0" nodeType="clickEffect">
+                                  <p:stCondLst>
+                                    <p:cond delay="0"/>
+                                  </p:stCondLst>
+                                  <p:childTnLst>
+                                    <p:set>
+                                      <p:cBhvr>
+                                        <p:cTn id="6" dur="1" fill="hold">
+                                          <p:stCondLst>
+                                            <p:cond delay="0"/>
+                                          </p:stCondLst>
+                                        </p:cTn>
+                                        <p:tgtEl>
+                                          <p:spTgt spid="5"/>
+                                        </p:tgtEl>
+                                        <p:attrNameLst>
+                                          <p:attrName>style.visibility</p:attrName>
+                                        </p:attrNameLst>
+                                      </p:cBhvr>
+                                      <p:to>
+                                        <p:strVal val="visible"/>
+                                      </p:to>
+                                    </p:set>
+                                  </p:childTnLst>
+                                </p:cTn>
+                              </p:par>
+                            </p:childTnLst>
+                          </p:cTn>
+                        </p:par>
+                      </p:childTnLst>
+                    </p:cTn>
+                  </p:par>
+                  <p:par>
+                    <p:cTn id="7" fill="hold">
+                      <p:stCondLst>
+                        <p:cond delay="indefinite"/>
+                      </p:stCondLst>
+                      <p:childTnLst>
+                        <p:par>
+                          <p:cTn id="8" fill="hold">
+                            <p:stCondLst>
+                              <p:cond delay="0"/>
+                            </p:stCondLst>
+                            <p:childTnLst>
+                              <p:par>
+                                <p:cTn id="9" presetID="1" presetClass="entr" presetSubtype="0" fill="hold" grpId="0" nodeType="clickEffect">
+                                  <p:stCondLst>
+                                    <p:cond delay="0"/>
+                                  </p:stCondLst>
+                                  <p:childTnLst>
+                                    <p:set>
+                                      <p:cBhvr>
+                                        <p:cTn id="10" dur="1" fill="hold">
+                                          <p:stCondLst>
+                                            <p:cond delay="0"/>
+                                          </p:stCondLst>
+                                        </p:cTn>
+                                        <p:tgtEl>
+                                          <p:spTgt spid="4"/>
+                                        </p:tgtEl>
+                                        <p:attrNameLst>
+                                          <p:attrName>style.visibility</p:attrName>
+                                        </p:attrNameLst>
+                                      </p:cBhvr>
+                                      <p:to>
+                                        <p:strVal val="visible"/>
+                                      </p:to>
+                                    </p:set>
+                                  </p:childTnLst>
+                                </p:cTn>
+                              </p:par>
+                            </p:childTnLst>
+                          </p:cTn>
+                        </p:par>
+                      </p:childTnLst>
+                    </p:cTn>
+                  </p:par>
+                </p:childTnLst>
+              </p:cTn>
+              <p:prevCondLst>
+                <p:cond evt="onPrev" delay="0">
+                  <p:tgtEl>
+                    <p:sldTgt/>
+                  </p:tgtEl>
+                </p:cond>
+              </p:prevCondLst>
+              <p:nextCondLst>
+                <p:cond evt="onNext" delay="0">
+                  <p:tgtEl>
+                    <p:sldTgt/>
+                  </p:tgtEl>
+                </p:cond>
+              </p:nextCondLst>
+            </p:seq>
+          </p:childTnLst>
+        </p:cTn>
+      </p:par>
+    </p:tnLst>
+    <p:bldLst>
+      <p:bldP spid="4" grpId="0"/>
+      <p:bldP spid="5" grpId="0"/>
+    </p:bldLst>
+  </p:timing>
 </p:sld>
 </file>
 
@@ -8763,11 +12389,13 @@
         </p:nvSpPr>
         <p:spPr/>
         <p:txBody>
-          <a:bodyPr/>
+          <a:bodyPr>
+            <a:normAutofit/>
+          </a:bodyPr>
           <a:lstStyle/>
           <a:p>
             <a:r>
-              <a:rPr lang="en-US" altLang="zh-CN"/>
+              <a:rPr lang="en-US" altLang="zh-CN" sz="3600" b="1" dirty="0"/>
               <a:t>Unique pointer</a:t>
             </a:r>
           </a:p>
@@ -8785,82 +12413,62 @@
         </p:nvSpPr>
         <p:spPr/>
         <p:txBody>
-          <a:bodyPr/>
+          <a:bodyPr>
+            <a:normAutofit/>
+          </a:bodyPr>
           <a:lstStyle/>
           <a:p>
             <a:r>
-              <a:rPr lang="en-US" altLang="zh-CN"/>
-              <a:t>C++ provides unique pointers to help manage your dynamic memory.</a:t>
-            </a:r>
-          </a:p>
-          <a:p>
-            <a:r>
-              <a:rPr lang="en-US" altLang="zh-CN"/>
-              <a:t>A unique pointer object take ownership of a pointer.</a:t>
-            </a:r>
-          </a:p>
-          <a:p>
-            <a:r>
-              <a:rPr lang="en-US" altLang="zh-CN"/>
-              <a:t>When the unique pointer is deleted, the memory is freed too.</a:t>
-            </a:r>
-          </a:p>
-          <a:p>
-            <a:r>
-              <a:rPr lang="en-US" altLang="zh-CN"/>
-              <a:t>You can initialize it with a raw pointer.</a:t>
+              <a:rPr lang="en-US" altLang="zh-CN" sz="2400" dirty="0"/>
+              <a:t>The </a:t>
+            </a:r>
+            <a:r>
+              <a:rPr lang="en-US" altLang="zh-CN" sz="2400" dirty="0" err="1"/>
+              <a:t>unique_ptr</a:t>
+            </a:r>
+            <a:r>
+              <a:rPr lang="en-US" altLang="zh-CN" sz="2400" dirty="0"/>
+              <a:t>&lt;&gt; template holds a pointer to an object and deletes this object when the </a:t>
+            </a:r>
+            <a:r>
+              <a:rPr lang="en-US" altLang="zh-CN" sz="2400" dirty="0" err="1"/>
+              <a:t>unique_ptr</a:t>
+            </a:r>
+            <a:r>
+              <a:rPr lang="en-US" altLang="zh-CN" sz="2400" dirty="0"/>
+              <a:t>&lt;&gt; is deleted.</a:t>
+            </a:r>
+          </a:p>
+          <a:p>
+            <a:r>
+              <a:rPr lang="en-US" altLang="zh-CN" sz="2400" dirty="0"/>
+              <a:t>Make sure that only exactly one copy of an object exists. Assignment operation of two </a:t>
+            </a:r>
+            <a:r>
+              <a:rPr lang="en-US" altLang="zh-CN" sz="2400" dirty="0" err="1"/>
+              <a:t>unique_ptr</a:t>
+            </a:r>
+            <a:r>
+              <a:rPr lang="en-US" altLang="zh-CN" sz="2400" dirty="0"/>
+              <a:t>&lt;&gt; is not allowed. However, it supports move semantics, where the pointer is moved from one </a:t>
+            </a:r>
+            <a:r>
+              <a:rPr lang="en-US" altLang="zh-CN" sz="2400" dirty="0" err="1"/>
+              <a:t>unique_ptr</a:t>
+            </a:r>
+            <a:r>
+              <a:rPr lang="en-US" altLang="zh-CN" sz="2400" dirty="0"/>
+              <a:t>&lt;&gt; to another.</a:t>
+            </a:r>
+          </a:p>
+          <a:p>
+            <a:r>
+              <a:rPr lang="en-US" altLang="zh-CN" sz="2400" dirty="0"/>
+              <a:t>A unique pointer can be initialized with a pointer upon creation.</a:t>
             </a:r>
           </a:p>
         </p:txBody>
       </p:sp>
-      <p:pic>
-        <p:nvPicPr>
-          <p:cNvPr id="7" name="图片 6"/>
-          <p:cNvPicPr>
-            <a:picLocks noChangeAspect="1"/>
-          </p:cNvPicPr>
-          <p:nvPr/>
-        </p:nvPicPr>
-        <p:blipFill>
-          <a:blip r:embed="rId2"/>
-          <a:stretch>
-            <a:fillRect/>
-          </a:stretch>
-        </p:blipFill>
-        <p:spPr>
-          <a:xfrm>
-            <a:off x="1248410" y="3505200"/>
-            <a:ext cx="5843905" cy="2760980"/>
-          </a:xfrm>
-          <a:prstGeom prst="rect">
-            <a:avLst/>
-          </a:prstGeom>
-        </p:spPr>
-      </p:pic>
-      <p:pic>
-        <p:nvPicPr>
-          <p:cNvPr id="8" name="图片 7"/>
-          <p:cNvPicPr>
-            <a:picLocks noChangeAspect="1"/>
-          </p:cNvPicPr>
-          <p:nvPr/>
-        </p:nvPicPr>
-        <p:blipFill>
-          <a:blip r:embed="rId3"/>
-          <a:stretch>
-            <a:fillRect/>
-          </a:stretch>
-        </p:blipFill>
-        <p:spPr>
-          <a:xfrm>
-            <a:off x="7639685" y="4057015"/>
-            <a:ext cx="3829050" cy="894080"/>
-          </a:xfrm>
-          <a:prstGeom prst="rect">
-            <a:avLst/>
-          </a:prstGeom>
-        </p:spPr>
-      </p:pic>
     </p:spTree>
   </p:cSld>
   <p:clrMapOvr>
@@ -8886,53 +12494,15 @@
           <a:chExt cx="0" cy="0"/>
         </a:xfrm>
       </p:grpSpPr>
-      <p:sp>
-        <p:nvSpPr>
-          <p:cNvPr id="2" name="标题 1"/>
-          <p:cNvSpPr>
-            <a:spLocks noGrp="1"/>
-          </p:cNvSpPr>
-          <p:nvPr>
-            <p:ph type="title"/>
-          </p:nvPr>
-        </p:nvSpPr>
-        <p:spPr/>
-        <p:txBody>
-          <a:bodyPr/>
-          <a:lstStyle/>
-          <a:p>
-            <a:r>
-              <a:rPr lang="en-US" altLang="zh-CN"/>
-              <a:t>Unique pointer</a:t>
-            </a:r>
-          </a:p>
-        </p:txBody>
-      </p:sp>
-      <p:sp>
-        <p:nvSpPr>
-          <p:cNvPr id="3" name="内容占位符 2"/>
-          <p:cNvSpPr>
-            <a:spLocks noGrp="1"/>
-          </p:cNvSpPr>
-          <p:nvPr>
-            <p:ph idx="1"/>
-          </p:nvPr>
-        </p:nvSpPr>
-        <p:spPr/>
-        <p:txBody>
-          <a:bodyPr/>
-          <a:lstStyle/>
-          <a:p>
-            <a:r>
-              <a:rPr lang="en-US" altLang="zh-CN"/>
-              <a:t>There are several ways to use a unique pointer:</a:t>
-            </a:r>
-          </a:p>
-        </p:txBody>
-      </p:sp>
       <p:pic>
         <p:nvPicPr>
-          <p:cNvPr id="5" name="图片 4"/>
+          <p:cNvPr id="3" name="图片 2">
+            <a:extLst>
+              <a:ext uri="{FF2B5EF4-FFF2-40B4-BE49-F238E27FC236}">
+                <a16:creationId xmlns:a16="http://schemas.microsoft.com/office/drawing/2014/main" id="{F4C53B62-12CA-8EFA-1D3B-B99C8EB95C72}"/>
+              </a:ext>
+            </a:extLst>
+          </p:cNvPr>
           <p:cNvPicPr>
             <a:picLocks noChangeAspect="1"/>
           </p:cNvPicPr>
@@ -8946,17 +12516,589 @@
         </p:blipFill>
         <p:spPr>
           <a:xfrm>
-            <a:off x="6917055" y="2327910"/>
-            <a:ext cx="2816860" cy="1614805"/>
+            <a:off x="1395970" y="178486"/>
+            <a:ext cx="5369137" cy="6547104"/>
           </a:xfrm>
           <a:prstGeom prst="rect">
             <a:avLst/>
           </a:prstGeom>
         </p:spPr>
       </p:pic>
+      <p:grpSp>
+        <p:nvGrpSpPr>
+          <p:cNvPr id="15" name="组合 14">
+            <a:extLst>
+              <a:ext uri="{FF2B5EF4-FFF2-40B4-BE49-F238E27FC236}">
+                <a16:creationId xmlns:a16="http://schemas.microsoft.com/office/drawing/2014/main" id="{7A39DF8D-82AF-86E6-B513-F9618DBA3CFC}"/>
+              </a:ext>
+            </a:extLst>
+          </p:cNvPr>
+          <p:cNvGrpSpPr/>
+          <p:nvPr/>
+        </p:nvGrpSpPr>
+        <p:grpSpPr>
+          <a:xfrm>
+            <a:off x="1572768" y="4378643"/>
+            <a:ext cx="7726043" cy="431101"/>
+            <a:chOff x="1929384" y="4150043"/>
+            <a:chExt cx="7726043" cy="431101"/>
+          </a:xfrm>
+        </p:grpSpPr>
+        <p:sp>
+          <p:nvSpPr>
+            <p:cNvPr id="10" name="椭圆 9">
+              <a:extLst>
+                <a:ext uri="{FF2B5EF4-FFF2-40B4-BE49-F238E27FC236}">
+                  <a16:creationId xmlns:a16="http://schemas.microsoft.com/office/drawing/2014/main" id="{7E9A0109-F94D-637B-D0AA-0830C6603CEF}"/>
+                </a:ext>
+              </a:extLst>
+            </p:cNvPr>
+            <p:cNvSpPr/>
+            <p:nvPr/>
+          </p:nvSpPr>
+          <p:spPr>
+            <a:xfrm>
+              <a:off x="1929384" y="4361688"/>
+              <a:ext cx="2651760" cy="219456"/>
+            </a:xfrm>
+            <a:prstGeom prst="ellipse">
+              <a:avLst/>
+            </a:prstGeom>
+            <a:noFill/>
+            <a:ln w="19050">
+              <a:solidFill>
+                <a:srgbClr val="FF0000"/>
+              </a:solidFill>
+            </a:ln>
+          </p:spPr>
+          <p:style>
+            <a:lnRef idx="2">
+              <a:schemeClr val="accent1">
+                <a:shade val="50000"/>
+              </a:schemeClr>
+            </a:lnRef>
+            <a:fillRef idx="1">
+              <a:schemeClr val="accent1"/>
+            </a:fillRef>
+            <a:effectRef idx="0">
+              <a:schemeClr val="accent1"/>
+            </a:effectRef>
+            <a:fontRef idx="minor">
+              <a:schemeClr val="lt1"/>
+            </a:fontRef>
+          </p:style>
+          <p:txBody>
+            <a:bodyPr rtlCol="0" anchor="ctr"/>
+            <a:lstStyle/>
+            <a:p>
+              <a:pPr marL="0" marR="0" lvl="0" indent="0" algn="ctr" defTabSz="914400" rtl="0" eaLnBrk="1" fontAlgn="auto" latinLnBrk="0" hangingPunct="1">
+                <a:lnSpc>
+                  <a:spcPct val="100000"/>
+                </a:lnSpc>
+                <a:spcBef>
+                  <a:spcPts val="0"/>
+                </a:spcBef>
+                <a:spcAft>
+                  <a:spcPts val="0"/>
+                </a:spcAft>
+                <a:buClrTx/>
+                <a:buSzTx/>
+                <a:buFontTx/>
+                <a:buNone/>
+                <a:tabLst/>
+                <a:defRPr/>
+              </a:pPr>
+              <a:endParaRPr kumimoji="0" lang="zh-CN" altLang="en-US" sz="1800" b="0" i="0" u="none" strike="noStrike" kern="1200" cap="none" spc="0" normalizeH="0" baseline="0" noProof="0">
+                <a:ln>
+                  <a:noFill/>
+                </a:ln>
+                <a:solidFill>
+                  <a:prstClr val="white"/>
+                </a:solidFill>
+                <a:effectLst/>
+                <a:uLnTx/>
+                <a:uFillTx/>
+                <a:latin typeface="Calibri"/>
+                <a:ea typeface="宋体" panose="02010600030101010101" pitchFamily="2" charset="-122"/>
+                <a:cs typeface="+mn-cs"/>
+              </a:endParaRPr>
+            </a:p>
+          </p:txBody>
+        </p:sp>
+        <p:cxnSp>
+          <p:nvCxnSpPr>
+            <p:cNvPr id="12" name="直接箭头连接符 11">
+              <a:extLst>
+                <a:ext uri="{FF2B5EF4-FFF2-40B4-BE49-F238E27FC236}">
+                  <a16:creationId xmlns:a16="http://schemas.microsoft.com/office/drawing/2014/main" id="{1D83D834-0423-7401-9B54-A38E57749442}"/>
+                </a:ext>
+              </a:extLst>
+            </p:cNvPr>
+            <p:cNvCxnSpPr>
+              <a:cxnSpLocks/>
+              <a:stCxn id="13" idx="1"/>
+            </p:cNvCxnSpPr>
+            <p:nvPr/>
+          </p:nvCxnSpPr>
+          <p:spPr>
+            <a:xfrm flipH="1">
+              <a:off x="4459224" y="4334709"/>
+              <a:ext cx="665988" cy="127563"/>
+            </a:xfrm>
+            <a:prstGeom prst="straightConnector1">
+              <a:avLst/>
+            </a:prstGeom>
+            <a:ln w="19050">
+              <a:solidFill>
+                <a:srgbClr val="FF0000"/>
+              </a:solidFill>
+              <a:tailEnd type="triangle"/>
+            </a:ln>
+          </p:spPr>
+          <p:style>
+            <a:lnRef idx="1">
+              <a:schemeClr val="accent1"/>
+            </a:lnRef>
+            <a:fillRef idx="0">
+              <a:schemeClr val="accent1"/>
+            </a:fillRef>
+            <a:effectRef idx="0">
+              <a:schemeClr val="accent1"/>
+            </a:effectRef>
+            <a:fontRef idx="minor">
+              <a:schemeClr val="tx1"/>
+            </a:fontRef>
+          </p:style>
+        </p:cxnSp>
+        <p:sp>
+          <p:nvSpPr>
+            <p:cNvPr id="13" name="文本框 12">
+              <a:extLst>
+                <a:ext uri="{FF2B5EF4-FFF2-40B4-BE49-F238E27FC236}">
+                  <a16:creationId xmlns:a16="http://schemas.microsoft.com/office/drawing/2014/main" id="{5D543116-CC64-0CB2-81FB-D0C32FE06000}"/>
+                </a:ext>
+              </a:extLst>
+            </p:cNvPr>
+            <p:cNvSpPr txBox="1"/>
+            <p:nvPr/>
+          </p:nvSpPr>
+          <p:spPr>
+            <a:xfrm>
+              <a:off x="5125212" y="4150043"/>
+              <a:ext cx="4530215" cy="369332"/>
+            </a:xfrm>
+            <a:prstGeom prst="rect">
+              <a:avLst/>
+            </a:prstGeom>
+            <a:noFill/>
+          </p:spPr>
+          <p:txBody>
+            <a:bodyPr wrap="none" rtlCol="0">
+              <a:spAutoFit/>
+            </a:bodyPr>
+            <a:lstStyle/>
+            <a:p>
+              <a:pPr marL="0" marR="0" lvl="0" indent="0" algn="l" defTabSz="914400" rtl="0" eaLnBrk="1" fontAlgn="auto" latinLnBrk="0" hangingPunct="1">
+                <a:lnSpc>
+                  <a:spcPct val="100000"/>
+                </a:lnSpc>
+                <a:spcBef>
+                  <a:spcPts val="0"/>
+                </a:spcBef>
+                <a:spcAft>
+                  <a:spcPts val="0"/>
+                </a:spcAft>
+                <a:buClrTx/>
+                <a:buSzTx/>
+                <a:buFontTx/>
+                <a:buNone/>
+                <a:tabLst/>
+                <a:defRPr/>
+              </a:pPr>
+              <a:r>
+                <a:rPr kumimoji="0" lang="en-US" altLang="zh-CN" sz="1800" b="0" i="0" u="none" strike="noStrike" kern="1200" cap="none" spc="0" normalizeH="0" baseline="0" noProof="0" dirty="0">
+                  <a:ln>
+                    <a:noFill/>
+                  </a:ln>
+                  <a:solidFill>
+                    <a:prstClr val="black"/>
+                  </a:solidFill>
+                  <a:effectLst/>
+                  <a:uLnTx/>
+                  <a:uFillTx/>
+                  <a:latin typeface="Calibri"/>
+                  <a:ea typeface="宋体" panose="02010600030101010101" pitchFamily="2" charset="-122"/>
+                  <a:cs typeface="+mn-cs"/>
+                </a:rPr>
+                <a:t>You can use a pointer to initialize a </a:t>
+              </a:r>
+              <a:r>
+                <a:rPr kumimoji="0" lang="en-US" altLang="zh-CN" sz="1800" b="0" i="0" u="none" strike="noStrike" kern="1200" cap="none" spc="0" normalizeH="0" baseline="0" noProof="0" dirty="0" err="1">
+                  <a:ln>
+                    <a:noFill/>
+                  </a:ln>
+                  <a:solidFill>
+                    <a:prstClr val="black"/>
+                  </a:solidFill>
+                  <a:effectLst/>
+                  <a:uLnTx/>
+                  <a:uFillTx/>
+                  <a:latin typeface="Calibri"/>
+                  <a:ea typeface="宋体" panose="02010600030101010101" pitchFamily="2" charset="-122"/>
+                  <a:cs typeface="+mn-cs"/>
+                </a:rPr>
+                <a:t>unique_ptr</a:t>
+              </a:r>
+              <a:endParaRPr kumimoji="0" lang="zh-CN" altLang="en-US" sz="1800" b="0" i="0" u="none" strike="noStrike" kern="1200" cap="none" spc="0" normalizeH="0" baseline="0" noProof="0" dirty="0">
+                <a:ln>
+                  <a:noFill/>
+                </a:ln>
+                <a:solidFill>
+                  <a:prstClr val="black"/>
+                </a:solidFill>
+                <a:effectLst/>
+                <a:uLnTx/>
+                <a:uFillTx/>
+                <a:latin typeface="Calibri"/>
+                <a:ea typeface="宋体" panose="02010600030101010101" pitchFamily="2" charset="-122"/>
+                <a:cs typeface="+mn-cs"/>
+              </a:endParaRPr>
+            </a:p>
+          </p:txBody>
+        </p:sp>
+      </p:grpSp>
+      <p:grpSp>
+        <p:nvGrpSpPr>
+          <p:cNvPr id="20" name="组合 19">
+            <a:extLst>
+              <a:ext uri="{FF2B5EF4-FFF2-40B4-BE49-F238E27FC236}">
+                <a16:creationId xmlns:a16="http://schemas.microsoft.com/office/drawing/2014/main" id="{5203E805-F949-E2F1-A872-8B9399067265}"/>
+              </a:ext>
+            </a:extLst>
+          </p:cNvPr>
+          <p:cNvGrpSpPr/>
+          <p:nvPr/>
+        </p:nvGrpSpPr>
+        <p:grpSpPr>
+          <a:xfrm>
+            <a:off x="1682496" y="5037117"/>
+            <a:ext cx="9578639" cy="924319"/>
+            <a:chOff x="1929384" y="4918245"/>
+            <a:chExt cx="9578639" cy="924319"/>
+          </a:xfrm>
+        </p:grpSpPr>
+        <p:sp>
+          <p:nvSpPr>
+            <p:cNvPr id="16" name="矩形 15">
+              <a:extLst>
+                <a:ext uri="{FF2B5EF4-FFF2-40B4-BE49-F238E27FC236}">
+                  <a16:creationId xmlns:a16="http://schemas.microsoft.com/office/drawing/2014/main" id="{17E28249-3D6B-34C3-73C2-225C62D28089}"/>
+                </a:ext>
+              </a:extLst>
+            </p:cNvPr>
+            <p:cNvSpPr/>
+            <p:nvPr/>
+          </p:nvSpPr>
+          <p:spPr>
+            <a:xfrm>
+              <a:off x="1929384" y="5602224"/>
+              <a:ext cx="2761488" cy="240340"/>
+            </a:xfrm>
+            <a:prstGeom prst="rect">
+              <a:avLst/>
+            </a:prstGeom>
+            <a:noFill/>
+            <a:ln w="19050">
+              <a:solidFill>
+                <a:srgbClr val="00B0F0"/>
+              </a:solidFill>
+            </a:ln>
+          </p:spPr>
+          <p:style>
+            <a:lnRef idx="2">
+              <a:schemeClr val="accent1">
+                <a:shade val="50000"/>
+              </a:schemeClr>
+            </a:lnRef>
+            <a:fillRef idx="1">
+              <a:schemeClr val="accent1"/>
+            </a:fillRef>
+            <a:effectRef idx="0">
+              <a:schemeClr val="accent1"/>
+            </a:effectRef>
+            <a:fontRef idx="minor">
+              <a:schemeClr val="lt1"/>
+            </a:fontRef>
+          </p:style>
+          <p:txBody>
+            <a:bodyPr rtlCol="0" anchor="ctr"/>
+            <a:lstStyle/>
+            <a:p>
+              <a:pPr marL="0" marR="0" lvl="0" indent="0" algn="ctr" defTabSz="914400" rtl="0" eaLnBrk="1" fontAlgn="auto" latinLnBrk="0" hangingPunct="1">
+                <a:lnSpc>
+                  <a:spcPct val="100000"/>
+                </a:lnSpc>
+                <a:spcBef>
+                  <a:spcPts val="0"/>
+                </a:spcBef>
+                <a:spcAft>
+                  <a:spcPts val="0"/>
+                </a:spcAft>
+                <a:buClrTx/>
+                <a:buSzTx/>
+                <a:buFontTx/>
+                <a:buNone/>
+                <a:tabLst/>
+                <a:defRPr/>
+              </a:pPr>
+              <a:endParaRPr kumimoji="0" lang="zh-CN" altLang="en-US" sz="1800" b="0" i="0" u="none" strike="noStrike" kern="1200" cap="none" spc="0" normalizeH="0" baseline="0" noProof="0">
+                <a:ln>
+                  <a:noFill/>
+                </a:ln>
+                <a:solidFill>
+                  <a:prstClr val="white"/>
+                </a:solidFill>
+                <a:effectLst/>
+                <a:uLnTx/>
+                <a:uFillTx/>
+                <a:latin typeface="Calibri"/>
+                <a:ea typeface="宋体" panose="02010600030101010101" pitchFamily="2" charset="-122"/>
+                <a:cs typeface="+mn-cs"/>
+              </a:endParaRPr>
+            </a:p>
+          </p:txBody>
+        </p:sp>
+        <p:cxnSp>
+          <p:nvCxnSpPr>
+            <p:cNvPr id="17" name="直接箭头连接符 16">
+              <a:extLst>
+                <a:ext uri="{FF2B5EF4-FFF2-40B4-BE49-F238E27FC236}">
+                  <a16:creationId xmlns:a16="http://schemas.microsoft.com/office/drawing/2014/main" id="{93AF010B-2F18-3A0C-9888-4919EA791535}"/>
+                </a:ext>
+              </a:extLst>
+            </p:cNvPr>
+            <p:cNvCxnSpPr>
+              <a:cxnSpLocks/>
+            </p:cNvCxnSpPr>
+            <p:nvPr/>
+          </p:nvCxnSpPr>
+          <p:spPr>
+            <a:xfrm flipH="1">
+              <a:off x="4649724" y="5320844"/>
+              <a:ext cx="423764" cy="323165"/>
+            </a:xfrm>
+            <a:prstGeom prst="straightConnector1">
+              <a:avLst/>
+            </a:prstGeom>
+            <a:ln w="19050">
+              <a:solidFill>
+                <a:srgbClr val="00B0F0"/>
+              </a:solidFill>
+              <a:tailEnd type="triangle"/>
+            </a:ln>
+          </p:spPr>
+          <p:style>
+            <a:lnRef idx="1">
+              <a:schemeClr val="accent1"/>
+            </a:lnRef>
+            <a:fillRef idx="0">
+              <a:schemeClr val="accent1"/>
+            </a:fillRef>
+            <a:effectRef idx="0">
+              <a:schemeClr val="accent1"/>
+            </a:effectRef>
+            <a:fontRef idx="minor">
+              <a:schemeClr val="tx1"/>
+            </a:fontRef>
+          </p:style>
+        </p:cxnSp>
+        <p:sp>
+          <p:nvSpPr>
+            <p:cNvPr id="18" name="文本框 17">
+              <a:extLst>
+                <a:ext uri="{FF2B5EF4-FFF2-40B4-BE49-F238E27FC236}">
+                  <a16:creationId xmlns:a16="http://schemas.microsoft.com/office/drawing/2014/main" id="{632AEE50-ADE7-7F50-5B36-F44D78DBF6D5}"/>
+                </a:ext>
+              </a:extLst>
+            </p:cNvPr>
+            <p:cNvSpPr txBox="1"/>
+            <p:nvPr/>
+          </p:nvSpPr>
+          <p:spPr>
+            <a:xfrm>
+              <a:off x="4984186" y="4918245"/>
+              <a:ext cx="6523837" cy="646331"/>
+            </a:xfrm>
+            <a:prstGeom prst="rect">
+              <a:avLst/>
+            </a:prstGeom>
+            <a:noFill/>
+          </p:spPr>
+          <p:txBody>
+            <a:bodyPr wrap="none" rtlCol="0">
+              <a:spAutoFit/>
+            </a:bodyPr>
+            <a:lstStyle/>
+            <a:p>
+              <a:pPr marL="0" marR="0" lvl="0" indent="0" algn="l" defTabSz="914400" rtl="0" eaLnBrk="1" fontAlgn="auto" latinLnBrk="0" hangingPunct="1">
+                <a:lnSpc>
+                  <a:spcPct val="100000"/>
+                </a:lnSpc>
+                <a:spcBef>
+                  <a:spcPts val="0"/>
+                </a:spcBef>
+                <a:spcAft>
+                  <a:spcPts val="0"/>
+                </a:spcAft>
+                <a:buClrTx/>
+                <a:buSzTx/>
+                <a:buFontTx/>
+                <a:buNone/>
+                <a:tabLst/>
+                <a:defRPr/>
+              </a:pPr>
+              <a:r>
+                <a:rPr kumimoji="0" lang="en-US" altLang="zh-CN" sz="1800" b="0" i="0" u="none" strike="noStrike" kern="1200" cap="none" spc="0" normalizeH="0" baseline="0" noProof="0" dirty="0">
+                  <a:ln>
+                    <a:noFill/>
+                  </a:ln>
+                  <a:solidFill>
+                    <a:prstClr val="black"/>
+                  </a:solidFill>
+                  <a:effectLst/>
+                  <a:uLnTx/>
+                  <a:uFillTx/>
+                  <a:latin typeface="Calibri"/>
+                  <a:ea typeface="宋体" panose="02010600030101010101" pitchFamily="2" charset="-122"/>
+                  <a:cs typeface="+mn-cs"/>
+                </a:rPr>
+                <a:t>Use the </a:t>
+              </a:r>
+              <a:r>
+                <a:rPr kumimoji="0" lang="en-US" altLang="zh-CN" sz="1800" b="1" i="0" u="none" strike="noStrike" kern="1200" cap="none" spc="0" normalizeH="0" baseline="0" noProof="0" dirty="0">
+                  <a:ln>
+                    <a:noFill/>
+                  </a:ln>
+                  <a:solidFill>
+                    <a:prstClr val="black"/>
+                  </a:solidFill>
+                  <a:effectLst/>
+                  <a:uLnTx/>
+                  <a:uFillTx/>
+                  <a:latin typeface="Calibri"/>
+                  <a:ea typeface="宋体" panose="02010600030101010101" pitchFamily="2" charset="-122"/>
+                  <a:cs typeface="+mn-cs"/>
+                </a:rPr>
+                <a:t>move</a:t>
+              </a:r>
+              <a:r>
+                <a:rPr kumimoji="0" lang="en-US" altLang="zh-CN" sz="1800" b="0" i="0" u="none" strike="noStrike" kern="1200" cap="none" spc="0" normalizeH="0" baseline="0" noProof="0" dirty="0">
+                  <a:ln>
+                    <a:noFill/>
+                  </a:ln>
+                  <a:solidFill>
+                    <a:prstClr val="black"/>
+                  </a:solidFill>
+                  <a:effectLst/>
+                  <a:uLnTx/>
+                  <a:uFillTx/>
+                  <a:latin typeface="Calibri"/>
+                  <a:ea typeface="宋体" panose="02010600030101010101" pitchFamily="2" charset="-122"/>
+                  <a:cs typeface="+mn-cs"/>
+                </a:rPr>
+                <a:t> function to transfer the ownership from up1 to up6.</a:t>
+              </a:r>
+            </a:p>
+            <a:p>
+              <a:pPr>
+                <a:defRPr/>
+              </a:pPr>
+              <a:r>
+                <a:rPr kumimoji="0" lang="en-US" altLang="zh-CN" sz="1800" b="0" i="0" u="none" strike="noStrike" kern="1200" cap="none" spc="0" normalizeH="0" baseline="0" noProof="0" dirty="0">
+                  <a:ln>
+                    <a:noFill/>
+                  </a:ln>
+                  <a:solidFill>
+                    <a:prstClr val="black"/>
+                  </a:solidFill>
+                  <a:effectLst/>
+                  <a:uLnTx/>
+                  <a:uFillTx/>
+                  <a:latin typeface="Calibri"/>
+                  <a:ea typeface="宋体" panose="02010600030101010101" pitchFamily="2" charset="-122"/>
+                  <a:cs typeface="+mn-cs"/>
+                </a:rPr>
+                <a:t>Is the assignment statement </a:t>
+              </a:r>
+              <a:r>
+                <a:rPr kumimoji="0" lang="en-US" altLang="zh-CN" sz="1800" b="1" i="0" u="none" strike="noStrike" kern="1200" cap="none" spc="0" normalizeH="0" baseline="0" noProof="0" dirty="0" err="1">
+                  <a:ln>
+                    <a:noFill/>
+                  </a:ln>
+                  <a:solidFill>
+                    <a:prstClr val="black"/>
+                  </a:solidFill>
+                  <a:effectLst/>
+                  <a:uLnTx/>
+                  <a:uFillTx/>
+                  <a:latin typeface="Calibri"/>
+                  <a:ea typeface="宋体" panose="02010600030101010101" pitchFamily="2" charset="-122"/>
+                  <a:cs typeface="+mn-cs"/>
+                </a:rPr>
+                <a:t>unique_ptr</a:t>
+              </a:r>
+              <a:r>
+                <a:rPr kumimoji="0" lang="en-US" altLang="zh-CN" sz="1800" b="1" i="0" u="none" strike="noStrike" kern="1200" cap="none" spc="0" normalizeH="0" baseline="0" noProof="0" dirty="0">
+                  <a:ln>
+                    <a:noFill/>
+                  </a:ln>
+                  <a:solidFill>
+                    <a:prstClr val="black"/>
+                  </a:solidFill>
+                  <a:effectLst/>
+                  <a:uLnTx/>
+                  <a:uFillTx/>
+                  <a:latin typeface="Calibri"/>
+                  <a:ea typeface="宋体" panose="02010600030101010101" pitchFamily="2" charset="-122"/>
+                  <a:cs typeface="+mn-cs"/>
+                </a:rPr>
+                <a:t>&lt;int&gt; up6 = up1;</a:t>
+              </a:r>
+              <a:r>
+                <a:rPr lang="en-US" altLang="zh-CN" dirty="0">
+                  <a:solidFill>
+                    <a:prstClr val="black"/>
+                  </a:solidFill>
+                </a:rPr>
+                <a:t>  OK? Why?</a:t>
+              </a:r>
+              <a:endParaRPr kumimoji="0" lang="zh-CN" altLang="en-US" sz="1800" i="0" u="none" strike="noStrike" kern="1200" cap="none" spc="0" normalizeH="0" baseline="0" noProof="0" dirty="0">
+                <a:ln>
+                  <a:noFill/>
+                </a:ln>
+                <a:solidFill>
+                  <a:prstClr val="black"/>
+                </a:solidFill>
+                <a:effectLst/>
+                <a:uLnTx/>
+                <a:uFillTx/>
+                <a:latin typeface="Calibri"/>
+                <a:ea typeface="宋体" panose="02010600030101010101" pitchFamily="2" charset="-122"/>
+                <a:cs typeface="+mn-cs"/>
+              </a:endParaRPr>
+            </a:p>
+          </p:txBody>
+        </p:sp>
+      </p:grpSp>
       <p:pic>
         <p:nvPicPr>
-          <p:cNvPr id="6" name="图片 5"/>
+          <p:cNvPr id="22" name="图片 21">
+            <a:extLst>
+              <a:ext uri="{FF2B5EF4-FFF2-40B4-BE49-F238E27FC236}">
+                <a16:creationId xmlns:a16="http://schemas.microsoft.com/office/drawing/2014/main" id="{30C3BA35-DAE7-B550-B05D-C5E2D92AEA84}"/>
+              </a:ext>
+            </a:extLst>
+          </p:cNvPr>
           <p:cNvPicPr>
             <a:picLocks noChangeAspect="1"/>
           </p:cNvPicPr>
@@ -8970,19 +13112,1294 @@
         </p:blipFill>
         <p:spPr>
           <a:xfrm>
-            <a:off x="1267460" y="2327910"/>
-            <a:ext cx="4728845" cy="3019425"/>
+            <a:off x="8881110" y="428053"/>
+            <a:ext cx="2521094" cy="1554099"/>
           </a:xfrm>
           <a:prstGeom prst="rect">
             <a:avLst/>
           </a:prstGeom>
         </p:spPr>
       </p:pic>
+      <p:sp>
+        <p:nvSpPr>
+          <p:cNvPr id="23" name="文本框 22">
+            <a:extLst>
+              <a:ext uri="{FF2B5EF4-FFF2-40B4-BE49-F238E27FC236}">
+                <a16:creationId xmlns:a16="http://schemas.microsoft.com/office/drawing/2014/main" id="{8632003D-6A3C-33D3-8595-06A4BFDBEDFF}"/>
+              </a:ext>
+            </a:extLst>
+          </p:cNvPr>
+          <p:cNvSpPr txBox="1"/>
+          <p:nvPr/>
+        </p:nvSpPr>
+        <p:spPr>
+          <a:xfrm>
+            <a:off x="6005915" y="5783616"/>
+            <a:ext cx="5744329" cy="923330"/>
+          </a:xfrm>
+          <a:prstGeom prst="rect">
+            <a:avLst/>
+          </a:prstGeom>
+          <a:noFill/>
+        </p:spPr>
+        <p:txBody>
+          <a:bodyPr wrap="none" rtlCol="0">
+            <a:spAutoFit/>
+          </a:bodyPr>
+          <a:lstStyle/>
+          <a:p>
+            <a:pPr marL="0" marR="0" lvl="0" indent="0" algn="l" defTabSz="914400" rtl="0" eaLnBrk="1" fontAlgn="auto" latinLnBrk="0" hangingPunct="1">
+              <a:lnSpc>
+                <a:spcPct val="100000"/>
+              </a:lnSpc>
+              <a:spcBef>
+                <a:spcPts val="0"/>
+              </a:spcBef>
+              <a:spcAft>
+                <a:spcPts val="0"/>
+              </a:spcAft>
+              <a:buClrTx/>
+              <a:buSzTx/>
+              <a:buFontTx/>
+              <a:buNone/>
+              <a:tabLst/>
+              <a:defRPr/>
+            </a:pPr>
+            <a:r>
+              <a:rPr kumimoji="0" lang="en-US" altLang="zh-CN" sz="1800" b="0" i="0" u="none" strike="noStrike" kern="1200" cap="none" spc="0" normalizeH="0" baseline="0" noProof="0" dirty="0">
+                <a:ln>
+                  <a:noFill/>
+                </a:ln>
+                <a:solidFill>
+                  <a:prstClr val="black"/>
+                </a:solidFill>
+                <a:effectLst/>
+                <a:uLnTx/>
+                <a:uFillTx/>
+                <a:latin typeface="Calibri"/>
+                <a:ea typeface="宋体" panose="02010600030101010101" pitchFamily="2" charset="-122"/>
+                <a:cs typeface="+mn-cs"/>
+              </a:rPr>
+              <a:t>Is there any memory leak problem in the program?</a:t>
+            </a:r>
+          </a:p>
+          <a:p>
+            <a:pPr marL="0" marR="0" lvl="0" indent="0" algn="l" defTabSz="914400" rtl="0" eaLnBrk="1" fontAlgn="auto" latinLnBrk="0" hangingPunct="1">
+              <a:lnSpc>
+                <a:spcPct val="100000"/>
+              </a:lnSpc>
+              <a:spcBef>
+                <a:spcPts val="0"/>
+              </a:spcBef>
+              <a:spcAft>
+                <a:spcPts val="0"/>
+              </a:spcAft>
+              <a:buClrTx/>
+              <a:buSzTx/>
+              <a:buFontTx/>
+              <a:buNone/>
+              <a:tabLst/>
+              <a:defRPr/>
+            </a:pPr>
+            <a:r>
+              <a:rPr kumimoji="0" lang="en-US" altLang="zh-CN" sz="1800" b="0" i="0" u="none" strike="noStrike" kern="1200" cap="none" spc="0" normalizeH="0" baseline="0" noProof="0" dirty="0">
+                <a:ln>
+                  <a:noFill/>
+                </a:ln>
+                <a:solidFill>
+                  <a:prstClr val="black"/>
+                </a:solidFill>
+                <a:effectLst/>
+                <a:uLnTx/>
+                <a:uFillTx/>
+                <a:latin typeface="Calibri"/>
+                <a:ea typeface="宋体" panose="02010600030101010101" pitchFamily="2" charset="-122"/>
+                <a:cs typeface="+mn-cs"/>
+              </a:rPr>
+              <a:t>Need we use the statement </a:t>
+            </a:r>
+            <a:r>
+              <a:rPr kumimoji="0" lang="en-US" altLang="zh-CN" sz="1800" b="1" i="0" u="none" strike="noStrike" kern="1200" cap="none" spc="0" normalizeH="0" baseline="0" noProof="0" dirty="0">
+                <a:ln>
+                  <a:noFill/>
+                </a:ln>
+                <a:solidFill>
+                  <a:prstClr val="black"/>
+                </a:solidFill>
+                <a:effectLst/>
+                <a:uLnTx/>
+                <a:uFillTx/>
+                <a:latin typeface="Calibri"/>
+                <a:ea typeface="宋体" panose="02010600030101010101" pitchFamily="2" charset="-122"/>
+                <a:cs typeface="+mn-cs"/>
+              </a:rPr>
+              <a:t>delete[] p;</a:t>
+            </a:r>
+            <a:r>
+              <a:rPr kumimoji="0" lang="en-US" altLang="zh-CN" sz="1800" b="0" i="0" u="none" strike="noStrike" kern="1200" cap="none" spc="0" normalizeH="0" baseline="0" noProof="0" dirty="0">
+                <a:ln>
+                  <a:noFill/>
+                </a:ln>
+                <a:solidFill>
+                  <a:prstClr val="black"/>
+                </a:solidFill>
+                <a:effectLst/>
+                <a:uLnTx/>
+                <a:uFillTx/>
+                <a:latin typeface="Calibri"/>
+                <a:ea typeface="宋体" panose="02010600030101010101" pitchFamily="2" charset="-122"/>
+                <a:cs typeface="+mn-cs"/>
+              </a:rPr>
+              <a:t> to free the memory </a:t>
+            </a:r>
+          </a:p>
+          <a:p>
+            <a:pPr marL="0" marR="0" lvl="0" indent="0" algn="l" defTabSz="914400" rtl="0" eaLnBrk="1" fontAlgn="auto" latinLnBrk="0" hangingPunct="1">
+              <a:lnSpc>
+                <a:spcPct val="100000"/>
+              </a:lnSpc>
+              <a:spcBef>
+                <a:spcPts val="0"/>
+              </a:spcBef>
+              <a:spcAft>
+                <a:spcPts val="0"/>
+              </a:spcAft>
+              <a:buClrTx/>
+              <a:buSzTx/>
+              <a:buFontTx/>
+              <a:buNone/>
+              <a:tabLst/>
+              <a:defRPr/>
+            </a:pPr>
+            <a:r>
+              <a:rPr kumimoji="0" lang="en-US" altLang="zh-CN" sz="1800" b="0" i="0" u="none" strike="noStrike" kern="1200" cap="none" spc="0" normalizeH="0" baseline="0" noProof="0" dirty="0">
+                <a:ln>
+                  <a:noFill/>
+                </a:ln>
+                <a:solidFill>
+                  <a:prstClr val="black"/>
+                </a:solidFill>
+                <a:effectLst/>
+                <a:uLnTx/>
+                <a:uFillTx/>
+                <a:latin typeface="Calibri"/>
+                <a:ea typeface="宋体" panose="02010600030101010101" pitchFamily="2" charset="-122"/>
+                <a:cs typeface="+mn-cs"/>
+              </a:rPr>
+              <a:t>we allocated before?</a:t>
+            </a:r>
+            <a:endParaRPr kumimoji="0" lang="zh-CN" altLang="en-US" sz="1800" b="0" i="0" u="none" strike="noStrike" kern="1200" cap="none" spc="0" normalizeH="0" baseline="0" noProof="0" dirty="0">
+              <a:ln>
+                <a:noFill/>
+              </a:ln>
+              <a:solidFill>
+                <a:prstClr val="black"/>
+              </a:solidFill>
+              <a:effectLst/>
+              <a:uLnTx/>
+              <a:uFillTx/>
+              <a:latin typeface="Calibri"/>
+              <a:ea typeface="宋体" panose="02010600030101010101" pitchFamily="2" charset="-122"/>
+              <a:cs typeface="+mn-cs"/>
+            </a:endParaRPr>
+          </a:p>
+        </p:txBody>
+      </p:sp>
+      <p:grpSp>
+        <p:nvGrpSpPr>
+          <p:cNvPr id="38" name="组合 37">
+            <a:extLst>
+              <a:ext uri="{FF2B5EF4-FFF2-40B4-BE49-F238E27FC236}">
+                <a16:creationId xmlns:a16="http://schemas.microsoft.com/office/drawing/2014/main" id="{DE536DC8-A7F3-50C9-A243-2CAA2E33E74F}"/>
+              </a:ext>
+            </a:extLst>
+          </p:cNvPr>
+          <p:cNvGrpSpPr/>
+          <p:nvPr/>
+        </p:nvGrpSpPr>
+        <p:grpSpPr>
+          <a:xfrm>
+            <a:off x="3364992" y="1490472"/>
+            <a:ext cx="7934554" cy="2246162"/>
+            <a:chOff x="3785616" y="1069848"/>
+            <a:chExt cx="7934554" cy="2246162"/>
+          </a:xfrm>
+        </p:grpSpPr>
+        <p:sp>
+          <p:nvSpPr>
+            <p:cNvPr id="6" name="椭圆 5">
+              <a:extLst>
+                <a:ext uri="{FF2B5EF4-FFF2-40B4-BE49-F238E27FC236}">
+                  <a16:creationId xmlns:a16="http://schemas.microsoft.com/office/drawing/2014/main" id="{98A86604-A1F9-D811-AFFB-6CD9C55B879F}"/>
+                </a:ext>
+              </a:extLst>
+            </p:cNvPr>
+            <p:cNvSpPr/>
+            <p:nvPr/>
+          </p:nvSpPr>
+          <p:spPr>
+            <a:xfrm>
+              <a:off x="3785616" y="1069848"/>
+              <a:ext cx="289560" cy="219456"/>
+            </a:xfrm>
+            <a:prstGeom prst="ellipse">
+              <a:avLst/>
+            </a:prstGeom>
+            <a:noFill/>
+            <a:ln w="19050">
+              <a:solidFill>
+                <a:srgbClr val="FF0000"/>
+              </a:solidFill>
+            </a:ln>
+          </p:spPr>
+          <p:style>
+            <a:lnRef idx="2">
+              <a:schemeClr val="accent1">
+                <a:shade val="50000"/>
+              </a:schemeClr>
+            </a:lnRef>
+            <a:fillRef idx="1">
+              <a:schemeClr val="accent1"/>
+            </a:fillRef>
+            <a:effectRef idx="0">
+              <a:schemeClr val="accent1"/>
+            </a:effectRef>
+            <a:fontRef idx="minor">
+              <a:schemeClr val="lt1"/>
+            </a:fontRef>
+          </p:style>
+          <p:txBody>
+            <a:bodyPr rtlCol="0" anchor="ctr"/>
+            <a:lstStyle/>
+            <a:p>
+              <a:pPr marL="0" marR="0" lvl="0" indent="0" algn="ctr" defTabSz="914400" rtl="0" eaLnBrk="1" fontAlgn="auto" latinLnBrk="0" hangingPunct="1">
+                <a:lnSpc>
+                  <a:spcPct val="100000"/>
+                </a:lnSpc>
+                <a:spcBef>
+                  <a:spcPts val="0"/>
+                </a:spcBef>
+                <a:spcAft>
+                  <a:spcPts val="0"/>
+                </a:spcAft>
+                <a:buClrTx/>
+                <a:buSzTx/>
+                <a:buFontTx/>
+                <a:buNone/>
+                <a:tabLst/>
+                <a:defRPr/>
+              </a:pPr>
+              <a:endParaRPr kumimoji="0" lang="zh-CN" altLang="en-US" sz="1800" b="0" i="0" u="none" strike="noStrike" kern="1200" cap="none" spc="0" normalizeH="0" baseline="0" noProof="0">
+                <a:ln>
+                  <a:noFill/>
+                </a:ln>
+                <a:solidFill>
+                  <a:prstClr val="white"/>
+                </a:solidFill>
+                <a:effectLst/>
+                <a:uLnTx/>
+                <a:uFillTx/>
+                <a:latin typeface="Calibri"/>
+                <a:ea typeface="宋体" panose="02010600030101010101" pitchFamily="2" charset="-122"/>
+                <a:cs typeface="+mn-cs"/>
+              </a:endParaRPr>
+            </a:p>
+          </p:txBody>
+        </p:sp>
+        <p:sp>
+          <p:nvSpPr>
+            <p:cNvPr id="7" name="椭圆 6">
+              <a:extLst>
+                <a:ext uri="{FF2B5EF4-FFF2-40B4-BE49-F238E27FC236}">
+                  <a16:creationId xmlns:a16="http://schemas.microsoft.com/office/drawing/2014/main" id="{DC270FB7-65C7-A00E-B32D-54AEA5E466DD}"/>
+                </a:ext>
+              </a:extLst>
+            </p:cNvPr>
+            <p:cNvSpPr/>
+            <p:nvPr/>
+          </p:nvSpPr>
+          <p:spPr>
+            <a:xfrm>
+              <a:off x="4029456" y="1652016"/>
+              <a:ext cx="289560" cy="219456"/>
+            </a:xfrm>
+            <a:prstGeom prst="ellipse">
+              <a:avLst/>
+            </a:prstGeom>
+            <a:noFill/>
+            <a:ln w="19050">
+              <a:solidFill>
+                <a:srgbClr val="FF0000"/>
+              </a:solidFill>
+            </a:ln>
+          </p:spPr>
+          <p:style>
+            <a:lnRef idx="2">
+              <a:schemeClr val="accent1">
+                <a:shade val="50000"/>
+              </a:schemeClr>
+            </a:lnRef>
+            <a:fillRef idx="1">
+              <a:schemeClr val="accent1"/>
+            </a:fillRef>
+            <a:effectRef idx="0">
+              <a:schemeClr val="accent1"/>
+            </a:effectRef>
+            <a:fontRef idx="minor">
+              <a:schemeClr val="lt1"/>
+            </a:fontRef>
+          </p:style>
+          <p:txBody>
+            <a:bodyPr rtlCol="0" anchor="ctr"/>
+            <a:lstStyle/>
+            <a:p>
+              <a:pPr marL="0" marR="0" lvl="0" indent="0" algn="ctr" defTabSz="914400" rtl="0" eaLnBrk="1" fontAlgn="auto" latinLnBrk="0" hangingPunct="1">
+                <a:lnSpc>
+                  <a:spcPct val="100000"/>
+                </a:lnSpc>
+                <a:spcBef>
+                  <a:spcPts val="0"/>
+                </a:spcBef>
+                <a:spcAft>
+                  <a:spcPts val="0"/>
+                </a:spcAft>
+                <a:buClrTx/>
+                <a:buSzTx/>
+                <a:buFontTx/>
+                <a:buNone/>
+                <a:tabLst/>
+                <a:defRPr/>
+              </a:pPr>
+              <a:endParaRPr kumimoji="0" lang="zh-CN" altLang="en-US" sz="1800" b="0" i="0" u="none" strike="noStrike" kern="1200" cap="none" spc="0" normalizeH="0" baseline="0" noProof="0">
+                <a:ln>
+                  <a:noFill/>
+                </a:ln>
+                <a:solidFill>
+                  <a:prstClr val="white"/>
+                </a:solidFill>
+                <a:effectLst/>
+                <a:uLnTx/>
+                <a:uFillTx/>
+                <a:latin typeface="Calibri"/>
+                <a:ea typeface="宋体" panose="02010600030101010101" pitchFamily="2" charset="-122"/>
+                <a:cs typeface="+mn-cs"/>
+              </a:endParaRPr>
+            </a:p>
+          </p:txBody>
+        </p:sp>
+        <p:sp>
+          <p:nvSpPr>
+            <p:cNvPr id="8" name="矩形 7">
+              <a:extLst>
+                <a:ext uri="{FF2B5EF4-FFF2-40B4-BE49-F238E27FC236}">
+                  <a16:creationId xmlns:a16="http://schemas.microsoft.com/office/drawing/2014/main" id="{A518E605-B24C-F75A-1796-A2B523FCF201}"/>
+                </a:ext>
+              </a:extLst>
+            </p:cNvPr>
+            <p:cNvSpPr/>
+            <p:nvPr/>
+          </p:nvSpPr>
+          <p:spPr>
+            <a:xfrm>
+              <a:off x="4175760" y="2206752"/>
+              <a:ext cx="1568140" cy="258426"/>
+            </a:xfrm>
+            <a:prstGeom prst="rect">
+              <a:avLst/>
+            </a:prstGeom>
+            <a:noFill/>
+            <a:ln w="19050">
+              <a:solidFill>
+                <a:srgbClr val="00B0F0"/>
+              </a:solidFill>
+            </a:ln>
+          </p:spPr>
+          <p:style>
+            <a:lnRef idx="2">
+              <a:schemeClr val="accent1">
+                <a:shade val="50000"/>
+              </a:schemeClr>
+            </a:lnRef>
+            <a:fillRef idx="1">
+              <a:schemeClr val="accent1"/>
+            </a:fillRef>
+            <a:effectRef idx="0">
+              <a:schemeClr val="accent1"/>
+            </a:effectRef>
+            <a:fontRef idx="minor">
+              <a:schemeClr val="lt1"/>
+            </a:fontRef>
+          </p:style>
+          <p:txBody>
+            <a:bodyPr rtlCol="0" anchor="ctr"/>
+            <a:lstStyle/>
+            <a:p>
+              <a:pPr marL="0" marR="0" lvl="0" indent="0" algn="ctr" defTabSz="914400" rtl="0" eaLnBrk="1" fontAlgn="auto" latinLnBrk="0" hangingPunct="1">
+                <a:lnSpc>
+                  <a:spcPct val="100000"/>
+                </a:lnSpc>
+                <a:spcBef>
+                  <a:spcPts val="0"/>
+                </a:spcBef>
+                <a:spcAft>
+                  <a:spcPts val="0"/>
+                </a:spcAft>
+                <a:buClrTx/>
+                <a:buSzTx/>
+                <a:buFontTx/>
+                <a:buNone/>
+                <a:tabLst/>
+                <a:defRPr/>
+              </a:pPr>
+              <a:endParaRPr kumimoji="0" lang="zh-CN" altLang="en-US" sz="1800" b="0" i="0" u="none" strike="noStrike" kern="1200" cap="none" spc="0" normalizeH="0" baseline="0" noProof="0">
+                <a:ln>
+                  <a:noFill/>
+                </a:ln>
+                <a:solidFill>
+                  <a:prstClr val="white"/>
+                </a:solidFill>
+                <a:effectLst/>
+                <a:uLnTx/>
+                <a:uFillTx/>
+                <a:latin typeface="Calibri"/>
+                <a:ea typeface="宋体" panose="02010600030101010101" pitchFamily="2" charset="-122"/>
+                <a:cs typeface="+mn-cs"/>
+              </a:endParaRPr>
+            </a:p>
+          </p:txBody>
+        </p:sp>
+        <p:sp>
+          <p:nvSpPr>
+            <p:cNvPr id="9" name="矩形 8">
+              <a:extLst>
+                <a:ext uri="{FF2B5EF4-FFF2-40B4-BE49-F238E27FC236}">
+                  <a16:creationId xmlns:a16="http://schemas.microsoft.com/office/drawing/2014/main" id="{F3AA8AD6-E806-BEBF-BCC3-F10D908DA964}"/>
+                </a:ext>
+              </a:extLst>
+            </p:cNvPr>
+            <p:cNvSpPr/>
+            <p:nvPr/>
+          </p:nvSpPr>
+          <p:spPr>
+            <a:xfrm>
+              <a:off x="4093464" y="2816351"/>
+              <a:ext cx="1487424" cy="250389"/>
+            </a:xfrm>
+            <a:prstGeom prst="rect">
+              <a:avLst/>
+            </a:prstGeom>
+            <a:noFill/>
+            <a:ln w="19050">
+              <a:solidFill>
+                <a:srgbClr val="00B0F0"/>
+              </a:solidFill>
+            </a:ln>
+          </p:spPr>
+          <p:style>
+            <a:lnRef idx="2">
+              <a:schemeClr val="accent1">
+                <a:shade val="50000"/>
+              </a:schemeClr>
+            </a:lnRef>
+            <a:fillRef idx="1">
+              <a:schemeClr val="accent1"/>
+            </a:fillRef>
+            <a:effectRef idx="0">
+              <a:schemeClr val="accent1"/>
+            </a:effectRef>
+            <a:fontRef idx="minor">
+              <a:schemeClr val="lt1"/>
+            </a:fontRef>
+          </p:style>
+          <p:txBody>
+            <a:bodyPr rtlCol="0" anchor="ctr"/>
+            <a:lstStyle/>
+            <a:p>
+              <a:pPr marL="0" marR="0" lvl="0" indent="0" algn="ctr" defTabSz="914400" rtl="0" eaLnBrk="1" fontAlgn="auto" latinLnBrk="0" hangingPunct="1">
+                <a:lnSpc>
+                  <a:spcPct val="100000"/>
+                </a:lnSpc>
+                <a:spcBef>
+                  <a:spcPts val="0"/>
+                </a:spcBef>
+                <a:spcAft>
+                  <a:spcPts val="0"/>
+                </a:spcAft>
+                <a:buClrTx/>
+                <a:buSzTx/>
+                <a:buFontTx/>
+                <a:buNone/>
+                <a:tabLst/>
+                <a:defRPr/>
+              </a:pPr>
+              <a:endParaRPr kumimoji="0" lang="zh-CN" altLang="en-US" sz="1800" b="0" i="0" u="none" strike="noStrike" kern="1200" cap="none" spc="0" normalizeH="0" baseline="0" noProof="0">
+                <a:ln>
+                  <a:noFill/>
+                </a:ln>
+                <a:solidFill>
+                  <a:prstClr val="white"/>
+                </a:solidFill>
+                <a:effectLst/>
+                <a:uLnTx/>
+                <a:uFillTx/>
+                <a:latin typeface="Calibri"/>
+                <a:ea typeface="宋体" panose="02010600030101010101" pitchFamily="2" charset="-122"/>
+                <a:cs typeface="+mn-cs"/>
+              </a:endParaRPr>
+            </a:p>
+          </p:txBody>
+        </p:sp>
+        <p:cxnSp>
+          <p:nvCxnSpPr>
+            <p:cNvPr id="25" name="直接箭头连接符 24">
+              <a:extLst>
+                <a:ext uri="{FF2B5EF4-FFF2-40B4-BE49-F238E27FC236}">
+                  <a16:creationId xmlns:a16="http://schemas.microsoft.com/office/drawing/2014/main" id="{A001E859-DFB1-0F02-C205-B6D9902AB3D4}"/>
+                </a:ext>
+              </a:extLst>
+            </p:cNvPr>
+            <p:cNvCxnSpPr>
+              <a:cxnSpLocks/>
+              <a:endCxn id="6" idx="6"/>
+            </p:cNvCxnSpPr>
+            <p:nvPr/>
+          </p:nvCxnSpPr>
+          <p:spPr>
+            <a:xfrm flipH="1" flipV="1">
+              <a:off x="4075176" y="1179576"/>
+              <a:ext cx="3212607" cy="1428833"/>
+            </a:xfrm>
+            <a:prstGeom prst="straightConnector1">
+              <a:avLst/>
+            </a:prstGeom>
+            <a:ln w="19050">
+              <a:solidFill>
+                <a:srgbClr val="FF0000"/>
+              </a:solidFill>
+              <a:tailEnd type="triangle"/>
+            </a:ln>
+          </p:spPr>
+          <p:style>
+            <a:lnRef idx="1">
+              <a:schemeClr val="accent1"/>
+            </a:lnRef>
+            <a:fillRef idx="0">
+              <a:schemeClr val="accent1"/>
+            </a:fillRef>
+            <a:effectRef idx="0">
+              <a:schemeClr val="accent1"/>
+            </a:effectRef>
+            <a:fontRef idx="minor">
+              <a:schemeClr val="tx1"/>
+            </a:fontRef>
+          </p:style>
+        </p:cxnSp>
+        <p:cxnSp>
+          <p:nvCxnSpPr>
+            <p:cNvPr id="26" name="直接箭头连接符 25">
+              <a:extLst>
+                <a:ext uri="{FF2B5EF4-FFF2-40B4-BE49-F238E27FC236}">
+                  <a16:creationId xmlns:a16="http://schemas.microsoft.com/office/drawing/2014/main" id="{A7796F84-D2C1-5039-124C-4E560EF8B8AD}"/>
+                </a:ext>
+              </a:extLst>
+            </p:cNvPr>
+            <p:cNvCxnSpPr>
+              <a:cxnSpLocks/>
+              <a:endCxn id="7" idx="6"/>
+            </p:cNvCxnSpPr>
+            <p:nvPr/>
+          </p:nvCxnSpPr>
+          <p:spPr>
+            <a:xfrm flipH="1" flipV="1">
+              <a:off x="4319016" y="1761744"/>
+              <a:ext cx="2950464" cy="846665"/>
+            </a:xfrm>
+            <a:prstGeom prst="straightConnector1">
+              <a:avLst/>
+            </a:prstGeom>
+            <a:ln w="19050">
+              <a:solidFill>
+                <a:srgbClr val="FF0000"/>
+              </a:solidFill>
+              <a:tailEnd type="triangle"/>
+            </a:ln>
+          </p:spPr>
+          <p:style>
+            <a:lnRef idx="1">
+              <a:schemeClr val="accent1"/>
+            </a:lnRef>
+            <a:fillRef idx="0">
+              <a:schemeClr val="accent1"/>
+            </a:fillRef>
+            <a:effectRef idx="0">
+              <a:schemeClr val="accent1"/>
+            </a:effectRef>
+            <a:fontRef idx="minor">
+              <a:schemeClr val="tx1"/>
+            </a:fontRef>
+          </p:style>
+        </p:cxnSp>
+        <p:cxnSp>
+          <p:nvCxnSpPr>
+            <p:cNvPr id="27" name="直接箭头连接符 26">
+              <a:extLst>
+                <a:ext uri="{FF2B5EF4-FFF2-40B4-BE49-F238E27FC236}">
+                  <a16:creationId xmlns:a16="http://schemas.microsoft.com/office/drawing/2014/main" id="{02E1D046-B9B3-34C2-DE81-F7C085CD5201}"/>
+                </a:ext>
+              </a:extLst>
+            </p:cNvPr>
+            <p:cNvCxnSpPr>
+              <a:cxnSpLocks/>
+            </p:cNvCxnSpPr>
+            <p:nvPr/>
+          </p:nvCxnSpPr>
+          <p:spPr>
+            <a:xfrm flipH="1" flipV="1">
+              <a:off x="5725612" y="2392680"/>
+              <a:ext cx="1626164" cy="215729"/>
+            </a:xfrm>
+            <a:prstGeom prst="straightConnector1">
+              <a:avLst/>
+            </a:prstGeom>
+            <a:ln w="19050">
+              <a:solidFill>
+                <a:srgbClr val="00B0F0"/>
+              </a:solidFill>
+              <a:tailEnd type="triangle"/>
+            </a:ln>
+          </p:spPr>
+          <p:style>
+            <a:lnRef idx="1">
+              <a:schemeClr val="accent1"/>
+            </a:lnRef>
+            <a:fillRef idx="0">
+              <a:schemeClr val="accent1"/>
+            </a:fillRef>
+            <a:effectRef idx="0">
+              <a:schemeClr val="accent1"/>
+            </a:effectRef>
+            <a:fontRef idx="minor">
+              <a:schemeClr val="tx1"/>
+            </a:fontRef>
+          </p:style>
+        </p:cxnSp>
+        <p:cxnSp>
+          <p:nvCxnSpPr>
+            <p:cNvPr id="28" name="直接箭头连接符 27">
+              <a:extLst>
+                <a:ext uri="{FF2B5EF4-FFF2-40B4-BE49-F238E27FC236}">
+                  <a16:creationId xmlns:a16="http://schemas.microsoft.com/office/drawing/2014/main" id="{5C1CDDE5-9D0A-E967-30DC-661F55ED0303}"/>
+                </a:ext>
+              </a:extLst>
+            </p:cNvPr>
+            <p:cNvCxnSpPr>
+              <a:cxnSpLocks/>
+            </p:cNvCxnSpPr>
+            <p:nvPr/>
+          </p:nvCxnSpPr>
+          <p:spPr>
+            <a:xfrm flipH="1">
+              <a:off x="5623560" y="2608409"/>
+              <a:ext cx="1728216" cy="250389"/>
+            </a:xfrm>
+            <a:prstGeom prst="straightConnector1">
+              <a:avLst/>
+            </a:prstGeom>
+            <a:ln w="19050">
+              <a:solidFill>
+                <a:srgbClr val="00B0F0"/>
+              </a:solidFill>
+              <a:tailEnd type="triangle"/>
+            </a:ln>
+          </p:spPr>
+          <p:style>
+            <a:lnRef idx="1">
+              <a:schemeClr val="accent1"/>
+            </a:lnRef>
+            <a:fillRef idx="0">
+              <a:schemeClr val="accent1"/>
+            </a:fillRef>
+            <a:effectRef idx="0">
+              <a:schemeClr val="accent1"/>
+            </a:effectRef>
+            <a:fontRef idx="minor">
+              <a:schemeClr val="tx1"/>
+            </a:fontRef>
+          </p:style>
+        </p:cxnSp>
+        <p:sp>
+          <p:nvSpPr>
+            <p:cNvPr id="37" name="文本框 36">
+              <a:extLst>
+                <a:ext uri="{FF2B5EF4-FFF2-40B4-BE49-F238E27FC236}">
+                  <a16:creationId xmlns:a16="http://schemas.microsoft.com/office/drawing/2014/main" id="{34558903-EE3B-4DD0-D07C-0316E914F951}"/>
+                </a:ext>
+              </a:extLst>
+            </p:cNvPr>
+            <p:cNvSpPr txBox="1"/>
+            <p:nvPr/>
+          </p:nvSpPr>
+          <p:spPr>
+            <a:xfrm>
+              <a:off x="7290816" y="2392680"/>
+              <a:ext cx="4429354" cy="923330"/>
+            </a:xfrm>
+            <a:prstGeom prst="rect">
+              <a:avLst/>
+            </a:prstGeom>
+            <a:noFill/>
+          </p:spPr>
+          <p:txBody>
+            <a:bodyPr wrap="none" rtlCol="0">
+              <a:spAutoFit/>
+            </a:bodyPr>
+            <a:lstStyle/>
+            <a:p>
+              <a:pPr marL="0" marR="0" lvl="0" indent="0" algn="l" defTabSz="914400" rtl="0" eaLnBrk="1" fontAlgn="auto" latinLnBrk="0" hangingPunct="1">
+                <a:lnSpc>
+                  <a:spcPct val="100000"/>
+                </a:lnSpc>
+                <a:spcBef>
+                  <a:spcPts val="0"/>
+                </a:spcBef>
+                <a:spcAft>
+                  <a:spcPts val="0"/>
+                </a:spcAft>
+                <a:buClrTx/>
+                <a:buSzTx/>
+                <a:buFontTx/>
+                <a:buNone/>
+                <a:tabLst/>
+                <a:defRPr/>
+              </a:pPr>
+              <a:r>
+                <a:rPr kumimoji="0" lang="en-US" altLang="zh-CN" sz="1800" b="0" i="0" u="none" strike="noStrike" kern="1200" cap="none" spc="0" normalizeH="0" baseline="0" noProof="0" dirty="0">
+                  <a:ln>
+                    <a:noFill/>
+                  </a:ln>
+                  <a:solidFill>
+                    <a:prstClr val="black"/>
+                  </a:solidFill>
+                  <a:effectLst/>
+                  <a:uLnTx/>
+                  <a:uFillTx/>
+                  <a:latin typeface="Calibri"/>
+                  <a:ea typeface="宋体" panose="02010600030101010101" pitchFamily="2" charset="-122"/>
+                  <a:cs typeface="+mn-cs"/>
+                </a:rPr>
+                <a:t>Use </a:t>
+              </a:r>
+              <a:r>
+                <a:rPr kumimoji="0" lang="en-US" altLang="zh-CN" sz="1800" b="1" i="0" u="none" strike="noStrike" kern="1200" cap="none" spc="0" normalizeH="0" baseline="0" noProof="0" dirty="0">
+                  <a:ln>
+                    <a:noFill/>
+                  </a:ln>
+                  <a:solidFill>
+                    <a:prstClr val="black"/>
+                  </a:solidFill>
+                  <a:effectLst/>
+                  <a:uLnTx/>
+                  <a:uFillTx/>
+                  <a:latin typeface="Calibri"/>
+                  <a:ea typeface="宋体" panose="02010600030101010101" pitchFamily="2" charset="-122"/>
+                  <a:cs typeface="+mn-cs"/>
+                </a:rPr>
+                <a:t>new</a:t>
+              </a:r>
+              <a:r>
+                <a:rPr kumimoji="0" lang="en-US" altLang="zh-CN" sz="1800" b="0" i="0" u="none" strike="noStrike" kern="1200" cap="none" spc="0" normalizeH="0" baseline="0" noProof="0" dirty="0">
+                  <a:ln>
+                    <a:noFill/>
+                  </a:ln>
+                  <a:solidFill>
+                    <a:prstClr val="black"/>
+                  </a:solidFill>
+                  <a:effectLst/>
+                  <a:uLnTx/>
+                  <a:uFillTx/>
+                  <a:latin typeface="Calibri"/>
+                  <a:ea typeface="宋体" panose="02010600030101010101" pitchFamily="2" charset="-122"/>
+                  <a:cs typeface="+mn-cs"/>
+                </a:rPr>
+                <a:t> operator or </a:t>
+              </a:r>
+              <a:r>
+                <a:rPr kumimoji="0" lang="en-US" altLang="zh-CN" sz="1800" b="1" i="0" u="none" strike="noStrike" kern="1200" cap="none" spc="0" normalizeH="0" baseline="0" noProof="0" dirty="0" err="1">
+                  <a:ln>
+                    <a:noFill/>
+                  </a:ln>
+                  <a:solidFill>
+                    <a:prstClr val="black"/>
+                  </a:solidFill>
+                  <a:effectLst/>
+                  <a:uLnTx/>
+                  <a:uFillTx/>
+                  <a:latin typeface="Calibri"/>
+                  <a:ea typeface="宋体" panose="02010600030101010101" pitchFamily="2" charset="-122"/>
+                  <a:cs typeface="+mn-cs"/>
+                </a:rPr>
+                <a:t>make_unique</a:t>
+              </a:r>
+              <a:r>
+                <a:rPr kumimoji="0" lang="en-US" altLang="zh-CN" sz="1800" b="1" i="0" u="none" strike="noStrike" kern="1200" cap="none" spc="0" normalizeH="0" baseline="0" noProof="0" dirty="0">
+                  <a:ln>
+                    <a:noFill/>
+                  </a:ln>
+                  <a:solidFill>
+                    <a:prstClr val="black"/>
+                  </a:solidFill>
+                  <a:effectLst/>
+                  <a:uLnTx/>
+                  <a:uFillTx/>
+                  <a:latin typeface="Calibri"/>
+                  <a:ea typeface="宋体" panose="02010600030101010101" pitchFamily="2" charset="-122"/>
+                  <a:cs typeface="+mn-cs"/>
+                </a:rPr>
+                <a:t>() </a:t>
+              </a:r>
+              <a:r>
+                <a:rPr kumimoji="0" lang="en-US" altLang="zh-CN" sz="1800" b="0" i="0" u="none" strike="noStrike" kern="1200" cap="none" spc="0" normalizeH="0" baseline="0" noProof="0" dirty="0">
+                  <a:ln>
+                    <a:noFill/>
+                  </a:ln>
+                  <a:solidFill>
+                    <a:prstClr val="black"/>
+                  </a:solidFill>
+                  <a:effectLst/>
+                  <a:uLnTx/>
+                  <a:uFillTx/>
+                  <a:latin typeface="Calibri"/>
+                  <a:ea typeface="宋体" panose="02010600030101010101" pitchFamily="2" charset="-122"/>
+                  <a:cs typeface="+mn-cs"/>
+                </a:rPr>
+                <a:t>function</a:t>
+              </a:r>
+            </a:p>
+            <a:p>
+              <a:pPr marL="0" marR="0" lvl="0" indent="0" algn="l" defTabSz="914400" rtl="0" eaLnBrk="1" fontAlgn="auto" latinLnBrk="0" hangingPunct="1">
+                <a:lnSpc>
+                  <a:spcPct val="100000"/>
+                </a:lnSpc>
+                <a:spcBef>
+                  <a:spcPts val="0"/>
+                </a:spcBef>
+                <a:spcAft>
+                  <a:spcPts val="0"/>
+                </a:spcAft>
+                <a:buClrTx/>
+                <a:buSzTx/>
+                <a:buFontTx/>
+                <a:buNone/>
+                <a:tabLst/>
+                <a:defRPr/>
+              </a:pPr>
+              <a:r>
+                <a:rPr kumimoji="0" lang="en-US" altLang="zh-CN" sz="1800" b="0" i="0" u="none" strike="noStrike" kern="1200" cap="none" spc="0" normalizeH="0" baseline="0" noProof="0" dirty="0">
+                  <a:ln>
+                    <a:noFill/>
+                  </a:ln>
+                  <a:solidFill>
+                    <a:prstClr val="black"/>
+                  </a:solidFill>
+                  <a:effectLst/>
+                  <a:uLnTx/>
+                  <a:uFillTx/>
+                  <a:latin typeface="Calibri"/>
+                  <a:ea typeface="宋体" panose="02010600030101010101" pitchFamily="2" charset="-122"/>
+                  <a:cs typeface="+mn-cs"/>
+                </a:rPr>
+                <a:t>to create </a:t>
+              </a:r>
+              <a:r>
+                <a:rPr kumimoji="0" lang="en-US" altLang="zh-CN" sz="1800" b="0" i="0" u="none" strike="noStrike" kern="1200" cap="none" spc="0" normalizeH="0" baseline="0" noProof="0" dirty="0" err="1">
+                  <a:ln>
+                    <a:noFill/>
+                  </a:ln>
+                  <a:solidFill>
+                    <a:prstClr val="black"/>
+                  </a:solidFill>
+                  <a:effectLst/>
+                  <a:uLnTx/>
+                  <a:uFillTx/>
+                  <a:latin typeface="Calibri"/>
+                  <a:ea typeface="宋体" panose="02010600030101010101" pitchFamily="2" charset="-122"/>
+                  <a:cs typeface="+mn-cs"/>
+                </a:rPr>
+                <a:t>unique_ptr</a:t>
+              </a:r>
+              <a:r>
+                <a:rPr kumimoji="0" lang="en-US" altLang="zh-CN" sz="1800" b="0" i="0" u="none" strike="noStrike" kern="1200" cap="none" spc="0" normalizeH="0" baseline="0" noProof="0" dirty="0">
+                  <a:ln>
+                    <a:noFill/>
+                  </a:ln>
+                  <a:solidFill>
+                    <a:prstClr val="black"/>
+                  </a:solidFill>
+                  <a:effectLst/>
+                  <a:uLnTx/>
+                  <a:uFillTx/>
+                  <a:latin typeface="Calibri"/>
+                  <a:ea typeface="宋体" panose="02010600030101010101" pitchFamily="2" charset="-122"/>
+                  <a:cs typeface="+mn-cs"/>
+                </a:rPr>
+                <a:t>.  </a:t>
+              </a:r>
+              <a:r>
+                <a:rPr kumimoji="0" lang="en-US" altLang="zh-CN" sz="1800" b="0" i="0" u="none" strike="noStrike" kern="1200" cap="none" spc="0" normalizeH="0" baseline="0" noProof="0" dirty="0" err="1">
+                  <a:ln>
+                    <a:noFill/>
+                  </a:ln>
+                  <a:solidFill>
+                    <a:prstClr val="black"/>
+                  </a:solidFill>
+                  <a:effectLst/>
+                  <a:uLnTx/>
+                  <a:uFillTx/>
+                  <a:latin typeface="Calibri"/>
+                  <a:ea typeface="宋体" panose="02010600030101010101" pitchFamily="2" charset="-122"/>
+                  <a:cs typeface="+mn-cs"/>
+                </a:rPr>
+                <a:t>make_unique</a:t>
+              </a:r>
+              <a:r>
+                <a:rPr kumimoji="0" lang="en-US" altLang="zh-CN" sz="1800" b="0" i="0" u="none" strike="noStrike" kern="1200" cap="none" spc="0" normalizeH="0" baseline="0" noProof="0" dirty="0">
+                  <a:ln>
+                    <a:noFill/>
+                  </a:ln>
+                  <a:solidFill>
+                    <a:prstClr val="black"/>
+                  </a:solidFill>
+                  <a:effectLst/>
+                  <a:uLnTx/>
+                  <a:uFillTx/>
+                  <a:latin typeface="Calibri"/>
+                  <a:ea typeface="宋体" panose="02010600030101010101" pitchFamily="2" charset="-122"/>
+                  <a:cs typeface="+mn-cs"/>
+                </a:rPr>
+                <a:t>() is </a:t>
+              </a:r>
+            </a:p>
+            <a:p>
+              <a:pPr marL="0" marR="0" lvl="0" indent="0" algn="l" defTabSz="914400" rtl="0" eaLnBrk="1" fontAlgn="auto" latinLnBrk="0" hangingPunct="1">
+                <a:lnSpc>
+                  <a:spcPct val="100000"/>
+                </a:lnSpc>
+                <a:spcBef>
+                  <a:spcPts val="0"/>
+                </a:spcBef>
+                <a:spcAft>
+                  <a:spcPts val="0"/>
+                </a:spcAft>
+                <a:buClrTx/>
+                <a:buSzTx/>
+                <a:buFontTx/>
+                <a:buNone/>
+                <a:tabLst/>
+                <a:defRPr/>
+              </a:pPr>
+              <a:r>
+                <a:rPr kumimoji="0" lang="en-US" altLang="zh-CN" sz="1800" b="0" i="0" u="none" strike="noStrike" kern="1200" cap="none" spc="0" normalizeH="0" baseline="0" noProof="0" dirty="0">
+                  <a:ln>
+                    <a:noFill/>
+                  </a:ln>
+                  <a:solidFill>
+                    <a:prstClr val="black"/>
+                  </a:solidFill>
+                  <a:effectLst/>
+                  <a:uLnTx/>
+                  <a:uFillTx/>
+                  <a:latin typeface="Calibri"/>
+                  <a:ea typeface="宋体" panose="02010600030101010101" pitchFamily="2" charset="-122"/>
+                  <a:cs typeface="+mn-cs"/>
+                </a:rPr>
+                <a:t>recommended.</a:t>
+              </a:r>
+              <a:endParaRPr kumimoji="0" lang="zh-CN" altLang="en-US" sz="1800" b="0" i="0" u="none" strike="noStrike" kern="1200" cap="none" spc="0" normalizeH="0" baseline="0" noProof="0" dirty="0">
+                <a:ln>
+                  <a:noFill/>
+                </a:ln>
+                <a:solidFill>
+                  <a:prstClr val="black"/>
+                </a:solidFill>
+                <a:effectLst/>
+                <a:uLnTx/>
+                <a:uFillTx/>
+                <a:latin typeface="Calibri"/>
+                <a:ea typeface="宋体" panose="02010600030101010101" pitchFamily="2" charset="-122"/>
+                <a:cs typeface="+mn-cs"/>
+              </a:endParaRPr>
+            </a:p>
+          </p:txBody>
+        </p:sp>
+      </p:grpSp>
     </p:spTree>
+    <p:extLst>
+      <p:ext uri="{BB962C8B-B14F-4D97-AF65-F5344CB8AC3E}">
+        <p14:creationId xmlns:p14="http://schemas.microsoft.com/office/powerpoint/2010/main" val="262817039"/>
+      </p:ext>
+    </p:extLst>
   </p:cSld>
   <p:clrMapOvr>
     <a:masterClrMapping/>
   </p:clrMapOvr>
+  <p:timing>
+    <p:tnLst>
+      <p:par>
+        <p:cTn id="1" dur="indefinite" restart="never" nodeType="tmRoot">
+          <p:childTnLst>
+            <p:seq concurrent="1" nextAc="seek">
+              <p:cTn id="2" dur="indefinite" nodeType="mainSeq">
+                <p:childTnLst>
+                  <p:par>
+                    <p:cTn id="3" fill="hold">
+                      <p:stCondLst>
+                        <p:cond delay="indefinite"/>
+                      </p:stCondLst>
+                      <p:childTnLst>
+                        <p:par>
+                          <p:cTn id="4" fill="hold">
+                            <p:stCondLst>
+                              <p:cond delay="0"/>
+                            </p:stCondLst>
+                            <p:childTnLst>
+                              <p:par>
+                                <p:cTn id="5" presetID="1" presetClass="entr" presetSubtype="0" fill="hold" nodeType="clickEffect">
+                                  <p:stCondLst>
+                                    <p:cond delay="0"/>
+                                  </p:stCondLst>
+                                  <p:childTnLst>
+                                    <p:set>
+                                      <p:cBhvr>
+                                        <p:cTn id="6" dur="1" fill="hold">
+                                          <p:stCondLst>
+                                            <p:cond delay="0"/>
+                                          </p:stCondLst>
+                                        </p:cTn>
+                                        <p:tgtEl>
+                                          <p:spTgt spid="38"/>
+                                        </p:tgtEl>
+                                        <p:attrNameLst>
+                                          <p:attrName>style.visibility</p:attrName>
+                                        </p:attrNameLst>
+                                      </p:cBhvr>
+                                      <p:to>
+                                        <p:strVal val="visible"/>
+                                      </p:to>
+                                    </p:set>
+                                  </p:childTnLst>
+                                </p:cTn>
+                              </p:par>
+                            </p:childTnLst>
+                          </p:cTn>
+                        </p:par>
+                      </p:childTnLst>
+                    </p:cTn>
+                  </p:par>
+                  <p:par>
+                    <p:cTn id="7" fill="hold">
+                      <p:stCondLst>
+                        <p:cond delay="indefinite"/>
+                      </p:stCondLst>
+                      <p:childTnLst>
+                        <p:par>
+                          <p:cTn id="8" fill="hold">
+                            <p:stCondLst>
+                              <p:cond delay="0"/>
+                            </p:stCondLst>
+                            <p:childTnLst>
+                              <p:par>
+                                <p:cTn id="9" presetID="1" presetClass="entr" presetSubtype="0" fill="hold" nodeType="clickEffect">
+                                  <p:stCondLst>
+                                    <p:cond delay="0"/>
+                                  </p:stCondLst>
+                                  <p:childTnLst>
+                                    <p:set>
+                                      <p:cBhvr>
+                                        <p:cTn id="10" dur="1" fill="hold">
+                                          <p:stCondLst>
+                                            <p:cond delay="0"/>
+                                          </p:stCondLst>
+                                        </p:cTn>
+                                        <p:tgtEl>
+                                          <p:spTgt spid="15"/>
+                                        </p:tgtEl>
+                                        <p:attrNameLst>
+                                          <p:attrName>style.visibility</p:attrName>
+                                        </p:attrNameLst>
+                                      </p:cBhvr>
+                                      <p:to>
+                                        <p:strVal val="visible"/>
+                                      </p:to>
+                                    </p:set>
+                                  </p:childTnLst>
+                                </p:cTn>
+                              </p:par>
+                            </p:childTnLst>
+                          </p:cTn>
+                        </p:par>
+                      </p:childTnLst>
+                    </p:cTn>
+                  </p:par>
+                  <p:par>
+                    <p:cTn id="11" fill="hold">
+                      <p:stCondLst>
+                        <p:cond delay="indefinite"/>
+                      </p:stCondLst>
+                      <p:childTnLst>
+                        <p:par>
+                          <p:cTn id="12" fill="hold">
+                            <p:stCondLst>
+                              <p:cond delay="0"/>
+                            </p:stCondLst>
+                            <p:childTnLst>
+                              <p:par>
+                                <p:cTn id="13" presetID="1" presetClass="entr" presetSubtype="0" fill="hold" nodeType="clickEffect">
+                                  <p:stCondLst>
+                                    <p:cond delay="0"/>
+                                  </p:stCondLst>
+                                  <p:childTnLst>
+                                    <p:set>
+                                      <p:cBhvr>
+                                        <p:cTn id="14" dur="1" fill="hold">
+                                          <p:stCondLst>
+                                            <p:cond delay="0"/>
+                                          </p:stCondLst>
+                                        </p:cTn>
+                                        <p:tgtEl>
+                                          <p:spTgt spid="20"/>
+                                        </p:tgtEl>
+                                        <p:attrNameLst>
+                                          <p:attrName>style.visibility</p:attrName>
+                                        </p:attrNameLst>
+                                      </p:cBhvr>
+                                      <p:to>
+                                        <p:strVal val="visible"/>
+                                      </p:to>
+                                    </p:set>
+                                  </p:childTnLst>
+                                </p:cTn>
+                              </p:par>
+                            </p:childTnLst>
+                          </p:cTn>
+                        </p:par>
+                      </p:childTnLst>
+                    </p:cTn>
+                  </p:par>
+                  <p:par>
+                    <p:cTn id="15" fill="hold">
+                      <p:stCondLst>
+                        <p:cond delay="indefinite"/>
+                      </p:stCondLst>
+                      <p:childTnLst>
+                        <p:par>
+                          <p:cTn id="16" fill="hold">
+                            <p:stCondLst>
+                              <p:cond delay="0"/>
+                            </p:stCondLst>
+                            <p:childTnLst>
+                              <p:par>
+                                <p:cTn id="17" presetID="1" presetClass="entr" presetSubtype="0" fill="hold" nodeType="clickEffect">
+                                  <p:stCondLst>
+                                    <p:cond delay="0"/>
+                                  </p:stCondLst>
+                                  <p:childTnLst>
+                                    <p:set>
+                                      <p:cBhvr>
+                                        <p:cTn id="18" dur="1" fill="hold">
+                                          <p:stCondLst>
+                                            <p:cond delay="0"/>
+                                          </p:stCondLst>
+                                        </p:cTn>
+                                        <p:tgtEl>
+                                          <p:spTgt spid="22"/>
+                                        </p:tgtEl>
+                                        <p:attrNameLst>
+                                          <p:attrName>style.visibility</p:attrName>
+                                        </p:attrNameLst>
+                                      </p:cBhvr>
+                                      <p:to>
+                                        <p:strVal val="visible"/>
+                                      </p:to>
+                                    </p:set>
+                                  </p:childTnLst>
+                                </p:cTn>
+                              </p:par>
+                            </p:childTnLst>
+                          </p:cTn>
+                        </p:par>
+                      </p:childTnLst>
+                    </p:cTn>
+                  </p:par>
+                  <p:par>
+                    <p:cTn id="19" fill="hold">
+                      <p:stCondLst>
+                        <p:cond delay="indefinite"/>
+                      </p:stCondLst>
+                      <p:childTnLst>
+                        <p:par>
+                          <p:cTn id="20" fill="hold">
+                            <p:stCondLst>
+                              <p:cond delay="0"/>
+                            </p:stCondLst>
+                            <p:childTnLst>
+                              <p:par>
+                                <p:cTn id="21" presetID="1" presetClass="entr" presetSubtype="0" fill="hold" grpId="0" nodeType="clickEffect">
+                                  <p:stCondLst>
+                                    <p:cond delay="0"/>
+                                  </p:stCondLst>
+                                  <p:childTnLst>
+                                    <p:set>
+                                      <p:cBhvr>
+                                        <p:cTn id="22" dur="1" fill="hold">
+                                          <p:stCondLst>
+                                            <p:cond delay="0"/>
+                                          </p:stCondLst>
+                                        </p:cTn>
+                                        <p:tgtEl>
+                                          <p:spTgt spid="23"/>
+                                        </p:tgtEl>
+                                        <p:attrNameLst>
+                                          <p:attrName>style.visibility</p:attrName>
+                                        </p:attrNameLst>
+                                      </p:cBhvr>
+                                      <p:to>
+                                        <p:strVal val="visible"/>
+                                      </p:to>
+                                    </p:set>
+                                  </p:childTnLst>
+                                </p:cTn>
+                              </p:par>
+                            </p:childTnLst>
+                          </p:cTn>
+                        </p:par>
+                      </p:childTnLst>
+                    </p:cTn>
+                  </p:par>
+                </p:childTnLst>
+              </p:cTn>
+              <p:prevCondLst>
+                <p:cond evt="onPrev" delay="0">
+                  <p:tgtEl>
+                    <p:sldTgt/>
+                  </p:tgtEl>
+                </p:cond>
+              </p:prevCondLst>
+              <p:nextCondLst>
+                <p:cond evt="onNext" delay="0">
+                  <p:tgtEl>
+                    <p:sldTgt/>
+                  </p:tgtEl>
+                </p:cond>
+              </p:nextCondLst>
+            </p:seq>
+          </p:childTnLst>
+        </p:cTn>
+      </p:par>
+    </p:tnLst>
+    <p:bldLst>
+      <p:bldP spid="23" grpId="0"/>
+    </p:bldLst>
+  </p:timing>
 </p:sld>
 </file>
 

--- a/week11/Lab11.pptx
+++ b/week11/Lab11.pptx
@@ -5,7 +5,7 @@
     <p:sldMasterId id="2147483648" r:id="rId1"/>
   </p:sldMasterIdLst>
   <p:notesMasterIdLst>
-    <p:notesMasterId r:id="rId17"/>
+    <p:notesMasterId r:id="rId20"/>
   </p:notesMasterIdLst>
   <p:sldIdLst>
     <p:sldId id="256" r:id="rId2"/>
@@ -13,16 +13,19 @@
     <p:sldId id="435" r:id="rId4"/>
     <p:sldId id="1113" r:id="rId5"/>
     <p:sldId id="1114" r:id="rId6"/>
-    <p:sldId id="430" r:id="rId7"/>
-    <p:sldId id="1110" r:id="rId8"/>
-    <p:sldId id="1104" r:id="rId9"/>
-    <p:sldId id="1116" r:id="rId10"/>
-    <p:sldId id="1105" r:id="rId11"/>
-    <p:sldId id="1107" r:id="rId12"/>
-    <p:sldId id="1117" r:id="rId13"/>
-    <p:sldId id="1109" r:id="rId14"/>
-    <p:sldId id="1115" r:id="rId15"/>
-    <p:sldId id="1065" r:id="rId16"/>
+    <p:sldId id="1158" r:id="rId7"/>
+    <p:sldId id="422" r:id="rId8"/>
+    <p:sldId id="1118" r:id="rId9"/>
+    <p:sldId id="430" r:id="rId10"/>
+    <p:sldId id="1110" r:id="rId11"/>
+    <p:sldId id="1104" r:id="rId12"/>
+    <p:sldId id="1116" r:id="rId13"/>
+    <p:sldId id="1105" r:id="rId14"/>
+    <p:sldId id="1107" r:id="rId15"/>
+    <p:sldId id="1117" r:id="rId16"/>
+    <p:sldId id="1109" r:id="rId17"/>
+    <p:sldId id="1115" r:id="rId18"/>
+    <p:sldId id="1065" r:id="rId19"/>
   </p:sldIdLst>
   <p:sldSz cx="12192000" cy="6858000"/>
   <p:notesSz cx="6858000" cy="9144000"/>
@@ -211,7 +214,7 @@
           <a:p>
             <a:fld id="{D1237EF7-A117-46B7-88A8-1B7FB98FF0F2}" type="datetimeFigureOut">
               <a:rPr lang="zh-CN" altLang="en-US" smtClean="0"/>
-              <a:t>2023/4/24</a:t>
+              <a:t>2024/4/30</a:t>
             </a:fld>
             <a:endParaRPr lang="zh-CN" altLang="en-US"/>
           </a:p>
@@ -635,6 +638,8 @@
               <a:srgbClr val="000000"/>
             </a:solidFill>
             <a:miter lim="800000"/>
+            <a:headEnd/>
+            <a:tailEnd/>
           </a:ln>
         </p:spPr>
       </p:sp>
@@ -650,10 +655,14 @@
         </p:nvSpPr>
         <p:spPr/>
         <p:txBody>
-          <a:bodyPr wrap="square" numCol="1" anchor="t" anchorCtr="0" compatLnSpc="1"/>
+          <a:bodyPr wrap="square" numCol="1" anchor="t" anchorCtr="0" compatLnSpc="1">
+            <a:prstTxWarp prst="textNoShape">
+              <a:avLst/>
+            </a:prstTxWarp>
+          </a:bodyPr>
           <a:lstStyle/>
           <a:p>
-            <a:pPr marL="542925" indent="-542925" eaLnBrk="1" hangingPunct="1">
+            <a:pPr marL="542948" indent="-542948" eaLnBrk="1" hangingPunct="1">
               <a:spcBef>
                 <a:spcPct val="0"/>
               </a:spcBef>
@@ -703,7 +712,132 @@
                   <a:prstClr val="black"/>
                 </a:solidFill>
               </a:rPr>
+              <a:pPr/>
               <a:t>7</a:t>
+            </a:fld>
+            <a:endParaRPr lang="en-US" altLang="zh-CN">
+              <a:solidFill>
+                <a:prstClr val="black"/>
+              </a:solidFill>
+            </a:endParaRPr>
+          </a:p>
+        </p:txBody>
+      </p:sp>
+    </p:spTree>
+  </p:cSld>
+  <p:clrMapOvr>
+    <a:masterClrMapping/>
+  </p:clrMapOvr>
+</p:notes>
+</file>
+
+<file path=ppt/notesSlides/notesSlide3.xml><?xml version="1.0" encoding="utf-8"?>
+<p:notes xmlns:a="http://schemas.openxmlformats.org/drawingml/2006/main" xmlns:r="http://schemas.openxmlformats.org/officeDocument/2006/relationships" xmlns:p="http://schemas.openxmlformats.org/presentationml/2006/main">
+  <p:cSld>
+    <p:spTree>
+      <p:nvGrpSpPr>
+        <p:cNvPr id="1" name=""/>
+        <p:cNvGrpSpPr/>
+        <p:nvPr/>
+      </p:nvGrpSpPr>
+      <p:grpSpPr>
+        <a:xfrm>
+          <a:off x="0" y="0"/>
+          <a:ext cx="0" cy="0"/>
+          <a:chOff x="0" y="0"/>
+          <a:chExt cx="0" cy="0"/>
+        </a:xfrm>
+      </p:grpSpPr>
+      <p:sp>
+        <p:nvSpPr>
+          <p:cNvPr id="247810" name="Slide Image Placeholder 1"/>
+          <p:cNvSpPr>
+            <a:spLocks noGrp="1" noRot="1" noChangeAspect="1" noTextEdit="1"/>
+          </p:cNvSpPr>
+          <p:nvPr>
+            <p:ph type="sldImg"/>
+          </p:nvPr>
+        </p:nvSpPr>
+        <p:spPr bwMode="auto">
+          <a:xfrm>
+            <a:off x="381000" y="685800"/>
+            <a:ext cx="6096000" cy="3429000"/>
+          </a:xfrm>
+          <a:noFill/>
+          <a:ln>
+            <a:solidFill>
+              <a:srgbClr val="000000"/>
+            </a:solidFill>
+            <a:miter lim="800000"/>
+          </a:ln>
+        </p:spPr>
+      </p:sp>
+      <p:sp>
+        <p:nvSpPr>
+          <p:cNvPr id="3" name="Notes Placeholder 2"/>
+          <p:cNvSpPr>
+            <a:spLocks noGrp="1"/>
+          </p:cNvSpPr>
+          <p:nvPr>
+            <p:ph type="body" idx="1"/>
+          </p:nvPr>
+        </p:nvSpPr>
+        <p:spPr/>
+        <p:txBody>
+          <a:bodyPr wrap="square" numCol="1" anchor="t" anchorCtr="0" compatLnSpc="1"/>
+          <a:lstStyle/>
+          <a:p>
+            <a:pPr marL="542925" indent="-542925" eaLnBrk="1" hangingPunct="1">
+              <a:spcBef>
+                <a:spcPct val="0"/>
+              </a:spcBef>
+            </a:pPr>
+            <a:endParaRPr lang="en-US" altLang="zh-CN" dirty="0"/>
+          </a:p>
+        </p:txBody>
+      </p:sp>
+      <p:sp>
+        <p:nvSpPr>
+          <p:cNvPr id="247812" name="Slide Number Placeholder 3"/>
+          <p:cNvSpPr>
+            <a:spLocks noGrp="1"/>
+          </p:cNvSpPr>
+          <p:nvPr>
+            <p:ph type="sldNum" sz="quarter" idx="5"/>
+          </p:nvPr>
+        </p:nvSpPr>
+        <p:spPr bwMode="auto">
+          <a:extLst>
+            <a:ext uri="{909E8E84-426E-40DD-AFC4-6F175D3DCCD1}">
+              <a14:hiddenFill xmlns:a14="http://schemas.microsoft.com/office/drawing/2010/main">
+                <a:solidFill>
+                  <a:srgbClr val="FFFFFF"/>
+                </a:solidFill>
+              </a14:hiddenFill>
+            </a:ext>
+            <a:ext uri="{91240B29-F687-4F45-9708-019B960494DF}">
+              <a14:hiddenLine xmlns:a14="http://schemas.microsoft.com/office/drawing/2010/main" w="9525">
+                <a:solidFill>
+                  <a:srgbClr val="000000"/>
+                </a:solidFill>
+                <a:miter lim="800000"/>
+                <a:headEnd/>
+                <a:tailEnd/>
+              </a14:hiddenLine>
+            </a:ext>
+          </a:extLst>
+        </p:spPr>
+        <p:txBody>
+          <a:bodyPr/>
+          <a:lstStyle/>
+          <a:p>
+            <a:fld id="{CD5C04F1-088D-43BB-BF6A-7E5350A2ABBF}" type="slidenum">
+              <a:rPr lang="en-US" altLang="zh-CN">
+                <a:solidFill>
+                  <a:prstClr val="black"/>
+                </a:solidFill>
+              </a:rPr>
+              <a:t>10</a:t>
             </a:fld>
             <a:endParaRPr lang="en-US" altLang="zh-CN">
               <a:solidFill>
@@ -855,7 +989,7 @@
           <a:p>
             <a:fld id="{FC19A4FA-3D9A-4114-B0D5-759CBD56F1AB}" type="datetimeFigureOut">
               <a:rPr lang="zh-CN" altLang="en-US" smtClean="0"/>
-              <a:t>2023/4/24</a:t>
+              <a:t>2024/4/30</a:t>
             </a:fld>
             <a:endParaRPr lang="zh-CN" altLang="en-US"/>
           </a:p>
@@ -1049,7 +1183,7 @@
           <a:p>
             <a:fld id="{FC19A4FA-3D9A-4114-B0D5-759CBD56F1AB}" type="datetimeFigureOut">
               <a:rPr lang="zh-CN" altLang="en-US" smtClean="0"/>
-              <a:t>2023/4/24</a:t>
+              <a:t>2024/4/30</a:t>
             </a:fld>
             <a:endParaRPr lang="zh-CN" altLang="en-US"/>
           </a:p>
@@ -1222,7 +1356,7 @@
           <a:p>
             <a:fld id="{FC19A4FA-3D9A-4114-B0D5-759CBD56F1AB}" type="datetimeFigureOut">
               <a:rPr lang="zh-CN" altLang="en-US" smtClean="0"/>
-              <a:t>2023/4/24</a:t>
+              <a:t>2024/4/30</a:t>
             </a:fld>
             <a:endParaRPr lang="zh-CN" altLang="en-US"/>
           </a:p>
@@ -1406,7 +1540,7 @@
           <a:p>
             <a:fld id="{FC19A4FA-3D9A-4114-B0D5-759CBD56F1AB}" type="datetimeFigureOut">
               <a:rPr lang="zh-CN" altLang="en-US" smtClean="0"/>
-              <a:t>2023/4/24</a:t>
+              <a:t>2024/4/30</a:t>
             </a:fld>
             <a:endParaRPr lang="zh-CN" altLang="en-US"/>
           </a:p>
@@ -1663,7 +1797,7 @@
           <a:p>
             <a:fld id="{FC19A4FA-3D9A-4114-B0D5-759CBD56F1AB}" type="datetimeFigureOut">
               <a:rPr lang="zh-CN" altLang="en-US" smtClean="0"/>
-              <a:t>2023/4/24</a:t>
+              <a:t>2024/4/30</a:t>
             </a:fld>
             <a:endParaRPr lang="zh-CN" altLang="en-US"/>
           </a:p>
@@ -2050,7 +2184,7 @@
           <a:p>
             <a:fld id="{FC19A4FA-3D9A-4114-B0D5-759CBD56F1AB}" type="datetimeFigureOut">
               <a:rPr lang="zh-CN" altLang="en-US" smtClean="0"/>
-              <a:t>2023/4/24</a:t>
+              <a:t>2024/4/30</a:t>
             </a:fld>
             <a:endParaRPr lang="zh-CN" altLang="en-US"/>
           </a:p>
@@ -2318,7 +2452,7 @@
           <a:p>
             <a:fld id="{FC19A4FA-3D9A-4114-B0D5-759CBD56F1AB}" type="datetimeFigureOut">
               <a:rPr lang="zh-CN" altLang="en-US" smtClean="0"/>
-              <a:t>2023/4/24</a:t>
+              <a:t>2024/4/30</a:t>
             </a:fld>
             <a:endParaRPr lang="zh-CN" altLang="en-US"/>
           </a:p>
@@ -2458,7 +2592,7 @@
           <a:p>
             <a:fld id="{FC19A4FA-3D9A-4114-B0D5-759CBD56F1AB}" type="datetimeFigureOut">
               <a:rPr lang="zh-CN" altLang="en-US" smtClean="0"/>
-              <a:t>2023/4/24</a:t>
+              <a:t>2024/4/30</a:t>
             </a:fld>
             <a:endParaRPr lang="zh-CN" altLang="en-US"/>
           </a:p>
@@ -2548,7 +2682,7 @@
           <a:p>
             <a:fld id="{FC19A4FA-3D9A-4114-B0D5-759CBD56F1AB}" type="datetimeFigureOut">
               <a:rPr lang="zh-CN" altLang="en-US" smtClean="0"/>
-              <a:t>2023/4/24</a:t>
+              <a:t>2024/4/30</a:t>
             </a:fld>
             <a:endParaRPr lang="zh-CN" altLang="en-US"/>
           </a:p>
@@ -2818,7 +2952,7 @@
           <a:p>
             <a:fld id="{FC19A4FA-3D9A-4114-B0D5-759CBD56F1AB}" type="datetimeFigureOut">
               <a:rPr lang="zh-CN" altLang="en-US" smtClean="0"/>
-              <a:t>2023/4/24</a:t>
+              <a:t>2024/4/30</a:t>
             </a:fld>
             <a:endParaRPr lang="zh-CN" altLang="en-US"/>
           </a:p>
@@ -3065,7 +3199,7 @@
           <a:p>
             <a:fld id="{FC19A4FA-3D9A-4114-B0D5-759CBD56F1AB}" type="datetimeFigureOut">
               <a:rPr lang="zh-CN" altLang="en-US" smtClean="0"/>
-              <a:t>2023/4/24</a:t>
+              <a:t>2024/4/30</a:t>
             </a:fld>
             <a:endParaRPr lang="zh-CN" altLang="en-US"/>
           </a:p>
@@ -3271,7 +3405,7 @@
           <a:p>
             <a:fld id="{FC19A4FA-3D9A-4114-B0D5-759CBD56F1AB}" type="datetimeFigureOut">
               <a:rPr lang="zh-CN" altLang="en-US" smtClean="0"/>
-              <a:t>2023/4/24</a:t>
+              <a:t>2024/4/30</a:t>
             </a:fld>
             <a:endParaRPr lang="zh-CN" altLang="en-US"/>
           </a:p>
@@ -3829,6 +3963,2503 @@
 </file>
 
 <file path=ppt/slides/slide10.xml><?xml version="1.0" encoding="utf-8"?>
+<p:sld xmlns:a="http://schemas.openxmlformats.org/drawingml/2006/main" xmlns:r="http://schemas.openxmlformats.org/officeDocument/2006/relationships" xmlns:p="http://schemas.openxmlformats.org/presentationml/2006/main">
+  <p:cSld>
+    <p:spTree>
+      <p:nvGrpSpPr>
+        <p:cNvPr id="1" name=""/>
+        <p:cNvGrpSpPr/>
+        <p:nvPr/>
+      </p:nvGrpSpPr>
+      <p:grpSpPr>
+        <a:xfrm>
+          <a:off x="0" y="0"/>
+          <a:ext cx="0" cy="0"/>
+          <a:chOff x="0" y="0"/>
+          <a:chExt cx="0" cy="0"/>
+        </a:xfrm>
+      </p:grpSpPr>
+      <p:sp>
+        <p:nvSpPr>
+          <p:cNvPr id="10" name="Title 1"/>
+          <p:cNvSpPr>
+            <a:spLocks noGrp="1"/>
+          </p:cNvSpPr>
+          <p:nvPr>
+            <p:ph type="title"/>
+          </p:nvPr>
+        </p:nvSpPr>
+        <p:spPr>
+          <a:xfrm>
+            <a:off x="1336804" y="299129"/>
+            <a:ext cx="6880948" cy="971258"/>
+          </a:xfrm>
+        </p:spPr>
+        <p:txBody>
+          <a:bodyPr>
+            <a:noAutofit/>
+          </a:bodyPr>
+          <a:lstStyle/>
+          <a:p>
+            <a:r>
+              <a:rPr lang="en-US" altLang="zh-CN" sz="3800" b="1" dirty="0"/>
+              <a:t>Smart pointers</a:t>
+            </a:r>
+          </a:p>
+        </p:txBody>
+      </p:sp>
+      <p:sp>
+        <p:nvSpPr>
+          <p:cNvPr id="2" name="TextBox 1"/>
+          <p:cNvSpPr txBox="1"/>
+          <p:nvPr/>
+        </p:nvSpPr>
+        <p:spPr>
+          <a:xfrm>
+            <a:off x="789327" y="1512612"/>
+            <a:ext cx="10760446" cy="1200329"/>
+          </a:xfrm>
+          <a:prstGeom prst="rect">
+            <a:avLst/>
+          </a:prstGeom>
+          <a:noFill/>
+        </p:spPr>
+        <p:txBody>
+          <a:bodyPr wrap="none" rtlCol="0">
+            <a:spAutoFit/>
+          </a:bodyPr>
+          <a:lstStyle/>
+          <a:p>
+            <a:r>
+              <a:rPr lang="en-US" altLang="zh-CN" sz="2400" dirty="0"/>
+              <a:t>To make using dynamic memory easier (and safer), the C++ new library provides two </a:t>
+            </a:r>
+          </a:p>
+          <a:p>
+            <a:r>
+              <a:rPr lang="en-US" altLang="zh-CN" sz="2400" dirty="0"/>
+              <a:t>smart pointer types(smart pointer template classes)</a:t>
+            </a:r>
+            <a:r>
+              <a:rPr lang="en-US" altLang="zh-CN" sz="2400" b="1" dirty="0" err="1"/>
+              <a:t>unique_ptr</a:t>
+            </a:r>
+            <a:r>
+              <a:rPr lang="en-US" altLang="zh-CN" sz="2400" b="1" dirty="0"/>
+              <a:t> </a:t>
+            </a:r>
+            <a:r>
+              <a:rPr lang="en-US" altLang="zh-CN" sz="2400" dirty="0"/>
+              <a:t>and </a:t>
+            </a:r>
+            <a:r>
+              <a:rPr lang="en-US" altLang="zh-CN" sz="2400" b="1" dirty="0" err="1"/>
+              <a:t>shared_ptr</a:t>
+            </a:r>
+            <a:r>
+              <a:rPr lang="en-US" altLang="zh-CN" sz="2400" dirty="0"/>
+              <a:t> that </a:t>
+            </a:r>
+          </a:p>
+          <a:p>
+            <a:r>
+              <a:rPr lang="en-US" altLang="zh-CN" sz="2400" dirty="0"/>
+              <a:t>manage dynamic objects. </a:t>
+            </a:r>
+          </a:p>
+        </p:txBody>
+      </p:sp>
+      <p:sp>
+        <p:nvSpPr>
+          <p:cNvPr id="4" name="文本框 3">
+            <a:extLst>
+              <a:ext uri="{FF2B5EF4-FFF2-40B4-BE49-F238E27FC236}">
+                <a16:creationId xmlns:a16="http://schemas.microsoft.com/office/drawing/2014/main" id="{75972260-1F8F-643B-17F1-12680B3CD0FE}"/>
+              </a:ext>
+            </a:extLst>
+          </p:cNvPr>
+          <p:cNvSpPr txBox="1"/>
+          <p:nvPr/>
+        </p:nvSpPr>
+        <p:spPr>
+          <a:xfrm>
+            <a:off x="841353" y="4145059"/>
+            <a:ext cx="10436142" cy="830997"/>
+          </a:xfrm>
+          <a:prstGeom prst="rect">
+            <a:avLst/>
+          </a:prstGeom>
+          <a:noFill/>
+        </p:spPr>
+        <p:txBody>
+          <a:bodyPr wrap="square">
+            <a:spAutoFit/>
+          </a:bodyPr>
+          <a:lstStyle/>
+          <a:p>
+            <a:r>
+              <a:rPr lang="en-US" altLang="zh-CN" sz="2400" dirty="0"/>
+              <a:t>Each of these classes has an </a:t>
+            </a:r>
+            <a:r>
+              <a:rPr lang="en-US" altLang="zh-CN" sz="2400" b="1" dirty="0"/>
+              <a:t>explicit constructor </a:t>
+            </a:r>
+            <a:r>
+              <a:rPr lang="en-US" altLang="zh-CN" sz="2400" dirty="0"/>
+              <a:t>taking a pointer as an argument. Thus, there is no automatic type cast from a pointer to a smart pointer object.</a:t>
+            </a:r>
+            <a:endParaRPr lang="zh-CN" altLang="en-US" sz="2400" dirty="0"/>
+          </a:p>
+        </p:txBody>
+      </p:sp>
+      <p:sp>
+        <p:nvSpPr>
+          <p:cNvPr id="5" name="TextBox 1">
+            <a:extLst>
+              <a:ext uri="{FF2B5EF4-FFF2-40B4-BE49-F238E27FC236}">
+                <a16:creationId xmlns:a16="http://schemas.microsoft.com/office/drawing/2014/main" id="{771A82C1-FE82-8CBB-A3EB-51D19452FB4A}"/>
+              </a:ext>
+            </a:extLst>
+          </p:cNvPr>
+          <p:cNvSpPr txBox="1"/>
+          <p:nvPr/>
+        </p:nvSpPr>
+        <p:spPr>
+          <a:xfrm>
+            <a:off x="823064" y="2767805"/>
+            <a:ext cx="10945263" cy="1200329"/>
+          </a:xfrm>
+          <a:prstGeom prst="rect">
+            <a:avLst/>
+          </a:prstGeom>
+          <a:noFill/>
+        </p:spPr>
+        <p:txBody>
+          <a:bodyPr wrap="square" rtlCol="0">
+            <a:spAutoFit/>
+          </a:bodyPr>
+          <a:lstStyle/>
+          <a:p>
+            <a:r>
+              <a:rPr lang="en-US" altLang="zh-CN" sz="2400" dirty="0"/>
+              <a:t>A smart pointer acts like a regular pointer with the important exception that it </a:t>
+            </a:r>
+          </a:p>
+          <a:p>
+            <a:r>
+              <a:rPr lang="en-US" altLang="zh-CN" sz="2400" b="1" dirty="0"/>
+              <a:t>automatically deletes </a:t>
+            </a:r>
+            <a:r>
+              <a:rPr lang="en-US" altLang="zh-CN" sz="2400" dirty="0"/>
+              <a:t>the object to which it points. A</a:t>
+            </a:r>
+            <a:r>
+              <a:rPr lang="en-US" altLang="zh-CN" sz="2400" b="0" i="0" dirty="0">
+                <a:solidFill>
+                  <a:srgbClr val="171717"/>
+                </a:solidFill>
+                <a:effectLst/>
+              </a:rPr>
+              <a:t> smart pointer is a class template </a:t>
+            </a:r>
+            <a:r>
+              <a:rPr kumimoji="0" lang="zh-CN" altLang="zh-CN" sz="2400" b="0" i="0" u="none" strike="noStrike" cap="none" normalizeH="0" baseline="0" dirty="0">
+                <a:ln>
+                  <a:noFill/>
+                </a:ln>
+                <a:solidFill>
+                  <a:srgbClr val="171717"/>
+                </a:solidFill>
+                <a:effectLst/>
+                <a:cs typeface="Segoe UI" panose="020B0502040204020203" pitchFamily="34" charset="0"/>
+              </a:rPr>
+              <a:t>defined in the </a:t>
+            </a:r>
+            <a:r>
+              <a:rPr lang="en-US" altLang="zh-CN" sz="2400" b="1" dirty="0">
+                <a:solidFill>
+                  <a:srgbClr val="171717"/>
+                </a:solidFill>
+                <a:cs typeface="Segoe UI" panose="020B0502040204020203" pitchFamily="34" charset="0"/>
+              </a:rPr>
+              <a:t>s</a:t>
+            </a:r>
+            <a:r>
+              <a:rPr kumimoji="0" lang="en-US" altLang="zh-CN" sz="2400" b="1" i="0" u="none" strike="noStrike" cap="none" normalizeH="0" baseline="0" dirty="0">
+                <a:ln>
+                  <a:noFill/>
+                </a:ln>
+                <a:solidFill>
+                  <a:srgbClr val="171717"/>
+                </a:solidFill>
+                <a:effectLst/>
+                <a:cs typeface="Segoe UI" panose="020B0502040204020203" pitchFamily="34" charset="0"/>
+              </a:rPr>
+              <a:t>td</a:t>
+            </a:r>
+            <a:r>
+              <a:rPr kumimoji="0" lang="en-US" altLang="zh-CN" sz="2400" b="0" i="0" u="none" strike="noStrike" cap="none" normalizeH="0" baseline="0" dirty="0">
+                <a:ln>
+                  <a:noFill/>
+                </a:ln>
+                <a:solidFill>
+                  <a:srgbClr val="171717"/>
+                </a:solidFill>
+                <a:effectLst/>
+                <a:cs typeface="Segoe UI" panose="020B0502040204020203" pitchFamily="34" charset="0"/>
+              </a:rPr>
+              <a:t> </a:t>
+            </a:r>
+            <a:r>
+              <a:rPr kumimoji="0" lang="zh-CN" altLang="zh-CN" sz="2400" b="0" i="0" u="none" strike="noStrike" cap="none" normalizeH="0" baseline="0" dirty="0">
+                <a:ln>
+                  <a:noFill/>
+                </a:ln>
+                <a:solidFill>
+                  <a:srgbClr val="171717"/>
+                </a:solidFill>
+                <a:effectLst/>
+                <a:cs typeface="Segoe UI" panose="020B0502040204020203" pitchFamily="34" charset="0"/>
+              </a:rPr>
+              <a:t>namespace in the </a:t>
+            </a:r>
+            <a:r>
+              <a:rPr kumimoji="0" lang="zh-CN" altLang="zh-CN" sz="2400" b="1" i="0" u="none" strike="noStrike" cap="none" normalizeH="0" baseline="0" dirty="0">
+                <a:ln>
+                  <a:noFill/>
+                </a:ln>
+                <a:solidFill>
+                  <a:schemeClr val="tx1"/>
+                </a:solidFill>
+                <a:effectLst/>
+                <a:cs typeface="Segoe UI" panose="020B0502040204020203" pitchFamily="34" charset="0"/>
+              </a:rPr>
+              <a:t>&lt;memory&gt;</a:t>
+            </a:r>
+            <a:r>
+              <a:rPr kumimoji="0" lang="zh-CN" altLang="zh-CN" sz="2400" b="1" i="0" u="none" strike="noStrike" cap="none" normalizeH="0" baseline="0" dirty="0">
+                <a:ln>
+                  <a:noFill/>
+                </a:ln>
+                <a:solidFill>
+                  <a:srgbClr val="171717"/>
+                </a:solidFill>
+                <a:effectLst/>
+                <a:cs typeface="Segoe UI" panose="020B0502040204020203" pitchFamily="34" charset="0"/>
+              </a:rPr>
+              <a:t> </a:t>
+            </a:r>
+            <a:r>
+              <a:rPr kumimoji="0" lang="zh-CN" altLang="zh-CN" sz="2400" b="0" i="0" u="none" strike="noStrike" cap="none" normalizeH="0" baseline="0" dirty="0">
+                <a:ln>
+                  <a:noFill/>
+                </a:ln>
+                <a:solidFill>
+                  <a:srgbClr val="171717"/>
+                </a:solidFill>
+                <a:effectLst/>
+                <a:cs typeface="Segoe UI" panose="020B0502040204020203" pitchFamily="34" charset="0"/>
+              </a:rPr>
+              <a:t>header file.</a:t>
+            </a:r>
+            <a:r>
+              <a:rPr kumimoji="0" lang="zh-CN" altLang="zh-CN" sz="2400" b="0" i="0" u="none" strike="noStrike" cap="none" normalizeH="0" baseline="0" dirty="0">
+                <a:ln>
+                  <a:noFill/>
+                </a:ln>
+                <a:solidFill>
+                  <a:schemeClr val="tx1"/>
+                </a:solidFill>
+                <a:effectLst/>
+              </a:rPr>
+              <a:t> </a:t>
+            </a:r>
+          </a:p>
+        </p:txBody>
+      </p:sp>
+    </p:spTree>
+    <p:extLst>
+      <p:ext uri="{BB962C8B-B14F-4D97-AF65-F5344CB8AC3E}">
+        <p14:creationId xmlns:p14="http://schemas.microsoft.com/office/powerpoint/2010/main" val="1138636665"/>
+      </p:ext>
+    </p:extLst>
+  </p:cSld>
+  <p:clrMapOvr>
+    <a:masterClrMapping/>
+  </p:clrMapOvr>
+  <p:timing>
+    <p:tnLst>
+      <p:par>
+        <p:cTn id="1" dur="indefinite" restart="never" nodeType="tmRoot">
+          <p:childTnLst>
+            <p:seq concurrent="1" nextAc="seek">
+              <p:cTn id="2" dur="indefinite" nodeType="mainSeq">
+                <p:childTnLst>
+                  <p:par>
+                    <p:cTn id="3" fill="hold">
+                      <p:stCondLst>
+                        <p:cond delay="indefinite"/>
+                      </p:stCondLst>
+                      <p:childTnLst>
+                        <p:par>
+                          <p:cTn id="4" fill="hold">
+                            <p:stCondLst>
+                              <p:cond delay="0"/>
+                            </p:stCondLst>
+                            <p:childTnLst>
+                              <p:par>
+                                <p:cTn id="5" presetID="1" presetClass="entr" presetSubtype="0" fill="hold" grpId="0" nodeType="clickEffect">
+                                  <p:stCondLst>
+                                    <p:cond delay="0"/>
+                                  </p:stCondLst>
+                                  <p:childTnLst>
+                                    <p:set>
+                                      <p:cBhvr>
+                                        <p:cTn id="6" dur="1" fill="hold">
+                                          <p:stCondLst>
+                                            <p:cond delay="0"/>
+                                          </p:stCondLst>
+                                        </p:cTn>
+                                        <p:tgtEl>
+                                          <p:spTgt spid="5"/>
+                                        </p:tgtEl>
+                                        <p:attrNameLst>
+                                          <p:attrName>style.visibility</p:attrName>
+                                        </p:attrNameLst>
+                                      </p:cBhvr>
+                                      <p:to>
+                                        <p:strVal val="visible"/>
+                                      </p:to>
+                                    </p:set>
+                                  </p:childTnLst>
+                                </p:cTn>
+                              </p:par>
+                            </p:childTnLst>
+                          </p:cTn>
+                        </p:par>
+                      </p:childTnLst>
+                    </p:cTn>
+                  </p:par>
+                  <p:par>
+                    <p:cTn id="7" fill="hold">
+                      <p:stCondLst>
+                        <p:cond delay="indefinite"/>
+                      </p:stCondLst>
+                      <p:childTnLst>
+                        <p:par>
+                          <p:cTn id="8" fill="hold">
+                            <p:stCondLst>
+                              <p:cond delay="0"/>
+                            </p:stCondLst>
+                            <p:childTnLst>
+                              <p:par>
+                                <p:cTn id="9" presetID="1" presetClass="entr" presetSubtype="0" fill="hold" grpId="0" nodeType="clickEffect">
+                                  <p:stCondLst>
+                                    <p:cond delay="0"/>
+                                  </p:stCondLst>
+                                  <p:childTnLst>
+                                    <p:set>
+                                      <p:cBhvr>
+                                        <p:cTn id="10" dur="1" fill="hold">
+                                          <p:stCondLst>
+                                            <p:cond delay="0"/>
+                                          </p:stCondLst>
+                                        </p:cTn>
+                                        <p:tgtEl>
+                                          <p:spTgt spid="4"/>
+                                        </p:tgtEl>
+                                        <p:attrNameLst>
+                                          <p:attrName>style.visibility</p:attrName>
+                                        </p:attrNameLst>
+                                      </p:cBhvr>
+                                      <p:to>
+                                        <p:strVal val="visible"/>
+                                      </p:to>
+                                    </p:set>
+                                  </p:childTnLst>
+                                </p:cTn>
+                              </p:par>
+                            </p:childTnLst>
+                          </p:cTn>
+                        </p:par>
+                      </p:childTnLst>
+                    </p:cTn>
+                  </p:par>
+                </p:childTnLst>
+              </p:cTn>
+              <p:prevCondLst>
+                <p:cond evt="onPrev" delay="0">
+                  <p:tgtEl>
+                    <p:sldTgt/>
+                  </p:tgtEl>
+                </p:cond>
+              </p:prevCondLst>
+              <p:nextCondLst>
+                <p:cond evt="onNext" delay="0">
+                  <p:tgtEl>
+                    <p:sldTgt/>
+                  </p:tgtEl>
+                </p:cond>
+              </p:nextCondLst>
+            </p:seq>
+          </p:childTnLst>
+        </p:cTn>
+      </p:par>
+    </p:tnLst>
+    <p:bldLst>
+      <p:bldP spid="4" grpId="0"/>
+      <p:bldP spid="5" grpId="0"/>
+    </p:bldLst>
+  </p:timing>
+</p:sld>
+</file>
+
+<file path=ppt/slides/slide11.xml><?xml version="1.0" encoding="utf-8"?>
+<p:sld xmlns:a="http://schemas.openxmlformats.org/drawingml/2006/main" xmlns:r="http://schemas.openxmlformats.org/officeDocument/2006/relationships" xmlns:p="http://schemas.openxmlformats.org/presentationml/2006/main">
+  <p:cSld>
+    <p:spTree>
+      <p:nvGrpSpPr>
+        <p:cNvPr id="1" name=""/>
+        <p:cNvGrpSpPr/>
+        <p:nvPr/>
+      </p:nvGrpSpPr>
+      <p:grpSpPr>
+        <a:xfrm>
+          <a:off x="0" y="0"/>
+          <a:ext cx="0" cy="0"/>
+          <a:chOff x="0" y="0"/>
+          <a:chExt cx="0" cy="0"/>
+        </a:xfrm>
+      </p:grpSpPr>
+      <p:sp>
+        <p:nvSpPr>
+          <p:cNvPr id="2" name="标题 1"/>
+          <p:cNvSpPr>
+            <a:spLocks noGrp="1"/>
+          </p:cNvSpPr>
+          <p:nvPr>
+            <p:ph type="title"/>
+          </p:nvPr>
+        </p:nvSpPr>
+        <p:spPr/>
+        <p:txBody>
+          <a:bodyPr>
+            <a:normAutofit/>
+          </a:bodyPr>
+          <a:lstStyle/>
+          <a:p>
+            <a:r>
+              <a:rPr lang="en-US" altLang="zh-CN" sz="3600" b="1" dirty="0"/>
+              <a:t>Unique pointer</a:t>
+            </a:r>
+          </a:p>
+        </p:txBody>
+      </p:sp>
+      <p:sp>
+        <p:nvSpPr>
+          <p:cNvPr id="3" name="内容占位符 2"/>
+          <p:cNvSpPr>
+            <a:spLocks noGrp="1"/>
+          </p:cNvSpPr>
+          <p:nvPr>
+            <p:ph idx="1"/>
+          </p:nvPr>
+        </p:nvSpPr>
+        <p:spPr/>
+        <p:txBody>
+          <a:bodyPr>
+            <a:normAutofit/>
+          </a:bodyPr>
+          <a:lstStyle/>
+          <a:p>
+            <a:r>
+              <a:rPr lang="en-US" altLang="zh-CN" sz="2400" dirty="0"/>
+              <a:t>The </a:t>
+            </a:r>
+            <a:r>
+              <a:rPr lang="en-US" altLang="zh-CN" sz="2400" dirty="0" err="1"/>
+              <a:t>unique_ptr</a:t>
+            </a:r>
+            <a:r>
+              <a:rPr lang="en-US" altLang="zh-CN" sz="2400" dirty="0"/>
+              <a:t>&lt;&gt; template holds a pointer to an object and deletes this object when the </a:t>
+            </a:r>
+            <a:r>
+              <a:rPr lang="en-US" altLang="zh-CN" sz="2400" dirty="0" err="1"/>
+              <a:t>unique_ptr</a:t>
+            </a:r>
+            <a:r>
+              <a:rPr lang="en-US" altLang="zh-CN" sz="2400" dirty="0"/>
+              <a:t>&lt;&gt; is deleted.</a:t>
+            </a:r>
+          </a:p>
+          <a:p>
+            <a:r>
+              <a:rPr lang="en-US" altLang="zh-CN" sz="2400" dirty="0"/>
+              <a:t>Make sure that only exactly one copy of an object exists. Assignment operation of two </a:t>
+            </a:r>
+            <a:r>
+              <a:rPr lang="en-US" altLang="zh-CN" sz="2400" dirty="0" err="1"/>
+              <a:t>unique_ptr</a:t>
+            </a:r>
+            <a:r>
+              <a:rPr lang="en-US" altLang="zh-CN" sz="2400" dirty="0"/>
+              <a:t>&lt;&gt; is not allowed. However, it supports move semantics, where the pointer is moved from one </a:t>
+            </a:r>
+            <a:r>
+              <a:rPr lang="en-US" altLang="zh-CN" sz="2400" dirty="0" err="1"/>
+              <a:t>unique_ptr</a:t>
+            </a:r>
+            <a:r>
+              <a:rPr lang="en-US" altLang="zh-CN" sz="2400" dirty="0"/>
+              <a:t>&lt;&gt; to another.</a:t>
+            </a:r>
+          </a:p>
+          <a:p>
+            <a:r>
+              <a:rPr lang="en-US" altLang="zh-CN" sz="2400" dirty="0"/>
+              <a:t>A unique pointer can be initialized with a pointer upon creation.</a:t>
+            </a:r>
+          </a:p>
+        </p:txBody>
+      </p:sp>
+    </p:spTree>
+  </p:cSld>
+  <p:clrMapOvr>
+    <a:masterClrMapping/>
+  </p:clrMapOvr>
+</p:sld>
+</file>
+
+<file path=ppt/slides/slide12.xml><?xml version="1.0" encoding="utf-8"?>
+<p:sld xmlns:a="http://schemas.openxmlformats.org/drawingml/2006/main" xmlns:r="http://schemas.openxmlformats.org/officeDocument/2006/relationships" xmlns:p="http://schemas.openxmlformats.org/presentationml/2006/main">
+  <p:cSld>
+    <p:spTree>
+      <p:nvGrpSpPr>
+        <p:cNvPr id="1" name=""/>
+        <p:cNvGrpSpPr/>
+        <p:nvPr/>
+      </p:nvGrpSpPr>
+      <p:grpSpPr>
+        <a:xfrm>
+          <a:off x="0" y="0"/>
+          <a:ext cx="0" cy="0"/>
+          <a:chOff x="0" y="0"/>
+          <a:chExt cx="0" cy="0"/>
+        </a:xfrm>
+      </p:grpSpPr>
+      <p:pic>
+        <p:nvPicPr>
+          <p:cNvPr id="3" name="图片 2">
+            <a:extLst>
+              <a:ext uri="{FF2B5EF4-FFF2-40B4-BE49-F238E27FC236}">
+                <a16:creationId xmlns:a16="http://schemas.microsoft.com/office/drawing/2014/main" id="{F4C53B62-12CA-8EFA-1D3B-B99C8EB95C72}"/>
+              </a:ext>
+            </a:extLst>
+          </p:cNvPr>
+          <p:cNvPicPr>
+            <a:picLocks noChangeAspect="1"/>
+          </p:cNvPicPr>
+          <p:nvPr/>
+        </p:nvPicPr>
+        <p:blipFill>
+          <a:blip r:embed="rId2"/>
+          <a:stretch>
+            <a:fillRect/>
+          </a:stretch>
+        </p:blipFill>
+        <p:spPr>
+          <a:xfrm>
+            <a:off x="1395970" y="178486"/>
+            <a:ext cx="5369137" cy="6547104"/>
+          </a:xfrm>
+          <a:prstGeom prst="rect">
+            <a:avLst/>
+          </a:prstGeom>
+        </p:spPr>
+      </p:pic>
+      <p:grpSp>
+        <p:nvGrpSpPr>
+          <p:cNvPr id="15" name="组合 14">
+            <a:extLst>
+              <a:ext uri="{FF2B5EF4-FFF2-40B4-BE49-F238E27FC236}">
+                <a16:creationId xmlns:a16="http://schemas.microsoft.com/office/drawing/2014/main" id="{7A39DF8D-82AF-86E6-B513-F9618DBA3CFC}"/>
+              </a:ext>
+            </a:extLst>
+          </p:cNvPr>
+          <p:cNvGrpSpPr/>
+          <p:nvPr/>
+        </p:nvGrpSpPr>
+        <p:grpSpPr>
+          <a:xfrm>
+            <a:off x="1572768" y="4378643"/>
+            <a:ext cx="7726043" cy="431101"/>
+            <a:chOff x="1929384" y="4150043"/>
+            <a:chExt cx="7726043" cy="431101"/>
+          </a:xfrm>
+        </p:grpSpPr>
+        <p:sp>
+          <p:nvSpPr>
+            <p:cNvPr id="10" name="椭圆 9">
+              <a:extLst>
+                <a:ext uri="{FF2B5EF4-FFF2-40B4-BE49-F238E27FC236}">
+                  <a16:creationId xmlns:a16="http://schemas.microsoft.com/office/drawing/2014/main" id="{7E9A0109-F94D-637B-D0AA-0830C6603CEF}"/>
+                </a:ext>
+              </a:extLst>
+            </p:cNvPr>
+            <p:cNvSpPr/>
+            <p:nvPr/>
+          </p:nvSpPr>
+          <p:spPr>
+            <a:xfrm>
+              <a:off x="1929384" y="4361688"/>
+              <a:ext cx="2651760" cy="219456"/>
+            </a:xfrm>
+            <a:prstGeom prst="ellipse">
+              <a:avLst/>
+            </a:prstGeom>
+            <a:noFill/>
+            <a:ln w="19050">
+              <a:solidFill>
+                <a:srgbClr val="FF0000"/>
+              </a:solidFill>
+            </a:ln>
+          </p:spPr>
+          <p:style>
+            <a:lnRef idx="2">
+              <a:schemeClr val="accent1">
+                <a:shade val="50000"/>
+              </a:schemeClr>
+            </a:lnRef>
+            <a:fillRef idx="1">
+              <a:schemeClr val="accent1"/>
+            </a:fillRef>
+            <a:effectRef idx="0">
+              <a:schemeClr val="accent1"/>
+            </a:effectRef>
+            <a:fontRef idx="minor">
+              <a:schemeClr val="lt1"/>
+            </a:fontRef>
+          </p:style>
+          <p:txBody>
+            <a:bodyPr rtlCol="0" anchor="ctr"/>
+            <a:lstStyle/>
+            <a:p>
+              <a:pPr marL="0" marR="0" lvl="0" indent="0" algn="ctr" defTabSz="914400" rtl="0" eaLnBrk="1" fontAlgn="auto" latinLnBrk="0" hangingPunct="1">
+                <a:lnSpc>
+                  <a:spcPct val="100000"/>
+                </a:lnSpc>
+                <a:spcBef>
+                  <a:spcPts val="0"/>
+                </a:spcBef>
+                <a:spcAft>
+                  <a:spcPts val="0"/>
+                </a:spcAft>
+                <a:buClrTx/>
+                <a:buSzTx/>
+                <a:buFontTx/>
+                <a:buNone/>
+                <a:tabLst/>
+                <a:defRPr/>
+              </a:pPr>
+              <a:endParaRPr kumimoji="0" lang="zh-CN" altLang="en-US" sz="1800" b="0" i="0" u="none" strike="noStrike" kern="1200" cap="none" spc="0" normalizeH="0" baseline="0" noProof="0">
+                <a:ln>
+                  <a:noFill/>
+                </a:ln>
+                <a:solidFill>
+                  <a:prstClr val="white"/>
+                </a:solidFill>
+                <a:effectLst/>
+                <a:uLnTx/>
+                <a:uFillTx/>
+                <a:latin typeface="Calibri"/>
+                <a:ea typeface="宋体" panose="02010600030101010101" pitchFamily="2" charset="-122"/>
+                <a:cs typeface="+mn-cs"/>
+              </a:endParaRPr>
+            </a:p>
+          </p:txBody>
+        </p:sp>
+        <p:cxnSp>
+          <p:nvCxnSpPr>
+            <p:cNvPr id="12" name="直接箭头连接符 11">
+              <a:extLst>
+                <a:ext uri="{FF2B5EF4-FFF2-40B4-BE49-F238E27FC236}">
+                  <a16:creationId xmlns:a16="http://schemas.microsoft.com/office/drawing/2014/main" id="{1D83D834-0423-7401-9B54-A38E57749442}"/>
+                </a:ext>
+              </a:extLst>
+            </p:cNvPr>
+            <p:cNvCxnSpPr>
+              <a:cxnSpLocks/>
+              <a:stCxn id="13" idx="1"/>
+            </p:cNvCxnSpPr>
+            <p:nvPr/>
+          </p:nvCxnSpPr>
+          <p:spPr>
+            <a:xfrm flipH="1">
+              <a:off x="4459224" y="4334709"/>
+              <a:ext cx="665988" cy="127563"/>
+            </a:xfrm>
+            <a:prstGeom prst="straightConnector1">
+              <a:avLst/>
+            </a:prstGeom>
+            <a:ln w="19050">
+              <a:solidFill>
+                <a:srgbClr val="FF0000"/>
+              </a:solidFill>
+              <a:tailEnd type="triangle"/>
+            </a:ln>
+          </p:spPr>
+          <p:style>
+            <a:lnRef idx="1">
+              <a:schemeClr val="accent1"/>
+            </a:lnRef>
+            <a:fillRef idx="0">
+              <a:schemeClr val="accent1"/>
+            </a:fillRef>
+            <a:effectRef idx="0">
+              <a:schemeClr val="accent1"/>
+            </a:effectRef>
+            <a:fontRef idx="minor">
+              <a:schemeClr val="tx1"/>
+            </a:fontRef>
+          </p:style>
+        </p:cxnSp>
+        <p:sp>
+          <p:nvSpPr>
+            <p:cNvPr id="13" name="文本框 12">
+              <a:extLst>
+                <a:ext uri="{FF2B5EF4-FFF2-40B4-BE49-F238E27FC236}">
+                  <a16:creationId xmlns:a16="http://schemas.microsoft.com/office/drawing/2014/main" id="{5D543116-CC64-0CB2-81FB-D0C32FE06000}"/>
+                </a:ext>
+              </a:extLst>
+            </p:cNvPr>
+            <p:cNvSpPr txBox="1"/>
+            <p:nvPr/>
+          </p:nvSpPr>
+          <p:spPr>
+            <a:xfrm>
+              <a:off x="5125212" y="4150043"/>
+              <a:ext cx="4530215" cy="369332"/>
+            </a:xfrm>
+            <a:prstGeom prst="rect">
+              <a:avLst/>
+            </a:prstGeom>
+            <a:noFill/>
+          </p:spPr>
+          <p:txBody>
+            <a:bodyPr wrap="none" rtlCol="0">
+              <a:spAutoFit/>
+            </a:bodyPr>
+            <a:lstStyle/>
+            <a:p>
+              <a:pPr marL="0" marR="0" lvl="0" indent="0" algn="l" defTabSz="914400" rtl="0" eaLnBrk="1" fontAlgn="auto" latinLnBrk="0" hangingPunct="1">
+                <a:lnSpc>
+                  <a:spcPct val="100000"/>
+                </a:lnSpc>
+                <a:spcBef>
+                  <a:spcPts val="0"/>
+                </a:spcBef>
+                <a:spcAft>
+                  <a:spcPts val="0"/>
+                </a:spcAft>
+                <a:buClrTx/>
+                <a:buSzTx/>
+                <a:buFontTx/>
+                <a:buNone/>
+                <a:tabLst/>
+                <a:defRPr/>
+              </a:pPr>
+              <a:r>
+                <a:rPr kumimoji="0" lang="en-US" altLang="zh-CN" sz="1800" b="0" i="0" u="none" strike="noStrike" kern="1200" cap="none" spc="0" normalizeH="0" baseline="0" noProof="0" dirty="0">
+                  <a:ln>
+                    <a:noFill/>
+                  </a:ln>
+                  <a:solidFill>
+                    <a:prstClr val="black"/>
+                  </a:solidFill>
+                  <a:effectLst/>
+                  <a:uLnTx/>
+                  <a:uFillTx/>
+                  <a:latin typeface="Calibri"/>
+                  <a:ea typeface="宋体" panose="02010600030101010101" pitchFamily="2" charset="-122"/>
+                  <a:cs typeface="+mn-cs"/>
+                </a:rPr>
+                <a:t>You can use a pointer to initialize a </a:t>
+              </a:r>
+              <a:r>
+                <a:rPr kumimoji="0" lang="en-US" altLang="zh-CN" sz="1800" b="0" i="0" u="none" strike="noStrike" kern="1200" cap="none" spc="0" normalizeH="0" baseline="0" noProof="0" dirty="0" err="1">
+                  <a:ln>
+                    <a:noFill/>
+                  </a:ln>
+                  <a:solidFill>
+                    <a:prstClr val="black"/>
+                  </a:solidFill>
+                  <a:effectLst/>
+                  <a:uLnTx/>
+                  <a:uFillTx/>
+                  <a:latin typeface="Calibri"/>
+                  <a:ea typeface="宋体" panose="02010600030101010101" pitchFamily="2" charset="-122"/>
+                  <a:cs typeface="+mn-cs"/>
+                </a:rPr>
+                <a:t>unique_ptr</a:t>
+              </a:r>
+              <a:endParaRPr kumimoji="0" lang="zh-CN" altLang="en-US" sz="1800" b="0" i="0" u="none" strike="noStrike" kern="1200" cap="none" spc="0" normalizeH="0" baseline="0" noProof="0" dirty="0">
+                <a:ln>
+                  <a:noFill/>
+                </a:ln>
+                <a:solidFill>
+                  <a:prstClr val="black"/>
+                </a:solidFill>
+                <a:effectLst/>
+                <a:uLnTx/>
+                <a:uFillTx/>
+                <a:latin typeface="Calibri"/>
+                <a:ea typeface="宋体" panose="02010600030101010101" pitchFamily="2" charset="-122"/>
+                <a:cs typeface="+mn-cs"/>
+              </a:endParaRPr>
+            </a:p>
+          </p:txBody>
+        </p:sp>
+      </p:grpSp>
+      <p:grpSp>
+        <p:nvGrpSpPr>
+          <p:cNvPr id="20" name="组合 19">
+            <a:extLst>
+              <a:ext uri="{FF2B5EF4-FFF2-40B4-BE49-F238E27FC236}">
+                <a16:creationId xmlns:a16="http://schemas.microsoft.com/office/drawing/2014/main" id="{5203E805-F949-E2F1-A872-8B9399067265}"/>
+              </a:ext>
+            </a:extLst>
+          </p:cNvPr>
+          <p:cNvGrpSpPr/>
+          <p:nvPr/>
+        </p:nvGrpSpPr>
+        <p:grpSpPr>
+          <a:xfrm>
+            <a:off x="1682496" y="5037117"/>
+            <a:ext cx="9578639" cy="924319"/>
+            <a:chOff x="1929384" y="4918245"/>
+            <a:chExt cx="9578639" cy="924319"/>
+          </a:xfrm>
+        </p:grpSpPr>
+        <p:sp>
+          <p:nvSpPr>
+            <p:cNvPr id="16" name="矩形 15">
+              <a:extLst>
+                <a:ext uri="{FF2B5EF4-FFF2-40B4-BE49-F238E27FC236}">
+                  <a16:creationId xmlns:a16="http://schemas.microsoft.com/office/drawing/2014/main" id="{17E28249-3D6B-34C3-73C2-225C62D28089}"/>
+                </a:ext>
+              </a:extLst>
+            </p:cNvPr>
+            <p:cNvSpPr/>
+            <p:nvPr/>
+          </p:nvSpPr>
+          <p:spPr>
+            <a:xfrm>
+              <a:off x="1929384" y="5602224"/>
+              <a:ext cx="2761488" cy="240340"/>
+            </a:xfrm>
+            <a:prstGeom prst="rect">
+              <a:avLst/>
+            </a:prstGeom>
+            <a:noFill/>
+            <a:ln w="19050">
+              <a:solidFill>
+                <a:srgbClr val="00B0F0"/>
+              </a:solidFill>
+            </a:ln>
+          </p:spPr>
+          <p:style>
+            <a:lnRef idx="2">
+              <a:schemeClr val="accent1">
+                <a:shade val="50000"/>
+              </a:schemeClr>
+            </a:lnRef>
+            <a:fillRef idx="1">
+              <a:schemeClr val="accent1"/>
+            </a:fillRef>
+            <a:effectRef idx="0">
+              <a:schemeClr val="accent1"/>
+            </a:effectRef>
+            <a:fontRef idx="minor">
+              <a:schemeClr val="lt1"/>
+            </a:fontRef>
+          </p:style>
+          <p:txBody>
+            <a:bodyPr rtlCol="0" anchor="ctr"/>
+            <a:lstStyle/>
+            <a:p>
+              <a:pPr marL="0" marR="0" lvl="0" indent="0" algn="ctr" defTabSz="914400" rtl="0" eaLnBrk="1" fontAlgn="auto" latinLnBrk="0" hangingPunct="1">
+                <a:lnSpc>
+                  <a:spcPct val="100000"/>
+                </a:lnSpc>
+                <a:spcBef>
+                  <a:spcPts val="0"/>
+                </a:spcBef>
+                <a:spcAft>
+                  <a:spcPts val="0"/>
+                </a:spcAft>
+                <a:buClrTx/>
+                <a:buSzTx/>
+                <a:buFontTx/>
+                <a:buNone/>
+                <a:tabLst/>
+                <a:defRPr/>
+              </a:pPr>
+              <a:endParaRPr kumimoji="0" lang="zh-CN" altLang="en-US" sz="1800" b="0" i="0" u="none" strike="noStrike" kern="1200" cap="none" spc="0" normalizeH="0" baseline="0" noProof="0">
+                <a:ln>
+                  <a:noFill/>
+                </a:ln>
+                <a:solidFill>
+                  <a:prstClr val="white"/>
+                </a:solidFill>
+                <a:effectLst/>
+                <a:uLnTx/>
+                <a:uFillTx/>
+                <a:latin typeface="Calibri"/>
+                <a:ea typeface="宋体" panose="02010600030101010101" pitchFamily="2" charset="-122"/>
+                <a:cs typeface="+mn-cs"/>
+              </a:endParaRPr>
+            </a:p>
+          </p:txBody>
+        </p:sp>
+        <p:cxnSp>
+          <p:nvCxnSpPr>
+            <p:cNvPr id="17" name="直接箭头连接符 16">
+              <a:extLst>
+                <a:ext uri="{FF2B5EF4-FFF2-40B4-BE49-F238E27FC236}">
+                  <a16:creationId xmlns:a16="http://schemas.microsoft.com/office/drawing/2014/main" id="{93AF010B-2F18-3A0C-9888-4919EA791535}"/>
+                </a:ext>
+              </a:extLst>
+            </p:cNvPr>
+            <p:cNvCxnSpPr>
+              <a:cxnSpLocks/>
+            </p:cNvCxnSpPr>
+            <p:nvPr/>
+          </p:nvCxnSpPr>
+          <p:spPr>
+            <a:xfrm flipH="1">
+              <a:off x="4649724" y="5320844"/>
+              <a:ext cx="423764" cy="323165"/>
+            </a:xfrm>
+            <a:prstGeom prst="straightConnector1">
+              <a:avLst/>
+            </a:prstGeom>
+            <a:ln w="19050">
+              <a:solidFill>
+                <a:srgbClr val="00B0F0"/>
+              </a:solidFill>
+              <a:tailEnd type="triangle"/>
+            </a:ln>
+          </p:spPr>
+          <p:style>
+            <a:lnRef idx="1">
+              <a:schemeClr val="accent1"/>
+            </a:lnRef>
+            <a:fillRef idx="0">
+              <a:schemeClr val="accent1"/>
+            </a:fillRef>
+            <a:effectRef idx="0">
+              <a:schemeClr val="accent1"/>
+            </a:effectRef>
+            <a:fontRef idx="minor">
+              <a:schemeClr val="tx1"/>
+            </a:fontRef>
+          </p:style>
+        </p:cxnSp>
+        <p:sp>
+          <p:nvSpPr>
+            <p:cNvPr id="18" name="文本框 17">
+              <a:extLst>
+                <a:ext uri="{FF2B5EF4-FFF2-40B4-BE49-F238E27FC236}">
+                  <a16:creationId xmlns:a16="http://schemas.microsoft.com/office/drawing/2014/main" id="{632AEE50-ADE7-7F50-5B36-F44D78DBF6D5}"/>
+                </a:ext>
+              </a:extLst>
+            </p:cNvPr>
+            <p:cNvSpPr txBox="1"/>
+            <p:nvPr/>
+          </p:nvSpPr>
+          <p:spPr>
+            <a:xfrm>
+              <a:off x="4984186" y="4918245"/>
+              <a:ext cx="6523837" cy="646331"/>
+            </a:xfrm>
+            <a:prstGeom prst="rect">
+              <a:avLst/>
+            </a:prstGeom>
+            <a:noFill/>
+          </p:spPr>
+          <p:txBody>
+            <a:bodyPr wrap="none" rtlCol="0">
+              <a:spAutoFit/>
+            </a:bodyPr>
+            <a:lstStyle/>
+            <a:p>
+              <a:pPr marL="0" marR="0" lvl="0" indent="0" algn="l" defTabSz="914400" rtl="0" eaLnBrk="1" fontAlgn="auto" latinLnBrk="0" hangingPunct="1">
+                <a:lnSpc>
+                  <a:spcPct val="100000"/>
+                </a:lnSpc>
+                <a:spcBef>
+                  <a:spcPts val="0"/>
+                </a:spcBef>
+                <a:spcAft>
+                  <a:spcPts val="0"/>
+                </a:spcAft>
+                <a:buClrTx/>
+                <a:buSzTx/>
+                <a:buFontTx/>
+                <a:buNone/>
+                <a:tabLst/>
+                <a:defRPr/>
+              </a:pPr>
+              <a:r>
+                <a:rPr kumimoji="0" lang="en-US" altLang="zh-CN" sz="1800" b="0" i="0" u="none" strike="noStrike" kern="1200" cap="none" spc="0" normalizeH="0" baseline="0" noProof="0" dirty="0">
+                  <a:ln>
+                    <a:noFill/>
+                  </a:ln>
+                  <a:solidFill>
+                    <a:prstClr val="black"/>
+                  </a:solidFill>
+                  <a:effectLst/>
+                  <a:uLnTx/>
+                  <a:uFillTx/>
+                  <a:latin typeface="Calibri"/>
+                  <a:ea typeface="宋体" panose="02010600030101010101" pitchFamily="2" charset="-122"/>
+                  <a:cs typeface="+mn-cs"/>
+                </a:rPr>
+                <a:t>Use the </a:t>
+              </a:r>
+              <a:r>
+                <a:rPr kumimoji="0" lang="en-US" altLang="zh-CN" sz="1800" b="1" i="0" u="none" strike="noStrike" kern="1200" cap="none" spc="0" normalizeH="0" baseline="0" noProof="0" dirty="0">
+                  <a:ln>
+                    <a:noFill/>
+                  </a:ln>
+                  <a:solidFill>
+                    <a:prstClr val="black"/>
+                  </a:solidFill>
+                  <a:effectLst/>
+                  <a:uLnTx/>
+                  <a:uFillTx/>
+                  <a:latin typeface="Calibri"/>
+                  <a:ea typeface="宋体" panose="02010600030101010101" pitchFamily="2" charset="-122"/>
+                  <a:cs typeface="+mn-cs"/>
+                </a:rPr>
+                <a:t>move</a:t>
+              </a:r>
+              <a:r>
+                <a:rPr kumimoji="0" lang="en-US" altLang="zh-CN" sz="1800" b="0" i="0" u="none" strike="noStrike" kern="1200" cap="none" spc="0" normalizeH="0" baseline="0" noProof="0" dirty="0">
+                  <a:ln>
+                    <a:noFill/>
+                  </a:ln>
+                  <a:solidFill>
+                    <a:prstClr val="black"/>
+                  </a:solidFill>
+                  <a:effectLst/>
+                  <a:uLnTx/>
+                  <a:uFillTx/>
+                  <a:latin typeface="Calibri"/>
+                  <a:ea typeface="宋体" panose="02010600030101010101" pitchFamily="2" charset="-122"/>
+                  <a:cs typeface="+mn-cs"/>
+                </a:rPr>
+                <a:t> function to transfer the ownership from up1 to up6.</a:t>
+              </a:r>
+            </a:p>
+            <a:p>
+              <a:pPr>
+                <a:defRPr/>
+              </a:pPr>
+              <a:r>
+                <a:rPr kumimoji="0" lang="en-US" altLang="zh-CN" sz="1800" b="0" i="0" u="none" strike="noStrike" kern="1200" cap="none" spc="0" normalizeH="0" baseline="0" noProof="0" dirty="0">
+                  <a:ln>
+                    <a:noFill/>
+                  </a:ln>
+                  <a:solidFill>
+                    <a:prstClr val="black"/>
+                  </a:solidFill>
+                  <a:effectLst/>
+                  <a:uLnTx/>
+                  <a:uFillTx/>
+                  <a:latin typeface="Calibri"/>
+                  <a:ea typeface="宋体" panose="02010600030101010101" pitchFamily="2" charset="-122"/>
+                  <a:cs typeface="+mn-cs"/>
+                </a:rPr>
+                <a:t>Is the assignment statement </a:t>
+              </a:r>
+              <a:r>
+                <a:rPr kumimoji="0" lang="en-US" altLang="zh-CN" sz="1800" b="1" i="0" u="none" strike="noStrike" kern="1200" cap="none" spc="0" normalizeH="0" baseline="0" noProof="0" dirty="0" err="1">
+                  <a:ln>
+                    <a:noFill/>
+                  </a:ln>
+                  <a:solidFill>
+                    <a:prstClr val="black"/>
+                  </a:solidFill>
+                  <a:effectLst/>
+                  <a:uLnTx/>
+                  <a:uFillTx/>
+                  <a:latin typeface="Calibri"/>
+                  <a:ea typeface="宋体" panose="02010600030101010101" pitchFamily="2" charset="-122"/>
+                  <a:cs typeface="+mn-cs"/>
+                </a:rPr>
+                <a:t>unique_ptr</a:t>
+              </a:r>
+              <a:r>
+                <a:rPr kumimoji="0" lang="en-US" altLang="zh-CN" sz="1800" b="1" i="0" u="none" strike="noStrike" kern="1200" cap="none" spc="0" normalizeH="0" baseline="0" noProof="0" dirty="0">
+                  <a:ln>
+                    <a:noFill/>
+                  </a:ln>
+                  <a:solidFill>
+                    <a:prstClr val="black"/>
+                  </a:solidFill>
+                  <a:effectLst/>
+                  <a:uLnTx/>
+                  <a:uFillTx/>
+                  <a:latin typeface="Calibri"/>
+                  <a:ea typeface="宋体" panose="02010600030101010101" pitchFamily="2" charset="-122"/>
+                  <a:cs typeface="+mn-cs"/>
+                </a:rPr>
+                <a:t>&lt;int&gt; up6 = up1;</a:t>
+              </a:r>
+              <a:r>
+                <a:rPr lang="en-US" altLang="zh-CN" dirty="0">
+                  <a:solidFill>
+                    <a:prstClr val="black"/>
+                  </a:solidFill>
+                </a:rPr>
+                <a:t>  OK? Why?</a:t>
+              </a:r>
+              <a:endParaRPr kumimoji="0" lang="zh-CN" altLang="en-US" sz="1800" i="0" u="none" strike="noStrike" kern="1200" cap="none" spc="0" normalizeH="0" baseline="0" noProof="0" dirty="0">
+                <a:ln>
+                  <a:noFill/>
+                </a:ln>
+                <a:solidFill>
+                  <a:prstClr val="black"/>
+                </a:solidFill>
+                <a:effectLst/>
+                <a:uLnTx/>
+                <a:uFillTx/>
+                <a:latin typeface="Calibri"/>
+                <a:ea typeface="宋体" panose="02010600030101010101" pitchFamily="2" charset="-122"/>
+                <a:cs typeface="+mn-cs"/>
+              </a:endParaRPr>
+            </a:p>
+          </p:txBody>
+        </p:sp>
+      </p:grpSp>
+      <p:pic>
+        <p:nvPicPr>
+          <p:cNvPr id="22" name="图片 21">
+            <a:extLst>
+              <a:ext uri="{FF2B5EF4-FFF2-40B4-BE49-F238E27FC236}">
+                <a16:creationId xmlns:a16="http://schemas.microsoft.com/office/drawing/2014/main" id="{30C3BA35-DAE7-B550-B05D-C5E2D92AEA84}"/>
+              </a:ext>
+            </a:extLst>
+          </p:cNvPr>
+          <p:cNvPicPr>
+            <a:picLocks noChangeAspect="1"/>
+          </p:cNvPicPr>
+          <p:nvPr/>
+        </p:nvPicPr>
+        <p:blipFill>
+          <a:blip r:embed="rId3"/>
+          <a:stretch>
+            <a:fillRect/>
+          </a:stretch>
+        </p:blipFill>
+        <p:spPr>
+          <a:xfrm>
+            <a:off x="8881110" y="428053"/>
+            <a:ext cx="2521094" cy="1554099"/>
+          </a:xfrm>
+          <a:prstGeom prst="rect">
+            <a:avLst/>
+          </a:prstGeom>
+        </p:spPr>
+      </p:pic>
+      <p:sp>
+        <p:nvSpPr>
+          <p:cNvPr id="23" name="文本框 22">
+            <a:extLst>
+              <a:ext uri="{FF2B5EF4-FFF2-40B4-BE49-F238E27FC236}">
+                <a16:creationId xmlns:a16="http://schemas.microsoft.com/office/drawing/2014/main" id="{8632003D-6A3C-33D3-8595-06A4BFDBEDFF}"/>
+              </a:ext>
+            </a:extLst>
+          </p:cNvPr>
+          <p:cNvSpPr txBox="1"/>
+          <p:nvPr/>
+        </p:nvSpPr>
+        <p:spPr>
+          <a:xfrm>
+            <a:off x="6005915" y="5783616"/>
+            <a:ext cx="5744329" cy="923330"/>
+          </a:xfrm>
+          <a:prstGeom prst="rect">
+            <a:avLst/>
+          </a:prstGeom>
+          <a:noFill/>
+        </p:spPr>
+        <p:txBody>
+          <a:bodyPr wrap="none" rtlCol="0">
+            <a:spAutoFit/>
+          </a:bodyPr>
+          <a:lstStyle/>
+          <a:p>
+            <a:pPr marL="0" marR="0" lvl="0" indent="0" algn="l" defTabSz="914400" rtl="0" eaLnBrk="1" fontAlgn="auto" latinLnBrk="0" hangingPunct="1">
+              <a:lnSpc>
+                <a:spcPct val="100000"/>
+              </a:lnSpc>
+              <a:spcBef>
+                <a:spcPts val="0"/>
+              </a:spcBef>
+              <a:spcAft>
+                <a:spcPts val="0"/>
+              </a:spcAft>
+              <a:buClrTx/>
+              <a:buSzTx/>
+              <a:buFontTx/>
+              <a:buNone/>
+              <a:tabLst/>
+              <a:defRPr/>
+            </a:pPr>
+            <a:r>
+              <a:rPr kumimoji="0" lang="en-US" altLang="zh-CN" sz="1800" b="0" i="0" u="none" strike="noStrike" kern="1200" cap="none" spc="0" normalizeH="0" baseline="0" noProof="0" dirty="0">
+                <a:ln>
+                  <a:noFill/>
+                </a:ln>
+                <a:solidFill>
+                  <a:prstClr val="black"/>
+                </a:solidFill>
+                <a:effectLst/>
+                <a:uLnTx/>
+                <a:uFillTx/>
+                <a:latin typeface="Calibri"/>
+                <a:ea typeface="宋体" panose="02010600030101010101" pitchFamily="2" charset="-122"/>
+                <a:cs typeface="+mn-cs"/>
+              </a:rPr>
+              <a:t>Is there any memory leak problem in the program?</a:t>
+            </a:r>
+          </a:p>
+          <a:p>
+            <a:pPr marL="0" marR="0" lvl="0" indent="0" algn="l" defTabSz="914400" rtl="0" eaLnBrk="1" fontAlgn="auto" latinLnBrk="0" hangingPunct="1">
+              <a:lnSpc>
+                <a:spcPct val="100000"/>
+              </a:lnSpc>
+              <a:spcBef>
+                <a:spcPts val="0"/>
+              </a:spcBef>
+              <a:spcAft>
+                <a:spcPts val="0"/>
+              </a:spcAft>
+              <a:buClrTx/>
+              <a:buSzTx/>
+              <a:buFontTx/>
+              <a:buNone/>
+              <a:tabLst/>
+              <a:defRPr/>
+            </a:pPr>
+            <a:r>
+              <a:rPr kumimoji="0" lang="en-US" altLang="zh-CN" sz="1800" b="0" i="0" u="none" strike="noStrike" kern="1200" cap="none" spc="0" normalizeH="0" baseline="0" noProof="0" dirty="0">
+                <a:ln>
+                  <a:noFill/>
+                </a:ln>
+                <a:solidFill>
+                  <a:prstClr val="black"/>
+                </a:solidFill>
+                <a:effectLst/>
+                <a:uLnTx/>
+                <a:uFillTx/>
+                <a:latin typeface="Calibri"/>
+                <a:ea typeface="宋体" panose="02010600030101010101" pitchFamily="2" charset="-122"/>
+                <a:cs typeface="+mn-cs"/>
+              </a:rPr>
+              <a:t>Need we use the statement </a:t>
+            </a:r>
+            <a:r>
+              <a:rPr kumimoji="0" lang="en-US" altLang="zh-CN" sz="1800" b="1" i="0" u="none" strike="noStrike" kern="1200" cap="none" spc="0" normalizeH="0" baseline="0" noProof="0" dirty="0">
+                <a:ln>
+                  <a:noFill/>
+                </a:ln>
+                <a:solidFill>
+                  <a:prstClr val="black"/>
+                </a:solidFill>
+                <a:effectLst/>
+                <a:uLnTx/>
+                <a:uFillTx/>
+                <a:latin typeface="Calibri"/>
+                <a:ea typeface="宋体" panose="02010600030101010101" pitchFamily="2" charset="-122"/>
+                <a:cs typeface="+mn-cs"/>
+              </a:rPr>
+              <a:t>delete[] p;</a:t>
+            </a:r>
+            <a:r>
+              <a:rPr kumimoji="0" lang="en-US" altLang="zh-CN" sz="1800" b="0" i="0" u="none" strike="noStrike" kern="1200" cap="none" spc="0" normalizeH="0" baseline="0" noProof="0" dirty="0">
+                <a:ln>
+                  <a:noFill/>
+                </a:ln>
+                <a:solidFill>
+                  <a:prstClr val="black"/>
+                </a:solidFill>
+                <a:effectLst/>
+                <a:uLnTx/>
+                <a:uFillTx/>
+                <a:latin typeface="Calibri"/>
+                <a:ea typeface="宋体" panose="02010600030101010101" pitchFamily="2" charset="-122"/>
+                <a:cs typeface="+mn-cs"/>
+              </a:rPr>
+              <a:t> to free the memory </a:t>
+            </a:r>
+          </a:p>
+          <a:p>
+            <a:pPr marL="0" marR="0" lvl="0" indent="0" algn="l" defTabSz="914400" rtl="0" eaLnBrk="1" fontAlgn="auto" latinLnBrk="0" hangingPunct="1">
+              <a:lnSpc>
+                <a:spcPct val="100000"/>
+              </a:lnSpc>
+              <a:spcBef>
+                <a:spcPts val="0"/>
+              </a:spcBef>
+              <a:spcAft>
+                <a:spcPts val="0"/>
+              </a:spcAft>
+              <a:buClrTx/>
+              <a:buSzTx/>
+              <a:buFontTx/>
+              <a:buNone/>
+              <a:tabLst/>
+              <a:defRPr/>
+            </a:pPr>
+            <a:r>
+              <a:rPr kumimoji="0" lang="en-US" altLang="zh-CN" sz="1800" b="0" i="0" u="none" strike="noStrike" kern="1200" cap="none" spc="0" normalizeH="0" baseline="0" noProof="0" dirty="0">
+                <a:ln>
+                  <a:noFill/>
+                </a:ln>
+                <a:solidFill>
+                  <a:prstClr val="black"/>
+                </a:solidFill>
+                <a:effectLst/>
+                <a:uLnTx/>
+                <a:uFillTx/>
+                <a:latin typeface="Calibri"/>
+                <a:ea typeface="宋体" panose="02010600030101010101" pitchFamily="2" charset="-122"/>
+                <a:cs typeface="+mn-cs"/>
+              </a:rPr>
+              <a:t>we allocated before?</a:t>
+            </a:r>
+            <a:endParaRPr kumimoji="0" lang="zh-CN" altLang="en-US" sz="1800" b="0" i="0" u="none" strike="noStrike" kern="1200" cap="none" spc="0" normalizeH="0" baseline="0" noProof="0" dirty="0">
+              <a:ln>
+                <a:noFill/>
+              </a:ln>
+              <a:solidFill>
+                <a:prstClr val="black"/>
+              </a:solidFill>
+              <a:effectLst/>
+              <a:uLnTx/>
+              <a:uFillTx/>
+              <a:latin typeface="Calibri"/>
+              <a:ea typeface="宋体" panose="02010600030101010101" pitchFamily="2" charset="-122"/>
+              <a:cs typeface="+mn-cs"/>
+            </a:endParaRPr>
+          </a:p>
+        </p:txBody>
+      </p:sp>
+      <p:grpSp>
+        <p:nvGrpSpPr>
+          <p:cNvPr id="38" name="组合 37">
+            <a:extLst>
+              <a:ext uri="{FF2B5EF4-FFF2-40B4-BE49-F238E27FC236}">
+                <a16:creationId xmlns:a16="http://schemas.microsoft.com/office/drawing/2014/main" id="{DE536DC8-A7F3-50C9-A243-2CAA2E33E74F}"/>
+              </a:ext>
+            </a:extLst>
+          </p:cNvPr>
+          <p:cNvGrpSpPr/>
+          <p:nvPr/>
+        </p:nvGrpSpPr>
+        <p:grpSpPr>
+          <a:xfrm>
+            <a:off x="3364992" y="1490472"/>
+            <a:ext cx="7934554" cy="2246162"/>
+            <a:chOff x="3785616" y="1069848"/>
+            <a:chExt cx="7934554" cy="2246162"/>
+          </a:xfrm>
+        </p:grpSpPr>
+        <p:sp>
+          <p:nvSpPr>
+            <p:cNvPr id="6" name="椭圆 5">
+              <a:extLst>
+                <a:ext uri="{FF2B5EF4-FFF2-40B4-BE49-F238E27FC236}">
+                  <a16:creationId xmlns:a16="http://schemas.microsoft.com/office/drawing/2014/main" id="{98A86604-A1F9-D811-AFFB-6CD9C55B879F}"/>
+                </a:ext>
+              </a:extLst>
+            </p:cNvPr>
+            <p:cNvSpPr/>
+            <p:nvPr/>
+          </p:nvSpPr>
+          <p:spPr>
+            <a:xfrm>
+              <a:off x="3785616" y="1069848"/>
+              <a:ext cx="289560" cy="219456"/>
+            </a:xfrm>
+            <a:prstGeom prst="ellipse">
+              <a:avLst/>
+            </a:prstGeom>
+            <a:noFill/>
+            <a:ln w="19050">
+              <a:solidFill>
+                <a:srgbClr val="FF0000"/>
+              </a:solidFill>
+            </a:ln>
+          </p:spPr>
+          <p:style>
+            <a:lnRef idx="2">
+              <a:schemeClr val="accent1">
+                <a:shade val="50000"/>
+              </a:schemeClr>
+            </a:lnRef>
+            <a:fillRef idx="1">
+              <a:schemeClr val="accent1"/>
+            </a:fillRef>
+            <a:effectRef idx="0">
+              <a:schemeClr val="accent1"/>
+            </a:effectRef>
+            <a:fontRef idx="minor">
+              <a:schemeClr val="lt1"/>
+            </a:fontRef>
+          </p:style>
+          <p:txBody>
+            <a:bodyPr rtlCol="0" anchor="ctr"/>
+            <a:lstStyle/>
+            <a:p>
+              <a:pPr marL="0" marR="0" lvl="0" indent="0" algn="ctr" defTabSz="914400" rtl="0" eaLnBrk="1" fontAlgn="auto" latinLnBrk="0" hangingPunct="1">
+                <a:lnSpc>
+                  <a:spcPct val="100000"/>
+                </a:lnSpc>
+                <a:spcBef>
+                  <a:spcPts val="0"/>
+                </a:spcBef>
+                <a:spcAft>
+                  <a:spcPts val="0"/>
+                </a:spcAft>
+                <a:buClrTx/>
+                <a:buSzTx/>
+                <a:buFontTx/>
+                <a:buNone/>
+                <a:tabLst/>
+                <a:defRPr/>
+              </a:pPr>
+              <a:endParaRPr kumimoji="0" lang="zh-CN" altLang="en-US" sz="1800" b="0" i="0" u="none" strike="noStrike" kern="1200" cap="none" spc="0" normalizeH="0" baseline="0" noProof="0">
+                <a:ln>
+                  <a:noFill/>
+                </a:ln>
+                <a:solidFill>
+                  <a:prstClr val="white"/>
+                </a:solidFill>
+                <a:effectLst/>
+                <a:uLnTx/>
+                <a:uFillTx/>
+                <a:latin typeface="Calibri"/>
+                <a:ea typeface="宋体" panose="02010600030101010101" pitchFamily="2" charset="-122"/>
+                <a:cs typeface="+mn-cs"/>
+              </a:endParaRPr>
+            </a:p>
+          </p:txBody>
+        </p:sp>
+        <p:sp>
+          <p:nvSpPr>
+            <p:cNvPr id="7" name="椭圆 6">
+              <a:extLst>
+                <a:ext uri="{FF2B5EF4-FFF2-40B4-BE49-F238E27FC236}">
+                  <a16:creationId xmlns:a16="http://schemas.microsoft.com/office/drawing/2014/main" id="{DC270FB7-65C7-A00E-B32D-54AEA5E466DD}"/>
+                </a:ext>
+              </a:extLst>
+            </p:cNvPr>
+            <p:cNvSpPr/>
+            <p:nvPr/>
+          </p:nvSpPr>
+          <p:spPr>
+            <a:xfrm>
+              <a:off x="4029456" y="1652016"/>
+              <a:ext cx="289560" cy="219456"/>
+            </a:xfrm>
+            <a:prstGeom prst="ellipse">
+              <a:avLst/>
+            </a:prstGeom>
+            <a:noFill/>
+            <a:ln w="19050">
+              <a:solidFill>
+                <a:srgbClr val="FF0000"/>
+              </a:solidFill>
+            </a:ln>
+          </p:spPr>
+          <p:style>
+            <a:lnRef idx="2">
+              <a:schemeClr val="accent1">
+                <a:shade val="50000"/>
+              </a:schemeClr>
+            </a:lnRef>
+            <a:fillRef idx="1">
+              <a:schemeClr val="accent1"/>
+            </a:fillRef>
+            <a:effectRef idx="0">
+              <a:schemeClr val="accent1"/>
+            </a:effectRef>
+            <a:fontRef idx="minor">
+              <a:schemeClr val="lt1"/>
+            </a:fontRef>
+          </p:style>
+          <p:txBody>
+            <a:bodyPr rtlCol="0" anchor="ctr"/>
+            <a:lstStyle/>
+            <a:p>
+              <a:pPr marL="0" marR="0" lvl="0" indent="0" algn="ctr" defTabSz="914400" rtl="0" eaLnBrk="1" fontAlgn="auto" latinLnBrk="0" hangingPunct="1">
+                <a:lnSpc>
+                  <a:spcPct val="100000"/>
+                </a:lnSpc>
+                <a:spcBef>
+                  <a:spcPts val="0"/>
+                </a:spcBef>
+                <a:spcAft>
+                  <a:spcPts val="0"/>
+                </a:spcAft>
+                <a:buClrTx/>
+                <a:buSzTx/>
+                <a:buFontTx/>
+                <a:buNone/>
+                <a:tabLst/>
+                <a:defRPr/>
+              </a:pPr>
+              <a:endParaRPr kumimoji="0" lang="zh-CN" altLang="en-US" sz="1800" b="0" i="0" u="none" strike="noStrike" kern="1200" cap="none" spc="0" normalizeH="0" baseline="0" noProof="0">
+                <a:ln>
+                  <a:noFill/>
+                </a:ln>
+                <a:solidFill>
+                  <a:prstClr val="white"/>
+                </a:solidFill>
+                <a:effectLst/>
+                <a:uLnTx/>
+                <a:uFillTx/>
+                <a:latin typeface="Calibri"/>
+                <a:ea typeface="宋体" panose="02010600030101010101" pitchFamily="2" charset="-122"/>
+                <a:cs typeface="+mn-cs"/>
+              </a:endParaRPr>
+            </a:p>
+          </p:txBody>
+        </p:sp>
+        <p:sp>
+          <p:nvSpPr>
+            <p:cNvPr id="8" name="矩形 7">
+              <a:extLst>
+                <a:ext uri="{FF2B5EF4-FFF2-40B4-BE49-F238E27FC236}">
+                  <a16:creationId xmlns:a16="http://schemas.microsoft.com/office/drawing/2014/main" id="{A518E605-B24C-F75A-1796-A2B523FCF201}"/>
+                </a:ext>
+              </a:extLst>
+            </p:cNvPr>
+            <p:cNvSpPr/>
+            <p:nvPr/>
+          </p:nvSpPr>
+          <p:spPr>
+            <a:xfrm>
+              <a:off x="4175760" y="2206752"/>
+              <a:ext cx="1568140" cy="258426"/>
+            </a:xfrm>
+            <a:prstGeom prst="rect">
+              <a:avLst/>
+            </a:prstGeom>
+            <a:noFill/>
+            <a:ln w="19050">
+              <a:solidFill>
+                <a:srgbClr val="00B0F0"/>
+              </a:solidFill>
+            </a:ln>
+          </p:spPr>
+          <p:style>
+            <a:lnRef idx="2">
+              <a:schemeClr val="accent1">
+                <a:shade val="50000"/>
+              </a:schemeClr>
+            </a:lnRef>
+            <a:fillRef idx="1">
+              <a:schemeClr val="accent1"/>
+            </a:fillRef>
+            <a:effectRef idx="0">
+              <a:schemeClr val="accent1"/>
+            </a:effectRef>
+            <a:fontRef idx="minor">
+              <a:schemeClr val="lt1"/>
+            </a:fontRef>
+          </p:style>
+          <p:txBody>
+            <a:bodyPr rtlCol="0" anchor="ctr"/>
+            <a:lstStyle/>
+            <a:p>
+              <a:pPr marL="0" marR="0" lvl="0" indent="0" algn="ctr" defTabSz="914400" rtl="0" eaLnBrk="1" fontAlgn="auto" latinLnBrk="0" hangingPunct="1">
+                <a:lnSpc>
+                  <a:spcPct val="100000"/>
+                </a:lnSpc>
+                <a:spcBef>
+                  <a:spcPts val="0"/>
+                </a:spcBef>
+                <a:spcAft>
+                  <a:spcPts val="0"/>
+                </a:spcAft>
+                <a:buClrTx/>
+                <a:buSzTx/>
+                <a:buFontTx/>
+                <a:buNone/>
+                <a:tabLst/>
+                <a:defRPr/>
+              </a:pPr>
+              <a:endParaRPr kumimoji="0" lang="zh-CN" altLang="en-US" sz="1800" b="0" i="0" u="none" strike="noStrike" kern="1200" cap="none" spc="0" normalizeH="0" baseline="0" noProof="0">
+                <a:ln>
+                  <a:noFill/>
+                </a:ln>
+                <a:solidFill>
+                  <a:prstClr val="white"/>
+                </a:solidFill>
+                <a:effectLst/>
+                <a:uLnTx/>
+                <a:uFillTx/>
+                <a:latin typeface="Calibri"/>
+                <a:ea typeface="宋体" panose="02010600030101010101" pitchFamily="2" charset="-122"/>
+                <a:cs typeface="+mn-cs"/>
+              </a:endParaRPr>
+            </a:p>
+          </p:txBody>
+        </p:sp>
+        <p:sp>
+          <p:nvSpPr>
+            <p:cNvPr id="9" name="矩形 8">
+              <a:extLst>
+                <a:ext uri="{FF2B5EF4-FFF2-40B4-BE49-F238E27FC236}">
+                  <a16:creationId xmlns:a16="http://schemas.microsoft.com/office/drawing/2014/main" id="{F3AA8AD6-E806-BEBF-BCC3-F10D908DA964}"/>
+                </a:ext>
+              </a:extLst>
+            </p:cNvPr>
+            <p:cNvSpPr/>
+            <p:nvPr/>
+          </p:nvSpPr>
+          <p:spPr>
+            <a:xfrm>
+              <a:off x="4093464" y="2816351"/>
+              <a:ext cx="1487424" cy="250389"/>
+            </a:xfrm>
+            <a:prstGeom prst="rect">
+              <a:avLst/>
+            </a:prstGeom>
+            <a:noFill/>
+            <a:ln w="19050">
+              <a:solidFill>
+                <a:srgbClr val="00B0F0"/>
+              </a:solidFill>
+            </a:ln>
+          </p:spPr>
+          <p:style>
+            <a:lnRef idx="2">
+              <a:schemeClr val="accent1">
+                <a:shade val="50000"/>
+              </a:schemeClr>
+            </a:lnRef>
+            <a:fillRef idx="1">
+              <a:schemeClr val="accent1"/>
+            </a:fillRef>
+            <a:effectRef idx="0">
+              <a:schemeClr val="accent1"/>
+            </a:effectRef>
+            <a:fontRef idx="minor">
+              <a:schemeClr val="lt1"/>
+            </a:fontRef>
+          </p:style>
+          <p:txBody>
+            <a:bodyPr rtlCol="0" anchor="ctr"/>
+            <a:lstStyle/>
+            <a:p>
+              <a:pPr marL="0" marR="0" lvl="0" indent="0" algn="ctr" defTabSz="914400" rtl="0" eaLnBrk="1" fontAlgn="auto" latinLnBrk="0" hangingPunct="1">
+                <a:lnSpc>
+                  <a:spcPct val="100000"/>
+                </a:lnSpc>
+                <a:spcBef>
+                  <a:spcPts val="0"/>
+                </a:spcBef>
+                <a:spcAft>
+                  <a:spcPts val="0"/>
+                </a:spcAft>
+                <a:buClrTx/>
+                <a:buSzTx/>
+                <a:buFontTx/>
+                <a:buNone/>
+                <a:tabLst/>
+                <a:defRPr/>
+              </a:pPr>
+              <a:endParaRPr kumimoji="0" lang="zh-CN" altLang="en-US" sz="1800" b="0" i="0" u="none" strike="noStrike" kern="1200" cap="none" spc="0" normalizeH="0" baseline="0" noProof="0">
+                <a:ln>
+                  <a:noFill/>
+                </a:ln>
+                <a:solidFill>
+                  <a:prstClr val="white"/>
+                </a:solidFill>
+                <a:effectLst/>
+                <a:uLnTx/>
+                <a:uFillTx/>
+                <a:latin typeface="Calibri"/>
+                <a:ea typeface="宋体" panose="02010600030101010101" pitchFamily="2" charset="-122"/>
+                <a:cs typeface="+mn-cs"/>
+              </a:endParaRPr>
+            </a:p>
+          </p:txBody>
+        </p:sp>
+        <p:cxnSp>
+          <p:nvCxnSpPr>
+            <p:cNvPr id="25" name="直接箭头连接符 24">
+              <a:extLst>
+                <a:ext uri="{FF2B5EF4-FFF2-40B4-BE49-F238E27FC236}">
+                  <a16:creationId xmlns:a16="http://schemas.microsoft.com/office/drawing/2014/main" id="{A001E859-DFB1-0F02-C205-B6D9902AB3D4}"/>
+                </a:ext>
+              </a:extLst>
+            </p:cNvPr>
+            <p:cNvCxnSpPr>
+              <a:cxnSpLocks/>
+              <a:endCxn id="6" idx="6"/>
+            </p:cNvCxnSpPr>
+            <p:nvPr/>
+          </p:nvCxnSpPr>
+          <p:spPr>
+            <a:xfrm flipH="1" flipV="1">
+              <a:off x="4075176" y="1179576"/>
+              <a:ext cx="3212607" cy="1428833"/>
+            </a:xfrm>
+            <a:prstGeom prst="straightConnector1">
+              <a:avLst/>
+            </a:prstGeom>
+            <a:ln w="19050">
+              <a:solidFill>
+                <a:srgbClr val="FF0000"/>
+              </a:solidFill>
+              <a:tailEnd type="triangle"/>
+            </a:ln>
+          </p:spPr>
+          <p:style>
+            <a:lnRef idx="1">
+              <a:schemeClr val="accent1"/>
+            </a:lnRef>
+            <a:fillRef idx="0">
+              <a:schemeClr val="accent1"/>
+            </a:fillRef>
+            <a:effectRef idx="0">
+              <a:schemeClr val="accent1"/>
+            </a:effectRef>
+            <a:fontRef idx="minor">
+              <a:schemeClr val="tx1"/>
+            </a:fontRef>
+          </p:style>
+        </p:cxnSp>
+        <p:cxnSp>
+          <p:nvCxnSpPr>
+            <p:cNvPr id="26" name="直接箭头连接符 25">
+              <a:extLst>
+                <a:ext uri="{FF2B5EF4-FFF2-40B4-BE49-F238E27FC236}">
+                  <a16:creationId xmlns:a16="http://schemas.microsoft.com/office/drawing/2014/main" id="{A7796F84-D2C1-5039-124C-4E560EF8B8AD}"/>
+                </a:ext>
+              </a:extLst>
+            </p:cNvPr>
+            <p:cNvCxnSpPr>
+              <a:cxnSpLocks/>
+              <a:endCxn id="7" idx="6"/>
+            </p:cNvCxnSpPr>
+            <p:nvPr/>
+          </p:nvCxnSpPr>
+          <p:spPr>
+            <a:xfrm flipH="1" flipV="1">
+              <a:off x="4319016" y="1761744"/>
+              <a:ext cx="2950464" cy="846665"/>
+            </a:xfrm>
+            <a:prstGeom prst="straightConnector1">
+              <a:avLst/>
+            </a:prstGeom>
+            <a:ln w="19050">
+              <a:solidFill>
+                <a:srgbClr val="FF0000"/>
+              </a:solidFill>
+              <a:tailEnd type="triangle"/>
+            </a:ln>
+          </p:spPr>
+          <p:style>
+            <a:lnRef idx="1">
+              <a:schemeClr val="accent1"/>
+            </a:lnRef>
+            <a:fillRef idx="0">
+              <a:schemeClr val="accent1"/>
+            </a:fillRef>
+            <a:effectRef idx="0">
+              <a:schemeClr val="accent1"/>
+            </a:effectRef>
+            <a:fontRef idx="minor">
+              <a:schemeClr val="tx1"/>
+            </a:fontRef>
+          </p:style>
+        </p:cxnSp>
+        <p:cxnSp>
+          <p:nvCxnSpPr>
+            <p:cNvPr id="27" name="直接箭头连接符 26">
+              <a:extLst>
+                <a:ext uri="{FF2B5EF4-FFF2-40B4-BE49-F238E27FC236}">
+                  <a16:creationId xmlns:a16="http://schemas.microsoft.com/office/drawing/2014/main" id="{02E1D046-B9B3-34C2-DE81-F7C085CD5201}"/>
+                </a:ext>
+              </a:extLst>
+            </p:cNvPr>
+            <p:cNvCxnSpPr>
+              <a:cxnSpLocks/>
+            </p:cNvCxnSpPr>
+            <p:nvPr/>
+          </p:nvCxnSpPr>
+          <p:spPr>
+            <a:xfrm flipH="1" flipV="1">
+              <a:off x="5725612" y="2392680"/>
+              <a:ext cx="1626164" cy="215729"/>
+            </a:xfrm>
+            <a:prstGeom prst="straightConnector1">
+              <a:avLst/>
+            </a:prstGeom>
+            <a:ln w="19050">
+              <a:solidFill>
+                <a:srgbClr val="00B0F0"/>
+              </a:solidFill>
+              <a:tailEnd type="triangle"/>
+            </a:ln>
+          </p:spPr>
+          <p:style>
+            <a:lnRef idx="1">
+              <a:schemeClr val="accent1"/>
+            </a:lnRef>
+            <a:fillRef idx="0">
+              <a:schemeClr val="accent1"/>
+            </a:fillRef>
+            <a:effectRef idx="0">
+              <a:schemeClr val="accent1"/>
+            </a:effectRef>
+            <a:fontRef idx="minor">
+              <a:schemeClr val="tx1"/>
+            </a:fontRef>
+          </p:style>
+        </p:cxnSp>
+        <p:cxnSp>
+          <p:nvCxnSpPr>
+            <p:cNvPr id="28" name="直接箭头连接符 27">
+              <a:extLst>
+                <a:ext uri="{FF2B5EF4-FFF2-40B4-BE49-F238E27FC236}">
+                  <a16:creationId xmlns:a16="http://schemas.microsoft.com/office/drawing/2014/main" id="{5C1CDDE5-9D0A-E967-30DC-661F55ED0303}"/>
+                </a:ext>
+              </a:extLst>
+            </p:cNvPr>
+            <p:cNvCxnSpPr>
+              <a:cxnSpLocks/>
+            </p:cNvCxnSpPr>
+            <p:nvPr/>
+          </p:nvCxnSpPr>
+          <p:spPr>
+            <a:xfrm flipH="1">
+              <a:off x="5623560" y="2608409"/>
+              <a:ext cx="1728216" cy="250389"/>
+            </a:xfrm>
+            <a:prstGeom prst="straightConnector1">
+              <a:avLst/>
+            </a:prstGeom>
+            <a:ln w="19050">
+              <a:solidFill>
+                <a:srgbClr val="00B0F0"/>
+              </a:solidFill>
+              <a:tailEnd type="triangle"/>
+            </a:ln>
+          </p:spPr>
+          <p:style>
+            <a:lnRef idx="1">
+              <a:schemeClr val="accent1"/>
+            </a:lnRef>
+            <a:fillRef idx="0">
+              <a:schemeClr val="accent1"/>
+            </a:fillRef>
+            <a:effectRef idx="0">
+              <a:schemeClr val="accent1"/>
+            </a:effectRef>
+            <a:fontRef idx="minor">
+              <a:schemeClr val="tx1"/>
+            </a:fontRef>
+          </p:style>
+        </p:cxnSp>
+        <p:sp>
+          <p:nvSpPr>
+            <p:cNvPr id="37" name="文本框 36">
+              <a:extLst>
+                <a:ext uri="{FF2B5EF4-FFF2-40B4-BE49-F238E27FC236}">
+                  <a16:creationId xmlns:a16="http://schemas.microsoft.com/office/drawing/2014/main" id="{34558903-EE3B-4DD0-D07C-0316E914F951}"/>
+                </a:ext>
+              </a:extLst>
+            </p:cNvPr>
+            <p:cNvSpPr txBox="1"/>
+            <p:nvPr/>
+          </p:nvSpPr>
+          <p:spPr>
+            <a:xfrm>
+              <a:off x="7290816" y="2392680"/>
+              <a:ext cx="4429354" cy="923330"/>
+            </a:xfrm>
+            <a:prstGeom prst="rect">
+              <a:avLst/>
+            </a:prstGeom>
+            <a:noFill/>
+          </p:spPr>
+          <p:txBody>
+            <a:bodyPr wrap="none" rtlCol="0">
+              <a:spAutoFit/>
+            </a:bodyPr>
+            <a:lstStyle/>
+            <a:p>
+              <a:pPr marL="0" marR="0" lvl="0" indent="0" algn="l" defTabSz="914400" rtl="0" eaLnBrk="1" fontAlgn="auto" latinLnBrk="0" hangingPunct="1">
+                <a:lnSpc>
+                  <a:spcPct val="100000"/>
+                </a:lnSpc>
+                <a:spcBef>
+                  <a:spcPts val="0"/>
+                </a:spcBef>
+                <a:spcAft>
+                  <a:spcPts val="0"/>
+                </a:spcAft>
+                <a:buClrTx/>
+                <a:buSzTx/>
+                <a:buFontTx/>
+                <a:buNone/>
+                <a:tabLst/>
+                <a:defRPr/>
+              </a:pPr>
+              <a:r>
+                <a:rPr kumimoji="0" lang="en-US" altLang="zh-CN" sz="1800" b="0" i="0" u="none" strike="noStrike" kern="1200" cap="none" spc="0" normalizeH="0" baseline="0" noProof="0" dirty="0">
+                  <a:ln>
+                    <a:noFill/>
+                  </a:ln>
+                  <a:solidFill>
+                    <a:prstClr val="black"/>
+                  </a:solidFill>
+                  <a:effectLst/>
+                  <a:uLnTx/>
+                  <a:uFillTx/>
+                  <a:latin typeface="Calibri"/>
+                  <a:ea typeface="宋体" panose="02010600030101010101" pitchFamily="2" charset="-122"/>
+                  <a:cs typeface="+mn-cs"/>
+                </a:rPr>
+                <a:t>Use </a:t>
+              </a:r>
+              <a:r>
+                <a:rPr kumimoji="0" lang="en-US" altLang="zh-CN" sz="1800" b="1" i="0" u="none" strike="noStrike" kern="1200" cap="none" spc="0" normalizeH="0" baseline="0" noProof="0" dirty="0">
+                  <a:ln>
+                    <a:noFill/>
+                  </a:ln>
+                  <a:solidFill>
+                    <a:prstClr val="black"/>
+                  </a:solidFill>
+                  <a:effectLst/>
+                  <a:uLnTx/>
+                  <a:uFillTx/>
+                  <a:latin typeface="Calibri"/>
+                  <a:ea typeface="宋体" panose="02010600030101010101" pitchFamily="2" charset="-122"/>
+                  <a:cs typeface="+mn-cs"/>
+                </a:rPr>
+                <a:t>new</a:t>
+              </a:r>
+              <a:r>
+                <a:rPr kumimoji="0" lang="en-US" altLang="zh-CN" sz="1800" b="0" i="0" u="none" strike="noStrike" kern="1200" cap="none" spc="0" normalizeH="0" baseline="0" noProof="0" dirty="0">
+                  <a:ln>
+                    <a:noFill/>
+                  </a:ln>
+                  <a:solidFill>
+                    <a:prstClr val="black"/>
+                  </a:solidFill>
+                  <a:effectLst/>
+                  <a:uLnTx/>
+                  <a:uFillTx/>
+                  <a:latin typeface="Calibri"/>
+                  <a:ea typeface="宋体" panose="02010600030101010101" pitchFamily="2" charset="-122"/>
+                  <a:cs typeface="+mn-cs"/>
+                </a:rPr>
+                <a:t> operator or </a:t>
+              </a:r>
+              <a:r>
+                <a:rPr kumimoji="0" lang="en-US" altLang="zh-CN" sz="1800" b="1" i="0" u="none" strike="noStrike" kern="1200" cap="none" spc="0" normalizeH="0" baseline="0" noProof="0" dirty="0" err="1">
+                  <a:ln>
+                    <a:noFill/>
+                  </a:ln>
+                  <a:solidFill>
+                    <a:prstClr val="black"/>
+                  </a:solidFill>
+                  <a:effectLst/>
+                  <a:uLnTx/>
+                  <a:uFillTx/>
+                  <a:latin typeface="Calibri"/>
+                  <a:ea typeface="宋体" panose="02010600030101010101" pitchFamily="2" charset="-122"/>
+                  <a:cs typeface="+mn-cs"/>
+                </a:rPr>
+                <a:t>make_unique</a:t>
+              </a:r>
+              <a:r>
+                <a:rPr kumimoji="0" lang="en-US" altLang="zh-CN" sz="1800" b="1" i="0" u="none" strike="noStrike" kern="1200" cap="none" spc="0" normalizeH="0" baseline="0" noProof="0" dirty="0">
+                  <a:ln>
+                    <a:noFill/>
+                  </a:ln>
+                  <a:solidFill>
+                    <a:prstClr val="black"/>
+                  </a:solidFill>
+                  <a:effectLst/>
+                  <a:uLnTx/>
+                  <a:uFillTx/>
+                  <a:latin typeface="Calibri"/>
+                  <a:ea typeface="宋体" panose="02010600030101010101" pitchFamily="2" charset="-122"/>
+                  <a:cs typeface="+mn-cs"/>
+                </a:rPr>
+                <a:t>() </a:t>
+              </a:r>
+              <a:r>
+                <a:rPr kumimoji="0" lang="en-US" altLang="zh-CN" sz="1800" b="0" i="0" u="none" strike="noStrike" kern="1200" cap="none" spc="0" normalizeH="0" baseline="0" noProof="0" dirty="0">
+                  <a:ln>
+                    <a:noFill/>
+                  </a:ln>
+                  <a:solidFill>
+                    <a:prstClr val="black"/>
+                  </a:solidFill>
+                  <a:effectLst/>
+                  <a:uLnTx/>
+                  <a:uFillTx/>
+                  <a:latin typeface="Calibri"/>
+                  <a:ea typeface="宋体" panose="02010600030101010101" pitchFamily="2" charset="-122"/>
+                  <a:cs typeface="+mn-cs"/>
+                </a:rPr>
+                <a:t>function</a:t>
+              </a:r>
+            </a:p>
+            <a:p>
+              <a:pPr marL="0" marR="0" lvl="0" indent="0" algn="l" defTabSz="914400" rtl="0" eaLnBrk="1" fontAlgn="auto" latinLnBrk="0" hangingPunct="1">
+                <a:lnSpc>
+                  <a:spcPct val="100000"/>
+                </a:lnSpc>
+                <a:spcBef>
+                  <a:spcPts val="0"/>
+                </a:spcBef>
+                <a:spcAft>
+                  <a:spcPts val="0"/>
+                </a:spcAft>
+                <a:buClrTx/>
+                <a:buSzTx/>
+                <a:buFontTx/>
+                <a:buNone/>
+                <a:tabLst/>
+                <a:defRPr/>
+              </a:pPr>
+              <a:r>
+                <a:rPr kumimoji="0" lang="en-US" altLang="zh-CN" sz="1800" b="0" i="0" u="none" strike="noStrike" kern="1200" cap="none" spc="0" normalizeH="0" baseline="0" noProof="0" dirty="0">
+                  <a:ln>
+                    <a:noFill/>
+                  </a:ln>
+                  <a:solidFill>
+                    <a:prstClr val="black"/>
+                  </a:solidFill>
+                  <a:effectLst/>
+                  <a:uLnTx/>
+                  <a:uFillTx/>
+                  <a:latin typeface="Calibri"/>
+                  <a:ea typeface="宋体" panose="02010600030101010101" pitchFamily="2" charset="-122"/>
+                  <a:cs typeface="+mn-cs"/>
+                </a:rPr>
+                <a:t>to create </a:t>
+              </a:r>
+              <a:r>
+                <a:rPr kumimoji="0" lang="en-US" altLang="zh-CN" sz="1800" b="0" i="0" u="none" strike="noStrike" kern="1200" cap="none" spc="0" normalizeH="0" baseline="0" noProof="0" dirty="0" err="1">
+                  <a:ln>
+                    <a:noFill/>
+                  </a:ln>
+                  <a:solidFill>
+                    <a:prstClr val="black"/>
+                  </a:solidFill>
+                  <a:effectLst/>
+                  <a:uLnTx/>
+                  <a:uFillTx/>
+                  <a:latin typeface="Calibri"/>
+                  <a:ea typeface="宋体" panose="02010600030101010101" pitchFamily="2" charset="-122"/>
+                  <a:cs typeface="+mn-cs"/>
+                </a:rPr>
+                <a:t>unique_ptr</a:t>
+              </a:r>
+              <a:r>
+                <a:rPr kumimoji="0" lang="en-US" altLang="zh-CN" sz="1800" b="0" i="0" u="none" strike="noStrike" kern="1200" cap="none" spc="0" normalizeH="0" baseline="0" noProof="0" dirty="0">
+                  <a:ln>
+                    <a:noFill/>
+                  </a:ln>
+                  <a:solidFill>
+                    <a:prstClr val="black"/>
+                  </a:solidFill>
+                  <a:effectLst/>
+                  <a:uLnTx/>
+                  <a:uFillTx/>
+                  <a:latin typeface="Calibri"/>
+                  <a:ea typeface="宋体" panose="02010600030101010101" pitchFamily="2" charset="-122"/>
+                  <a:cs typeface="+mn-cs"/>
+                </a:rPr>
+                <a:t>.  </a:t>
+              </a:r>
+              <a:r>
+                <a:rPr kumimoji="0" lang="en-US" altLang="zh-CN" sz="1800" b="0" i="0" u="none" strike="noStrike" kern="1200" cap="none" spc="0" normalizeH="0" baseline="0" noProof="0" dirty="0" err="1">
+                  <a:ln>
+                    <a:noFill/>
+                  </a:ln>
+                  <a:solidFill>
+                    <a:prstClr val="black"/>
+                  </a:solidFill>
+                  <a:effectLst/>
+                  <a:uLnTx/>
+                  <a:uFillTx/>
+                  <a:latin typeface="Calibri"/>
+                  <a:ea typeface="宋体" panose="02010600030101010101" pitchFamily="2" charset="-122"/>
+                  <a:cs typeface="+mn-cs"/>
+                </a:rPr>
+                <a:t>make_unique</a:t>
+              </a:r>
+              <a:r>
+                <a:rPr kumimoji="0" lang="en-US" altLang="zh-CN" sz="1800" b="0" i="0" u="none" strike="noStrike" kern="1200" cap="none" spc="0" normalizeH="0" baseline="0" noProof="0" dirty="0">
+                  <a:ln>
+                    <a:noFill/>
+                  </a:ln>
+                  <a:solidFill>
+                    <a:prstClr val="black"/>
+                  </a:solidFill>
+                  <a:effectLst/>
+                  <a:uLnTx/>
+                  <a:uFillTx/>
+                  <a:latin typeface="Calibri"/>
+                  <a:ea typeface="宋体" panose="02010600030101010101" pitchFamily="2" charset="-122"/>
+                  <a:cs typeface="+mn-cs"/>
+                </a:rPr>
+                <a:t>() is </a:t>
+              </a:r>
+            </a:p>
+            <a:p>
+              <a:pPr marL="0" marR="0" lvl="0" indent="0" algn="l" defTabSz="914400" rtl="0" eaLnBrk="1" fontAlgn="auto" latinLnBrk="0" hangingPunct="1">
+                <a:lnSpc>
+                  <a:spcPct val="100000"/>
+                </a:lnSpc>
+                <a:spcBef>
+                  <a:spcPts val="0"/>
+                </a:spcBef>
+                <a:spcAft>
+                  <a:spcPts val="0"/>
+                </a:spcAft>
+                <a:buClrTx/>
+                <a:buSzTx/>
+                <a:buFontTx/>
+                <a:buNone/>
+                <a:tabLst/>
+                <a:defRPr/>
+              </a:pPr>
+              <a:r>
+                <a:rPr kumimoji="0" lang="en-US" altLang="zh-CN" sz="1800" b="0" i="0" u="none" strike="noStrike" kern="1200" cap="none" spc="0" normalizeH="0" baseline="0" noProof="0" dirty="0">
+                  <a:ln>
+                    <a:noFill/>
+                  </a:ln>
+                  <a:solidFill>
+                    <a:prstClr val="black"/>
+                  </a:solidFill>
+                  <a:effectLst/>
+                  <a:uLnTx/>
+                  <a:uFillTx/>
+                  <a:latin typeface="Calibri"/>
+                  <a:ea typeface="宋体" panose="02010600030101010101" pitchFamily="2" charset="-122"/>
+                  <a:cs typeface="+mn-cs"/>
+                </a:rPr>
+                <a:t>recommended.</a:t>
+              </a:r>
+              <a:endParaRPr kumimoji="0" lang="zh-CN" altLang="en-US" sz="1800" b="0" i="0" u="none" strike="noStrike" kern="1200" cap="none" spc="0" normalizeH="0" baseline="0" noProof="0" dirty="0">
+                <a:ln>
+                  <a:noFill/>
+                </a:ln>
+                <a:solidFill>
+                  <a:prstClr val="black"/>
+                </a:solidFill>
+                <a:effectLst/>
+                <a:uLnTx/>
+                <a:uFillTx/>
+                <a:latin typeface="Calibri"/>
+                <a:ea typeface="宋体" panose="02010600030101010101" pitchFamily="2" charset="-122"/>
+                <a:cs typeface="+mn-cs"/>
+              </a:endParaRPr>
+            </a:p>
+          </p:txBody>
+        </p:sp>
+      </p:grpSp>
+    </p:spTree>
+    <p:extLst>
+      <p:ext uri="{BB962C8B-B14F-4D97-AF65-F5344CB8AC3E}">
+        <p14:creationId xmlns:p14="http://schemas.microsoft.com/office/powerpoint/2010/main" val="262817039"/>
+      </p:ext>
+    </p:extLst>
+  </p:cSld>
+  <p:clrMapOvr>
+    <a:masterClrMapping/>
+  </p:clrMapOvr>
+  <p:timing>
+    <p:tnLst>
+      <p:par>
+        <p:cTn id="1" dur="indefinite" restart="never" nodeType="tmRoot">
+          <p:childTnLst>
+            <p:seq concurrent="1" nextAc="seek">
+              <p:cTn id="2" dur="indefinite" nodeType="mainSeq">
+                <p:childTnLst>
+                  <p:par>
+                    <p:cTn id="3" fill="hold">
+                      <p:stCondLst>
+                        <p:cond delay="indefinite"/>
+                      </p:stCondLst>
+                      <p:childTnLst>
+                        <p:par>
+                          <p:cTn id="4" fill="hold">
+                            <p:stCondLst>
+                              <p:cond delay="0"/>
+                            </p:stCondLst>
+                            <p:childTnLst>
+                              <p:par>
+                                <p:cTn id="5" presetID="1" presetClass="entr" presetSubtype="0" fill="hold" nodeType="clickEffect">
+                                  <p:stCondLst>
+                                    <p:cond delay="0"/>
+                                  </p:stCondLst>
+                                  <p:childTnLst>
+                                    <p:set>
+                                      <p:cBhvr>
+                                        <p:cTn id="6" dur="1" fill="hold">
+                                          <p:stCondLst>
+                                            <p:cond delay="0"/>
+                                          </p:stCondLst>
+                                        </p:cTn>
+                                        <p:tgtEl>
+                                          <p:spTgt spid="38"/>
+                                        </p:tgtEl>
+                                        <p:attrNameLst>
+                                          <p:attrName>style.visibility</p:attrName>
+                                        </p:attrNameLst>
+                                      </p:cBhvr>
+                                      <p:to>
+                                        <p:strVal val="visible"/>
+                                      </p:to>
+                                    </p:set>
+                                  </p:childTnLst>
+                                </p:cTn>
+                              </p:par>
+                            </p:childTnLst>
+                          </p:cTn>
+                        </p:par>
+                      </p:childTnLst>
+                    </p:cTn>
+                  </p:par>
+                  <p:par>
+                    <p:cTn id="7" fill="hold">
+                      <p:stCondLst>
+                        <p:cond delay="indefinite"/>
+                      </p:stCondLst>
+                      <p:childTnLst>
+                        <p:par>
+                          <p:cTn id="8" fill="hold">
+                            <p:stCondLst>
+                              <p:cond delay="0"/>
+                            </p:stCondLst>
+                            <p:childTnLst>
+                              <p:par>
+                                <p:cTn id="9" presetID="1" presetClass="entr" presetSubtype="0" fill="hold" nodeType="clickEffect">
+                                  <p:stCondLst>
+                                    <p:cond delay="0"/>
+                                  </p:stCondLst>
+                                  <p:childTnLst>
+                                    <p:set>
+                                      <p:cBhvr>
+                                        <p:cTn id="10" dur="1" fill="hold">
+                                          <p:stCondLst>
+                                            <p:cond delay="0"/>
+                                          </p:stCondLst>
+                                        </p:cTn>
+                                        <p:tgtEl>
+                                          <p:spTgt spid="15"/>
+                                        </p:tgtEl>
+                                        <p:attrNameLst>
+                                          <p:attrName>style.visibility</p:attrName>
+                                        </p:attrNameLst>
+                                      </p:cBhvr>
+                                      <p:to>
+                                        <p:strVal val="visible"/>
+                                      </p:to>
+                                    </p:set>
+                                  </p:childTnLst>
+                                </p:cTn>
+                              </p:par>
+                            </p:childTnLst>
+                          </p:cTn>
+                        </p:par>
+                      </p:childTnLst>
+                    </p:cTn>
+                  </p:par>
+                  <p:par>
+                    <p:cTn id="11" fill="hold">
+                      <p:stCondLst>
+                        <p:cond delay="indefinite"/>
+                      </p:stCondLst>
+                      <p:childTnLst>
+                        <p:par>
+                          <p:cTn id="12" fill="hold">
+                            <p:stCondLst>
+                              <p:cond delay="0"/>
+                            </p:stCondLst>
+                            <p:childTnLst>
+                              <p:par>
+                                <p:cTn id="13" presetID="1" presetClass="entr" presetSubtype="0" fill="hold" nodeType="clickEffect">
+                                  <p:stCondLst>
+                                    <p:cond delay="0"/>
+                                  </p:stCondLst>
+                                  <p:childTnLst>
+                                    <p:set>
+                                      <p:cBhvr>
+                                        <p:cTn id="14" dur="1" fill="hold">
+                                          <p:stCondLst>
+                                            <p:cond delay="0"/>
+                                          </p:stCondLst>
+                                        </p:cTn>
+                                        <p:tgtEl>
+                                          <p:spTgt spid="20"/>
+                                        </p:tgtEl>
+                                        <p:attrNameLst>
+                                          <p:attrName>style.visibility</p:attrName>
+                                        </p:attrNameLst>
+                                      </p:cBhvr>
+                                      <p:to>
+                                        <p:strVal val="visible"/>
+                                      </p:to>
+                                    </p:set>
+                                  </p:childTnLst>
+                                </p:cTn>
+                              </p:par>
+                            </p:childTnLst>
+                          </p:cTn>
+                        </p:par>
+                      </p:childTnLst>
+                    </p:cTn>
+                  </p:par>
+                  <p:par>
+                    <p:cTn id="15" fill="hold">
+                      <p:stCondLst>
+                        <p:cond delay="indefinite"/>
+                      </p:stCondLst>
+                      <p:childTnLst>
+                        <p:par>
+                          <p:cTn id="16" fill="hold">
+                            <p:stCondLst>
+                              <p:cond delay="0"/>
+                            </p:stCondLst>
+                            <p:childTnLst>
+                              <p:par>
+                                <p:cTn id="17" presetID="1" presetClass="entr" presetSubtype="0" fill="hold" nodeType="clickEffect">
+                                  <p:stCondLst>
+                                    <p:cond delay="0"/>
+                                  </p:stCondLst>
+                                  <p:childTnLst>
+                                    <p:set>
+                                      <p:cBhvr>
+                                        <p:cTn id="18" dur="1" fill="hold">
+                                          <p:stCondLst>
+                                            <p:cond delay="0"/>
+                                          </p:stCondLst>
+                                        </p:cTn>
+                                        <p:tgtEl>
+                                          <p:spTgt spid="22"/>
+                                        </p:tgtEl>
+                                        <p:attrNameLst>
+                                          <p:attrName>style.visibility</p:attrName>
+                                        </p:attrNameLst>
+                                      </p:cBhvr>
+                                      <p:to>
+                                        <p:strVal val="visible"/>
+                                      </p:to>
+                                    </p:set>
+                                  </p:childTnLst>
+                                </p:cTn>
+                              </p:par>
+                            </p:childTnLst>
+                          </p:cTn>
+                        </p:par>
+                      </p:childTnLst>
+                    </p:cTn>
+                  </p:par>
+                  <p:par>
+                    <p:cTn id="19" fill="hold">
+                      <p:stCondLst>
+                        <p:cond delay="indefinite"/>
+                      </p:stCondLst>
+                      <p:childTnLst>
+                        <p:par>
+                          <p:cTn id="20" fill="hold">
+                            <p:stCondLst>
+                              <p:cond delay="0"/>
+                            </p:stCondLst>
+                            <p:childTnLst>
+                              <p:par>
+                                <p:cTn id="21" presetID="1" presetClass="entr" presetSubtype="0" fill="hold" grpId="0" nodeType="clickEffect">
+                                  <p:stCondLst>
+                                    <p:cond delay="0"/>
+                                  </p:stCondLst>
+                                  <p:childTnLst>
+                                    <p:set>
+                                      <p:cBhvr>
+                                        <p:cTn id="22" dur="1" fill="hold">
+                                          <p:stCondLst>
+                                            <p:cond delay="0"/>
+                                          </p:stCondLst>
+                                        </p:cTn>
+                                        <p:tgtEl>
+                                          <p:spTgt spid="23"/>
+                                        </p:tgtEl>
+                                        <p:attrNameLst>
+                                          <p:attrName>style.visibility</p:attrName>
+                                        </p:attrNameLst>
+                                      </p:cBhvr>
+                                      <p:to>
+                                        <p:strVal val="visible"/>
+                                      </p:to>
+                                    </p:set>
+                                  </p:childTnLst>
+                                </p:cTn>
+                              </p:par>
+                            </p:childTnLst>
+                          </p:cTn>
+                        </p:par>
+                      </p:childTnLst>
+                    </p:cTn>
+                  </p:par>
+                </p:childTnLst>
+              </p:cTn>
+              <p:prevCondLst>
+                <p:cond evt="onPrev" delay="0">
+                  <p:tgtEl>
+                    <p:sldTgt/>
+                  </p:tgtEl>
+                </p:cond>
+              </p:prevCondLst>
+              <p:nextCondLst>
+                <p:cond evt="onNext" delay="0">
+                  <p:tgtEl>
+                    <p:sldTgt/>
+                  </p:tgtEl>
+                </p:cond>
+              </p:nextCondLst>
+            </p:seq>
+          </p:childTnLst>
+        </p:cTn>
+      </p:par>
+    </p:tnLst>
+    <p:bldLst>
+      <p:bldP spid="23" grpId="0"/>
+    </p:bldLst>
+  </p:timing>
+</p:sld>
+</file>
+
+<file path=ppt/slides/slide13.xml><?xml version="1.0" encoding="utf-8"?>
 <p:sld xmlns:a="http://schemas.openxmlformats.org/drawingml/2006/main" xmlns:r="http://schemas.openxmlformats.org/officeDocument/2006/relationships" xmlns:p="http://schemas.openxmlformats.org/presentationml/2006/main">
   <p:cSld>
     <p:spTree>
@@ -5355,7 +7986,7 @@
 </p:sld>
 </file>
 
-<file path=ppt/slides/slide11.xml><?xml version="1.0" encoding="utf-8"?>
+<file path=ppt/slides/slide14.xml><?xml version="1.0" encoding="utf-8"?>
 <p:sld xmlns:a="http://schemas.openxmlformats.org/drawingml/2006/main" xmlns:r="http://schemas.openxmlformats.org/officeDocument/2006/relationships" xmlns:p="http://schemas.openxmlformats.org/presentationml/2006/main">
   <p:cSld>
     <p:spTree>
@@ -5496,7 +8127,7 @@
 </p:sld>
 </file>
 
-<file path=ppt/slides/slide12.xml><?xml version="1.0" encoding="utf-8"?>
+<file path=ppt/slides/slide15.xml><?xml version="1.0" encoding="utf-8"?>
 <p:sld xmlns:a="http://schemas.openxmlformats.org/drawingml/2006/main" xmlns:r="http://schemas.openxmlformats.org/officeDocument/2006/relationships" xmlns:p="http://schemas.openxmlformats.org/presentationml/2006/main">
   <p:cSld>
     <p:spTree>
@@ -6951,7 +9582,7 @@
 </p:sld>
 </file>
 
-<file path=ppt/slides/slide13.xml><?xml version="1.0" encoding="utf-8"?>
+<file path=ppt/slides/slide16.xml><?xml version="1.0" encoding="utf-8"?>
 <p:sld xmlns:a="http://schemas.openxmlformats.org/drawingml/2006/main" xmlns:r="http://schemas.openxmlformats.org/officeDocument/2006/relationships" xmlns:p="http://schemas.openxmlformats.org/presentationml/2006/main">
   <p:cSld>
     <p:spTree>
@@ -7030,7 +9661,7 @@
 </p:sld>
 </file>
 
-<file path=ppt/slides/slide14.xml><?xml version="1.0" encoding="utf-8"?>
+<file path=ppt/slides/slide17.xml><?xml version="1.0" encoding="utf-8"?>
 <p:sld xmlns:a="http://schemas.openxmlformats.org/drawingml/2006/main" xmlns:r="http://schemas.openxmlformats.org/officeDocument/2006/relationships" xmlns:p="http://schemas.openxmlformats.org/presentationml/2006/main">
   <p:cSld>
     <p:spTree>
@@ -7603,7 +10234,7 @@
 </p:sld>
 </file>
 
-<file path=ppt/slides/slide15.xml><?xml version="1.0" encoding="utf-8"?>
+<file path=ppt/slides/slide18.xml><?xml version="1.0" encoding="utf-8"?>
 <p:sld xmlns:a="http://schemas.openxmlformats.org/drawingml/2006/main" xmlns:r="http://schemas.openxmlformats.org/officeDocument/2006/relationships" xmlns:p="http://schemas.openxmlformats.org/presentationml/2006/main">
   <p:cSld>
     <p:spTree>
@@ -7654,13 +10285,13 @@
         </p:nvSpPr>
         <p:spPr>
           <a:xfrm>
-            <a:off x="705226" y="1299284"/>
-            <a:ext cx="11098848" cy="5020017"/>
+            <a:off x="668279" y="1206920"/>
+            <a:ext cx="11366701" cy="5020017"/>
           </a:xfrm>
         </p:spPr>
         <p:txBody>
           <a:bodyPr>
-            <a:normAutofit lnSpcReduction="10000"/>
+            <a:normAutofit fontScale="92500"/>
           </a:bodyPr>
           <a:lstStyle/>
           <a:p>
@@ -7672,76 +10303,108 @@
               <a:t>2.</a:t>
             </a:r>
             <a:r>
-              <a:rPr lang="en-US" altLang="zh-CN" b="0" dirty="0">
-                <a:effectLst/>
-              </a:rPr>
-              <a:t>Create a class Matrix </a:t>
-            </a:r>
-            <a:r>
-              <a:rPr lang="en-US" altLang="zh-CN" dirty="0"/>
-              <a:t>to describe a matrix</a:t>
-            </a:r>
-            <a:r>
-              <a:rPr lang="en-US" altLang="zh-CN" b="0" dirty="0">
-                <a:effectLst/>
-              </a:rPr>
-              <a:t>. The element type is float. </a:t>
-            </a:r>
-            <a:r>
-              <a:rPr lang="en-US" altLang="zh-CN" dirty="0"/>
-              <a:t>One member of the class is </a:t>
-            </a:r>
-            <a:r>
-              <a:rPr lang="en-US" altLang="zh-CN" dirty="0" err="1">
+              <a:rPr lang="en-US" altLang="zh-CN" sz="2800" dirty="0"/>
+              <a:t> Create a class Matrix to describe a matrix. The element type is float. One  member of the class is </a:t>
+            </a:r>
+            <a:r>
+              <a:rPr lang="en-US" altLang="zh-CN" sz="2800" dirty="0">
                 <a:solidFill>
                   <a:srgbClr val="0000CC"/>
                 </a:solidFill>
               </a:rPr>
-              <a:t>shared_ptr</a:t>
-            </a:r>
-            <a:r>
-              <a:rPr lang="en-US" altLang="zh-CN" dirty="0">
+              <a:t>a</a:t>
+            </a:r>
+            <a:r>
+              <a:rPr lang="zh-CN" altLang="en-US" sz="2800" dirty="0">
                 <a:solidFill>
                   <a:srgbClr val="0000CC"/>
                 </a:solidFill>
               </a:rPr>
-              <a:t>&lt;float&gt;</a:t>
-            </a:r>
-            <a:r>
-              <a:rPr lang="en-US" altLang="zh-CN" dirty="0"/>
-              <a:t> for the matrix data. </a:t>
-            </a:r>
-            <a:endParaRPr lang="en-US" altLang="zh-CN" b="0" dirty="0">
-              <a:effectLst/>
-            </a:endParaRPr>
+              <a:t> </a:t>
+            </a:r>
+            <a:r>
+              <a:rPr lang="en-US" altLang="zh-CN" sz="2800" dirty="0">
+                <a:solidFill>
+                  <a:srgbClr val="0000CC"/>
+                </a:solidFill>
+              </a:rPr>
+              <a:t>pointer(or</a:t>
+            </a:r>
+            <a:r>
+              <a:rPr lang="zh-CN" altLang="en-US" sz="2800" dirty="0">
+                <a:solidFill>
+                  <a:srgbClr val="0000CC"/>
+                </a:solidFill>
+              </a:rPr>
+              <a:t> </a:t>
+            </a:r>
+            <a:r>
+              <a:rPr lang="en-US" altLang="zh-CN" sz="2800" dirty="0">
+                <a:solidFill>
+                  <a:srgbClr val="0000CC"/>
+                </a:solidFill>
+              </a:rPr>
+              <a:t>a</a:t>
+            </a:r>
+            <a:r>
+              <a:rPr lang="zh-CN" altLang="en-US" sz="2800" dirty="0">
+                <a:solidFill>
+                  <a:srgbClr val="0000CC"/>
+                </a:solidFill>
+              </a:rPr>
+              <a:t> </a:t>
+            </a:r>
+            <a:r>
+              <a:rPr lang="en-US" altLang="zh-CN" sz="2800" dirty="0">
+                <a:solidFill>
+                  <a:srgbClr val="0000CC"/>
+                </a:solidFill>
+              </a:rPr>
+              <a:t>smart</a:t>
+            </a:r>
+            <a:r>
+              <a:rPr lang="zh-CN" altLang="en-US" sz="2800" dirty="0">
+                <a:solidFill>
+                  <a:srgbClr val="0000CC"/>
+                </a:solidFill>
+              </a:rPr>
+              <a:t> </a:t>
+            </a:r>
+            <a:r>
+              <a:rPr lang="en-US" altLang="zh-CN" sz="2800" dirty="0">
+                <a:solidFill>
+                  <a:srgbClr val="0000CC"/>
+                </a:solidFill>
+              </a:rPr>
+              <a:t>pointer) who points</a:t>
+            </a:r>
+            <a:r>
+              <a:rPr lang="en-US" altLang="zh-CN" sz="2800" dirty="0"/>
+              <a:t>  to the matrix data. </a:t>
+            </a:r>
           </a:p>
           <a:p>
             <a:pPr marL="0" indent="0">
               <a:buNone/>
             </a:pPr>
             <a:r>
-              <a:rPr lang="en-US" altLang="zh-CN" dirty="0"/>
+              <a:rPr lang="en-US" altLang="zh-CN" sz="2800" dirty="0"/>
               <a:t>The two matrices can share the same data through a copy constructor or a copy assignment.</a:t>
             </a:r>
-            <a:endParaRPr lang="en-US" altLang="zh-CN" b="0" dirty="0">
-              <a:effectLst/>
-            </a:endParaRPr>
           </a:p>
           <a:p>
             <a:pPr marL="0" indent="0">
               <a:buNone/>
             </a:pPr>
             <a:r>
-              <a:rPr lang="en-US" altLang="zh-CN" b="0" dirty="0">
-                <a:effectLst/>
-              </a:rPr>
+              <a:rPr lang="en-US" altLang="zh-CN" sz="2800" dirty="0"/>
               <a:t>The following code can run smoothly without memory problems.</a:t>
             </a:r>
-            <a:endParaRPr lang="en-US" altLang="zh-CN" sz="1600" b="0" dirty="0">
-              <a:effectLst/>
-            </a:endParaRPr>
-          </a:p>
-          <a:p>
+          </a:p>
+          <a:p>
+            <a:pPr marL="0" indent="0">
+              <a:buNone/>
+            </a:pPr>
             <a:endParaRPr lang="en-US" altLang="zh-CN" sz="1600" dirty="0">
               <a:latin typeface="Consolas" panose="020B0609020204030204" pitchFamily="49" charset="0"/>
             </a:endParaRPr>
@@ -7846,6 +10509,36 @@
           </a:p>
         </p:txBody>
       </p:sp>
+      <p:pic>
+        <p:nvPicPr>
+          <p:cNvPr id="8" name="图片 7">
+            <a:extLst>
+              <a:ext uri="{FF2B5EF4-FFF2-40B4-BE49-F238E27FC236}">
+                <a16:creationId xmlns:a16="http://schemas.microsoft.com/office/drawing/2014/main" id="{EA944F30-6B74-AA96-2ABF-8D0740336EF6}"/>
+              </a:ext>
+            </a:extLst>
+          </p:cNvPr>
+          <p:cNvPicPr>
+            <a:picLocks noChangeAspect="1"/>
+          </p:cNvPicPr>
+          <p:nvPr/>
+        </p:nvPicPr>
+        <p:blipFill>
+          <a:blip r:embed="rId2"/>
+          <a:stretch>
+            <a:fillRect/>
+          </a:stretch>
+        </p:blipFill>
+        <p:spPr>
+          <a:xfrm>
+            <a:off x="5898550" y="3330180"/>
+            <a:ext cx="1893154" cy="3449171"/>
+          </a:xfrm>
+          <a:prstGeom prst="rect">
+            <a:avLst/>
+          </a:prstGeom>
+        </p:spPr>
+      </p:pic>
     </p:spTree>
     <p:extLst>
       <p:ext uri="{BB962C8B-B14F-4D97-AF65-F5344CB8AC3E}">
@@ -10791,6 +13484,2288 @@
           <a:chExt cx="0" cy="0"/>
         </a:xfrm>
       </p:grpSpPr>
+      <p:pic>
+        <p:nvPicPr>
+          <p:cNvPr id="3" name="图片 2">
+            <a:extLst>
+              <a:ext uri="{FF2B5EF4-FFF2-40B4-BE49-F238E27FC236}">
+                <a16:creationId xmlns:a16="http://schemas.microsoft.com/office/drawing/2014/main" id="{FD1FEA88-B645-FFA7-E51A-84ACD1EB4C27}"/>
+              </a:ext>
+            </a:extLst>
+          </p:cNvPr>
+          <p:cNvPicPr>
+            <a:picLocks noChangeAspect="1"/>
+          </p:cNvPicPr>
+          <p:nvPr/>
+        </p:nvPicPr>
+        <p:blipFill>
+          <a:blip r:embed="rId2"/>
+          <a:stretch>
+            <a:fillRect/>
+          </a:stretch>
+        </p:blipFill>
+        <p:spPr>
+          <a:xfrm>
+            <a:off x="541097" y="1329197"/>
+            <a:ext cx="10961274" cy="4668050"/>
+          </a:xfrm>
+          <a:prstGeom prst="rect">
+            <a:avLst/>
+          </a:prstGeom>
+        </p:spPr>
+      </p:pic>
+      <p:grpSp>
+        <p:nvGrpSpPr>
+          <p:cNvPr id="6" name="组合 5">
+            <a:extLst>
+              <a:ext uri="{FF2B5EF4-FFF2-40B4-BE49-F238E27FC236}">
+                <a16:creationId xmlns:a16="http://schemas.microsoft.com/office/drawing/2014/main" id="{92AF43FE-1230-789D-3083-2020B9ABC52E}"/>
+              </a:ext>
+            </a:extLst>
+          </p:cNvPr>
+          <p:cNvGrpSpPr/>
+          <p:nvPr/>
+        </p:nvGrpSpPr>
+        <p:grpSpPr>
+          <a:xfrm>
+            <a:off x="863384" y="2286866"/>
+            <a:ext cx="7059628" cy="775981"/>
+            <a:chOff x="775855" y="1906105"/>
+            <a:chExt cx="7177717" cy="788961"/>
+          </a:xfrm>
+        </p:grpSpPr>
+        <p:sp>
+          <p:nvSpPr>
+            <p:cNvPr id="7" name="文本框 6">
+              <a:extLst>
+                <a:ext uri="{FF2B5EF4-FFF2-40B4-BE49-F238E27FC236}">
+                  <a16:creationId xmlns:a16="http://schemas.microsoft.com/office/drawing/2014/main" id="{FD4BC671-A268-397B-2836-84FF6A7DD4BB}"/>
+                </a:ext>
+              </a:extLst>
+            </p:cNvPr>
+            <p:cNvSpPr txBox="1"/>
+            <p:nvPr/>
+          </p:nvSpPr>
+          <p:spPr>
+            <a:xfrm>
+              <a:off x="3853901" y="1906105"/>
+              <a:ext cx="4099671" cy="377857"/>
+            </a:xfrm>
+            <a:prstGeom prst="rect">
+              <a:avLst/>
+            </a:prstGeom>
+            <a:noFill/>
+          </p:spPr>
+          <p:txBody>
+            <a:bodyPr wrap="square">
+              <a:spAutoFit/>
+            </a:bodyPr>
+            <a:lstStyle/>
+            <a:p>
+              <a:r>
+                <a:rPr lang="en-US" altLang="zh-CN" sz="1815" dirty="0"/>
+                <a:t>Define a smart pointer as a data member</a:t>
+              </a:r>
+              <a:endParaRPr lang="zh-CN" altLang="en-US" sz="1815" dirty="0"/>
+            </a:p>
+          </p:txBody>
+        </p:sp>
+        <p:grpSp>
+          <p:nvGrpSpPr>
+            <p:cNvPr id="8" name="组合 7">
+              <a:extLst>
+                <a:ext uri="{FF2B5EF4-FFF2-40B4-BE49-F238E27FC236}">
+                  <a16:creationId xmlns:a16="http://schemas.microsoft.com/office/drawing/2014/main" id="{96C3CEF4-7241-CD2C-052E-5172FB661E06}"/>
+                </a:ext>
+              </a:extLst>
+            </p:cNvPr>
+            <p:cNvGrpSpPr/>
+            <p:nvPr/>
+          </p:nvGrpSpPr>
+          <p:grpSpPr>
+            <a:xfrm>
+              <a:off x="775855" y="2225964"/>
+              <a:ext cx="3858354" cy="469102"/>
+              <a:chOff x="1496287" y="3482108"/>
+              <a:chExt cx="3858354" cy="469102"/>
+            </a:xfrm>
+          </p:grpSpPr>
+          <p:sp>
+            <p:nvSpPr>
+              <p:cNvPr id="9" name="矩形 8">
+                <a:extLst>
+                  <a:ext uri="{FF2B5EF4-FFF2-40B4-BE49-F238E27FC236}">
+                    <a16:creationId xmlns:a16="http://schemas.microsoft.com/office/drawing/2014/main" id="{B754CD42-87EA-2590-3406-3246CE9AEEDD}"/>
+                  </a:ext>
+                </a:extLst>
+              </p:cNvPr>
+              <p:cNvSpPr/>
+              <p:nvPr/>
+            </p:nvSpPr>
+            <p:spPr>
+              <a:xfrm>
+                <a:off x="1496287" y="3664883"/>
+                <a:ext cx="3858354" cy="286327"/>
+              </a:xfrm>
+              <a:prstGeom prst="rect">
+                <a:avLst/>
+              </a:prstGeom>
+              <a:noFill/>
+              <a:ln w="19050">
+                <a:solidFill>
+                  <a:srgbClr val="FF0000"/>
+                </a:solidFill>
+              </a:ln>
+            </p:spPr>
+            <p:style>
+              <a:lnRef idx="2">
+                <a:schemeClr val="accent1">
+                  <a:shade val="50000"/>
+                </a:schemeClr>
+              </a:lnRef>
+              <a:fillRef idx="1">
+                <a:schemeClr val="accent1"/>
+              </a:fillRef>
+              <a:effectRef idx="0">
+                <a:schemeClr val="accent1"/>
+              </a:effectRef>
+              <a:fontRef idx="minor">
+                <a:schemeClr val="lt1"/>
+              </a:fontRef>
+            </p:style>
+            <p:txBody>
+              <a:bodyPr rtlCol="0" anchor="ctr"/>
+              <a:lstStyle/>
+              <a:p>
+                <a:pPr algn="ctr"/>
+                <a:endParaRPr lang="zh-CN" altLang="en-US" sz="1608">
+                  <a:solidFill>
+                    <a:prstClr val="white"/>
+                  </a:solidFill>
+                </a:endParaRPr>
+              </a:p>
+            </p:txBody>
+          </p:sp>
+          <p:cxnSp>
+            <p:nvCxnSpPr>
+              <p:cNvPr id="10" name="直接箭头连接符 9">
+                <a:extLst>
+                  <a:ext uri="{FF2B5EF4-FFF2-40B4-BE49-F238E27FC236}">
+                    <a16:creationId xmlns:a16="http://schemas.microsoft.com/office/drawing/2014/main" id="{D076219F-F37C-921D-676B-65DF6054A93E}"/>
+                  </a:ext>
+                </a:extLst>
+              </p:cNvPr>
+              <p:cNvCxnSpPr>
+                <a:cxnSpLocks/>
+              </p:cNvCxnSpPr>
+              <p:nvPr/>
+            </p:nvCxnSpPr>
+            <p:spPr>
+              <a:xfrm flipH="1">
+                <a:off x="4574333" y="3482108"/>
+                <a:ext cx="435602" cy="286327"/>
+              </a:xfrm>
+              <a:prstGeom prst="straightConnector1">
+                <a:avLst/>
+              </a:prstGeom>
+              <a:ln w="19050">
+                <a:solidFill>
+                  <a:srgbClr val="FF0000"/>
+                </a:solidFill>
+                <a:tailEnd type="triangle"/>
+              </a:ln>
+            </p:spPr>
+            <p:style>
+              <a:lnRef idx="1">
+                <a:schemeClr val="accent1"/>
+              </a:lnRef>
+              <a:fillRef idx="0">
+                <a:schemeClr val="accent1"/>
+              </a:fillRef>
+              <a:effectRef idx="0">
+                <a:schemeClr val="accent1"/>
+              </a:effectRef>
+              <a:fontRef idx="minor">
+                <a:schemeClr val="tx1"/>
+              </a:fontRef>
+            </p:style>
+          </p:cxnSp>
+        </p:grpSp>
+      </p:grpSp>
+      <p:grpSp>
+        <p:nvGrpSpPr>
+          <p:cNvPr id="11" name="组合 10">
+            <a:extLst>
+              <a:ext uri="{FF2B5EF4-FFF2-40B4-BE49-F238E27FC236}">
+                <a16:creationId xmlns:a16="http://schemas.microsoft.com/office/drawing/2014/main" id="{7D611D09-7C07-A15A-8C73-B5EC009CB003}"/>
+              </a:ext>
+            </a:extLst>
+          </p:cNvPr>
+          <p:cNvGrpSpPr/>
+          <p:nvPr/>
+        </p:nvGrpSpPr>
+        <p:grpSpPr>
+          <a:xfrm>
+            <a:off x="6617180" y="3132243"/>
+            <a:ext cx="5033724" cy="1124702"/>
+            <a:chOff x="775854" y="1656603"/>
+            <a:chExt cx="5117924" cy="1143516"/>
+          </a:xfrm>
+        </p:grpSpPr>
+        <p:sp>
+          <p:nvSpPr>
+            <p:cNvPr id="12" name="文本框 11">
+              <a:extLst>
+                <a:ext uri="{FF2B5EF4-FFF2-40B4-BE49-F238E27FC236}">
+                  <a16:creationId xmlns:a16="http://schemas.microsoft.com/office/drawing/2014/main" id="{BD59C4D3-DF05-7FA5-1F32-E8F408A51FF0}"/>
+                </a:ext>
+              </a:extLst>
+            </p:cNvPr>
+            <p:cNvSpPr txBox="1"/>
+            <p:nvPr/>
+          </p:nvSpPr>
+          <p:spPr>
+            <a:xfrm>
+              <a:off x="775854" y="1656603"/>
+              <a:ext cx="5117924" cy="661836"/>
+            </a:xfrm>
+            <a:prstGeom prst="rect">
+              <a:avLst/>
+            </a:prstGeom>
+            <a:noFill/>
+          </p:spPr>
+          <p:txBody>
+            <a:bodyPr wrap="square">
+              <a:spAutoFit/>
+            </a:bodyPr>
+            <a:lstStyle/>
+            <a:p>
+              <a:r>
+                <a:rPr lang="en-US" altLang="zh-CN" sz="1815" dirty="0"/>
+                <a:t>Initialization list is used. Do not use assignment statement for smart pointer in constructor. </a:t>
+              </a:r>
+              <a:endParaRPr lang="zh-CN" altLang="en-US" sz="1815" dirty="0"/>
+            </a:p>
+          </p:txBody>
+        </p:sp>
+        <p:grpSp>
+          <p:nvGrpSpPr>
+            <p:cNvPr id="13" name="组合 12">
+              <a:extLst>
+                <a:ext uri="{FF2B5EF4-FFF2-40B4-BE49-F238E27FC236}">
+                  <a16:creationId xmlns:a16="http://schemas.microsoft.com/office/drawing/2014/main" id="{63D23513-F11D-596C-736B-C5F7DC0A7E13}"/>
+                </a:ext>
+              </a:extLst>
+            </p:cNvPr>
+            <p:cNvGrpSpPr/>
+            <p:nvPr/>
+          </p:nvGrpSpPr>
+          <p:grpSpPr>
+            <a:xfrm>
+              <a:off x="785782" y="2241772"/>
+              <a:ext cx="4054802" cy="558347"/>
+              <a:chOff x="1506214" y="3497916"/>
+              <a:chExt cx="4054802" cy="558347"/>
+            </a:xfrm>
+          </p:grpSpPr>
+          <p:sp>
+            <p:nvSpPr>
+              <p:cNvPr id="14" name="矩形 13">
+                <a:extLst>
+                  <a:ext uri="{FF2B5EF4-FFF2-40B4-BE49-F238E27FC236}">
+                    <a16:creationId xmlns:a16="http://schemas.microsoft.com/office/drawing/2014/main" id="{F4FF43DF-E645-BC3A-E3B1-27B4543BA8D2}"/>
+                  </a:ext>
+                </a:extLst>
+              </p:cNvPr>
+              <p:cNvSpPr/>
+              <p:nvPr/>
+            </p:nvSpPr>
+            <p:spPr>
+              <a:xfrm>
+                <a:off x="1506214" y="3714518"/>
+                <a:ext cx="4054802" cy="341745"/>
+              </a:xfrm>
+              <a:prstGeom prst="rect">
+                <a:avLst/>
+              </a:prstGeom>
+              <a:noFill/>
+              <a:ln w="19050">
+                <a:solidFill>
+                  <a:srgbClr val="FF0000"/>
+                </a:solidFill>
+              </a:ln>
+            </p:spPr>
+            <p:style>
+              <a:lnRef idx="2">
+                <a:schemeClr val="accent1">
+                  <a:shade val="50000"/>
+                </a:schemeClr>
+              </a:lnRef>
+              <a:fillRef idx="1">
+                <a:schemeClr val="accent1"/>
+              </a:fillRef>
+              <a:effectRef idx="0">
+                <a:schemeClr val="accent1"/>
+              </a:effectRef>
+              <a:fontRef idx="minor">
+                <a:schemeClr val="lt1"/>
+              </a:fontRef>
+            </p:style>
+            <p:txBody>
+              <a:bodyPr rtlCol="0" anchor="ctr"/>
+              <a:lstStyle/>
+              <a:p>
+                <a:pPr algn="ctr"/>
+                <a:endParaRPr lang="zh-CN" altLang="en-US" sz="1608">
+                  <a:solidFill>
+                    <a:prstClr val="white"/>
+                  </a:solidFill>
+                </a:endParaRPr>
+              </a:p>
+            </p:txBody>
+          </p:sp>
+          <p:cxnSp>
+            <p:nvCxnSpPr>
+              <p:cNvPr id="15" name="直接箭头连接符 14">
+                <a:extLst>
+                  <a:ext uri="{FF2B5EF4-FFF2-40B4-BE49-F238E27FC236}">
+                    <a16:creationId xmlns:a16="http://schemas.microsoft.com/office/drawing/2014/main" id="{C7F51F7F-1D8F-BC88-B765-458962F5099C}"/>
+                  </a:ext>
+                </a:extLst>
+              </p:cNvPr>
+              <p:cNvCxnSpPr>
+                <a:cxnSpLocks/>
+              </p:cNvCxnSpPr>
+              <p:nvPr/>
+            </p:nvCxnSpPr>
+            <p:spPr>
+              <a:xfrm flipH="1">
+                <a:off x="2128143" y="3497916"/>
+                <a:ext cx="435602" cy="286327"/>
+              </a:xfrm>
+              <a:prstGeom prst="straightConnector1">
+                <a:avLst/>
+              </a:prstGeom>
+              <a:ln w="19050">
+                <a:solidFill>
+                  <a:srgbClr val="FF0000"/>
+                </a:solidFill>
+                <a:tailEnd type="triangle"/>
+              </a:ln>
+            </p:spPr>
+            <p:style>
+              <a:lnRef idx="1">
+                <a:schemeClr val="accent1"/>
+              </a:lnRef>
+              <a:fillRef idx="0">
+                <a:schemeClr val="accent1"/>
+              </a:fillRef>
+              <a:effectRef idx="0">
+                <a:schemeClr val="accent1"/>
+              </a:effectRef>
+              <a:fontRef idx="minor">
+                <a:schemeClr val="tx1"/>
+              </a:fontRef>
+            </p:style>
+          </p:cxnSp>
+        </p:grpSp>
+      </p:grpSp>
+      <p:sp>
+        <p:nvSpPr>
+          <p:cNvPr id="16" name="文本框 15">
+            <a:extLst>
+              <a:ext uri="{FF2B5EF4-FFF2-40B4-BE49-F238E27FC236}">
+                <a16:creationId xmlns:a16="http://schemas.microsoft.com/office/drawing/2014/main" id="{D90782E9-2528-23BE-C8AD-555D10F93D22}"/>
+              </a:ext>
+            </a:extLst>
+          </p:cNvPr>
+          <p:cNvSpPr txBox="1"/>
+          <p:nvPr/>
+        </p:nvSpPr>
+        <p:spPr>
+          <a:xfrm>
+            <a:off x="1586725" y="514308"/>
+            <a:ext cx="6143069" cy="483337"/>
+          </a:xfrm>
+          <a:prstGeom prst="rect">
+            <a:avLst/>
+          </a:prstGeom>
+          <a:noFill/>
+        </p:spPr>
+        <p:txBody>
+          <a:bodyPr wrap="square" rtlCol="0">
+            <a:spAutoFit/>
+          </a:bodyPr>
+          <a:lstStyle/>
+          <a:p>
+            <a:r>
+              <a:rPr lang="en-US" altLang="zh-CN" sz="2541" dirty="0"/>
+              <a:t>A</a:t>
+            </a:r>
+            <a:r>
+              <a:rPr lang="zh-CN" altLang="en-US" sz="2541" dirty="0"/>
+              <a:t> </a:t>
+            </a:r>
+            <a:r>
+              <a:rPr lang="en-US" altLang="zh-CN" sz="2541" dirty="0"/>
+              <a:t>smart pointer as a data member </a:t>
+            </a:r>
+            <a:endParaRPr lang="zh-CN" altLang="en-US" sz="2541" dirty="0"/>
+          </a:p>
+        </p:txBody>
+      </p:sp>
+    </p:spTree>
+    <p:extLst>
+      <p:ext uri="{BB962C8B-B14F-4D97-AF65-F5344CB8AC3E}">
+        <p14:creationId xmlns:p14="http://schemas.microsoft.com/office/powerpoint/2010/main" val="2205807831"/>
+      </p:ext>
+    </p:extLst>
+  </p:cSld>
+  <p:clrMapOvr>
+    <a:masterClrMapping/>
+  </p:clrMapOvr>
+  <p:timing>
+    <p:tnLst>
+      <p:par>
+        <p:cTn id="1" dur="indefinite" restart="never" nodeType="tmRoot">
+          <p:childTnLst>
+            <p:seq concurrent="1" nextAc="seek">
+              <p:cTn id="2" dur="indefinite" nodeType="mainSeq">
+                <p:childTnLst>
+                  <p:par>
+                    <p:cTn id="3" fill="hold">
+                      <p:stCondLst>
+                        <p:cond delay="indefinite"/>
+                      </p:stCondLst>
+                      <p:childTnLst>
+                        <p:par>
+                          <p:cTn id="4" fill="hold">
+                            <p:stCondLst>
+                              <p:cond delay="0"/>
+                            </p:stCondLst>
+                            <p:childTnLst>
+                              <p:par>
+                                <p:cTn id="5" presetID="1" presetClass="entr" presetSubtype="0" fill="hold" nodeType="clickEffect">
+                                  <p:stCondLst>
+                                    <p:cond delay="0"/>
+                                  </p:stCondLst>
+                                  <p:childTnLst>
+                                    <p:set>
+                                      <p:cBhvr>
+                                        <p:cTn id="6" dur="1" fill="hold">
+                                          <p:stCondLst>
+                                            <p:cond delay="0"/>
+                                          </p:stCondLst>
+                                        </p:cTn>
+                                        <p:tgtEl>
+                                          <p:spTgt spid="6"/>
+                                        </p:tgtEl>
+                                        <p:attrNameLst>
+                                          <p:attrName>style.visibility</p:attrName>
+                                        </p:attrNameLst>
+                                      </p:cBhvr>
+                                      <p:to>
+                                        <p:strVal val="visible"/>
+                                      </p:to>
+                                    </p:set>
+                                  </p:childTnLst>
+                                </p:cTn>
+                              </p:par>
+                            </p:childTnLst>
+                          </p:cTn>
+                        </p:par>
+                      </p:childTnLst>
+                    </p:cTn>
+                  </p:par>
+                  <p:par>
+                    <p:cTn id="7" fill="hold">
+                      <p:stCondLst>
+                        <p:cond delay="indefinite"/>
+                      </p:stCondLst>
+                      <p:childTnLst>
+                        <p:par>
+                          <p:cTn id="8" fill="hold">
+                            <p:stCondLst>
+                              <p:cond delay="0"/>
+                            </p:stCondLst>
+                            <p:childTnLst>
+                              <p:par>
+                                <p:cTn id="9" presetID="1" presetClass="entr" presetSubtype="0" fill="hold" nodeType="clickEffect">
+                                  <p:stCondLst>
+                                    <p:cond delay="0"/>
+                                  </p:stCondLst>
+                                  <p:childTnLst>
+                                    <p:set>
+                                      <p:cBhvr>
+                                        <p:cTn id="10" dur="1" fill="hold">
+                                          <p:stCondLst>
+                                            <p:cond delay="0"/>
+                                          </p:stCondLst>
+                                        </p:cTn>
+                                        <p:tgtEl>
+                                          <p:spTgt spid="11"/>
+                                        </p:tgtEl>
+                                        <p:attrNameLst>
+                                          <p:attrName>style.visibility</p:attrName>
+                                        </p:attrNameLst>
+                                      </p:cBhvr>
+                                      <p:to>
+                                        <p:strVal val="visible"/>
+                                      </p:to>
+                                    </p:set>
+                                  </p:childTnLst>
+                                </p:cTn>
+                              </p:par>
+                            </p:childTnLst>
+                          </p:cTn>
+                        </p:par>
+                      </p:childTnLst>
+                    </p:cTn>
+                  </p:par>
+                </p:childTnLst>
+              </p:cTn>
+              <p:prevCondLst>
+                <p:cond evt="onPrev" delay="0">
+                  <p:tgtEl>
+                    <p:sldTgt/>
+                  </p:tgtEl>
+                </p:cond>
+              </p:prevCondLst>
+              <p:nextCondLst>
+                <p:cond evt="onNext" delay="0">
+                  <p:tgtEl>
+                    <p:sldTgt/>
+                  </p:tgtEl>
+                </p:cond>
+              </p:nextCondLst>
+            </p:seq>
+          </p:childTnLst>
+        </p:cTn>
+      </p:par>
+    </p:tnLst>
+  </p:timing>
+</p:sld>
+</file>
+
+<file path=ppt/slides/slide7.xml><?xml version="1.0" encoding="utf-8"?>
+<p:sld xmlns:a="http://schemas.openxmlformats.org/drawingml/2006/main" xmlns:r="http://schemas.openxmlformats.org/officeDocument/2006/relationships" xmlns:p="http://schemas.openxmlformats.org/presentationml/2006/main">
+  <p:cSld>
+    <p:spTree>
+      <p:nvGrpSpPr>
+        <p:cNvPr id="1" name=""/>
+        <p:cNvGrpSpPr/>
+        <p:nvPr/>
+      </p:nvGrpSpPr>
+      <p:grpSpPr>
+        <a:xfrm>
+          <a:off x="0" y="0"/>
+          <a:ext cx="0" cy="0"/>
+          <a:chOff x="0" y="0"/>
+          <a:chExt cx="0" cy="0"/>
+        </a:xfrm>
+      </p:grpSpPr>
+      <p:pic>
+        <p:nvPicPr>
+          <p:cNvPr id="22" name="图片 21">
+            <a:extLst>
+              <a:ext uri="{FF2B5EF4-FFF2-40B4-BE49-F238E27FC236}">
+                <a16:creationId xmlns:a16="http://schemas.microsoft.com/office/drawing/2014/main" id="{1626D719-DBE3-2BEC-433E-D52F5FEF18B0}"/>
+              </a:ext>
+            </a:extLst>
+          </p:cNvPr>
+          <p:cNvPicPr>
+            <a:picLocks noChangeAspect="1"/>
+          </p:cNvPicPr>
+          <p:nvPr/>
+        </p:nvPicPr>
+        <p:blipFill>
+          <a:blip r:embed="rId3"/>
+          <a:stretch>
+            <a:fillRect/>
+          </a:stretch>
+        </p:blipFill>
+        <p:spPr>
+          <a:xfrm>
+            <a:off x="634939" y="2019660"/>
+            <a:ext cx="5680878" cy="4676929"/>
+          </a:xfrm>
+          <a:prstGeom prst="rect">
+            <a:avLst/>
+          </a:prstGeom>
+        </p:spPr>
+      </p:pic>
+      <p:sp>
+        <p:nvSpPr>
+          <p:cNvPr id="2" name="TextBox 1"/>
+          <p:cNvSpPr txBox="1"/>
+          <p:nvPr/>
+        </p:nvSpPr>
+        <p:spPr>
+          <a:xfrm>
+            <a:off x="1568426" y="387127"/>
+            <a:ext cx="5239448" cy="483337"/>
+          </a:xfrm>
+          <a:prstGeom prst="rect">
+            <a:avLst/>
+          </a:prstGeom>
+          <a:noFill/>
+        </p:spPr>
+        <p:txBody>
+          <a:bodyPr wrap="none" rtlCol="0">
+            <a:spAutoFit/>
+          </a:bodyPr>
+          <a:lstStyle/>
+          <a:p>
+            <a:r>
+              <a:rPr lang="en-US" altLang="zh-CN" sz="2541" b="1" dirty="0"/>
+              <a:t>[ ] operator (array subscript operator)</a:t>
+            </a:r>
+            <a:endParaRPr lang="zh-CN" altLang="en-US" sz="2541" b="1" dirty="0"/>
+          </a:p>
+        </p:txBody>
+      </p:sp>
+      <p:grpSp>
+        <p:nvGrpSpPr>
+          <p:cNvPr id="26" name="组合 25">
+            <a:extLst>
+              <a:ext uri="{FF2B5EF4-FFF2-40B4-BE49-F238E27FC236}">
+                <a16:creationId xmlns:a16="http://schemas.microsoft.com/office/drawing/2014/main" id="{66C26C31-8972-CF6D-BC70-E27350643BAA}"/>
+              </a:ext>
+            </a:extLst>
+          </p:cNvPr>
+          <p:cNvGrpSpPr/>
+          <p:nvPr/>
+        </p:nvGrpSpPr>
+        <p:grpSpPr>
+          <a:xfrm>
+            <a:off x="901590" y="3975928"/>
+            <a:ext cx="11050850" cy="1817732"/>
+            <a:chOff x="882911" y="4380883"/>
+            <a:chExt cx="12176399" cy="2002871"/>
+          </a:xfrm>
+        </p:grpSpPr>
+        <p:sp>
+          <p:nvSpPr>
+            <p:cNvPr id="14" name="矩形 13"/>
+            <p:cNvSpPr/>
+            <p:nvPr/>
+          </p:nvSpPr>
+          <p:spPr>
+            <a:xfrm>
+              <a:off x="882911" y="5877764"/>
+              <a:ext cx="5968469" cy="505990"/>
+            </a:xfrm>
+            <a:prstGeom prst="rect">
+              <a:avLst/>
+            </a:prstGeom>
+            <a:noFill/>
+            <a:ln w="19050" cmpd="sng">
+              <a:solidFill>
+                <a:srgbClr val="FF0000"/>
+              </a:solidFill>
+            </a:ln>
+          </p:spPr>
+          <p:style>
+            <a:lnRef idx="2">
+              <a:schemeClr val="accent1">
+                <a:shade val="50000"/>
+              </a:schemeClr>
+            </a:lnRef>
+            <a:fillRef idx="1">
+              <a:schemeClr val="accent1"/>
+            </a:fillRef>
+            <a:effectRef idx="0">
+              <a:schemeClr val="accent1"/>
+            </a:effectRef>
+            <a:fontRef idx="minor">
+              <a:schemeClr val="lt1"/>
+            </a:fontRef>
+          </p:style>
+          <p:txBody>
+            <a:bodyPr rtlCol="0" anchor="ctr"/>
+            <a:lstStyle/>
+            <a:p>
+              <a:pPr algn="ctr"/>
+              <a:endParaRPr lang="zh-CN" altLang="en-US" sz="1634"/>
+            </a:p>
+          </p:txBody>
+        </p:sp>
+        <p:grpSp>
+          <p:nvGrpSpPr>
+            <p:cNvPr id="3" name="组合 2"/>
+            <p:cNvGrpSpPr/>
+            <p:nvPr/>
+          </p:nvGrpSpPr>
+          <p:grpSpPr>
+            <a:xfrm>
+              <a:off x="5811163" y="4380883"/>
+              <a:ext cx="7248147" cy="1550275"/>
+              <a:chOff x="5811163" y="4380883"/>
+              <a:chExt cx="7248147" cy="1550275"/>
+            </a:xfrm>
+          </p:grpSpPr>
+          <p:sp>
+            <p:nvSpPr>
+              <p:cNvPr id="15" name="TextBox 14"/>
+              <p:cNvSpPr txBox="1"/>
+              <p:nvPr/>
+            </p:nvSpPr>
+            <p:spPr>
+              <a:xfrm>
+                <a:off x="7240733" y="4380883"/>
+                <a:ext cx="5818577" cy="1025003"/>
+              </a:xfrm>
+              <a:prstGeom prst="rect">
+                <a:avLst/>
+              </a:prstGeom>
+              <a:noFill/>
+            </p:spPr>
+            <p:txBody>
+              <a:bodyPr wrap="square" rtlCol="0">
+                <a:spAutoFit/>
+              </a:bodyPr>
+              <a:lstStyle/>
+              <a:p>
+                <a:r>
+                  <a:rPr lang="en-US" altLang="zh-CN" sz="1815" dirty="0"/>
+                  <a:t>Usually, we overload [] operator with two versions,</a:t>
+                </a:r>
+              </a:p>
+              <a:p>
+                <a:r>
+                  <a:rPr lang="en-US" altLang="zh-CN" sz="1815" dirty="0"/>
+                  <a:t>const version for reading(</a:t>
+                </a:r>
+                <a:r>
+                  <a:rPr lang="en-US" altLang="zh-CN" sz="1815" dirty="0" err="1"/>
+                  <a:t>rvalue</a:t>
+                </a:r>
+                <a:r>
+                  <a:rPr lang="en-US" altLang="zh-CN" sz="1815" dirty="0"/>
+                  <a:t>) and non-const version for writing(</a:t>
+                </a:r>
+                <a:r>
+                  <a:rPr lang="en-US" altLang="zh-CN" sz="1815" dirty="0" err="1"/>
+                  <a:t>lvalue</a:t>
+                </a:r>
+                <a:r>
+                  <a:rPr lang="en-US" altLang="zh-CN" sz="1815" dirty="0"/>
+                  <a:t>).</a:t>
+                </a:r>
+                <a:endParaRPr lang="zh-CN" altLang="en-US" sz="1815" dirty="0"/>
+              </a:p>
+            </p:txBody>
+          </p:sp>
+          <p:cxnSp>
+            <p:nvCxnSpPr>
+              <p:cNvPr id="16" name="直接箭头连接符 15"/>
+              <p:cNvCxnSpPr>
+                <a:cxnSpLocks/>
+              </p:cNvCxnSpPr>
+              <p:nvPr/>
+            </p:nvCxnSpPr>
+            <p:spPr>
+              <a:xfrm flipH="1">
+                <a:off x="5811163" y="5290418"/>
+                <a:ext cx="1331234" cy="640740"/>
+              </a:xfrm>
+              <a:prstGeom prst="straightConnector1">
+                <a:avLst/>
+              </a:prstGeom>
+              <a:ln w="22225">
+                <a:solidFill>
+                  <a:srgbClr val="FF0000"/>
+                </a:solidFill>
+                <a:tailEnd type="arrow"/>
+              </a:ln>
+            </p:spPr>
+            <p:style>
+              <a:lnRef idx="1">
+                <a:schemeClr val="accent1"/>
+              </a:lnRef>
+              <a:fillRef idx="0">
+                <a:schemeClr val="accent1"/>
+              </a:fillRef>
+              <a:effectRef idx="0">
+                <a:schemeClr val="accent1"/>
+              </a:effectRef>
+              <a:fontRef idx="minor">
+                <a:schemeClr val="tx1"/>
+              </a:fontRef>
+            </p:style>
+          </p:cxnSp>
+        </p:grpSp>
+      </p:grpSp>
+      <p:sp>
+        <p:nvSpPr>
+          <p:cNvPr id="20" name="文本框 19">
+            <a:extLst>
+              <a:ext uri="{FF2B5EF4-FFF2-40B4-BE49-F238E27FC236}">
+                <a16:creationId xmlns:a16="http://schemas.microsoft.com/office/drawing/2014/main" id="{FD077B2D-FE10-E2FA-2ED0-07FCAE1F6FB8}"/>
+              </a:ext>
+            </a:extLst>
+          </p:cNvPr>
+          <p:cNvSpPr txBox="1"/>
+          <p:nvPr/>
+        </p:nvSpPr>
+        <p:spPr>
+          <a:xfrm>
+            <a:off x="634939" y="1174570"/>
+            <a:ext cx="11191614" cy="762645"/>
+          </a:xfrm>
+          <a:prstGeom prst="rect">
+            <a:avLst/>
+          </a:prstGeom>
+          <a:noFill/>
+        </p:spPr>
+        <p:txBody>
+          <a:bodyPr wrap="square" rtlCol="0">
+            <a:spAutoFit/>
+          </a:bodyPr>
+          <a:lstStyle/>
+          <a:p>
+            <a:r>
+              <a:rPr lang="en-US" altLang="zh-CN" sz="2178" dirty="0">
+                <a:solidFill>
+                  <a:srgbClr val="000000"/>
+                </a:solidFill>
+              </a:rPr>
+              <a:t>User-defined classes that provide array-like access that allows both reading and writing(modifying)</a:t>
+            </a:r>
+          </a:p>
+          <a:p>
+            <a:r>
+              <a:rPr lang="en-US" altLang="zh-CN" sz="2178" dirty="0">
+                <a:solidFill>
+                  <a:srgbClr val="000000"/>
+                </a:solidFill>
+              </a:rPr>
+              <a:t> typically define two overloads for operator</a:t>
+            </a:r>
+            <a:r>
+              <a:rPr lang="en-US" altLang="zh-CN" sz="2178" b="1" dirty="0"/>
+              <a:t>[]</a:t>
+            </a:r>
+            <a:r>
+              <a:rPr lang="en-US" altLang="zh-CN" sz="2178" dirty="0">
+                <a:solidFill>
+                  <a:srgbClr val="000000"/>
+                </a:solidFill>
+              </a:rPr>
+              <a:t>: const and non-const variants.</a:t>
+            </a:r>
+            <a:endParaRPr lang="zh-CN" altLang="en-US" sz="2178" dirty="0"/>
+          </a:p>
+        </p:txBody>
+      </p:sp>
+    </p:spTree>
+    <p:extLst>
+      <p:ext uri="{BB962C8B-B14F-4D97-AF65-F5344CB8AC3E}">
+        <p14:creationId xmlns:p14="http://schemas.microsoft.com/office/powerpoint/2010/main" val="1315721103"/>
+      </p:ext>
+    </p:extLst>
+  </p:cSld>
+  <p:clrMapOvr>
+    <a:masterClrMapping/>
+  </p:clrMapOvr>
+  <p:timing>
+    <p:tnLst>
+      <p:par>
+        <p:cTn id="1" dur="indefinite" restart="never" nodeType="tmRoot">
+          <p:childTnLst>
+            <p:seq concurrent="1" nextAc="seek">
+              <p:cTn id="2" dur="indefinite" nodeType="mainSeq">
+                <p:childTnLst>
+                  <p:par>
+                    <p:cTn id="3" fill="hold">
+                      <p:stCondLst>
+                        <p:cond delay="indefinite"/>
+                      </p:stCondLst>
+                      <p:childTnLst>
+                        <p:par>
+                          <p:cTn id="4" fill="hold">
+                            <p:stCondLst>
+                              <p:cond delay="0"/>
+                            </p:stCondLst>
+                            <p:childTnLst>
+                              <p:par>
+                                <p:cTn id="5" presetID="1" presetClass="entr" presetSubtype="0" fill="hold" nodeType="clickEffect">
+                                  <p:stCondLst>
+                                    <p:cond delay="0"/>
+                                  </p:stCondLst>
+                                  <p:childTnLst>
+                                    <p:set>
+                                      <p:cBhvr>
+                                        <p:cTn id="6" dur="1" fill="hold">
+                                          <p:stCondLst>
+                                            <p:cond delay="0"/>
+                                          </p:stCondLst>
+                                        </p:cTn>
+                                        <p:tgtEl>
+                                          <p:spTgt spid="22"/>
+                                        </p:tgtEl>
+                                        <p:attrNameLst>
+                                          <p:attrName>style.visibility</p:attrName>
+                                        </p:attrNameLst>
+                                      </p:cBhvr>
+                                      <p:to>
+                                        <p:strVal val="visible"/>
+                                      </p:to>
+                                    </p:set>
+                                  </p:childTnLst>
+                                </p:cTn>
+                              </p:par>
+                            </p:childTnLst>
+                          </p:cTn>
+                        </p:par>
+                      </p:childTnLst>
+                    </p:cTn>
+                  </p:par>
+                  <p:par>
+                    <p:cTn id="7" fill="hold">
+                      <p:stCondLst>
+                        <p:cond delay="indefinite"/>
+                      </p:stCondLst>
+                      <p:childTnLst>
+                        <p:par>
+                          <p:cTn id="8" fill="hold">
+                            <p:stCondLst>
+                              <p:cond delay="0"/>
+                            </p:stCondLst>
+                            <p:childTnLst>
+                              <p:par>
+                                <p:cTn id="9" presetID="1" presetClass="entr" presetSubtype="0" fill="hold" nodeType="clickEffect">
+                                  <p:stCondLst>
+                                    <p:cond delay="0"/>
+                                  </p:stCondLst>
+                                  <p:childTnLst>
+                                    <p:set>
+                                      <p:cBhvr>
+                                        <p:cTn id="10" dur="1" fill="hold">
+                                          <p:stCondLst>
+                                            <p:cond delay="0"/>
+                                          </p:stCondLst>
+                                        </p:cTn>
+                                        <p:tgtEl>
+                                          <p:spTgt spid="26"/>
+                                        </p:tgtEl>
+                                        <p:attrNameLst>
+                                          <p:attrName>style.visibility</p:attrName>
+                                        </p:attrNameLst>
+                                      </p:cBhvr>
+                                      <p:to>
+                                        <p:strVal val="visible"/>
+                                      </p:to>
+                                    </p:set>
+                                  </p:childTnLst>
+                                </p:cTn>
+                              </p:par>
+                            </p:childTnLst>
+                          </p:cTn>
+                        </p:par>
+                      </p:childTnLst>
+                    </p:cTn>
+                  </p:par>
+                </p:childTnLst>
+              </p:cTn>
+              <p:prevCondLst>
+                <p:cond evt="onPrev" delay="0">
+                  <p:tgtEl>
+                    <p:sldTgt/>
+                  </p:tgtEl>
+                </p:cond>
+              </p:prevCondLst>
+              <p:nextCondLst>
+                <p:cond evt="onNext" delay="0">
+                  <p:tgtEl>
+                    <p:sldTgt/>
+                  </p:tgtEl>
+                </p:cond>
+              </p:nextCondLst>
+            </p:seq>
+          </p:childTnLst>
+        </p:cTn>
+      </p:par>
+    </p:tnLst>
+  </p:timing>
+</p:sld>
+</file>
+
+<file path=ppt/slides/slide8.xml><?xml version="1.0" encoding="utf-8"?>
+<p:sld xmlns:a="http://schemas.openxmlformats.org/drawingml/2006/main" xmlns:r="http://schemas.openxmlformats.org/officeDocument/2006/relationships" xmlns:p="http://schemas.openxmlformats.org/presentationml/2006/main">
+  <p:cSld>
+    <p:spTree>
+      <p:nvGrpSpPr>
+        <p:cNvPr id="1" name=""/>
+        <p:cNvGrpSpPr/>
+        <p:nvPr/>
+      </p:nvGrpSpPr>
+      <p:grpSpPr>
+        <a:xfrm>
+          <a:off x="0" y="0"/>
+          <a:ext cx="0" cy="0"/>
+          <a:chOff x="0" y="0"/>
+          <a:chExt cx="0" cy="0"/>
+        </a:xfrm>
+      </p:grpSpPr>
+      <p:pic>
+        <p:nvPicPr>
+          <p:cNvPr id="3" name="图片 2">
+            <a:extLst>
+              <a:ext uri="{FF2B5EF4-FFF2-40B4-BE49-F238E27FC236}">
+                <a16:creationId xmlns:a16="http://schemas.microsoft.com/office/drawing/2014/main" id="{20BAFEE0-02B8-1833-B071-5193735B2AD3}"/>
+              </a:ext>
+            </a:extLst>
+          </p:cNvPr>
+          <p:cNvPicPr>
+            <a:picLocks noChangeAspect="1"/>
+          </p:cNvPicPr>
+          <p:nvPr/>
+        </p:nvPicPr>
+        <p:blipFill>
+          <a:blip r:embed="rId2"/>
+          <a:stretch>
+            <a:fillRect/>
+          </a:stretch>
+        </p:blipFill>
+        <p:spPr>
+          <a:xfrm>
+            <a:off x="1392236" y="292114"/>
+            <a:ext cx="5921508" cy="6163555"/>
+          </a:xfrm>
+          <a:prstGeom prst="rect">
+            <a:avLst/>
+          </a:prstGeom>
+        </p:spPr>
+      </p:pic>
+      <p:grpSp>
+        <p:nvGrpSpPr>
+          <p:cNvPr id="4" name="组合 3">
+            <a:extLst>
+              <a:ext uri="{FF2B5EF4-FFF2-40B4-BE49-F238E27FC236}">
+                <a16:creationId xmlns:a16="http://schemas.microsoft.com/office/drawing/2014/main" id="{8CAD6172-530A-D4CC-413F-DC135FDE5390}"/>
+              </a:ext>
+            </a:extLst>
+          </p:cNvPr>
+          <p:cNvGrpSpPr/>
+          <p:nvPr/>
+        </p:nvGrpSpPr>
+        <p:grpSpPr>
+          <a:xfrm>
+            <a:off x="1849697" y="3480356"/>
+            <a:ext cx="5547150" cy="650946"/>
+            <a:chOff x="1133772" y="5661607"/>
+            <a:chExt cx="6112137" cy="717246"/>
+          </a:xfrm>
+        </p:grpSpPr>
+        <p:sp>
+          <p:nvSpPr>
+            <p:cNvPr id="5" name="矩形 4">
+              <a:extLst>
+                <a:ext uri="{FF2B5EF4-FFF2-40B4-BE49-F238E27FC236}">
+                  <a16:creationId xmlns:a16="http://schemas.microsoft.com/office/drawing/2014/main" id="{5A1649CF-C4FD-C60E-B85C-195CCEEB8738}"/>
+                </a:ext>
+              </a:extLst>
+            </p:cNvPr>
+            <p:cNvSpPr/>
+            <p:nvPr/>
+          </p:nvSpPr>
+          <p:spPr>
+            <a:xfrm>
+              <a:off x="1133772" y="6015550"/>
+              <a:ext cx="1512169" cy="346687"/>
+            </a:xfrm>
+            <a:prstGeom prst="rect">
+              <a:avLst/>
+            </a:prstGeom>
+            <a:noFill/>
+            <a:ln w="19050" cmpd="sng">
+              <a:solidFill>
+                <a:srgbClr val="FF0000"/>
+              </a:solidFill>
+            </a:ln>
+          </p:spPr>
+          <p:style>
+            <a:lnRef idx="2">
+              <a:schemeClr val="accent1">
+                <a:shade val="50000"/>
+              </a:schemeClr>
+            </a:lnRef>
+            <a:fillRef idx="1">
+              <a:schemeClr val="accent1"/>
+            </a:fillRef>
+            <a:effectRef idx="0">
+              <a:schemeClr val="accent1"/>
+            </a:effectRef>
+            <a:fontRef idx="minor">
+              <a:schemeClr val="lt1"/>
+            </a:fontRef>
+          </p:style>
+          <p:txBody>
+            <a:bodyPr rtlCol="0" anchor="ctr"/>
+            <a:lstStyle/>
+            <a:p>
+              <a:pPr algn="ctr"/>
+              <a:endParaRPr lang="zh-CN" altLang="en-US" sz="1634" dirty="0"/>
+            </a:p>
+          </p:txBody>
+        </p:sp>
+        <p:grpSp>
+          <p:nvGrpSpPr>
+            <p:cNvPr id="6" name="组合 5">
+              <a:extLst>
+                <a:ext uri="{FF2B5EF4-FFF2-40B4-BE49-F238E27FC236}">
+                  <a16:creationId xmlns:a16="http://schemas.microsoft.com/office/drawing/2014/main" id="{7CCA31B8-C482-2905-75B4-A556BC76E803}"/>
+                </a:ext>
+              </a:extLst>
+            </p:cNvPr>
+            <p:cNvGrpSpPr/>
+            <p:nvPr/>
+          </p:nvGrpSpPr>
+          <p:grpSpPr>
+            <a:xfrm>
+              <a:off x="2501925" y="5661607"/>
+              <a:ext cx="4743984" cy="717246"/>
+              <a:chOff x="2501925" y="5661607"/>
+              <a:chExt cx="4743984" cy="717246"/>
+            </a:xfrm>
+          </p:grpSpPr>
+          <p:sp>
+            <p:nvSpPr>
+              <p:cNvPr id="7" name="TextBox 14">
+                <a:extLst>
+                  <a:ext uri="{FF2B5EF4-FFF2-40B4-BE49-F238E27FC236}">
+                    <a16:creationId xmlns:a16="http://schemas.microsoft.com/office/drawing/2014/main" id="{75514835-C7FE-1FF0-47E7-494D456EFC20}"/>
+                  </a:ext>
+                </a:extLst>
+              </p:cNvPr>
+              <p:cNvSpPr txBox="1"/>
+              <p:nvPr/>
+            </p:nvSpPr>
+            <p:spPr>
+              <a:xfrm>
+                <a:off x="2934157" y="5661607"/>
+                <a:ext cx="4311752" cy="717246"/>
+              </a:xfrm>
+              <a:prstGeom prst="rect">
+                <a:avLst/>
+              </a:prstGeom>
+              <a:noFill/>
+            </p:spPr>
+            <p:txBody>
+              <a:bodyPr wrap="none" rtlCol="0">
+                <a:spAutoFit/>
+              </a:bodyPr>
+              <a:lstStyle/>
+              <a:p>
+                <a:r>
+                  <a:rPr lang="en-US" altLang="zh-CN" sz="1815" dirty="0">
+                    <a:solidFill>
+                      <a:schemeClr val="bg1"/>
+                    </a:solidFill>
+                  </a:rPr>
+                  <a:t>For</a:t>
+                </a:r>
+                <a:r>
+                  <a:rPr lang="zh-CN" altLang="en-US" sz="1815" dirty="0">
+                    <a:solidFill>
+                      <a:schemeClr val="bg1"/>
+                    </a:solidFill>
+                  </a:rPr>
+                  <a:t> </a:t>
+                </a:r>
+                <a:r>
+                  <a:rPr lang="en-US" altLang="zh-CN" sz="1815" dirty="0">
+                    <a:solidFill>
+                      <a:schemeClr val="bg1"/>
+                    </a:solidFill>
+                  </a:rPr>
+                  <a:t>non-const</a:t>
+                </a:r>
+                <a:r>
+                  <a:rPr lang="zh-CN" altLang="en-US" sz="1815" dirty="0">
+                    <a:solidFill>
+                      <a:schemeClr val="bg1"/>
+                    </a:solidFill>
+                  </a:rPr>
+                  <a:t> </a:t>
+                </a:r>
+                <a:r>
+                  <a:rPr lang="en-US" altLang="zh-CN" sz="1815" dirty="0">
+                    <a:solidFill>
+                      <a:schemeClr val="bg1"/>
+                    </a:solidFill>
+                  </a:rPr>
+                  <a:t>string,</a:t>
+                </a:r>
+                <a:r>
+                  <a:rPr lang="zh-CN" altLang="en-US" sz="1815" dirty="0">
+                    <a:solidFill>
+                      <a:schemeClr val="bg1"/>
+                    </a:solidFill>
+                  </a:rPr>
+                  <a:t> </a:t>
+                </a:r>
+                <a:r>
+                  <a:rPr lang="en-US" altLang="zh-CN" sz="1815" dirty="0">
+                    <a:solidFill>
+                      <a:schemeClr val="bg1"/>
+                    </a:solidFill>
+                  </a:rPr>
+                  <a:t>you</a:t>
+                </a:r>
+                <a:r>
+                  <a:rPr lang="zh-CN" altLang="en-US" sz="1815" dirty="0">
+                    <a:solidFill>
+                      <a:schemeClr val="bg1"/>
+                    </a:solidFill>
+                  </a:rPr>
+                  <a:t> </a:t>
+                </a:r>
+                <a:r>
+                  <a:rPr lang="en-US" altLang="zh-CN" sz="1815" dirty="0">
+                    <a:solidFill>
+                      <a:schemeClr val="bg1"/>
+                    </a:solidFill>
+                  </a:rPr>
+                  <a:t>can</a:t>
+                </a:r>
+                <a:r>
+                  <a:rPr lang="zh-CN" altLang="en-US" sz="1815" dirty="0">
+                    <a:solidFill>
+                      <a:schemeClr val="bg1"/>
+                    </a:solidFill>
+                  </a:rPr>
+                  <a:t> </a:t>
+                </a:r>
+                <a:r>
+                  <a:rPr lang="en-US" altLang="zh-CN" sz="1815" dirty="0">
+                    <a:solidFill>
+                      <a:schemeClr val="bg1"/>
+                    </a:solidFill>
+                  </a:rPr>
+                  <a:t>modify</a:t>
+                </a:r>
+                <a:r>
+                  <a:rPr lang="zh-CN" altLang="en-US" sz="1815" dirty="0">
+                    <a:solidFill>
+                      <a:schemeClr val="bg1"/>
+                    </a:solidFill>
+                  </a:rPr>
+                  <a:t> </a:t>
+                </a:r>
+                <a:r>
+                  <a:rPr lang="en-US" altLang="zh-CN" sz="1815" dirty="0">
+                    <a:solidFill>
+                      <a:schemeClr val="bg1"/>
+                    </a:solidFill>
+                  </a:rPr>
+                  <a:t>its</a:t>
+                </a:r>
+              </a:p>
+              <a:p>
+                <a:r>
+                  <a:rPr lang="en-US" altLang="zh-CN" sz="1815" dirty="0">
+                    <a:solidFill>
+                      <a:schemeClr val="bg1"/>
+                    </a:solidFill>
+                  </a:rPr>
+                  <a:t>value by non-const [] operator function</a:t>
+                </a:r>
+                <a:endParaRPr lang="zh-CN" altLang="en-US" sz="1815" dirty="0">
+                  <a:solidFill>
+                    <a:schemeClr val="bg1"/>
+                  </a:solidFill>
+                </a:endParaRPr>
+              </a:p>
+            </p:txBody>
+          </p:sp>
+          <p:cxnSp>
+            <p:nvCxnSpPr>
+              <p:cNvPr id="8" name="直接箭头连接符 7">
+                <a:extLst>
+                  <a:ext uri="{FF2B5EF4-FFF2-40B4-BE49-F238E27FC236}">
+                    <a16:creationId xmlns:a16="http://schemas.microsoft.com/office/drawing/2014/main" id="{20B289D9-FD60-37C4-ED68-5D5FDEA46629}"/>
+                  </a:ext>
+                </a:extLst>
+              </p:cNvPr>
+              <p:cNvCxnSpPr>
+                <a:cxnSpLocks/>
+              </p:cNvCxnSpPr>
+              <p:nvPr/>
+            </p:nvCxnSpPr>
+            <p:spPr>
+              <a:xfrm flipH="1">
+                <a:off x="2501925" y="6015550"/>
+                <a:ext cx="504055" cy="136684"/>
+              </a:xfrm>
+              <a:prstGeom prst="straightConnector1">
+                <a:avLst/>
+              </a:prstGeom>
+              <a:ln w="22225">
+                <a:solidFill>
+                  <a:srgbClr val="FF0000"/>
+                </a:solidFill>
+                <a:tailEnd type="arrow"/>
+              </a:ln>
+            </p:spPr>
+            <p:style>
+              <a:lnRef idx="1">
+                <a:schemeClr val="accent1"/>
+              </a:lnRef>
+              <a:fillRef idx="0">
+                <a:schemeClr val="accent1"/>
+              </a:fillRef>
+              <a:effectRef idx="0">
+                <a:schemeClr val="accent1"/>
+              </a:effectRef>
+              <a:fontRef idx="minor">
+                <a:schemeClr val="tx1"/>
+              </a:fontRef>
+            </p:style>
+          </p:cxnSp>
+        </p:grpSp>
+      </p:grpSp>
+      <p:grpSp>
+        <p:nvGrpSpPr>
+          <p:cNvPr id="10" name="组合 9">
+            <a:extLst>
+              <a:ext uri="{FF2B5EF4-FFF2-40B4-BE49-F238E27FC236}">
+                <a16:creationId xmlns:a16="http://schemas.microsoft.com/office/drawing/2014/main" id="{6AFBDE4F-5EEB-12F2-A63E-623326359757}"/>
+              </a:ext>
+            </a:extLst>
+          </p:cNvPr>
+          <p:cNvGrpSpPr/>
+          <p:nvPr/>
+        </p:nvGrpSpPr>
+        <p:grpSpPr>
+          <a:xfrm>
+            <a:off x="1968483" y="4093583"/>
+            <a:ext cx="5486235" cy="650947"/>
+            <a:chOff x="1133772" y="5814519"/>
+            <a:chExt cx="6045019" cy="717248"/>
+          </a:xfrm>
+        </p:grpSpPr>
+        <p:sp>
+          <p:nvSpPr>
+            <p:cNvPr id="11" name="矩形 10">
+              <a:extLst>
+                <a:ext uri="{FF2B5EF4-FFF2-40B4-BE49-F238E27FC236}">
+                  <a16:creationId xmlns:a16="http://schemas.microsoft.com/office/drawing/2014/main" id="{7955B173-16F0-C601-EF47-E55B9D86B18E}"/>
+                </a:ext>
+              </a:extLst>
+            </p:cNvPr>
+            <p:cNvSpPr/>
+            <p:nvPr/>
+          </p:nvSpPr>
+          <p:spPr>
+            <a:xfrm>
+              <a:off x="1133772" y="6015550"/>
+              <a:ext cx="1512169" cy="346687"/>
+            </a:xfrm>
+            <a:prstGeom prst="rect">
+              <a:avLst/>
+            </a:prstGeom>
+            <a:noFill/>
+            <a:ln w="19050" cmpd="sng">
+              <a:solidFill>
+                <a:srgbClr val="FF0000"/>
+              </a:solidFill>
+            </a:ln>
+          </p:spPr>
+          <p:style>
+            <a:lnRef idx="2">
+              <a:schemeClr val="accent1">
+                <a:shade val="50000"/>
+              </a:schemeClr>
+            </a:lnRef>
+            <a:fillRef idx="1">
+              <a:schemeClr val="accent1"/>
+            </a:fillRef>
+            <a:effectRef idx="0">
+              <a:schemeClr val="accent1"/>
+            </a:effectRef>
+            <a:fontRef idx="minor">
+              <a:schemeClr val="lt1"/>
+            </a:fontRef>
+          </p:style>
+          <p:txBody>
+            <a:bodyPr rtlCol="0" anchor="ctr"/>
+            <a:lstStyle/>
+            <a:p>
+              <a:pPr algn="ctr"/>
+              <a:endParaRPr lang="zh-CN" altLang="en-US" sz="1634"/>
+            </a:p>
+          </p:txBody>
+        </p:sp>
+        <p:grpSp>
+          <p:nvGrpSpPr>
+            <p:cNvPr id="12" name="组合 11">
+              <a:extLst>
+                <a:ext uri="{FF2B5EF4-FFF2-40B4-BE49-F238E27FC236}">
+                  <a16:creationId xmlns:a16="http://schemas.microsoft.com/office/drawing/2014/main" id="{7175EB57-A432-75C1-3555-2AB0DD5255B3}"/>
+                </a:ext>
+              </a:extLst>
+            </p:cNvPr>
+            <p:cNvGrpSpPr/>
+            <p:nvPr/>
+          </p:nvGrpSpPr>
+          <p:grpSpPr>
+            <a:xfrm>
+              <a:off x="2501925" y="5814519"/>
+              <a:ext cx="4676866" cy="717248"/>
+              <a:chOff x="2501925" y="5814519"/>
+              <a:chExt cx="4676866" cy="717248"/>
+            </a:xfrm>
+          </p:grpSpPr>
+          <p:sp>
+            <p:nvSpPr>
+              <p:cNvPr id="13" name="TextBox 14">
+                <a:extLst>
+                  <a:ext uri="{FF2B5EF4-FFF2-40B4-BE49-F238E27FC236}">
+                    <a16:creationId xmlns:a16="http://schemas.microsoft.com/office/drawing/2014/main" id="{9CBBBFF1-ED19-EAE8-37F2-EA95BF564D08}"/>
+                  </a:ext>
+                </a:extLst>
+              </p:cNvPr>
+              <p:cNvSpPr txBox="1"/>
+              <p:nvPr/>
+            </p:nvSpPr>
+            <p:spPr>
+              <a:xfrm>
+                <a:off x="2934157" y="5814519"/>
+                <a:ext cx="4244634" cy="717248"/>
+              </a:xfrm>
+              <a:prstGeom prst="rect">
+                <a:avLst/>
+              </a:prstGeom>
+              <a:noFill/>
+            </p:spPr>
+            <p:txBody>
+              <a:bodyPr wrap="none" rtlCol="0">
+                <a:spAutoFit/>
+              </a:bodyPr>
+              <a:lstStyle/>
+              <a:p>
+                <a:r>
+                  <a:rPr lang="en-US" altLang="zh-CN" sz="1815" dirty="0">
+                    <a:solidFill>
+                      <a:schemeClr val="bg1"/>
+                    </a:solidFill>
+                  </a:rPr>
+                  <a:t>For</a:t>
+                </a:r>
+                <a:r>
+                  <a:rPr lang="zh-CN" altLang="en-US" sz="1815" dirty="0">
+                    <a:solidFill>
+                      <a:schemeClr val="bg1"/>
+                    </a:solidFill>
+                  </a:rPr>
+                  <a:t> </a:t>
+                </a:r>
+                <a:r>
+                  <a:rPr lang="en-US" altLang="zh-CN" sz="1815" dirty="0">
+                    <a:solidFill>
+                      <a:schemeClr val="bg1"/>
+                    </a:solidFill>
+                  </a:rPr>
+                  <a:t>const</a:t>
+                </a:r>
+                <a:r>
+                  <a:rPr lang="zh-CN" altLang="en-US" sz="1815" dirty="0">
+                    <a:solidFill>
+                      <a:schemeClr val="bg1"/>
+                    </a:solidFill>
+                  </a:rPr>
+                  <a:t> </a:t>
+                </a:r>
+                <a:r>
+                  <a:rPr lang="en-US" altLang="zh-CN" sz="1815" dirty="0">
+                    <a:solidFill>
+                      <a:schemeClr val="bg1"/>
+                    </a:solidFill>
+                  </a:rPr>
+                  <a:t>string,</a:t>
+                </a:r>
+                <a:r>
+                  <a:rPr lang="zh-CN" altLang="en-US" sz="1815" dirty="0">
+                    <a:solidFill>
+                      <a:schemeClr val="bg1"/>
+                    </a:solidFill>
+                  </a:rPr>
+                  <a:t> </a:t>
+                </a:r>
+                <a:r>
+                  <a:rPr lang="en-US" altLang="zh-CN" sz="1815" dirty="0">
+                    <a:solidFill>
+                      <a:schemeClr val="bg1"/>
+                    </a:solidFill>
+                  </a:rPr>
+                  <a:t>you</a:t>
+                </a:r>
+                <a:r>
+                  <a:rPr lang="zh-CN" altLang="en-US" sz="1815" dirty="0">
+                    <a:solidFill>
+                      <a:schemeClr val="bg1"/>
+                    </a:solidFill>
+                  </a:rPr>
+                  <a:t> </a:t>
+                </a:r>
+                <a:r>
+                  <a:rPr lang="en-US" altLang="zh-CN" sz="1815" dirty="0">
+                    <a:solidFill>
+                      <a:schemeClr val="bg1"/>
+                    </a:solidFill>
+                  </a:rPr>
+                  <a:t>can</a:t>
+                </a:r>
+                <a:r>
+                  <a:rPr lang="zh-CN" altLang="en-US" sz="1815" dirty="0">
+                    <a:solidFill>
+                      <a:schemeClr val="bg1"/>
+                    </a:solidFill>
+                  </a:rPr>
+                  <a:t> </a:t>
+                </a:r>
+                <a:r>
+                  <a:rPr lang="en-US" altLang="zh-CN" sz="1815" dirty="0">
+                    <a:solidFill>
+                      <a:schemeClr val="bg1"/>
+                    </a:solidFill>
+                  </a:rPr>
+                  <a:t>not modify</a:t>
+                </a:r>
+                <a:r>
+                  <a:rPr lang="zh-CN" altLang="en-US" sz="1815" dirty="0">
+                    <a:solidFill>
+                      <a:schemeClr val="bg1"/>
+                    </a:solidFill>
+                  </a:rPr>
+                  <a:t> </a:t>
+                </a:r>
+                <a:r>
+                  <a:rPr lang="en-US" altLang="zh-CN" sz="1815" dirty="0">
+                    <a:solidFill>
+                      <a:schemeClr val="bg1"/>
+                    </a:solidFill>
+                  </a:rPr>
+                  <a:t>its</a:t>
+                </a:r>
+              </a:p>
+              <a:p>
+                <a:r>
+                  <a:rPr lang="en-US" altLang="zh-CN" sz="1815" dirty="0">
+                    <a:solidFill>
+                      <a:schemeClr val="bg1"/>
+                    </a:solidFill>
+                  </a:rPr>
+                  <a:t>value by const [] operator function.</a:t>
+                </a:r>
+                <a:endParaRPr lang="zh-CN" altLang="en-US" sz="1815" dirty="0">
+                  <a:solidFill>
+                    <a:schemeClr val="bg1"/>
+                  </a:solidFill>
+                </a:endParaRPr>
+              </a:p>
+            </p:txBody>
+          </p:sp>
+          <p:cxnSp>
+            <p:nvCxnSpPr>
+              <p:cNvPr id="14" name="直接箭头连接符 13">
+                <a:extLst>
+                  <a:ext uri="{FF2B5EF4-FFF2-40B4-BE49-F238E27FC236}">
+                    <a16:creationId xmlns:a16="http://schemas.microsoft.com/office/drawing/2014/main" id="{8FA650E6-26A8-6C4F-640C-A80C2440EEB9}"/>
+                  </a:ext>
+                </a:extLst>
+              </p:cNvPr>
+              <p:cNvCxnSpPr>
+                <a:cxnSpLocks/>
+              </p:cNvCxnSpPr>
+              <p:nvPr/>
+            </p:nvCxnSpPr>
+            <p:spPr>
+              <a:xfrm flipH="1">
+                <a:off x="2501925" y="6015550"/>
+                <a:ext cx="504055" cy="136684"/>
+              </a:xfrm>
+              <a:prstGeom prst="straightConnector1">
+                <a:avLst/>
+              </a:prstGeom>
+              <a:ln w="22225">
+                <a:solidFill>
+                  <a:srgbClr val="FF0000"/>
+                </a:solidFill>
+                <a:tailEnd type="arrow"/>
+              </a:ln>
+            </p:spPr>
+            <p:style>
+              <a:lnRef idx="1">
+                <a:schemeClr val="accent1"/>
+              </a:lnRef>
+              <a:fillRef idx="0">
+                <a:schemeClr val="accent1"/>
+              </a:fillRef>
+              <a:effectRef idx="0">
+                <a:schemeClr val="accent1"/>
+              </a:effectRef>
+              <a:fontRef idx="minor">
+                <a:schemeClr val="tx1"/>
+              </a:fontRef>
+            </p:style>
+          </p:cxnSp>
+        </p:grpSp>
+      </p:grpSp>
+      <p:grpSp>
+        <p:nvGrpSpPr>
+          <p:cNvPr id="2" name="组合 1">
+            <a:extLst>
+              <a:ext uri="{FF2B5EF4-FFF2-40B4-BE49-F238E27FC236}">
+                <a16:creationId xmlns:a16="http://schemas.microsoft.com/office/drawing/2014/main" id="{845F7FA6-A9C7-8E16-E18B-C5CE9CF97ED0}"/>
+              </a:ext>
+            </a:extLst>
+          </p:cNvPr>
+          <p:cNvGrpSpPr/>
+          <p:nvPr/>
+        </p:nvGrpSpPr>
+        <p:grpSpPr>
+          <a:xfrm>
+            <a:off x="2718799" y="1099863"/>
+            <a:ext cx="4660650" cy="2234378"/>
+            <a:chOff x="2091393" y="1211886"/>
+            <a:chExt cx="5135345" cy="2461954"/>
+          </a:xfrm>
+        </p:grpSpPr>
+        <p:sp>
+          <p:nvSpPr>
+            <p:cNvPr id="16" name="矩形 15">
+              <a:extLst>
+                <a:ext uri="{FF2B5EF4-FFF2-40B4-BE49-F238E27FC236}">
+                  <a16:creationId xmlns:a16="http://schemas.microsoft.com/office/drawing/2014/main" id="{B8096D58-8C36-C1C8-2563-92AED91B9E1F}"/>
+                </a:ext>
+              </a:extLst>
+            </p:cNvPr>
+            <p:cNvSpPr/>
+            <p:nvPr/>
+          </p:nvSpPr>
+          <p:spPr>
+            <a:xfrm>
+              <a:off x="3178284" y="2620025"/>
+              <a:ext cx="691794" cy="346687"/>
+            </a:xfrm>
+            <a:prstGeom prst="rect">
+              <a:avLst/>
+            </a:prstGeom>
+            <a:noFill/>
+            <a:ln w="19050" cmpd="sng">
+              <a:solidFill>
+                <a:srgbClr val="FF0000"/>
+              </a:solidFill>
+            </a:ln>
+          </p:spPr>
+          <p:style>
+            <a:lnRef idx="2">
+              <a:schemeClr val="accent1">
+                <a:shade val="50000"/>
+              </a:schemeClr>
+            </a:lnRef>
+            <a:fillRef idx="1">
+              <a:schemeClr val="accent1"/>
+            </a:fillRef>
+            <a:effectRef idx="0">
+              <a:schemeClr val="accent1"/>
+            </a:effectRef>
+            <a:fontRef idx="minor">
+              <a:schemeClr val="lt1"/>
+            </a:fontRef>
+          </p:style>
+          <p:txBody>
+            <a:bodyPr rtlCol="0" anchor="ctr"/>
+            <a:lstStyle/>
+            <a:p>
+              <a:pPr algn="ctr"/>
+              <a:endParaRPr lang="zh-CN" altLang="en-US" sz="1634"/>
+            </a:p>
+          </p:txBody>
+        </p:sp>
+        <p:sp>
+          <p:nvSpPr>
+            <p:cNvPr id="18" name="TextBox 14">
+              <a:extLst>
+                <a:ext uri="{FF2B5EF4-FFF2-40B4-BE49-F238E27FC236}">
+                  <a16:creationId xmlns:a16="http://schemas.microsoft.com/office/drawing/2014/main" id="{CAA2A653-C235-2A9D-5ACE-2572930371F7}"/>
+                </a:ext>
+              </a:extLst>
+            </p:cNvPr>
+            <p:cNvSpPr txBox="1"/>
+            <p:nvPr/>
+          </p:nvSpPr>
+          <p:spPr>
+            <a:xfrm>
+              <a:off x="2902199" y="1211886"/>
+              <a:ext cx="4324539" cy="1025003"/>
+            </a:xfrm>
+            <a:prstGeom prst="rect">
+              <a:avLst/>
+            </a:prstGeom>
+            <a:noFill/>
+          </p:spPr>
+          <p:txBody>
+            <a:bodyPr wrap="none" rtlCol="0">
+              <a:spAutoFit/>
+            </a:bodyPr>
+            <a:lstStyle/>
+            <a:p>
+              <a:r>
+                <a:rPr lang="en-US" altLang="zh-CN" sz="1815" dirty="0">
+                  <a:solidFill>
+                    <a:schemeClr val="bg1"/>
+                  </a:solidFill>
+                </a:rPr>
+                <a:t>For non-const or const string, reading </a:t>
+              </a:r>
+            </a:p>
+            <a:p>
+              <a:r>
+                <a:rPr lang="en-US" altLang="zh-CN" sz="1815" dirty="0">
+                  <a:solidFill>
+                    <a:schemeClr val="bg1"/>
+                  </a:solidFill>
+                </a:rPr>
+                <a:t>its value is allowed by its corresponding</a:t>
+              </a:r>
+            </a:p>
+            <a:p>
+              <a:r>
+                <a:rPr lang="en-US" altLang="zh-CN" sz="1815" dirty="0">
+                  <a:solidFill>
+                    <a:schemeClr val="bg1"/>
+                  </a:solidFill>
+                </a:rPr>
+                <a:t>[] operator function respectively. </a:t>
+              </a:r>
+              <a:endParaRPr lang="zh-CN" altLang="en-US" sz="1815" dirty="0">
+                <a:solidFill>
+                  <a:schemeClr val="bg1"/>
+                </a:solidFill>
+              </a:endParaRPr>
+            </a:p>
+          </p:txBody>
+        </p:sp>
+        <p:cxnSp>
+          <p:nvCxnSpPr>
+            <p:cNvPr id="19" name="直接箭头连接符 18">
+              <a:extLst>
+                <a:ext uri="{FF2B5EF4-FFF2-40B4-BE49-F238E27FC236}">
+                  <a16:creationId xmlns:a16="http://schemas.microsoft.com/office/drawing/2014/main" id="{688C018E-C09D-FA1F-5D8D-6070C35F2AE3}"/>
+                </a:ext>
+              </a:extLst>
+            </p:cNvPr>
+            <p:cNvCxnSpPr>
+              <a:cxnSpLocks/>
+            </p:cNvCxnSpPr>
+            <p:nvPr/>
+          </p:nvCxnSpPr>
+          <p:spPr>
+            <a:xfrm flipH="1">
+              <a:off x="3856027" y="2374712"/>
+              <a:ext cx="855377" cy="276985"/>
+            </a:xfrm>
+            <a:prstGeom prst="straightConnector1">
+              <a:avLst/>
+            </a:prstGeom>
+            <a:ln w="22225">
+              <a:solidFill>
+                <a:srgbClr val="FF0000"/>
+              </a:solidFill>
+              <a:tailEnd type="arrow"/>
+            </a:ln>
+          </p:spPr>
+          <p:style>
+            <a:lnRef idx="1">
+              <a:schemeClr val="accent1"/>
+            </a:lnRef>
+            <a:fillRef idx="0">
+              <a:schemeClr val="accent1"/>
+            </a:fillRef>
+            <a:effectRef idx="0">
+              <a:schemeClr val="accent1"/>
+            </a:effectRef>
+            <a:fontRef idx="minor">
+              <a:schemeClr val="tx1"/>
+            </a:fontRef>
+          </p:style>
+        </p:cxnSp>
+        <p:sp>
+          <p:nvSpPr>
+            <p:cNvPr id="20" name="矩形 19">
+              <a:extLst>
+                <a:ext uri="{FF2B5EF4-FFF2-40B4-BE49-F238E27FC236}">
+                  <a16:creationId xmlns:a16="http://schemas.microsoft.com/office/drawing/2014/main" id="{4E706A31-3F20-2269-0946-E65504CA5DF8}"/>
+                </a:ext>
+              </a:extLst>
+            </p:cNvPr>
+            <p:cNvSpPr/>
+            <p:nvPr/>
+          </p:nvSpPr>
+          <p:spPr>
+            <a:xfrm>
+              <a:off x="5482539" y="2586388"/>
+              <a:ext cx="691794" cy="346687"/>
+            </a:xfrm>
+            <a:prstGeom prst="rect">
+              <a:avLst/>
+            </a:prstGeom>
+            <a:noFill/>
+            <a:ln w="19050" cmpd="sng">
+              <a:solidFill>
+                <a:srgbClr val="FF0000"/>
+              </a:solidFill>
+            </a:ln>
+          </p:spPr>
+          <p:style>
+            <a:lnRef idx="2">
+              <a:schemeClr val="accent1">
+                <a:shade val="50000"/>
+              </a:schemeClr>
+            </a:lnRef>
+            <a:fillRef idx="1">
+              <a:schemeClr val="accent1"/>
+            </a:fillRef>
+            <a:effectRef idx="0">
+              <a:schemeClr val="accent1"/>
+            </a:effectRef>
+            <a:fontRef idx="minor">
+              <a:schemeClr val="lt1"/>
+            </a:fontRef>
+          </p:style>
+          <p:txBody>
+            <a:bodyPr rtlCol="0" anchor="ctr"/>
+            <a:lstStyle/>
+            <a:p>
+              <a:pPr algn="ctr"/>
+              <a:endParaRPr lang="zh-CN" altLang="en-US" sz="1634"/>
+            </a:p>
+          </p:txBody>
+        </p:sp>
+        <p:sp>
+          <p:nvSpPr>
+            <p:cNvPr id="21" name="矩形 20">
+              <a:extLst>
+                <a:ext uri="{FF2B5EF4-FFF2-40B4-BE49-F238E27FC236}">
+                  <a16:creationId xmlns:a16="http://schemas.microsoft.com/office/drawing/2014/main" id="{3B4E56C4-3FC8-C5D8-9F6E-0693827A0DCB}"/>
+                </a:ext>
+              </a:extLst>
+            </p:cNvPr>
+            <p:cNvSpPr/>
+            <p:nvPr/>
+          </p:nvSpPr>
+          <p:spPr>
+            <a:xfrm>
+              <a:off x="2091393" y="3162452"/>
+              <a:ext cx="691794" cy="511388"/>
+            </a:xfrm>
+            <a:prstGeom prst="rect">
+              <a:avLst/>
+            </a:prstGeom>
+            <a:noFill/>
+            <a:ln w="19050" cmpd="sng">
+              <a:solidFill>
+                <a:srgbClr val="FF0000"/>
+              </a:solidFill>
+            </a:ln>
+          </p:spPr>
+          <p:style>
+            <a:lnRef idx="2">
+              <a:schemeClr val="accent1">
+                <a:shade val="50000"/>
+              </a:schemeClr>
+            </a:lnRef>
+            <a:fillRef idx="1">
+              <a:schemeClr val="accent1"/>
+            </a:fillRef>
+            <a:effectRef idx="0">
+              <a:schemeClr val="accent1"/>
+            </a:effectRef>
+            <a:fontRef idx="minor">
+              <a:schemeClr val="lt1"/>
+            </a:fontRef>
+          </p:style>
+          <p:txBody>
+            <a:bodyPr rtlCol="0" anchor="ctr"/>
+            <a:lstStyle/>
+            <a:p>
+              <a:pPr algn="ctr"/>
+              <a:endParaRPr lang="zh-CN" altLang="en-US" sz="1634"/>
+            </a:p>
+          </p:txBody>
+        </p:sp>
+        <p:cxnSp>
+          <p:nvCxnSpPr>
+            <p:cNvPr id="22" name="直接箭头连接符 21">
+              <a:extLst>
+                <a:ext uri="{FF2B5EF4-FFF2-40B4-BE49-F238E27FC236}">
+                  <a16:creationId xmlns:a16="http://schemas.microsoft.com/office/drawing/2014/main" id="{58AC8F2C-A9FD-D632-AD6A-EA3FC3A76C31}"/>
+                </a:ext>
+              </a:extLst>
+            </p:cNvPr>
+            <p:cNvCxnSpPr>
+              <a:cxnSpLocks/>
+            </p:cNvCxnSpPr>
+            <p:nvPr/>
+          </p:nvCxnSpPr>
+          <p:spPr>
+            <a:xfrm>
+              <a:off x="4660564" y="2374712"/>
+              <a:ext cx="1297745" cy="179402"/>
+            </a:xfrm>
+            <a:prstGeom prst="straightConnector1">
+              <a:avLst/>
+            </a:prstGeom>
+            <a:ln w="22225">
+              <a:solidFill>
+                <a:srgbClr val="FF0000"/>
+              </a:solidFill>
+              <a:tailEnd type="arrow"/>
+            </a:ln>
+          </p:spPr>
+          <p:style>
+            <a:lnRef idx="1">
+              <a:schemeClr val="accent1"/>
+            </a:lnRef>
+            <a:fillRef idx="0">
+              <a:schemeClr val="accent1"/>
+            </a:fillRef>
+            <a:effectRef idx="0">
+              <a:schemeClr val="accent1"/>
+            </a:effectRef>
+            <a:fontRef idx="minor">
+              <a:schemeClr val="tx1"/>
+            </a:fontRef>
+          </p:style>
+        </p:cxnSp>
+        <p:cxnSp>
+          <p:nvCxnSpPr>
+            <p:cNvPr id="23" name="直接箭头连接符 22">
+              <a:extLst>
+                <a:ext uri="{FF2B5EF4-FFF2-40B4-BE49-F238E27FC236}">
+                  <a16:creationId xmlns:a16="http://schemas.microsoft.com/office/drawing/2014/main" id="{5A7DFCEE-D81C-3B7C-A740-0C4DA7B72C43}"/>
+                </a:ext>
+              </a:extLst>
+            </p:cNvPr>
+            <p:cNvCxnSpPr>
+              <a:cxnSpLocks/>
+            </p:cNvCxnSpPr>
+            <p:nvPr/>
+          </p:nvCxnSpPr>
+          <p:spPr>
+            <a:xfrm flipH="1">
+              <a:off x="2789957" y="2374712"/>
+              <a:ext cx="1926780" cy="971490"/>
+            </a:xfrm>
+            <a:prstGeom prst="straightConnector1">
+              <a:avLst/>
+            </a:prstGeom>
+            <a:ln w="22225">
+              <a:solidFill>
+                <a:srgbClr val="FF0000"/>
+              </a:solidFill>
+              <a:tailEnd type="arrow"/>
+            </a:ln>
+          </p:spPr>
+          <p:style>
+            <a:lnRef idx="1">
+              <a:schemeClr val="accent1"/>
+            </a:lnRef>
+            <a:fillRef idx="0">
+              <a:schemeClr val="accent1"/>
+            </a:fillRef>
+            <a:effectRef idx="0">
+              <a:schemeClr val="accent1"/>
+            </a:effectRef>
+            <a:fontRef idx="minor">
+              <a:schemeClr val="tx1"/>
+            </a:fontRef>
+          </p:style>
+        </p:cxnSp>
+      </p:grpSp>
+      <p:sp>
+        <p:nvSpPr>
+          <p:cNvPr id="29" name="文本框 28">
+            <a:extLst>
+              <a:ext uri="{FF2B5EF4-FFF2-40B4-BE49-F238E27FC236}">
+                <a16:creationId xmlns:a16="http://schemas.microsoft.com/office/drawing/2014/main" id="{2DA6A308-EB06-68FE-5834-BA1C16A270BA}"/>
+              </a:ext>
+            </a:extLst>
+          </p:cNvPr>
+          <p:cNvSpPr txBox="1"/>
+          <p:nvPr/>
+        </p:nvSpPr>
+        <p:spPr>
+          <a:xfrm>
+            <a:off x="7454719" y="4949867"/>
+            <a:ext cx="4737282" cy="1097801"/>
+          </a:xfrm>
+          <a:prstGeom prst="rect">
+            <a:avLst/>
+          </a:prstGeom>
+          <a:noFill/>
+        </p:spPr>
+        <p:txBody>
+          <a:bodyPr wrap="square" rtlCol="0">
+            <a:spAutoFit/>
+          </a:bodyPr>
+          <a:lstStyle/>
+          <a:p>
+            <a:r>
+              <a:rPr lang="en-US" altLang="zh-CN" sz="2178" dirty="0"/>
+              <a:t>Note: Neither version of the  [] operator function can match both non-const string and const string. </a:t>
+            </a:r>
+            <a:endParaRPr lang="zh-CN" altLang="en-US" sz="2178" dirty="0"/>
+          </a:p>
+        </p:txBody>
+      </p:sp>
+    </p:spTree>
+    <p:extLst>
+      <p:ext uri="{BB962C8B-B14F-4D97-AF65-F5344CB8AC3E}">
+        <p14:creationId xmlns:p14="http://schemas.microsoft.com/office/powerpoint/2010/main" val="2403778851"/>
+      </p:ext>
+    </p:extLst>
+  </p:cSld>
+  <p:clrMapOvr>
+    <a:masterClrMapping/>
+  </p:clrMapOvr>
+  <p:timing>
+    <p:tnLst>
+      <p:par>
+        <p:cTn id="1" dur="indefinite" restart="never" nodeType="tmRoot">
+          <p:childTnLst>
+            <p:seq concurrent="1" nextAc="seek">
+              <p:cTn id="2" dur="indefinite" nodeType="mainSeq">
+                <p:childTnLst>
+                  <p:par>
+                    <p:cTn id="3" fill="hold">
+                      <p:stCondLst>
+                        <p:cond delay="indefinite"/>
+                      </p:stCondLst>
+                      <p:childTnLst>
+                        <p:par>
+                          <p:cTn id="4" fill="hold">
+                            <p:stCondLst>
+                              <p:cond delay="0"/>
+                            </p:stCondLst>
+                            <p:childTnLst>
+                              <p:par>
+                                <p:cTn id="5" presetID="1" presetClass="entr" presetSubtype="0" fill="hold" nodeType="clickEffect">
+                                  <p:stCondLst>
+                                    <p:cond delay="0"/>
+                                  </p:stCondLst>
+                                  <p:childTnLst>
+                                    <p:set>
+                                      <p:cBhvr>
+                                        <p:cTn id="6" dur="1" fill="hold">
+                                          <p:stCondLst>
+                                            <p:cond delay="0"/>
+                                          </p:stCondLst>
+                                        </p:cTn>
+                                        <p:tgtEl>
+                                          <p:spTgt spid="2"/>
+                                        </p:tgtEl>
+                                        <p:attrNameLst>
+                                          <p:attrName>style.visibility</p:attrName>
+                                        </p:attrNameLst>
+                                      </p:cBhvr>
+                                      <p:to>
+                                        <p:strVal val="visible"/>
+                                      </p:to>
+                                    </p:set>
+                                  </p:childTnLst>
+                                </p:cTn>
+                              </p:par>
+                            </p:childTnLst>
+                          </p:cTn>
+                        </p:par>
+                      </p:childTnLst>
+                    </p:cTn>
+                  </p:par>
+                  <p:par>
+                    <p:cTn id="7" fill="hold">
+                      <p:stCondLst>
+                        <p:cond delay="indefinite"/>
+                      </p:stCondLst>
+                      <p:childTnLst>
+                        <p:par>
+                          <p:cTn id="8" fill="hold">
+                            <p:stCondLst>
+                              <p:cond delay="0"/>
+                            </p:stCondLst>
+                            <p:childTnLst>
+                              <p:par>
+                                <p:cTn id="9" presetID="1" presetClass="entr" presetSubtype="0" fill="hold" nodeType="clickEffect">
+                                  <p:stCondLst>
+                                    <p:cond delay="0"/>
+                                  </p:stCondLst>
+                                  <p:childTnLst>
+                                    <p:set>
+                                      <p:cBhvr>
+                                        <p:cTn id="10" dur="1" fill="hold">
+                                          <p:stCondLst>
+                                            <p:cond delay="0"/>
+                                          </p:stCondLst>
+                                        </p:cTn>
+                                        <p:tgtEl>
+                                          <p:spTgt spid="4"/>
+                                        </p:tgtEl>
+                                        <p:attrNameLst>
+                                          <p:attrName>style.visibility</p:attrName>
+                                        </p:attrNameLst>
+                                      </p:cBhvr>
+                                      <p:to>
+                                        <p:strVal val="visible"/>
+                                      </p:to>
+                                    </p:set>
+                                  </p:childTnLst>
+                                </p:cTn>
+                              </p:par>
+                            </p:childTnLst>
+                          </p:cTn>
+                        </p:par>
+                      </p:childTnLst>
+                    </p:cTn>
+                  </p:par>
+                  <p:par>
+                    <p:cTn id="11" fill="hold">
+                      <p:stCondLst>
+                        <p:cond delay="indefinite"/>
+                      </p:stCondLst>
+                      <p:childTnLst>
+                        <p:par>
+                          <p:cTn id="12" fill="hold">
+                            <p:stCondLst>
+                              <p:cond delay="0"/>
+                            </p:stCondLst>
+                            <p:childTnLst>
+                              <p:par>
+                                <p:cTn id="13" presetID="1" presetClass="entr" presetSubtype="0" fill="hold" nodeType="clickEffect">
+                                  <p:stCondLst>
+                                    <p:cond delay="0"/>
+                                  </p:stCondLst>
+                                  <p:childTnLst>
+                                    <p:set>
+                                      <p:cBhvr>
+                                        <p:cTn id="14" dur="1" fill="hold">
+                                          <p:stCondLst>
+                                            <p:cond delay="0"/>
+                                          </p:stCondLst>
+                                        </p:cTn>
+                                        <p:tgtEl>
+                                          <p:spTgt spid="10"/>
+                                        </p:tgtEl>
+                                        <p:attrNameLst>
+                                          <p:attrName>style.visibility</p:attrName>
+                                        </p:attrNameLst>
+                                      </p:cBhvr>
+                                      <p:to>
+                                        <p:strVal val="visible"/>
+                                      </p:to>
+                                    </p:set>
+                                  </p:childTnLst>
+                                </p:cTn>
+                              </p:par>
+                            </p:childTnLst>
+                          </p:cTn>
+                        </p:par>
+                      </p:childTnLst>
+                    </p:cTn>
+                  </p:par>
+                  <p:par>
+                    <p:cTn id="15" fill="hold">
+                      <p:stCondLst>
+                        <p:cond delay="indefinite"/>
+                      </p:stCondLst>
+                      <p:childTnLst>
+                        <p:par>
+                          <p:cTn id="16" fill="hold">
+                            <p:stCondLst>
+                              <p:cond delay="0"/>
+                            </p:stCondLst>
+                            <p:childTnLst>
+                              <p:par>
+                                <p:cTn id="17" presetID="1" presetClass="entr" presetSubtype="0" fill="hold" grpId="0" nodeType="clickEffect">
+                                  <p:stCondLst>
+                                    <p:cond delay="0"/>
+                                  </p:stCondLst>
+                                  <p:childTnLst>
+                                    <p:set>
+                                      <p:cBhvr>
+                                        <p:cTn id="18" dur="1" fill="hold">
+                                          <p:stCondLst>
+                                            <p:cond delay="0"/>
+                                          </p:stCondLst>
+                                        </p:cTn>
+                                        <p:tgtEl>
+                                          <p:spTgt spid="29"/>
+                                        </p:tgtEl>
+                                        <p:attrNameLst>
+                                          <p:attrName>style.visibility</p:attrName>
+                                        </p:attrNameLst>
+                                      </p:cBhvr>
+                                      <p:to>
+                                        <p:strVal val="visible"/>
+                                      </p:to>
+                                    </p:set>
+                                  </p:childTnLst>
+                                </p:cTn>
+                              </p:par>
+                            </p:childTnLst>
+                          </p:cTn>
+                        </p:par>
+                      </p:childTnLst>
+                    </p:cTn>
+                  </p:par>
+                </p:childTnLst>
+              </p:cTn>
+              <p:prevCondLst>
+                <p:cond evt="onPrev" delay="0">
+                  <p:tgtEl>
+                    <p:sldTgt/>
+                  </p:tgtEl>
+                </p:cond>
+              </p:prevCondLst>
+              <p:nextCondLst>
+                <p:cond evt="onNext" delay="0">
+                  <p:tgtEl>
+                    <p:sldTgt/>
+                  </p:tgtEl>
+                </p:cond>
+              </p:nextCondLst>
+            </p:seq>
+          </p:childTnLst>
+        </p:cTn>
+      </p:par>
+    </p:tnLst>
+    <p:bldLst>
+      <p:bldP spid="29" grpId="0"/>
+    </p:bldLst>
+  </p:timing>
+</p:sld>
+</file>
+
+<file path=ppt/slides/slide9.xml><?xml version="1.0" encoding="utf-8"?>
+<p:sld xmlns:a="http://schemas.openxmlformats.org/drawingml/2006/main" xmlns:r="http://schemas.openxmlformats.org/officeDocument/2006/relationships" xmlns:p="http://schemas.openxmlformats.org/presentationml/2006/main">
+  <p:cSld>
+    <p:spTree>
+      <p:nvGrpSpPr>
+        <p:cNvPr id="1" name=""/>
+        <p:cNvGrpSpPr/>
+        <p:nvPr/>
+      </p:nvGrpSpPr>
+      <p:grpSpPr>
+        <a:xfrm>
+          <a:off x="0" y="0"/>
+          <a:ext cx="0" cy="0"/>
+          <a:chOff x="0" y="0"/>
+          <a:chExt cx="0" cy="0"/>
+        </a:xfrm>
+      </p:grpSpPr>
       <p:sp>
         <p:nvSpPr>
           <p:cNvPr id="2" name="TextBox 1"/>
@@ -11901,2503 +16876,6 @@
     <p:bldLst>
       <p:bldP spid="2" grpId="0" animBg="1"/>
       <p:bldP spid="3" grpId="0" animBg="1"/>
-    </p:bldLst>
-  </p:timing>
-</p:sld>
-</file>
-
-<file path=ppt/slides/slide7.xml><?xml version="1.0" encoding="utf-8"?>
-<p:sld xmlns:a="http://schemas.openxmlformats.org/drawingml/2006/main" xmlns:r="http://schemas.openxmlformats.org/officeDocument/2006/relationships" xmlns:p="http://schemas.openxmlformats.org/presentationml/2006/main">
-  <p:cSld>
-    <p:spTree>
-      <p:nvGrpSpPr>
-        <p:cNvPr id="1" name=""/>
-        <p:cNvGrpSpPr/>
-        <p:nvPr/>
-      </p:nvGrpSpPr>
-      <p:grpSpPr>
-        <a:xfrm>
-          <a:off x="0" y="0"/>
-          <a:ext cx="0" cy="0"/>
-          <a:chOff x="0" y="0"/>
-          <a:chExt cx="0" cy="0"/>
-        </a:xfrm>
-      </p:grpSpPr>
-      <p:sp>
-        <p:nvSpPr>
-          <p:cNvPr id="10" name="Title 1"/>
-          <p:cNvSpPr>
-            <a:spLocks noGrp="1"/>
-          </p:cNvSpPr>
-          <p:nvPr>
-            <p:ph type="title"/>
-          </p:nvPr>
-        </p:nvSpPr>
-        <p:spPr>
-          <a:xfrm>
-            <a:off x="1336804" y="299129"/>
-            <a:ext cx="6880948" cy="971258"/>
-          </a:xfrm>
-        </p:spPr>
-        <p:txBody>
-          <a:bodyPr>
-            <a:noAutofit/>
-          </a:bodyPr>
-          <a:lstStyle/>
-          <a:p>
-            <a:r>
-              <a:rPr lang="en-US" altLang="zh-CN" sz="3800" b="1" dirty="0"/>
-              <a:t>Smart pointers</a:t>
-            </a:r>
-          </a:p>
-        </p:txBody>
-      </p:sp>
-      <p:sp>
-        <p:nvSpPr>
-          <p:cNvPr id="2" name="TextBox 1"/>
-          <p:cNvSpPr txBox="1"/>
-          <p:nvPr/>
-        </p:nvSpPr>
-        <p:spPr>
-          <a:xfrm>
-            <a:off x="789327" y="1512612"/>
-            <a:ext cx="10760446" cy="1200329"/>
-          </a:xfrm>
-          <a:prstGeom prst="rect">
-            <a:avLst/>
-          </a:prstGeom>
-          <a:noFill/>
-        </p:spPr>
-        <p:txBody>
-          <a:bodyPr wrap="none" rtlCol="0">
-            <a:spAutoFit/>
-          </a:bodyPr>
-          <a:lstStyle/>
-          <a:p>
-            <a:r>
-              <a:rPr lang="en-US" altLang="zh-CN" sz="2400" dirty="0"/>
-              <a:t>To make using dynamic memory easier (and safer), the C++ new library provides two </a:t>
-            </a:r>
-          </a:p>
-          <a:p>
-            <a:r>
-              <a:rPr lang="en-US" altLang="zh-CN" sz="2400" dirty="0"/>
-              <a:t>smart pointer types(smart pointer template classes)</a:t>
-            </a:r>
-            <a:r>
-              <a:rPr lang="en-US" altLang="zh-CN" sz="2400" b="1" dirty="0" err="1"/>
-              <a:t>unique_ptr</a:t>
-            </a:r>
-            <a:r>
-              <a:rPr lang="en-US" altLang="zh-CN" sz="2400" b="1" dirty="0"/>
-              <a:t> </a:t>
-            </a:r>
-            <a:r>
-              <a:rPr lang="en-US" altLang="zh-CN" sz="2400" dirty="0"/>
-              <a:t>and </a:t>
-            </a:r>
-            <a:r>
-              <a:rPr lang="en-US" altLang="zh-CN" sz="2400" b="1" dirty="0" err="1"/>
-              <a:t>shared_ptr</a:t>
-            </a:r>
-            <a:r>
-              <a:rPr lang="en-US" altLang="zh-CN" sz="2400" dirty="0"/>
-              <a:t> that </a:t>
-            </a:r>
-          </a:p>
-          <a:p>
-            <a:r>
-              <a:rPr lang="en-US" altLang="zh-CN" sz="2400" dirty="0"/>
-              <a:t>manage dynamic objects. </a:t>
-            </a:r>
-          </a:p>
-        </p:txBody>
-      </p:sp>
-      <p:sp>
-        <p:nvSpPr>
-          <p:cNvPr id="4" name="文本框 3">
-            <a:extLst>
-              <a:ext uri="{FF2B5EF4-FFF2-40B4-BE49-F238E27FC236}">
-                <a16:creationId xmlns:a16="http://schemas.microsoft.com/office/drawing/2014/main" id="{75972260-1F8F-643B-17F1-12680B3CD0FE}"/>
-              </a:ext>
-            </a:extLst>
-          </p:cNvPr>
-          <p:cNvSpPr txBox="1"/>
-          <p:nvPr/>
-        </p:nvSpPr>
-        <p:spPr>
-          <a:xfrm>
-            <a:off x="841353" y="4145059"/>
-            <a:ext cx="10436142" cy="830997"/>
-          </a:xfrm>
-          <a:prstGeom prst="rect">
-            <a:avLst/>
-          </a:prstGeom>
-          <a:noFill/>
-        </p:spPr>
-        <p:txBody>
-          <a:bodyPr wrap="square">
-            <a:spAutoFit/>
-          </a:bodyPr>
-          <a:lstStyle/>
-          <a:p>
-            <a:r>
-              <a:rPr lang="en-US" altLang="zh-CN" sz="2400" dirty="0"/>
-              <a:t>Each of these classes has an </a:t>
-            </a:r>
-            <a:r>
-              <a:rPr lang="en-US" altLang="zh-CN" sz="2400" b="1" dirty="0"/>
-              <a:t>explicit constructor </a:t>
-            </a:r>
-            <a:r>
-              <a:rPr lang="en-US" altLang="zh-CN" sz="2400" dirty="0"/>
-              <a:t>taking a pointer as an argument. Thus, there is no automatic type cast from a pointer to a smart pointer object.</a:t>
-            </a:r>
-            <a:endParaRPr lang="zh-CN" altLang="en-US" sz="2400" dirty="0"/>
-          </a:p>
-        </p:txBody>
-      </p:sp>
-      <p:sp>
-        <p:nvSpPr>
-          <p:cNvPr id="5" name="TextBox 1">
-            <a:extLst>
-              <a:ext uri="{FF2B5EF4-FFF2-40B4-BE49-F238E27FC236}">
-                <a16:creationId xmlns:a16="http://schemas.microsoft.com/office/drawing/2014/main" id="{771A82C1-FE82-8CBB-A3EB-51D19452FB4A}"/>
-              </a:ext>
-            </a:extLst>
-          </p:cNvPr>
-          <p:cNvSpPr txBox="1"/>
-          <p:nvPr/>
-        </p:nvSpPr>
-        <p:spPr>
-          <a:xfrm>
-            <a:off x="823064" y="2767805"/>
-            <a:ext cx="10945263" cy="1200329"/>
-          </a:xfrm>
-          <a:prstGeom prst="rect">
-            <a:avLst/>
-          </a:prstGeom>
-          <a:noFill/>
-        </p:spPr>
-        <p:txBody>
-          <a:bodyPr wrap="square" rtlCol="0">
-            <a:spAutoFit/>
-          </a:bodyPr>
-          <a:lstStyle/>
-          <a:p>
-            <a:r>
-              <a:rPr lang="en-US" altLang="zh-CN" sz="2400" dirty="0"/>
-              <a:t>A smart pointer acts like a regular pointer with the important exception that it </a:t>
-            </a:r>
-          </a:p>
-          <a:p>
-            <a:r>
-              <a:rPr lang="en-US" altLang="zh-CN" sz="2400" b="1" dirty="0"/>
-              <a:t>automatically deletes </a:t>
-            </a:r>
-            <a:r>
-              <a:rPr lang="en-US" altLang="zh-CN" sz="2400" dirty="0"/>
-              <a:t>the object to which it points. A</a:t>
-            </a:r>
-            <a:r>
-              <a:rPr lang="en-US" altLang="zh-CN" sz="2400" b="0" i="0" dirty="0">
-                <a:solidFill>
-                  <a:srgbClr val="171717"/>
-                </a:solidFill>
-                <a:effectLst/>
-              </a:rPr>
-              <a:t> smart pointer is a class template </a:t>
-            </a:r>
-            <a:r>
-              <a:rPr kumimoji="0" lang="zh-CN" altLang="zh-CN" sz="2400" b="0" i="0" u="none" strike="noStrike" cap="none" normalizeH="0" baseline="0" dirty="0">
-                <a:ln>
-                  <a:noFill/>
-                </a:ln>
-                <a:solidFill>
-                  <a:srgbClr val="171717"/>
-                </a:solidFill>
-                <a:effectLst/>
-                <a:cs typeface="Segoe UI" panose="020B0502040204020203" pitchFamily="34" charset="0"/>
-              </a:rPr>
-              <a:t>defined in the </a:t>
-            </a:r>
-            <a:r>
-              <a:rPr lang="en-US" altLang="zh-CN" sz="2400" b="1" dirty="0">
-                <a:solidFill>
-                  <a:srgbClr val="171717"/>
-                </a:solidFill>
-                <a:cs typeface="Segoe UI" panose="020B0502040204020203" pitchFamily="34" charset="0"/>
-              </a:rPr>
-              <a:t>s</a:t>
-            </a:r>
-            <a:r>
-              <a:rPr kumimoji="0" lang="en-US" altLang="zh-CN" sz="2400" b="1" i="0" u="none" strike="noStrike" cap="none" normalizeH="0" baseline="0" dirty="0">
-                <a:ln>
-                  <a:noFill/>
-                </a:ln>
-                <a:solidFill>
-                  <a:srgbClr val="171717"/>
-                </a:solidFill>
-                <a:effectLst/>
-                <a:cs typeface="Segoe UI" panose="020B0502040204020203" pitchFamily="34" charset="0"/>
-              </a:rPr>
-              <a:t>td</a:t>
-            </a:r>
-            <a:r>
-              <a:rPr kumimoji="0" lang="en-US" altLang="zh-CN" sz="2400" b="0" i="0" u="none" strike="noStrike" cap="none" normalizeH="0" baseline="0" dirty="0">
-                <a:ln>
-                  <a:noFill/>
-                </a:ln>
-                <a:solidFill>
-                  <a:srgbClr val="171717"/>
-                </a:solidFill>
-                <a:effectLst/>
-                <a:cs typeface="Segoe UI" panose="020B0502040204020203" pitchFamily="34" charset="0"/>
-              </a:rPr>
-              <a:t> </a:t>
-            </a:r>
-            <a:r>
-              <a:rPr kumimoji="0" lang="zh-CN" altLang="zh-CN" sz="2400" b="0" i="0" u="none" strike="noStrike" cap="none" normalizeH="0" baseline="0" dirty="0">
-                <a:ln>
-                  <a:noFill/>
-                </a:ln>
-                <a:solidFill>
-                  <a:srgbClr val="171717"/>
-                </a:solidFill>
-                <a:effectLst/>
-                <a:cs typeface="Segoe UI" panose="020B0502040204020203" pitchFamily="34" charset="0"/>
-              </a:rPr>
-              <a:t>namespace in the </a:t>
-            </a:r>
-            <a:r>
-              <a:rPr kumimoji="0" lang="zh-CN" altLang="zh-CN" sz="2400" b="1" i="0" u="none" strike="noStrike" cap="none" normalizeH="0" baseline="0" dirty="0">
-                <a:ln>
-                  <a:noFill/>
-                </a:ln>
-                <a:solidFill>
-                  <a:schemeClr val="tx1"/>
-                </a:solidFill>
-                <a:effectLst/>
-                <a:cs typeface="Segoe UI" panose="020B0502040204020203" pitchFamily="34" charset="0"/>
-              </a:rPr>
-              <a:t>&lt;memory&gt;</a:t>
-            </a:r>
-            <a:r>
-              <a:rPr kumimoji="0" lang="zh-CN" altLang="zh-CN" sz="2400" b="1" i="0" u="none" strike="noStrike" cap="none" normalizeH="0" baseline="0" dirty="0">
-                <a:ln>
-                  <a:noFill/>
-                </a:ln>
-                <a:solidFill>
-                  <a:srgbClr val="171717"/>
-                </a:solidFill>
-                <a:effectLst/>
-                <a:cs typeface="Segoe UI" panose="020B0502040204020203" pitchFamily="34" charset="0"/>
-              </a:rPr>
-              <a:t> </a:t>
-            </a:r>
-            <a:r>
-              <a:rPr kumimoji="0" lang="zh-CN" altLang="zh-CN" sz="2400" b="0" i="0" u="none" strike="noStrike" cap="none" normalizeH="0" baseline="0" dirty="0">
-                <a:ln>
-                  <a:noFill/>
-                </a:ln>
-                <a:solidFill>
-                  <a:srgbClr val="171717"/>
-                </a:solidFill>
-                <a:effectLst/>
-                <a:cs typeface="Segoe UI" panose="020B0502040204020203" pitchFamily="34" charset="0"/>
-              </a:rPr>
-              <a:t>header file.</a:t>
-            </a:r>
-            <a:r>
-              <a:rPr kumimoji="0" lang="zh-CN" altLang="zh-CN" sz="2400" b="0" i="0" u="none" strike="noStrike" cap="none" normalizeH="0" baseline="0" dirty="0">
-                <a:ln>
-                  <a:noFill/>
-                </a:ln>
-                <a:solidFill>
-                  <a:schemeClr val="tx1"/>
-                </a:solidFill>
-                <a:effectLst/>
-              </a:rPr>
-              <a:t> </a:t>
-            </a:r>
-          </a:p>
-        </p:txBody>
-      </p:sp>
-    </p:spTree>
-    <p:extLst>
-      <p:ext uri="{BB962C8B-B14F-4D97-AF65-F5344CB8AC3E}">
-        <p14:creationId xmlns:p14="http://schemas.microsoft.com/office/powerpoint/2010/main" val="1138636665"/>
-      </p:ext>
-    </p:extLst>
-  </p:cSld>
-  <p:clrMapOvr>
-    <a:masterClrMapping/>
-  </p:clrMapOvr>
-  <p:timing>
-    <p:tnLst>
-      <p:par>
-        <p:cTn id="1" dur="indefinite" restart="never" nodeType="tmRoot">
-          <p:childTnLst>
-            <p:seq concurrent="1" nextAc="seek">
-              <p:cTn id="2" dur="indefinite" nodeType="mainSeq">
-                <p:childTnLst>
-                  <p:par>
-                    <p:cTn id="3" fill="hold">
-                      <p:stCondLst>
-                        <p:cond delay="indefinite"/>
-                      </p:stCondLst>
-                      <p:childTnLst>
-                        <p:par>
-                          <p:cTn id="4" fill="hold">
-                            <p:stCondLst>
-                              <p:cond delay="0"/>
-                            </p:stCondLst>
-                            <p:childTnLst>
-                              <p:par>
-                                <p:cTn id="5" presetID="1" presetClass="entr" presetSubtype="0" fill="hold" grpId="0" nodeType="clickEffect">
-                                  <p:stCondLst>
-                                    <p:cond delay="0"/>
-                                  </p:stCondLst>
-                                  <p:childTnLst>
-                                    <p:set>
-                                      <p:cBhvr>
-                                        <p:cTn id="6" dur="1" fill="hold">
-                                          <p:stCondLst>
-                                            <p:cond delay="0"/>
-                                          </p:stCondLst>
-                                        </p:cTn>
-                                        <p:tgtEl>
-                                          <p:spTgt spid="5"/>
-                                        </p:tgtEl>
-                                        <p:attrNameLst>
-                                          <p:attrName>style.visibility</p:attrName>
-                                        </p:attrNameLst>
-                                      </p:cBhvr>
-                                      <p:to>
-                                        <p:strVal val="visible"/>
-                                      </p:to>
-                                    </p:set>
-                                  </p:childTnLst>
-                                </p:cTn>
-                              </p:par>
-                            </p:childTnLst>
-                          </p:cTn>
-                        </p:par>
-                      </p:childTnLst>
-                    </p:cTn>
-                  </p:par>
-                  <p:par>
-                    <p:cTn id="7" fill="hold">
-                      <p:stCondLst>
-                        <p:cond delay="indefinite"/>
-                      </p:stCondLst>
-                      <p:childTnLst>
-                        <p:par>
-                          <p:cTn id="8" fill="hold">
-                            <p:stCondLst>
-                              <p:cond delay="0"/>
-                            </p:stCondLst>
-                            <p:childTnLst>
-                              <p:par>
-                                <p:cTn id="9" presetID="1" presetClass="entr" presetSubtype="0" fill="hold" grpId="0" nodeType="clickEffect">
-                                  <p:stCondLst>
-                                    <p:cond delay="0"/>
-                                  </p:stCondLst>
-                                  <p:childTnLst>
-                                    <p:set>
-                                      <p:cBhvr>
-                                        <p:cTn id="10" dur="1" fill="hold">
-                                          <p:stCondLst>
-                                            <p:cond delay="0"/>
-                                          </p:stCondLst>
-                                        </p:cTn>
-                                        <p:tgtEl>
-                                          <p:spTgt spid="4"/>
-                                        </p:tgtEl>
-                                        <p:attrNameLst>
-                                          <p:attrName>style.visibility</p:attrName>
-                                        </p:attrNameLst>
-                                      </p:cBhvr>
-                                      <p:to>
-                                        <p:strVal val="visible"/>
-                                      </p:to>
-                                    </p:set>
-                                  </p:childTnLst>
-                                </p:cTn>
-                              </p:par>
-                            </p:childTnLst>
-                          </p:cTn>
-                        </p:par>
-                      </p:childTnLst>
-                    </p:cTn>
-                  </p:par>
-                </p:childTnLst>
-              </p:cTn>
-              <p:prevCondLst>
-                <p:cond evt="onPrev" delay="0">
-                  <p:tgtEl>
-                    <p:sldTgt/>
-                  </p:tgtEl>
-                </p:cond>
-              </p:prevCondLst>
-              <p:nextCondLst>
-                <p:cond evt="onNext" delay="0">
-                  <p:tgtEl>
-                    <p:sldTgt/>
-                  </p:tgtEl>
-                </p:cond>
-              </p:nextCondLst>
-            </p:seq>
-          </p:childTnLst>
-        </p:cTn>
-      </p:par>
-    </p:tnLst>
-    <p:bldLst>
-      <p:bldP spid="4" grpId="0"/>
-      <p:bldP spid="5" grpId="0"/>
-    </p:bldLst>
-  </p:timing>
-</p:sld>
-</file>
-
-<file path=ppt/slides/slide8.xml><?xml version="1.0" encoding="utf-8"?>
-<p:sld xmlns:a="http://schemas.openxmlformats.org/drawingml/2006/main" xmlns:r="http://schemas.openxmlformats.org/officeDocument/2006/relationships" xmlns:p="http://schemas.openxmlformats.org/presentationml/2006/main">
-  <p:cSld>
-    <p:spTree>
-      <p:nvGrpSpPr>
-        <p:cNvPr id="1" name=""/>
-        <p:cNvGrpSpPr/>
-        <p:nvPr/>
-      </p:nvGrpSpPr>
-      <p:grpSpPr>
-        <a:xfrm>
-          <a:off x="0" y="0"/>
-          <a:ext cx="0" cy="0"/>
-          <a:chOff x="0" y="0"/>
-          <a:chExt cx="0" cy="0"/>
-        </a:xfrm>
-      </p:grpSpPr>
-      <p:sp>
-        <p:nvSpPr>
-          <p:cNvPr id="2" name="标题 1"/>
-          <p:cNvSpPr>
-            <a:spLocks noGrp="1"/>
-          </p:cNvSpPr>
-          <p:nvPr>
-            <p:ph type="title"/>
-          </p:nvPr>
-        </p:nvSpPr>
-        <p:spPr/>
-        <p:txBody>
-          <a:bodyPr>
-            <a:normAutofit/>
-          </a:bodyPr>
-          <a:lstStyle/>
-          <a:p>
-            <a:r>
-              <a:rPr lang="en-US" altLang="zh-CN" sz="3600" b="1" dirty="0"/>
-              <a:t>Unique pointer</a:t>
-            </a:r>
-          </a:p>
-        </p:txBody>
-      </p:sp>
-      <p:sp>
-        <p:nvSpPr>
-          <p:cNvPr id="3" name="内容占位符 2"/>
-          <p:cNvSpPr>
-            <a:spLocks noGrp="1"/>
-          </p:cNvSpPr>
-          <p:nvPr>
-            <p:ph idx="1"/>
-          </p:nvPr>
-        </p:nvSpPr>
-        <p:spPr/>
-        <p:txBody>
-          <a:bodyPr>
-            <a:normAutofit/>
-          </a:bodyPr>
-          <a:lstStyle/>
-          <a:p>
-            <a:r>
-              <a:rPr lang="en-US" altLang="zh-CN" sz="2400" dirty="0"/>
-              <a:t>The </a:t>
-            </a:r>
-            <a:r>
-              <a:rPr lang="en-US" altLang="zh-CN" sz="2400" dirty="0" err="1"/>
-              <a:t>unique_ptr</a:t>
-            </a:r>
-            <a:r>
-              <a:rPr lang="en-US" altLang="zh-CN" sz="2400" dirty="0"/>
-              <a:t>&lt;&gt; template holds a pointer to an object and deletes this object when the </a:t>
-            </a:r>
-            <a:r>
-              <a:rPr lang="en-US" altLang="zh-CN" sz="2400" dirty="0" err="1"/>
-              <a:t>unique_ptr</a:t>
-            </a:r>
-            <a:r>
-              <a:rPr lang="en-US" altLang="zh-CN" sz="2400" dirty="0"/>
-              <a:t>&lt;&gt; is deleted.</a:t>
-            </a:r>
-          </a:p>
-          <a:p>
-            <a:r>
-              <a:rPr lang="en-US" altLang="zh-CN" sz="2400" dirty="0"/>
-              <a:t>Make sure that only exactly one copy of an object exists. Assignment operation of two </a:t>
-            </a:r>
-            <a:r>
-              <a:rPr lang="en-US" altLang="zh-CN" sz="2400" dirty="0" err="1"/>
-              <a:t>unique_ptr</a:t>
-            </a:r>
-            <a:r>
-              <a:rPr lang="en-US" altLang="zh-CN" sz="2400" dirty="0"/>
-              <a:t>&lt;&gt; is not allowed. However, it supports move semantics, where the pointer is moved from one </a:t>
-            </a:r>
-            <a:r>
-              <a:rPr lang="en-US" altLang="zh-CN" sz="2400" dirty="0" err="1"/>
-              <a:t>unique_ptr</a:t>
-            </a:r>
-            <a:r>
-              <a:rPr lang="en-US" altLang="zh-CN" sz="2400" dirty="0"/>
-              <a:t>&lt;&gt; to another.</a:t>
-            </a:r>
-          </a:p>
-          <a:p>
-            <a:r>
-              <a:rPr lang="en-US" altLang="zh-CN" sz="2400" dirty="0"/>
-              <a:t>A unique pointer can be initialized with a pointer upon creation.</a:t>
-            </a:r>
-          </a:p>
-        </p:txBody>
-      </p:sp>
-    </p:spTree>
-  </p:cSld>
-  <p:clrMapOvr>
-    <a:masterClrMapping/>
-  </p:clrMapOvr>
-</p:sld>
-</file>
-
-<file path=ppt/slides/slide9.xml><?xml version="1.0" encoding="utf-8"?>
-<p:sld xmlns:a="http://schemas.openxmlformats.org/drawingml/2006/main" xmlns:r="http://schemas.openxmlformats.org/officeDocument/2006/relationships" xmlns:p="http://schemas.openxmlformats.org/presentationml/2006/main">
-  <p:cSld>
-    <p:spTree>
-      <p:nvGrpSpPr>
-        <p:cNvPr id="1" name=""/>
-        <p:cNvGrpSpPr/>
-        <p:nvPr/>
-      </p:nvGrpSpPr>
-      <p:grpSpPr>
-        <a:xfrm>
-          <a:off x="0" y="0"/>
-          <a:ext cx="0" cy="0"/>
-          <a:chOff x="0" y="0"/>
-          <a:chExt cx="0" cy="0"/>
-        </a:xfrm>
-      </p:grpSpPr>
-      <p:pic>
-        <p:nvPicPr>
-          <p:cNvPr id="3" name="图片 2">
-            <a:extLst>
-              <a:ext uri="{FF2B5EF4-FFF2-40B4-BE49-F238E27FC236}">
-                <a16:creationId xmlns:a16="http://schemas.microsoft.com/office/drawing/2014/main" id="{F4C53B62-12CA-8EFA-1D3B-B99C8EB95C72}"/>
-              </a:ext>
-            </a:extLst>
-          </p:cNvPr>
-          <p:cNvPicPr>
-            <a:picLocks noChangeAspect="1"/>
-          </p:cNvPicPr>
-          <p:nvPr/>
-        </p:nvPicPr>
-        <p:blipFill>
-          <a:blip r:embed="rId2"/>
-          <a:stretch>
-            <a:fillRect/>
-          </a:stretch>
-        </p:blipFill>
-        <p:spPr>
-          <a:xfrm>
-            <a:off x="1395970" y="178486"/>
-            <a:ext cx="5369137" cy="6547104"/>
-          </a:xfrm>
-          <a:prstGeom prst="rect">
-            <a:avLst/>
-          </a:prstGeom>
-        </p:spPr>
-      </p:pic>
-      <p:grpSp>
-        <p:nvGrpSpPr>
-          <p:cNvPr id="15" name="组合 14">
-            <a:extLst>
-              <a:ext uri="{FF2B5EF4-FFF2-40B4-BE49-F238E27FC236}">
-                <a16:creationId xmlns:a16="http://schemas.microsoft.com/office/drawing/2014/main" id="{7A39DF8D-82AF-86E6-B513-F9618DBA3CFC}"/>
-              </a:ext>
-            </a:extLst>
-          </p:cNvPr>
-          <p:cNvGrpSpPr/>
-          <p:nvPr/>
-        </p:nvGrpSpPr>
-        <p:grpSpPr>
-          <a:xfrm>
-            <a:off x="1572768" y="4378643"/>
-            <a:ext cx="7726043" cy="431101"/>
-            <a:chOff x="1929384" y="4150043"/>
-            <a:chExt cx="7726043" cy="431101"/>
-          </a:xfrm>
-        </p:grpSpPr>
-        <p:sp>
-          <p:nvSpPr>
-            <p:cNvPr id="10" name="椭圆 9">
-              <a:extLst>
-                <a:ext uri="{FF2B5EF4-FFF2-40B4-BE49-F238E27FC236}">
-                  <a16:creationId xmlns:a16="http://schemas.microsoft.com/office/drawing/2014/main" id="{7E9A0109-F94D-637B-D0AA-0830C6603CEF}"/>
-                </a:ext>
-              </a:extLst>
-            </p:cNvPr>
-            <p:cNvSpPr/>
-            <p:nvPr/>
-          </p:nvSpPr>
-          <p:spPr>
-            <a:xfrm>
-              <a:off x="1929384" y="4361688"/>
-              <a:ext cx="2651760" cy="219456"/>
-            </a:xfrm>
-            <a:prstGeom prst="ellipse">
-              <a:avLst/>
-            </a:prstGeom>
-            <a:noFill/>
-            <a:ln w="19050">
-              <a:solidFill>
-                <a:srgbClr val="FF0000"/>
-              </a:solidFill>
-            </a:ln>
-          </p:spPr>
-          <p:style>
-            <a:lnRef idx="2">
-              <a:schemeClr val="accent1">
-                <a:shade val="50000"/>
-              </a:schemeClr>
-            </a:lnRef>
-            <a:fillRef idx="1">
-              <a:schemeClr val="accent1"/>
-            </a:fillRef>
-            <a:effectRef idx="0">
-              <a:schemeClr val="accent1"/>
-            </a:effectRef>
-            <a:fontRef idx="minor">
-              <a:schemeClr val="lt1"/>
-            </a:fontRef>
-          </p:style>
-          <p:txBody>
-            <a:bodyPr rtlCol="0" anchor="ctr"/>
-            <a:lstStyle/>
-            <a:p>
-              <a:pPr marL="0" marR="0" lvl="0" indent="0" algn="ctr" defTabSz="914400" rtl="0" eaLnBrk="1" fontAlgn="auto" latinLnBrk="0" hangingPunct="1">
-                <a:lnSpc>
-                  <a:spcPct val="100000"/>
-                </a:lnSpc>
-                <a:spcBef>
-                  <a:spcPts val="0"/>
-                </a:spcBef>
-                <a:spcAft>
-                  <a:spcPts val="0"/>
-                </a:spcAft>
-                <a:buClrTx/>
-                <a:buSzTx/>
-                <a:buFontTx/>
-                <a:buNone/>
-                <a:tabLst/>
-                <a:defRPr/>
-              </a:pPr>
-              <a:endParaRPr kumimoji="0" lang="zh-CN" altLang="en-US" sz="1800" b="0" i="0" u="none" strike="noStrike" kern="1200" cap="none" spc="0" normalizeH="0" baseline="0" noProof="0">
-                <a:ln>
-                  <a:noFill/>
-                </a:ln>
-                <a:solidFill>
-                  <a:prstClr val="white"/>
-                </a:solidFill>
-                <a:effectLst/>
-                <a:uLnTx/>
-                <a:uFillTx/>
-                <a:latin typeface="Calibri"/>
-                <a:ea typeface="宋体" panose="02010600030101010101" pitchFamily="2" charset="-122"/>
-                <a:cs typeface="+mn-cs"/>
-              </a:endParaRPr>
-            </a:p>
-          </p:txBody>
-        </p:sp>
-        <p:cxnSp>
-          <p:nvCxnSpPr>
-            <p:cNvPr id="12" name="直接箭头连接符 11">
-              <a:extLst>
-                <a:ext uri="{FF2B5EF4-FFF2-40B4-BE49-F238E27FC236}">
-                  <a16:creationId xmlns:a16="http://schemas.microsoft.com/office/drawing/2014/main" id="{1D83D834-0423-7401-9B54-A38E57749442}"/>
-                </a:ext>
-              </a:extLst>
-            </p:cNvPr>
-            <p:cNvCxnSpPr>
-              <a:cxnSpLocks/>
-              <a:stCxn id="13" idx="1"/>
-            </p:cNvCxnSpPr>
-            <p:nvPr/>
-          </p:nvCxnSpPr>
-          <p:spPr>
-            <a:xfrm flipH="1">
-              <a:off x="4459224" y="4334709"/>
-              <a:ext cx="665988" cy="127563"/>
-            </a:xfrm>
-            <a:prstGeom prst="straightConnector1">
-              <a:avLst/>
-            </a:prstGeom>
-            <a:ln w="19050">
-              <a:solidFill>
-                <a:srgbClr val="FF0000"/>
-              </a:solidFill>
-              <a:tailEnd type="triangle"/>
-            </a:ln>
-          </p:spPr>
-          <p:style>
-            <a:lnRef idx="1">
-              <a:schemeClr val="accent1"/>
-            </a:lnRef>
-            <a:fillRef idx="0">
-              <a:schemeClr val="accent1"/>
-            </a:fillRef>
-            <a:effectRef idx="0">
-              <a:schemeClr val="accent1"/>
-            </a:effectRef>
-            <a:fontRef idx="minor">
-              <a:schemeClr val="tx1"/>
-            </a:fontRef>
-          </p:style>
-        </p:cxnSp>
-        <p:sp>
-          <p:nvSpPr>
-            <p:cNvPr id="13" name="文本框 12">
-              <a:extLst>
-                <a:ext uri="{FF2B5EF4-FFF2-40B4-BE49-F238E27FC236}">
-                  <a16:creationId xmlns:a16="http://schemas.microsoft.com/office/drawing/2014/main" id="{5D543116-CC64-0CB2-81FB-D0C32FE06000}"/>
-                </a:ext>
-              </a:extLst>
-            </p:cNvPr>
-            <p:cNvSpPr txBox="1"/>
-            <p:nvPr/>
-          </p:nvSpPr>
-          <p:spPr>
-            <a:xfrm>
-              <a:off x="5125212" y="4150043"/>
-              <a:ext cx="4530215" cy="369332"/>
-            </a:xfrm>
-            <a:prstGeom prst="rect">
-              <a:avLst/>
-            </a:prstGeom>
-            <a:noFill/>
-          </p:spPr>
-          <p:txBody>
-            <a:bodyPr wrap="none" rtlCol="0">
-              <a:spAutoFit/>
-            </a:bodyPr>
-            <a:lstStyle/>
-            <a:p>
-              <a:pPr marL="0" marR="0" lvl="0" indent="0" algn="l" defTabSz="914400" rtl="0" eaLnBrk="1" fontAlgn="auto" latinLnBrk="0" hangingPunct="1">
-                <a:lnSpc>
-                  <a:spcPct val="100000"/>
-                </a:lnSpc>
-                <a:spcBef>
-                  <a:spcPts val="0"/>
-                </a:spcBef>
-                <a:spcAft>
-                  <a:spcPts val="0"/>
-                </a:spcAft>
-                <a:buClrTx/>
-                <a:buSzTx/>
-                <a:buFontTx/>
-                <a:buNone/>
-                <a:tabLst/>
-                <a:defRPr/>
-              </a:pPr>
-              <a:r>
-                <a:rPr kumimoji="0" lang="en-US" altLang="zh-CN" sz="1800" b="0" i="0" u="none" strike="noStrike" kern="1200" cap="none" spc="0" normalizeH="0" baseline="0" noProof="0" dirty="0">
-                  <a:ln>
-                    <a:noFill/>
-                  </a:ln>
-                  <a:solidFill>
-                    <a:prstClr val="black"/>
-                  </a:solidFill>
-                  <a:effectLst/>
-                  <a:uLnTx/>
-                  <a:uFillTx/>
-                  <a:latin typeface="Calibri"/>
-                  <a:ea typeface="宋体" panose="02010600030101010101" pitchFamily="2" charset="-122"/>
-                  <a:cs typeface="+mn-cs"/>
-                </a:rPr>
-                <a:t>You can use a pointer to initialize a </a:t>
-              </a:r>
-              <a:r>
-                <a:rPr kumimoji="0" lang="en-US" altLang="zh-CN" sz="1800" b="0" i="0" u="none" strike="noStrike" kern="1200" cap="none" spc="0" normalizeH="0" baseline="0" noProof="0" dirty="0" err="1">
-                  <a:ln>
-                    <a:noFill/>
-                  </a:ln>
-                  <a:solidFill>
-                    <a:prstClr val="black"/>
-                  </a:solidFill>
-                  <a:effectLst/>
-                  <a:uLnTx/>
-                  <a:uFillTx/>
-                  <a:latin typeface="Calibri"/>
-                  <a:ea typeface="宋体" panose="02010600030101010101" pitchFamily="2" charset="-122"/>
-                  <a:cs typeface="+mn-cs"/>
-                </a:rPr>
-                <a:t>unique_ptr</a:t>
-              </a:r>
-              <a:endParaRPr kumimoji="0" lang="zh-CN" altLang="en-US" sz="1800" b="0" i="0" u="none" strike="noStrike" kern="1200" cap="none" spc="0" normalizeH="0" baseline="0" noProof="0" dirty="0">
-                <a:ln>
-                  <a:noFill/>
-                </a:ln>
-                <a:solidFill>
-                  <a:prstClr val="black"/>
-                </a:solidFill>
-                <a:effectLst/>
-                <a:uLnTx/>
-                <a:uFillTx/>
-                <a:latin typeface="Calibri"/>
-                <a:ea typeface="宋体" panose="02010600030101010101" pitchFamily="2" charset="-122"/>
-                <a:cs typeface="+mn-cs"/>
-              </a:endParaRPr>
-            </a:p>
-          </p:txBody>
-        </p:sp>
-      </p:grpSp>
-      <p:grpSp>
-        <p:nvGrpSpPr>
-          <p:cNvPr id="20" name="组合 19">
-            <a:extLst>
-              <a:ext uri="{FF2B5EF4-FFF2-40B4-BE49-F238E27FC236}">
-                <a16:creationId xmlns:a16="http://schemas.microsoft.com/office/drawing/2014/main" id="{5203E805-F949-E2F1-A872-8B9399067265}"/>
-              </a:ext>
-            </a:extLst>
-          </p:cNvPr>
-          <p:cNvGrpSpPr/>
-          <p:nvPr/>
-        </p:nvGrpSpPr>
-        <p:grpSpPr>
-          <a:xfrm>
-            <a:off x="1682496" y="5037117"/>
-            <a:ext cx="9578639" cy="924319"/>
-            <a:chOff x="1929384" y="4918245"/>
-            <a:chExt cx="9578639" cy="924319"/>
-          </a:xfrm>
-        </p:grpSpPr>
-        <p:sp>
-          <p:nvSpPr>
-            <p:cNvPr id="16" name="矩形 15">
-              <a:extLst>
-                <a:ext uri="{FF2B5EF4-FFF2-40B4-BE49-F238E27FC236}">
-                  <a16:creationId xmlns:a16="http://schemas.microsoft.com/office/drawing/2014/main" id="{17E28249-3D6B-34C3-73C2-225C62D28089}"/>
-                </a:ext>
-              </a:extLst>
-            </p:cNvPr>
-            <p:cNvSpPr/>
-            <p:nvPr/>
-          </p:nvSpPr>
-          <p:spPr>
-            <a:xfrm>
-              <a:off x="1929384" y="5602224"/>
-              <a:ext cx="2761488" cy="240340"/>
-            </a:xfrm>
-            <a:prstGeom prst="rect">
-              <a:avLst/>
-            </a:prstGeom>
-            <a:noFill/>
-            <a:ln w="19050">
-              <a:solidFill>
-                <a:srgbClr val="00B0F0"/>
-              </a:solidFill>
-            </a:ln>
-          </p:spPr>
-          <p:style>
-            <a:lnRef idx="2">
-              <a:schemeClr val="accent1">
-                <a:shade val="50000"/>
-              </a:schemeClr>
-            </a:lnRef>
-            <a:fillRef idx="1">
-              <a:schemeClr val="accent1"/>
-            </a:fillRef>
-            <a:effectRef idx="0">
-              <a:schemeClr val="accent1"/>
-            </a:effectRef>
-            <a:fontRef idx="minor">
-              <a:schemeClr val="lt1"/>
-            </a:fontRef>
-          </p:style>
-          <p:txBody>
-            <a:bodyPr rtlCol="0" anchor="ctr"/>
-            <a:lstStyle/>
-            <a:p>
-              <a:pPr marL="0" marR="0" lvl="0" indent="0" algn="ctr" defTabSz="914400" rtl="0" eaLnBrk="1" fontAlgn="auto" latinLnBrk="0" hangingPunct="1">
-                <a:lnSpc>
-                  <a:spcPct val="100000"/>
-                </a:lnSpc>
-                <a:spcBef>
-                  <a:spcPts val="0"/>
-                </a:spcBef>
-                <a:spcAft>
-                  <a:spcPts val="0"/>
-                </a:spcAft>
-                <a:buClrTx/>
-                <a:buSzTx/>
-                <a:buFontTx/>
-                <a:buNone/>
-                <a:tabLst/>
-                <a:defRPr/>
-              </a:pPr>
-              <a:endParaRPr kumimoji="0" lang="zh-CN" altLang="en-US" sz="1800" b="0" i="0" u="none" strike="noStrike" kern="1200" cap="none" spc="0" normalizeH="0" baseline="0" noProof="0">
-                <a:ln>
-                  <a:noFill/>
-                </a:ln>
-                <a:solidFill>
-                  <a:prstClr val="white"/>
-                </a:solidFill>
-                <a:effectLst/>
-                <a:uLnTx/>
-                <a:uFillTx/>
-                <a:latin typeface="Calibri"/>
-                <a:ea typeface="宋体" panose="02010600030101010101" pitchFamily="2" charset="-122"/>
-                <a:cs typeface="+mn-cs"/>
-              </a:endParaRPr>
-            </a:p>
-          </p:txBody>
-        </p:sp>
-        <p:cxnSp>
-          <p:nvCxnSpPr>
-            <p:cNvPr id="17" name="直接箭头连接符 16">
-              <a:extLst>
-                <a:ext uri="{FF2B5EF4-FFF2-40B4-BE49-F238E27FC236}">
-                  <a16:creationId xmlns:a16="http://schemas.microsoft.com/office/drawing/2014/main" id="{93AF010B-2F18-3A0C-9888-4919EA791535}"/>
-                </a:ext>
-              </a:extLst>
-            </p:cNvPr>
-            <p:cNvCxnSpPr>
-              <a:cxnSpLocks/>
-            </p:cNvCxnSpPr>
-            <p:nvPr/>
-          </p:nvCxnSpPr>
-          <p:spPr>
-            <a:xfrm flipH="1">
-              <a:off x="4649724" y="5320844"/>
-              <a:ext cx="423764" cy="323165"/>
-            </a:xfrm>
-            <a:prstGeom prst="straightConnector1">
-              <a:avLst/>
-            </a:prstGeom>
-            <a:ln w="19050">
-              <a:solidFill>
-                <a:srgbClr val="00B0F0"/>
-              </a:solidFill>
-              <a:tailEnd type="triangle"/>
-            </a:ln>
-          </p:spPr>
-          <p:style>
-            <a:lnRef idx="1">
-              <a:schemeClr val="accent1"/>
-            </a:lnRef>
-            <a:fillRef idx="0">
-              <a:schemeClr val="accent1"/>
-            </a:fillRef>
-            <a:effectRef idx="0">
-              <a:schemeClr val="accent1"/>
-            </a:effectRef>
-            <a:fontRef idx="minor">
-              <a:schemeClr val="tx1"/>
-            </a:fontRef>
-          </p:style>
-        </p:cxnSp>
-        <p:sp>
-          <p:nvSpPr>
-            <p:cNvPr id="18" name="文本框 17">
-              <a:extLst>
-                <a:ext uri="{FF2B5EF4-FFF2-40B4-BE49-F238E27FC236}">
-                  <a16:creationId xmlns:a16="http://schemas.microsoft.com/office/drawing/2014/main" id="{632AEE50-ADE7-7F50-5B36-F44D78DBF6D5}"/>
-                </a:ext>
-              </a:extLst>
-            </p:cNvPr>
-            <p:cNvSpPr txBox="1"/>
-            <p:nvPr/>
-          </p:nvSpPr>
-          <p:spPr>
-            <a:xfrm>
-              <a:off x="4984186" y="4918245"/>
-              <a:ext cx="6523837" cy="646331"/>
-            </a:xfrm>
-            <a:prstGeom prst="rect">
-              <a:avLst/>
-            </a:prstGeom>
-            <a:noFill/>
-          </p:spPr>
-          <p:txBody>
-            <a:bodyPr wrap="none" rtlCol="0">
-              <a:spAutoFit/>
-            </a:bodyPr>
-            <a:lstStyle/>
-            <a:p>
-              <a:pPr marL="0" marR="0" lvl="0" indent="0" algn="l" defTabSz="914400" rtl="0" eaLnBrk="1" fontAlgn="auto" latinLnBrk="0" hangingPunct="1">
-                <a:lnSpc>
-                  <a:spcPct val="100000"/>
-                </a:lnSpc>
-                <a:spcBef>
-                  <a:spcPts val="0"/>
-                </a:spcBef>
-                <a:spcAft>
-                  <a:spcPts val="0"/>
-                </a:spcAft>
-                <a:buClrTx/>
-                <a:buSzTx/>
-                <a:buFontTx/>
-                <a:buNone/>
-                <a:tabLst/>
-                <a:defRPr/>
-              </a:pPr>
-              <a:r>
-                <a:rPr kumimoji="0" lang="en-US" altLang="zh-CN" sz="1800" b="0" i="0" u="none" strike="noStrike" kern="1200" cap="none" spc="0" normalizeH="0" baseline="0" noProof="0" dirty="0">
-                  <a:ln>
-                    <a:noFill/>
-                  </a:ln>
-                  <a:solidFill>
-                    <a:prstClr val="black"/>
-                  </a:solidFill>
-                  <a:effectLst/>
-                  <a:uLnTx/>
-                  <a:uFillTx/>
-                  <a:latin typeface="Calibri"/>
-                  <a:ea typeface="宋体" panose="02010600030101010101" pitchFamily="2" charset="-122"/>
-                  <a:cs typeface="+mn-cs"/>
-                </a:rPr>
-                <a:t>Use the </a:t>
-              </a:r>
-              <a:r>
-                <a:rPr kumimoji="0" lang="en-US" altLang="zh-CN" sz="1800" b="1" i="0" u="none" strike="noStrike" kern="1200" cap="none" spc="0" normalizeH="0" baseline="0" noProof="0" dirty="0">
-                  <a:ln>
-                    <a:noFill/>
-                  </a:ln>
-                  <a:solidFill>
-                    <a:prstClr val="black"/>
-                  </a:solidFill>
-                  <a:effectLst/>
-                  <a:uLnTx/>
-                  <a:uFillTx/>
-                  <a:latin typeface="Calibri"/>
-                  <a:ea typeface="宋体" panose="02010600030101010101" pitchFamily="2" charset="-122"/>
-                  <a:cs typeface="+mn-cs"/>
-                </a:rPr>
-                <a:t>move</a:t>
-              </a:r>
-              <a:r>
-                <a:rPr kumimoji="0" lang="en-US" altLang="zh-CN" sz="1800" b="0" i="0" u="none" strike="noStrike" kern="1200" cap="none" spc="0" normalizeH="0" baseline="0" noProof="0" dirty="0">
-                  <a:ln>
-                    <a:noFill/>
-                  </a:ln>
-                  <a:solidFill>
-                    <a:prstClr val="black"/>
-                  </a:solidFill>
-                  <a:effectLst/>
-                  <a:uLnTx/>
-                  <a:uFillTx/>
-                  <a:latin typeface="Calibri"/>
-                  <a:ea typeface="宋体" panose="02010600030101010101" pitchFamily="2" charset="-122"/>
-                  <a:cs typeface="+mn-cs"/>
-                </a:rPr>
-                <a:t> function to transfer the ownership from up1 to up6.</a:t>
-              </a:r>
-            </a:p>
-            <a:p>
-              <a:pPr>
-                <a:defRPr/>
-              </a:pPr>
-              <a:r>
-                <a:rPr kumimoji="0" lang="en-US" altLang="zh-CN" sz="1800" b="0" i="0" u="none" strike="noStrike" kern="1200" cap="none" spc="0" normalizeH="0" baseline="0" noProof="0" dirty="0">
-                  <a:ln>
-                    <a:noFill/>
-                  </a:ln>
-                  <a:solidFill>
-                    <a:prstClr val="black"/>
-                  </a:solidFill>
-                  <a:effectLst/>
-                  <a:uLnTx/>
-                  <a:uFillTx/>
-                  <a:latin typeface="Calibri"/>
-                  <a:ea typeface="宋体" panose="02010600030101010101" pitchFamily="2" charset="-122"/>
-                  <a:cs typeface="+mn-cs"/>
-                </a:rPr>
-                <a:t>Is the assignment statement </a:t>
-              </a:r>
-              <a:r>
-                <a:rPr kumimoji="0" lang="en-US" altLang="zh-CN" sz="1800" b="1" i="0" u="none" strike="noStrike" kern="1200" cap="none" spc="0" normalizeH="0" baseline="0" noProof="0" dirty="0" err="1">
-                  <a:ln>
-                    <a:noFill/>
-                  </a:ln>
-                  <a:solidFill>
-                    <a:prstClr val="black"/>
-                  </a:solidFill>
-                  <a:effectLst/>
-                  <a:uLnTx/>
-                  <a:uFillTx/>
-                  <a:latin typeface="Calibri"/>
-                  <a:ea typeface="宋体" panose="02010600030101010101" pitchFamily="2" charset="-122"/>
-                  <a:cs typeface="+mn-cs"/>
-                </a:rPr>
-                <a:t>unique_ptr</a:t>
-              </a:r>
-              <a:r>
-                <a:rPr kumimoji="0" lang="en-US" altLang="zh-CN" sz="1800" b="1" i="0" u="none" strike="noStrike" kern="1200" cap="none" spc="0" normalizeH="0" baseline="0" noProof="0" dirty="0">
-                  <a:ln>
-                    <a:noFill/>
-                  </a:ln>
-                  <a:solidFill>
-                    <a:prstClr val="black"/>
-                  </a:solidFill>
-                  <a:effectLst/>
-                  <a:uLnTx/>
-                  <a:uFillTx/>
-                  <a:latin typeface="Calibri"/>
-                  <a:ea typeface="宋体" panose="02010600030101010101" pitchFamily="2" charset="-122"/>
-                  <a:cs typeface="+mn-cs"/>
-                </a:rPr>
-                <a:t>&lt;int&gt; up6 = up1;</a:t>
-              </a:r>
-              <a:r>
-                <a:rPr lang="en-US" altLang="zh-CN" dirty="0">
-                  <a:solidFill>
-                    <a:prstClr val="black"/>
-                  </a:solidFill>
-                </a:rPr>
-                <a:t>  OK? Why?</a:t>
-              </a:r>
-              <a:endParaRPr kumimoji="0" lang="zh-CN" altLang="en-US" sz="1800" i="0" u="none" strike="noStrike" kern="1200" cap="none" spc="0" normalizeH="0" baseline="0" noProof="0" dirty="0">
-                <a:ln>
-                  <a:noFill/>
-                </a:ln>
-                <a:solidFill>
-                  <a:prstClr val="black"/>
-                </a:solidFill>
-                <a:effectLst/>
-                <a:uLnTx/>
-                <a:uFillTx/>
-                <a:latin typeface="Calibri"/>
-                <a:ea typeface="宋体" panose="02010600030101010101" pitchFamily="2" charset="-122"/>
-                <a:cs typeface="+mn-cs"/>
-              </a:endParaRPr>
-            </a:p>
-          </p:txBody>
-        </p:sp>
-      </p:grpSp>
-      <p:pic>
-        <p:nvPicPr>
-          <p:cNvPr id="22" name="图片 21">
-            <a:extLst>
-              <a:ext uri="{FF2B5EF4-FFF2-40B4-BE49-F238E27FC236}">
-                <a16:creationId xmlns:a16="http://schemas.microsoft.com/office/drawing/2014/main" id="{30C3BA35-DAE7-B550-B05D-C5E2D92AEA84}"/>
-              </a:ext>
-            </a:extLst>
-          </p:cNvPr>
-          <p:cNvPicPr>
-            <a:picLocks noChangeAspect="1"/>
-          </p:cNvPicPr>
-          <p:nvPr/>
-        </p:nvPicPr>
-        <p:blipFill>
-          <a:blip r:embed="rId3"/>
-          <a:stretch>
-            <a:fillRect/>
-          </a:stretch>
-        </p:blipFill>
-        <p:spPr>
-          <a:xfrm>
-            <a:off x="8881110" y="428053"/>
-            <a:ext cx="2521094" cy="1554099"/>
-          </a:xfrm>
-          <a:prstGeom prst="rect">
-            <a:avLst/>
-          </a:prstGeom>
-        </p:spPr>
-      </p:pic>
-      <p:sp>
-        <p:nvSpPr>
-          <p:cNvPr id="23" name="文本框 22">
-            <a:extLst>
-              <a:ext uri="{FF2B5EF4-FFF2-40B4-BE49-F238E27FC236}">
-                <a16:creationId xmlns:a16="http://schemas.microsoft.com/office/drawing/2014/main" id="{8632003D-6A3C-33D3-8595-06A4BFDBEDFF}"/>
-              </a:ext>
-            </a:extLst>
-          </p:cNvPr>
-          <p:cNvSpPr txBox="1"/>
-          <p:nvPr/>
-        </p:nvSpPr>
-        <p:spPr>
-          <a:xfrm>
-            <a:off x="6005915" y="5783616"/>
-            <a:ext cx="5744329" cy="923330"/>
-          </a:xfrm>
-          <a:prstGeom prst="rect">
-            <a:avLst/>
-          </a:prstGeom>
-          <a:noFill/>
-        </p:spPr>
-        <p:txBody>
-          <a:bodyPr wrap="none" rtlCol="0">
-            <a:spAutoFit/>
-          </a:bodyPr>
-          <a:lstStyle/>
-          <a:p>
-            <a:pPr marL="0" marR="0" lvl="0" indent="0" algn="l" defTabSz="914400" rtl="0" eaLnBrk="1" fontAlgn="auto" latinLnBrk="0" hangingPunct="1">
-              <a:lnSpc>
-                <a:spcPct val="100000"/>
-              </a:lnSpc>
-              <a:spcBef>
-                <a:spcPts val="0"/>
-              </a:spcBef>
-              <a:spcAft>
-                <a:spcPts val="0"/>
-              </a:spcAft>
-              <a:buClrTx/>
-              <a:buSzTx/>
-              <a:buFontTx/>
-              <a:buNone/>
-              <a:tabLst/>
-              <a:defRPr/>
-            </a:pPr>
-            <a:r>
-              <a:rPr kumimoji="0" lang="en-US" altLang="zh-CN" sz="1800" b="0" i="0" u="none" strike="noStrike" kern="1200" cap="none" spc="0" normalizeH="0" baseline="0" noProof="0" dirty="0">
-                <a:ln>
-                  <a:noFill/>
-                </a:ln>
-                <a:solidFill>
-                  <a:prstClr val="black"/>
-                </a:solidFill>
-                <a:effectLst/>
-                <a:uLnTx/>
-                <a:uFillTx/>
-                <a:latin typeface="Calibri"/>
-                <a:ea typeface="宋体" panose="02010600030101010101" pitchFamily="2" charset="-122"/>
-                <a:cs typeface="+mn-cs"/>
-              </a:rPr>
-              <a:t>Is there any memory leak problem in the program?</a:t>
-            </a:r>
-          </a:p>
-          <a:p>
-            <a:pPr marL="0" marR="0" lvl="0" indent="0" algn="l" defTabSz="914400" rtl="0" eaLnBrk="1" fontAlgn="auto" latinLnBrk="0" hangingPunct="1">
-              <a:lnSpc>
-                <a:spcPct val="100000"/>
-              </a:lnSpc>
-              <a:spcBef>
-                <a:spcPts val="0"/>
-              </a:spcBef>
-              <a:spcAft>
-                <a:spcPts val="0"/>
-              </a:spcAft>
-              <a:buClrTx/>
-              <a:buSzTx/>
-              <a:buFontTx/>
-              <a:buNone/>
-              <a:tabLst/>
-              <a:defRPr/>
-            </a:pPr>
-            <a:r>
-              <a:rPr kumimoji="0" lang="en-US" altLang="zh-CN" sz="1800" b="0" i="0" u="none" strike="noStrike" kern="1200" cap="none" spc="0" normalizeH="0" baseline="0" noProof="0" dirty="0">
-                <a:ln>
-                  <a:noFill/>
-                </a:ln>
-                <a:solidFill>
-                  <a:prstClr val="black"/>
-                </a:solidFill>
-                <a:effectLst/>
-                <a:uLnTx/>
-                <a:uFillTx/>
-                <a:latin typeface="Calibri"/>
-                <a:ea typeface="宋体" panose="02010600030101010101" pitchFamily="2" charset="-122"/>
-                <a:cs typeface="+mn-cs"/>
-              </a:rPr>
-              <a:t>Need we use the statement </a:t>
-            </a:r>
-            <a:r>
-              <a:rPr kumimoji="0" lang="en-US" altLang="zh-CN" sz="1800" b="1" i="0" u="none" strike="noStrike" kern="1200" cap="none" spc="0" normalizeH="0" baseline="0" noProof="0" dirty="0">
-                <a:ln>
-                  <a:noFill/>
-                </a:ln>
-                <a:solidFill>
-                  <a:prstClr val="black"/>
-                </a:solidFill>
-                <a:effectLst/>
-                <a:uLnTx/>
-                <a:uFillTx/>
-                <a:latin typeface="Calibri"/>
-                <a:ea typeface="宋体" panose="02010600030101010101" pitchFamily="2" charset="-122"/>
-                <a:cs typeface="+mn-cs"/>
-              </a:rPr>
-              <a:t>delete[] p;</a:t>
-            </a:r>
-            <a:r>
-              <a:rPr kumimoji="0" lang="en-US" altLang="zh-CN" sz="1800" b="0" i="0" u="none" strike="noStrike" kern="1200" cap="none" spc="0" normalizeH="0" baseline="0" noProof="0" dirty="0">
-                <a:ln>
-                  <a:noFill/>
-                </a:ln>
-                <a:solidFill>
-                  <a:prstClr val="black"/>
-                </a:solidFill>
-                <a:effectLst/>
-                <a:uLnTx/>
-                <a:uFillTx/>
-                <a:latin typeface="Calibri"/>
-                <a:ea typeface="宋体" panose="02010600030101010101" pitchFamily="2" charset="-122"/>
-                <a:cs typeface="+mn-cs"/>
-              </a:rPr>
-              <a:t> to free the memory </a:t>
-            </a:r>
-          </a:p>
-          <a:p>
-            <a:pPr marL="0" marR="0" lvl="0" indent="0" algn="l" defTabSz="914400" rtl="0" eaLnBrk="1" fontAlgn="auto" latinLnBrk="0" hangingPunct="1">
-              <a:lnSpc>
-                <a:spcPct val="100000"/>
-              </a:lnSpc>
-              <a:spcBef>
-                <a:spcPts val="0"/>
-              </a:spcBef>
-              <a:spcAft>
-                <a:spcPts val="0"/>
-              </a:spcAft>
-              <a:buClrTx/>
-              <a:buSzTx/>
-              <a:buFontTx/>
-              <a:buNone/>
-              <a:tabLst/>
-              <a:defRPr/>
-            </a:pPr>
-            <a:r>
-              <a:rPr kumimoji="0" lang="en-US" altLang="zh-CN" sz="1800" b="0" i="0" u="none" strike="noStrike" kern="1200" cap="none" spc="0" normalizeH="0" baseline="0" noProof="0" dirty="0">
-                <a:ln>
-                  <a:noFill/>
-                </a:ln>
-                <a:solidFill>
-                  <a:prstClr val="black"/>
-                </a:solidFill>
-                <a:effectLst/>
-                <a:uLnTx/>
-                <a:uFillTx/>
-                <a:latin typeface="Calibri"/>
-                <a:ea typeface="宋体" panose="02010600030101010101" pitchFamily="2" charset="-122"/>
-                <a:cs typeface="+mn-cs"/>
-              </a:rPr>
-              <a:t>we allocated before?</a:t>
-            </a:r>
-            <a:endParaRPr kumimoji="0" lang="zh-CN" altLang="en-US" sz="1800" b="0" i="0" u="none" strike="noStrike" kern="1200" cap="none" spc="0" normalizeH="0" baseline="0" noProof="0" dirty="0">
-              <a:ln>
-                <a:noFill/>
-              </a:ln>
-              <a:solidFill>
-                <a:prstClr val="black"/>
-              </a:solidFill>
-              <a:effectLst/>
-              <a:uLnTx/>
-              <a:uFillTx/>
-              <a:latin typeface="Calibri"/>
-              <a:ea typeface="宋体" panose="02010600030101010101" pitchFamily="2" charset="-122"/>
-              <a:cs typeface="+mn-cs"/>
-            </a:endParaRPr>
-          </a:p>
-        </p:txBody>
-      </p:sp>
-      <p:grpSp>
-        <p:nvGrpSpPr>
-          <p:cNvPr id="38" name="组合 37">
-            <a:extLst>
-              <a:ext uri="{FF2B5EF4-FFF2-40B4-BE49-F238E27FC236}">
-                <a16:creationId xmlns:a16="http://schemas.microsoft.com/office/drawing/2014/main" id="{DE536DC8-A7F3-50C9-A243-2CAA2E33E74F}"/>
-              </a:ext>
-            </a:extLst>
-          </p:cNvPr>
-          <p:cNvGrpSpPr/>
-          <p:nvPr/>
-        </p:nvGrpSpPr>
-        <p:grpSpPr>
-          <a:xfrm>
-            <a:off x="3364992" y="1490472"/>
-            <a:ext cx="7934554" cy="2246162"/>
-            <a:chOff x="3785616" y="1069848"/>
-            <a:chExt cx="7934554" cy="2246162"/>
-          </a:xfrm>
-        </p:grpSpPr>
-        <p:sp>
-          <p:nvSpPr>
-            <p:cNvPr id="6" name="椭圆 5">
-              <a:extLst>
-                <a:ext uri="{FF2B5EF4-FFF2-40B4-BE49-F238E27FC236}">
-                  <a16:creationId xmlns:a16="http://schemas.microsoft.com/office/drawing/2014/main" id="{98A86604-A1F9-D811-AFFB-6CD9C55B879F}"/>
-                </a:ext>
-              </a:extLst>
-            </p:cNvPr>
-            <p:cNvSpPr/>
-            <p:nvPr/>
-          </p:nvSpPr>
-          <p:spPr>
-            <a:xfrm>
-              <a:off x="3785616" y="1069848"/>
-              <a:ext cx="289560" cy="219456"/>
-            </a:xfrm>
-            <a:prstGeom prst="ellipse">
-              <a:avLst/>
-            </a:prstGeom>
-            <a:noFill/>
-            <a:ln w="19050">
-              <a:solidFill>
-                <a:srgbClr val="FF0000"/>
-              </a:solidFill>
-            </a:ln>
-          </p:spPr>
-          <p:style>
-            <a:lnRef idx="2">
-              <a:schemeClr val="accent1">
-                <a:shade val="50000"/>
-              </a:schemeClr>
-            </a:lnRef>
-            <a:fillRef idx="1">
-              <a:schemeClr val="accent1"/>
-            </a:fillRef>
-            <a:effectRef idx="0">
-              <a:schemeClr val="accent1"/>
-            </a:effectRef>
-            <a:fontRef idx="minor">
-              <a:schemeClr val="lt1"/>
-            </a:fontRef>
-          </p:style>
-          <p:txBody>
-            <a:bodyPr rtlCol="0" anchor="ctr"/>
-            <a:lstStyle/>
-            <a:p>
-              <a:pPr marL="0" marR="0" lvl="0" indent="0" algn="ctr" defTabSz="914400" rtl="0" eaLnBrk="1" fontAlgn="auto" latinLnBrk="0" hangingPunct="1">
-                <a:lnSpc>
-                  <a:spcPct val="100000"/>
-                </a:lnSpc>
-                <a:spcBef>
-                  <a:spcPts val="0"/>
-                </a:spcBef>
-                <a:spcAft>
-                  <a:spcPts val="0"/>
-                </a:spcAft>
-                <a:buClrTx/>
-                <a:buSzTx/>
-                <a:buFontTx/>
-                <a:buNone/>
-                <a:tabLst/>
-                <a:defRPr/>
-              </a:pPr>
-              <a:endParaRPr kumimoji="0" lang="zh-CN" altLang="en-US" sz="1800" b="0" i="0" u="none" strike="noStrike" kern="1200" cap="none" spc="0" normalizeH="0" baseline="0" noProof="0">
-                <a:ln>
-                  <a:noFill/>
-                </a:ln>
-                <a:solidFill>
-                  <a:prstClr val="white"/>
-                </a:solidFill>
-                <a:effectLst/>
-                <a:uLnTx/>
-                <a:uFillTx/>
-                <a:latin typeface="Calibri"/>
-                <a:ea typeface="宋体" panose="02010600030101010101" pitchFamily="2" charset="-122"/>
-                <a:cs typeface="+mn-cs"/>
-              </a:endParaRPr>
-            </a:p>
-          </p:txBody>
-        </p:sp>
-        <p:sp>
-          <p:nvSpPr>
-            <p:cNvPr id="7" name="椭圆 6">
-              <a:extLst>
-                <a:ext uri="{FF2B5EF4-FFF2-40B4-BE49-F238E27FC236}">
-                  <a16:creationId xmlns:a16="http://schemas.microsoft.com/office/drawing/2014/main" id="{DC270FB7-65C7-A00E-B32D-54AEA5E466DD}"/>
-                </a:ext>
-              </a:extLst>
-            </p:cNvPr>
-            <p:cNvSpPr/>
-            <p:nvPr/>
-          </p:nvSpPr>
-          <p:spPr>
-            <a:xfrm>
-              <a:off x="4029456" y="1652016"/>
-              <a:ext cx="289560" cy="219456"/>
-            </a:xfrm>
-            <a:prstGeom prst="ellipse">
-              <a:avLst/>
-            </a:prstGeom>
-            <a:noFill/>
-            <a:ln w="19050">
-              <a:solidFill>
-                <a:srgbClr val="FF0000"/>
-              </a:solidFill>
-            </a:ln>
-          </p:spPr>
-          <p:style>
-            <a:lnRef idx="2">
-              <a:schemeClr val="accent1">
-                <a:shade val="50000"/>
-              </a:schemeClr>
-            </a:lnRef>
-            <a:fillRef idx="1">
-              <a:schemeClr val="accent1"/>
-            </a:fillRef>
-            <a:effectRef idx="0">
-              <a:schemeClr val="accent1"/>
-            </a:effectRef>
-            <a:fontRef idx="minor">
-              <a:schemeClr val="lt1"/>
-            </a:fontRef>
-          </p:style>
-          <p:txBody>
-            <a:bodyPr rtlCol="0" anchor="ctr"/>
-            <a:lstStyle/>
-            <a:p>
-              <a:pPr marL="0" marR="0" lvl="0" indent="0" algn="ctr" defTabSz="914400" rtl="0" eaLnBrk="1" fontAlgn="auto" latinLnBrk="0" hangingPunct="1">
-                <a:lnSpc>
-                  <a:spcPct val="100000"/>
-                </a:lnSpc>
-                <a:spcBef>
-                  <a:spcPts val="0"/>
-                </a:spcBef>
-                <a:spcAft>
-                  <a:spcPts val="0"/>
-                </a:spcAft>
-                <a:buClrTx/>
-                <a:buSzTx/>
-                <a:buFontTx/>
-                <a:buNone/>
-                <a:tabLst/>
-                <a:defRPr/>
-              </a:pPr>
-              <a:endParaRPr kumimoji="0" lang="zh-CN" altLang="en-US" sz="1800" b="0" i="0" u="none" strike="noStrike" kern="1200" cap="none" spc="0" normalizeH="0" baseline="0" noProof="0">
-                <a:ln>
-                  <a:noFill/>
-                </a:ln>
-                <a:solidFill>
-                  <a:prstClr val="white"/>
-                </a:solidFill>
-                <a:effectLst/>
-                <a:uLnTx/>
-                <a:uFillTx/>
-                <a:latin typeface="Calibri"/>
-                <a:ea typeface="宋体" panose="02010600030101010101" pitchFamily="2" charset="-122"/>
-                <a:cs typeface="+mn-cs"/>
-              </a:endParaRPr>
-            </a:p>
-          </p:txBody>
-        </p:sp>
-        <p:sp>
-          <p:nvSpPr>
-            <p:cNvPr id="8" name="矩形 7">
-              <a:extLst>
-                <a:ext uri="{FF2B5EF4-FFF2-40B4-BE49-F238E27FC236}">
-                  <a16:creationId xmlns:a16="http://schemas.microsoft.com/office/drawing/2014/main" id="{A518E605-B24C-F75A-1796-A2B523FCF201}"/>
-                </a:ext>
-              </a:extLst>
-            </p:cNvPr>
-            <p:cNvSpPr/>
-            <p:nvPr/>
-          </p:nvSpPr>
-          <p:spPr>
-            <a:xfrm>
-              <a:off x="4175760" y="2206752"/>
-              <a:ext cx="1568140" cy="258426"/>
-            </a:xfrm>
-            <a:prstGeom prst="rect">
-              <a:avLst/>
-            </a:prstGeom>
-            <a:noFill/>
-            <a:ln w="19050">
-              <a:solidFill>
-                <a:srgbClr val="00B0F0"/>
-              </a:solidFill>
-            </a:ln>
-          </p:spPr>
-          <p:style>
-            <a:lnRef idx="2">
-              <a:schemeClr val="accent1">
-                <a:shade val="50000"/>
-              </a:schemeClr>
-            </a:lnRef>
-            <a:fillRef idx="1">
-              <a:schemeClr val="accent1"/>
-            </a:fillRef>
-            <a:effectRef idx="0">
-              <a:schemeClr val="accent1"/>
-            </a:effectRef>
-            <a:fontRef idx="minor">
-              <a:schemeClr val="lt1"/>
-            </a:fontRef>
-          </p:style>
-          <p:txBody>
-            <a:bodyPr rtlCol="0" anchor="ctr"/>
-            <a:lstStyle/>
-            <a:p>
-              <a:pPr marL="0" marR="0" lvl="0" indent="0" algn="ctr" defTabSz="914400" rtl="0" eaLnBrk="1" fontAlgn="auto" latinLnBrk="0" hangingPunct="1">
-                <a:lnSpc>
-                  <a:spcPct val="100000"/>
-                </a:lnSpc>
-                <a:spcBef>
-                  <a:spcPts val="0"/>
-                </a:spcBef>
-                <a:spcAft>
-                  <a:spcPts val="0"/>
-                </a:spcAft>
-                <a:buClrTx/>
-                <a:buSzTx/>
-                <a:buFontTx/>
-                <a:buNone/>
-                <a:tabLst/>
-                <a:defRPr/>
-              </a:pPr>
-              <a:endParaRPr kumimoji="0" lang="zh-CN" altLang="en-US" sz="1800" b="0" i="0" u="none" strike="noStrike" kern="1200" cap="none" spc="0" normalizeH="0" baseline="0" noProof="0">
-                <a:ln>
-                  <a:noFill/>
-                </a:ln>
-                <a:solidFill>
-                  <a:prstClr val="white"/>
-                </a:solidFill>
-                <a:effectLst/>
-                <a:uLnTx/>
-                <a:uFillTx/>
-                <a:latin typeface="Calibri"/>
-                <a:ea typeface="宋体" panose="02010600030101010101" pitchFamily="2" charset="-122"/>
-                <a:cs typeface="+mn-cs"/>
-              </a:endParaRPr>
-            </a:p>
-          </p:txBody>
-        </p:sp>
-        <p:sp>
-          <p:nvSpPr>
-            <p:cNvPr id="9" name="矩形 8">
-              <a:extLst>
-                <a:ext uri="{FF2B5EF4-FFF2-40B4-BE49-F238E27FC236}">
-                  <a16:creationId xmlns:a16="http://schemas.microsoft.com/office/drawing/2014/main" id="{F3AA8AD6-E806-BEBF-BCC3-F10D908DA964}"/>
-                </a:ext>
-              </a:extLst>
-            </p:cNvPr>
-            <p:cNvSpPr/>
-            <p:nvPr/>
-          </p:nvSpPr>
-          <p:spPr>
-            <a:xfrm>
-              <a:off x="4093464" y="2816351"/>
-              <a:ext cx="1487424" cy="250389"/>
-            </a:xfrm>
-            <a:prstGeom prst="rect">
-              <a:avLst/>
-            </a:prstGeom>
-            <a:noFill/>
-            <a:ln w="19050">
-              <a:solidFill>
-                <a:srgbClr val="00B0F0"/>
-              </a:solidFill>
-            </a:ln>
-          </p:spPr>
-          <p:style>
-            <a:lnRef idx="2">
-              <a:schemeClr val="accent1">
-                <a:shade val="50000"/>
-              </a:schemeClr>
-            </a:lnRef>
-            <a:fillRef idx="1">
-              <a:schemeClr val="accent1"/>
-            </a:fillRef>
-            <a:effectRef idx="0">
-              <a:schemeClr val="accent1"/>
-            </a:effectRef>
-            <a:fontRef idx="minor">
-              <a:schemeClr val="lt1"/>
-            </a:fontRef>
-          </p:style>
-          <p:txBody>
-            <a:bodyPr rtlCol="0" anchor="ctr"/>
-            <a:lstStyle/>
-            <a:p>
-              <a:pPr marL="0" marR="0" lvl="0" indent="0" algn="ctr" defTabSz="914400" rtl="0" eaLnBrk="1" fontAlgn="auto" latinLnBrk="0" hangingPunct="1">
-                <a:lnSpc>
-                  <a:spcPct val="100000"/>
-                </a:lnSpc>
-                <a:spcBef>
-                  <a:spcPts val="0"/>
-                </a:spcBef>
-                <a:spcAft>
-                  <a:spcPts val="0"/>
-                </a:spcAft>
-                <a:buClrTx/>
-                <a:buSzTx/>
-                <a:buFontTx/>
-                <a:buNone/>
-                <a:tabLst/>
-                <a:defRPr/>
-              </a:pPr>
-              <a:endParaRPr kumimoji="0" lang="zh-CN" altLang="en-US" sz="1800" b="0" i="0" u="none" strike="noStrike" kern="1200" cap="none" spc="0" normalizeH="0" baseline="0" noProof="0">
-                <a:ln>
-                  <a:noFill/>
-                </a:ln>
-                <a:solidFill>
-                  <a:prstClr val="white"/>
-                </a:solidFill>
-                <a:effectLst/>
-                <a:uLnTx/>
-                <a:uFillTx/>
-                <a:latin typeface="Calibri"/>
-                <a:ea typeface="宋体" panose="02010600030101010101" pitchFamily="2" charset="-122"/>
-                <a:cs typeface="+mn-cs"/>
-              </a:endParaRPr>
-            </a:p>
-          </p:txBody>
-        </p:sp>
-        <p:cxnSp>
-          <p:nvCxnSpPr>
-            <p:cNvPr id="25" name="直接箭头连接符 24">
-              <a:extLst>
-                <a:ext uri="{FF2B5EF4-FFF2-40B4-BE49-F238E27FC236}">
-                  <a16:creationId xmlns:a16="http://schemas.microsoft.com/office/drawing/2014/main" id="{A001E859-DFB1-0F02-C205-B6D9902AB3D4}"/>
-                </a:ext>
-              </a:extLst>
-            </p:cNvPr>
-            <p:cNvCxnSpPr>
-              <a:cxnSpLocks/>
-              <a:endCxn id="6" idx="6"/>
-            </p:cNvCxnSpPr>
-            <p:nvPr/>
-          </p:nvCxnSpPr>
-          <p:spPr>
-            <a:xfrm flipH="1" flipV="1">
-              <a:off x="4075176" y="1179576"/>
-              <a:ext cx="3212607" cy="1428833"/>
-            </a:xfrm>
-            <a:prstGeom prst="straightConnector1">
-              <a:avLst/>
-            </a:prstGeom>
-            <a:ln w="19050">
-              <a:solidFill>
-                <a:srgbClr val="FF0000"/>
-              </a:solidFill>
-              <a:tailEnd type="triangle"/>
-            </a:ln>
-          </p:spPr>
-          <p:style>
-            <a:lnRef idx="1">
-              <a:schemeClr val="accent1"/>
-            </a:lnRef>
-            <a:fillRef idx="0">
-              <a:schemeClr val="accent1"/>
-            </a:fillRef>
-            <a:effectRef idx="0">
-              <a:schemeClr val="accent1"/>
-            </a:effectRef>
-            <a:fontRef idx="minor">
-              <a:schemeClr val="tx1"/>
-            </a:fontRef>
-          </p:style>
-        </p:cxnSp>
-        <p:cxnSp>
-          <p:nvCxnSpPr>
-            <p:cNvPr id="26" name="直接箭头连接符 25">
-              <a:extLst>
-                <a:ext uri="{FF2B5EF4-FFF2-40B4-BE49-F238E27FC236}">
-                  <a16:creationId xmlns:a16="http://schemas.microsoft.com/office/drawing/2014/main" id="{A7796F84-D2C1-5039-124C-4E560EF8B8AD}"/>
-                </a:ext>
-              </a:extLst>
-            </p:cNvPr>
-            <p:cNvCxnSpPr>
-              <a:cxnSpLocks/>
-              <a:endCxn id="7" idx="6"/>
-            </p:cNvCxnSpPr>
-            <p:nvPr/>
-          </p:nvCxnSpPr>
-          <p:spPr>
-            <a:xfrm flipH="1" flipV="1">
-              <a:off x="4319016" y="1761744"/>
-              <a:ext cx="2950464" cy="846665"/>
-            </a:xfrm>
-            <a:prstGeom prst="straightConnector1">
-              <a:avLst/>
-            </a:prstGeom>
-            <a:ln w="19050">
-              <a:solidFill>
-                <a:srgbClr val="FF0000"/>
-              </a:solidFill>
-              <a:tailEnd type="triangle"/>
-            </a:ln>
-          </p:spPr>
-          <p:style>
-            <a:lnRef idx="1">
-              <a:schemeClr val="accent1"/>
-            </a:lnRef>
-            <a:fillRef idx="0">
-              <a:schemeClr val="accent1"/>
-            </a:fillRef>
-            <a:effectRef idx="0">
-              <a:schemeClr val="accent1"/>
-            </a:effectRef>
-            <a:fontRef idx="minor">
-              <a:schemeClr val="tx1"/>
-            </a:fontRef>
-          </p:style>
-        </p:cxnSp>
-        <p:cxnSp>
-          <p:nvCxnSpPr>
-            <p:cNvPr id="27" name="直接箭头连接符 26">
-              <a:extLst>
-                <a:ext uri="{FF2B5EF4-FFF2-40B4-BE49-F238E27FC236}">
-                  <a16:creationId xmlns:a16="http://schemas.microsoft.com/office/drawing/2014/main" id="{02E1D046-B9B3-34C2-DE81-F7C085CD5201}"/>
-                </a:ext>
-              </a:extLst>
-            </p:cNvPr>
-            <p:cNvCxnSpPr>
-              <a:cxnSpLocks/>
-            </p:cNvCxnSpPr>
-            <p:nvPr/>
-          </p:nvCxnSpPr>
-          <p:spPr>
-            <a:xfrm flipH="1" flipV="1">
-              <a:off x="5725612" y="2392680"/>
-              <a:ext cx="1626164" cy="215729"/>
-            </a:xfrm>
-            <a:prstGeom prst="straightConnector1">
-              <a:avLst/>
-            </a:prstGeom>
-            <a:ln w="19050">
-              <a:solidFill>
-                <a:srgbClr val="00B0F0"/>
-              </a:solidFill>
-              <a:tailEnd type="triangle"/>
-            </a:ln>
-          </p:spPr>
-          <p:style>
-            <a:lnRef idx="1">
-              <a:schemeClr val="accent1"/>
-            </a:lnRef>
-            <a:fillRef idx="0">
-              <a:schemeClr val="accent1"/>
-            </a:fillRef>
-            <a:effectRef idx="0">
-              <a:schemeClr val="accent1"/>
-            </a:effectRef>
-            <a:fontRef idx="minor">
-              <a:schemeClr val="tx1"/>
-            </a:fontRef>
-          </p:style>
-        </p:cxnSp>
-        <p:cxnSp>
-          <p:nvCxnSpPr>
-            <p:cNvPr id="28" name="直接箭头连接符 27">
-              <a:extLst>
-                <a:ext uri="{FF2B5EF4-FFF2-40B4-BE49-F238E27FC236}">
-                  <a16:creationId xmlns:a16="http://schemas.microsoft.com/office/drawing/2014/main" id="{5C1CDDE5-9D0A-E967-30DC-661F55ED0303}"/>
-                </a:ext>
-              </a:extLst>
-            </p:cNvPr>
-            <p:cNvCxnSpPr>
-              <a:cxnSpLocks/>
-            </p:cNvCxnSpPr>
-            <p:nvPr/>
-          </p:nvCxnSpPr>
-          <p:spPr>
-            <a:xfrm flipH="1">
-              <a:off x="5623560" y="2608409"/>
-              <a:ext cx="1728216" cy="250389"/>
-            </a:xfrm>
-            <a:prstGeom prst="straightConnector1">
-              <a:avLst/>
-            </a:prstGeom>
-            <a:ln w="19050">
-              <a:solidFill>
-                <a:srgbClr val="00B0F0"/>
-              </a:solidFill>
-              <a:tailEnd type="triangle"/>
-            </a:ln>
-          </p:spPr>
-          <p:style>
-            <a:lnRef idx="1">
-              <a:schemeClr val="accent1"/>
-            </a:lnRef>
-            <a:fillRef idx="0">
-              <a:schemeClr val="accent1"/>
-            </a:fillRef>
-            <a:effectRef idx="0">
-              <a:schemeClr val="accent1"/>
-            </a:effectRef>
-            <a:fontRef idx="minor">
-              <a:schemeClr val="tx1"/>
-            </a:fontRef>
-          </p:style>
-        </p:cxnSp>
-        <p:sp>
-          <p:nvSpPr>
-            <p:cNvPr id="37" name="文本框 36">
-              <a:extLst>
-                <a:ext uri="{FF2B5EF4-FFF2-40B4-BE49-F238E27FC236}">
-                  <a16:creationId xmlns:a16="http://schemas.microsoft.com/office/drawing/2014/main" id="{34558903-EE3B-4DD0-D07C-0316E914F951}"/>
-                </a:ext>
-              </a:extLst>
-            </p:cNvPr>
-            <p:cNvSpPr txBox="1"/>
-            <p:nvPr/>
-          </p:nvSpPr>
-          <p:spPr>
-            <a:xfrm>
-              <a:off x="7290816" y="2392680"/>
-              <a:ext cx="4429354" cy="923330"/>
-            </a:xfrm>
-            <a:prstGeom prst="rect">
-              <a:avLst/>
-            </a:prstGeom>
-            <a:noFill/>
-          </p:spPr>
-          <p:txBody>
-            <a:bodyPr wrap="none" rtlCol="0">
-              <a:spAutoFit/>
-            </a:bodyPr>
-            <a:lstStyle/>
-            <a:p>
-              <a:pPr marL="0" marR="0" lvl="0" indent="0" algn="l" defTabSz="914400" rtl="0" eaLnBrk="1" fontAlgn="auto" latinLnBrk="0" hangingPunct="1">
-                <a:lnSpc>
-                  <a:spcPct val="100000"/>
-                </a:lnSpc>
-                <a:spcBef>
-                  <a:spcPts val="0"/>
-                </a:spcBef>
-                <a:spcAft>
-                  <a:spcPts val="0"/>
-                </a:spcAft>
-                <a:buClrTx/>
-                <a:buSzTx/>
-                <a:buFontTx/>
-                <a:buNone/>
-                <a:tabLst/>
-                <a:defRPr/>
-              </a:pPr>
-              <a:r>
-                <a:rPr kumimoji="0" lang="en-US" altLang="zh-CN" sz="1800" b="0" i="0" u="none" strike="noStrike" kern="1200" cap="none" spc="0" normalizeH="0" baseline="0" noProof="0" dirty="0">
-                  <a:ln>
-                    <a:noFill/>
-                  </a:ln>
-                  <a:solidFill>
-                    <a:prstClr val="black"/>
-                  </a:solidFill>
-                  <a:effectLst/>
-                  <a:uLnTx/>
-                  <a:uFillTx/>
-                  <a:latin typeface="Calibri"/>
-                  <a:ea typeface="宋体" panose="02010600030101010101" pitchFamily="2" charset="-122"/>
-                  <a:cs typeface="+mn-cs"/>
-                </a:rPr>
-                <a:t>Use </a:t>
-              </a:r>
-              <a:r>
-                <a:rPr kumimoji="0" lang="en-US" altLang="zh-CN" sz="1800" b="1" i="0" u="none" strike="noStrike" kern="1200" cap="none" spc="0" normalizeH="0" baseline="0" noProof="0" dirty="0">
-                  <a:ln>
-                    <a:noFill/>
-                  </a:ln>
-                  <a:solidFill>
-                    <a:prstClr val="black"/>
-                  </a:solidFill>
-                  <a:effectLst/>
-                  <a:uLnTx/>
-                  <a:uFillTx/>
-                  <a:latin typeface="Calibri"/>
-                  <a:ea typeface="宋体" panose="02010600030101010101" pitchFamily="2" charset="-122"/>
-                  <a:cs typeface="+mn-cs"/>
-                </a:rPr>
-                <a:t>new</a:t>
-              </a:r>
-              <a:r>
-                <a:rPr kumimoji="0" lang="en-US" altLang="zh-CN" sz="1800" b="0" i="0" u="none" strike="noStrike" kern="1200" cap="none" spc="0" normalizeH="0" baseline="0" noProof="0" dirty="0">
-                  <a:ln>
-                    <a:noFill/>
-                  </a:ln>
-                  <a:solidFill>
-                    <a:prstClr val="black"/>
-                  </a:solidFill>
-                  <a:effectLst/>
-                  <a:uLnTx/>
-                  <a:uFillTx/>
-                  <a:latin typeface="Calibri"/>
-                  <a:ea typeface="宋体" panose="02010600030101010101" pitchFamily="2" charset="-122"/>
-                  <a:cs typeface="+mn-cs"/>
-                </a:rPr>
-                <a:t> operator or </a:t>
-              </a:r>
-              <a:r>
-                <a:rPr kumimoji="0" lang="en-US" altLang="zh-CN" sz="1800" b="1" i="0" u="none" strike="noStrike" kern="1200" cap="none" spc="0" normalizeH="0" baseline="0" noProof="0" dirty="0" err="1">
-                  <a:ln>
-                    <a:noFill/>
-                  </a:ln>
-                  <a:solidFill>
-                    <a:prstClr val="black"/>
-                  </a:solidFill>
-                  <a:effectLst/>
-                  <a:uLnTx/>
-                  <a:uFillTx/>
-                  <a:latin typeface="Calibri"/>
-                  <a:ea typeface="宋体" panose="02010600030101010101" pitchFamily="2" charset="-122"/>
-                  <a:cs typeface="+mn-cs"/>
-                </a:rPr>
-                <a:t>make_unique</a:t>
-              </a:r>
-              <a:r>
-                <a:rPr kumimoji="0" lang="en-US" altLang="zh-CN" sz="1800" b="1" i="0" u="none" strike="noStrike" kern="1200" cap="none" spc="0" normalizeH="0" baseline="0" noProof="0" dirty="0">
-                  <a:ln>
-                    <a:noFill/>
-                  </a:ln>
-                  <a:solidFill>
-                    <a:prstClr val="black"/>
-                  </a:solidFill>
-                  <a:effectLst/>
-                  <a:uLnTx/>
-                  <a:uFillTx/>
-                  <a:latin typeface="Calibri"/>
-                  <a:ea typeface="宋体" panose="02010600030101010101" pitchFamily="2" charset="-122"/>
-                  <a:cs typeface="+mn-cs"/>
-                </a:rPr>
-                <a:t>() </a:t>
-              </a:r>
-              <a:r>
-                <a:rPr kumimoji="0" lang="en-US" altLang="zh-CN" sz="1800" b="0" i="0" u="none" strike="noStrike" kern="1200" cap="none" spc="0" normalizeH="0" baseline="0" noProof="0" dirty="0">
-                  <a:ln>
-                    <a:noFill/>
-                  </a:ln>
-                  <a:solidFill>
-                    <a:prstClr val="black"/>
-                  </a:solidFill>
-                  <a:effectLst/>
-                  <a:uLnTx/>
-                  <a:uFillTx/>
-                  <a:latin typeface="Calibri"/>
-                  <a:ea typeface="宋体" panose="02010600030101010101" pitchFamily="2" charset="-122"/>
-                  <a:cs typeface="+mn-cs"/>
-                </a:rPr>
-                <a:t>function</a:t>
-              </a:r>
-            </a:p>
-            <a:p>
-              <a:pPr marL="0" marR="0" lvl="0" indent="0" algn="l" defTabSz="914400" rtl="0" eaLnBrk="1" fontAlgn="auto" latinLnBrk="0" hangingPunct="1">
-                <a:lnSpc>
-                  <a:spcPct val="100000"/>
-                </a:lnSpc>
-                <a:spcBef>
-                  <a:spcPts val="0"/>
-                </a:spcBef>
-                <a:spcAft>
-                  <a:spcPts val="0"/>
-                </a:spcAft>
-                <a:buClrTx/>
-                <a:buSzTx/>
-                <a:buFontTx/>
-                <a:buNone/>
-                <a:tabLst/>
-                <a:defRPr/>
-              </a:pPr>
-              <a:r>
-                <a:rPr kumimoji="0" lang="en-US" altLang="zh-CN" sz="1800" b="0" i="0" u="none" strike="noStrike" kern="1200" cap="none" spc="0" normalizeH="0" baseline="0" noProof="0" dirty="0">
-                  <a:ln>
-                    <a:noFill/>
-                  </a:ln>
-                  <a:solidFill>
-                    <a:prstClr val="black"/>
-                  </a:solidFill>
-                  <a:effectLst/>
-                  <a:uLnTx/>
-                  <a:uFillTx/>
-                  <a:latin typeface="Calibri"/>
-                  <a:ea typeface="宋体" panose="02010600030101010101" pitchFamily="2" charset="-122"/>
-                  <a:cs typeface="+mn-cs"/>
-                </a:rPr>
-                <a:t>to create </a:t>
-              </a:r>
-              <a:r>
-                <a:rPr kumimoji="0" lang="en-US" altLang="zh-CN" sz="1800" b="0" i="0" u="none" strike="noStrike" kern="1200" cap="none" spc="0" normalizeH="0" baseline="0" noProof="0" dirty="0" err="1">
-                  <a:ln>
-                    <a:noFill/>
-                  </a:ln>
-                  <a:solidFill>
-                    <a:prstClr val="black"/>
-                  </a:solidFill>
-                  <a:effectLst/>
-                  <a:uLnTx/>
-                  <a:uFillTx/>
-                  <a:latin typeface="Calibri"/>
-                  <a:ea typeface="宋体" panose="02010600030101010101" pitchFamily="2" charset="-122"/>
-                  <a:cs typeface="+mn-cs"/>
-                </a:rPr>
-                <a:t>unique_ptr</a:t>
-              </a:r>
-              <a:r>
-                <a:rPr kumimoji="0" lang="en-US" altLang="zh-CN" sz="1800" b="0" i="0" u="none" strike="noStrike" kern="1200" cap="none" spc="0" normalizeH="0" baseline="0" noProof="0" dirty="0">
-                  <a:ln>
-                    <a:noFill/>
-                  </a:ln>
-                  <a:solidFill>
-                    <a:prstClr val="black"/>
-                  </a:solidFill>
-                  <a:effectLst/>
-                  <a:uLnTx/>
-                  <a:uFillTx/>
-                  <a:latin typeface="Calibri"/>
-                  <a:ea typeface="宋体" panose="02010600030101010101" pitchFamily="2" charset="-122"/>
-                  <a:cs typeface="+mn-cs"/>
-                </a:rPr>
-                <a:t>.  </a:t>
-              </a:r>
-              <a:r>
-                <a:rPr kumimoji="0" lang="en-US" altLang="zh-CN" sz="1800" b="0" i="0" u="none" strike="noStrike" kern="1200" cap="none" spc="0" normalizeH="0" baseline="0" noProof="0" dirty="0" err="1">
-                  <a:ln>
-                    <a:noFill/>
-                  </a:ln>
-                  <a:solidFill>
-                    <a:prstClr val="black"/>
-                  </a:solidFill>
-                  <a:effectLst/>
-                  <a:uLnTx/>
-                  <a:uFillTx/>
-                  <a:latin typeface="Calibri"/>
-                  <a:ea typeface="宋体" panose="02010600030101010101" pitchFamily="2" charset="-122"/>
-                  <a:cs typeface="+mn-cs"/>
-                </a:rPr>
-                <a:t>make_unique</a:t>
-              </a:r>
-              <a:r>
-                <a:rPr kumimoji="0" lang="en-US" altLang="zh-CN" sz="1800" b="0" i="0" u="none" strike="noStrike" kern="1200" cap="none" spc="0" normalizeH="0" baseline="0" noProof="0" dirty="0">
-                  <a:ln>
-                    <a:noFill/>
-                  </a:ln>
-                  <a:solidFill>
-                    <a:prstClr val="black"/>
-                  </a:solidFill>
-                  <a:effectLst/>
-                  <a:uLnTx/>
-                  <a:uFillTx/>
-                  <a:latin typeface="Calibri"/>
-                  <a:ea typeface="宋体" panose="02010600030101010101" pitchFamily="2" charset="-122"/>
-                  <a:cs typeface="+mn-cs"/>
-                </a:rPr>
-                <a:t>() is </a:t>
-              </a:r>
-            </a:p>
-            <a:p>
-              <a:pPr marL="0" marR="0" lvl="0" indent="0" algn="l" defTabSz="914400" rtl="0" eaLnBrk="1" fontAlgn="auto" latinLnBrk="0" hangingPunct="1">
-                <a:lnSpc>
-                  <a:spcPct val="100000"/>
-                </a:lnSpc>
-                <a:spcBef>
-                  <a:spcPts val="0"/>
-                </a:spcBef>
-                <a:spcAft>
-                  <a:spcPts val="0"/>
-                </a:spcAft>
-                <a:buClrTx/>
-                <a:buSzTx/>
-                <a:buFontTx/>
-                <a:buNone/>
-                <a:tabLst/>
-                <a:defRPr/>
-              </a:pPr>
-              <a:r>
-                <a:rPr kumimoji="0" lang="en-US" altLang="zh-CN" sz="1800" b="0" i="0" u="none" strike="noStrike" kern="1200" cap="none" spc="0" normalizeH="0" baseline="0" noProof="0" dirty="0">
-                  <a:ln>
-                    <a:noFill/>
-                  </a:ln>
-                  <a:solidFill>
-                    <a:prstClr val="black"/>
-                  </a:solidFill>
-                  <a:effectLst/>
-                  <a:uLnTx/>
-                  <a:uFillTx/>
-                  <a:latin typeface="Calibri"/>
-                  <a:ea typeface="宋体" panose="02010600030101010101" pitchFamily="2" charset="-122"/>
-                  <a:cs typeface="+mn-cs"/>
-                </a:rPr>
-                <a:t>recommended.</a:t>
-              </a:r>
-              <a:endParaRPr kumimoji="0" lang="zh-CN" altLang="en-US" sz="1800" b="0" i="0" u="none" strike="noStrike" kern="1200" cap="none" spc="0" normalizeH="0" baseline="0" noProof="0" dirty="0">
-                <a:ln>
-                  <a:noFill/>
-                </a:ln>
-                <a:solidFill>
-                  <a:prstClr val="black"/>
-                </a:solidFill>
-                <a:effectLst/>
-                <a:uLnTx/>
-                <a:uFillTx/>
-                <a:latin typeface="Calibri"/>
-                <a:ea typeface="宋体" panose="02010600030101010101" pitchFamily="2" charset="-122"/>
-                <a:cs typeface="+mn-cs"/>
-              </a:endParaRPr>
-            </a:p>
-          </p:txBody>
-        </p:sp>
-      </p:grpSp>
-    </p:spTree>
-    <p:extLst>
-      <p:ext uri="{BB962C8B-B14F-4D97-AF65-F5344CB8AC3E}">
-        <p14:creationId xmlns:p14="http://schemas.microsoft.com/office/powerpoint/2010/main" val="262817039"/>
-      </p:ext>
-    </p:extLst>
-  </p:cSld>
-  <p:clrMapOvr>
-    <a:masterClrMapping/>
-  </p:clrMapOvr>
-  <p:timing>
-    <p:tnLst>
-      <p:par>
-        <p:cTn id="1" dur="indefinite" restart="never" nodeType="tmRoot">
-          <p:childTnLst>
-            <p:seq concurrent="1" nextAc="seek">
-              <p:cTn id="2" dur="indefinite" nodeType="mainSeq">
-                <p:childTnLst>
-                  <p:par>
-                    <p:cTn id="3" fill="hold">
-                      <p:stCondLst>
-                        <p:cond delay="indefinite"/>
-                      </p:stCondLst>
-                      <p:childTnLst>
-                        <p:par>
-                          <p:cTn id="4" fill="hold">
-                            <p:stCondLst>
-                              <p:cond delay="0"/>
-                            </p:stCondLst>
-                            <p:childTnLst>
-                              <p:par>
-                                <p:cTn id="5" presetID="1" presetClass="entr" presetSubtype="0" fill="hold" nodeType="clickEffect">
-                                  <p:stCondLst>
-                                    <p:cond delay="0"/>
-                                  </p:stCondLst>
-                                  <p:childTnLst>
-                                    <p:set>
-                                      <p:cBhvr>
-                                        <p:cTn id="6" dur="1" fill="hold">
-                                          <p:stCondLst>
-                                            <p:cond delay="0"/>
-                                          </p:stCondLst>
-                                        </p:cTn>
-                                        <p:tgtEl>
-                                          <p:spTgt spid="38"/>
-                                        </p:tgtEl>
-                                        <p:attrNameLst>
-                                          <p:attrName>style.visibility</p:attrName>
-                                        </p:attrNameLst>
-                                      </p:cBhvr>
-                                      <p:to>
-                                        <p:strVal val="visible"/>
-                                      </p:to>
-                                    </p:set>
-                                  </p:childTnLst>
-                                </p:cTn>
-                              </p:par>
-                            </p:childTnLst>
-                          </p:cTn>
-                        </p:par>
-                      </p:childTnLst>
-                    </p:cTn>
-                  </p:par>
-                  <p:par>
-                    <p:cTn id="7" fill="hold">
-                      <p:stCondLst>
-                        <p:cond delay="indefinite"/>
-                      </p:stCondLst>
-                      <p:childTnLst>
-                        <p:par>
-                          <p:cTn id="8" fill="hold">
-                            <p:stCondLst>
-                              <p:cond delay="0"/>
-                            </p:stCondLst>
-                            <p:childTnLst>
-                              <p:par>
-                                <p:cTn id="9" presetID="1" presetClass="entr" presetSubtype="0" fill="hold" nodeType="clickEffect">
-                                  <p:stCondLst>
-                                    <p:cond delay="0"/>
-                                  </p:stCondLst>
-                                  <p:childTnLst>
-                                    <p:set>
-                                      <p:cBhvr>
-                                        <p:cTn id="10" dur="1" fill="hold">
-                                          <p:stCondLst>
-                                            <p:cond delay="0"/>
-                                          </p:stCondLst>
-                                        </p:cTn>
-                                        <p:tgtEl>
-                                          <p:spTgt spid="15"/>
-                                        </p:tgtEl>
-                                        <p:attrNameLst>
-                                          <p:attrName>style.visibility</p:attrName>
-                                        </p:attrNameLst>
-                                      </p:cBhvr>
-                                      <p:to>
-                                        <p:strVal val="visible"/>
-                                      </p:to>
-                                    </p:set>
-                                  </p:childTnLst>
-                                </p:cTn>
-                              </p:par>
-                            </p:childTnLst>
-                          </p:cTn>
-                        </p:par>
-                      </p:childTnLst>
-                    </p:cTn>
-                  </p:par>
-                  <p:par>
-                    <p:cTn id="11" fill="hold">
-                      <p:stCondLst>
-                        <p:cond delay="indefinite"/>
-                      </p:stCondLst>
-                      <p:childTnLst>
-                        <p:par>
-                          <p:cTn id="12" fill="hold">
-                            <p:stCondLst>
-                              <p:cond delay="0"/>
-                            </p:stCondLst>
-                            <p:childTnLst>
-                              <p:par>
-                                <p:cTn id="13" presetID="1" presetClass="entr" presetSubtype="0" fill="hold" nodeType="clickEffect">
-                                  <p:stCondLst>
-                                    <p:cond delay="0"/>
-                                  </p:stCondLst>
-                                  <p:childTnLst>
-                                    <p:set>
-                                      <p:cBhvr>
-                                        <p:cTn id="14" dur="1" fill="hold">
-                                          <p:stCondLst>
-                                            <p:cond delay="0"/>
-                                          </p:stCondLst>
-                                        </p:cTn>
-                                        <p:tgtEl>
-                                          <p:spTgt spid="20"/>
-                                        </p:tgtEl>
-                                        <p:attrNameLst>
-                                          <p:attrName>style.visibility</p:attrName>
-                                        </p:attrNameLst>
-                                      </p:cBhvr>
-                                      <p:to>
-                                        <p:strVal val="visible"/>
-                                      </p:to>
-                                    </p:set>
-                                  </p:childTnLst>
-                                </p:cTn>
-                              </p:par>
-                            </p:childTnLst>
-                          </p:cTn>
-                        </p:par>
-                      </p:childTnLst>
-                    </p:cTn>
-                  </p:par>
-                  <p:par>
-                    <p:cTn id="15" fill="hold">
-                      <p:stCondLst>
-                        <p:cond delay="indefinite"/>
-                      </p:stCondLst>
-                      <p:childTnLst>
-                        <p:par>
-                          <p:cTn id="16" fill="hold">
-                            <p:stCondLst>
-                              <p:cond delay="0"/>
-                            </p:stCondLst>
-                            <p:childTnLst>
-                              <p:par>
-                                <p:cTn id="17" presetID="1" presetClass="entr" presetSubtype="0" fill="hold" nodeType="clickEffect">
-                                  <p:stCondLst>
-                                    <p:cond delay="0"/>
-                                  </p:stCondLst>
-                                  <p:childTnLst>
-                                    <p:set>
-                                      <p:cBhvr>
-                                        <p:cTn id="18" dur="1" fill="hold">
-                                          <p:stCondLst>
-                                            <p:cond delay="0"/>
-                                          </p:stCondLst>
-                                        </p:cTn>
-                                        <p:tgtEl>
-                                          <p:spTgt spid="22"/>
-                                        </p:tgtEl>
-                                        <p:attrNameLst>
-                                          <p:attrName>style.visibility</p:attrName>
-                                        </p:attrNameLst>
-                                      </p:cBhvr>
-                                      <p:to>
-                                        <p:strVal val="visible"/>
-                                      </p:to>
-                                    </p:set>
-                                  </p:childTnLst>
-                                </p:cTn>
-                              </p:par>
-                            </p:childTnLst>
-                          </p:cTn>
-                        </p:par>
-                      </p:childTnLst>
-                    </p:cTn>
-                  </p:par>
-                  <p:par>
-                    <p:cTn id="19" fill="hold">
-                      <p:stCondLst>
-                        <p:cond delay="indefinite"/>
-                      </p:stCondLst>
-                      <p:childTnLst>
-                        <p:par>
-                          <p:cTn id="20" fill="hold">
-                            <p:stCondLst>
-                              <p:cond delay="0"/>
-                            </p:stCondLst>
-                            <p:childTnLst>
-                              <p:par>
-                                <p:cTn id="21" presetID="1" presetClass="entr" presetSubtype="0" fill="hold" grpId="0" nodeType="clickEffect">
-                                  <p:stCondLst>
-                                    <p:cond delay="0"/>
-                                  </p:stCondLst>
-                                  <p:childTnLst>
-                                    <p:set>
-                                      <p:cBhvr>
-                                        <p:cTn id="22" dur="1" fill="hold">
-                                          <p:stCondLst>
-                                            <p:cond delay="0"/>
-                                          </p:stCondLst>
-                                        </p:cTn>
-                                        <p:tgtEl>
-                                          <p:spTgt spid="23"/>
-                                        </p:tgtEl>
-                                        <p:attrNameLst>
-                                          <p:attrName>style.visibility</p:attrName>
-                                        </p:attrNameLst>
-                                      </p:cBhvr>
-                                      <p:to>
-                                        <p:strVal val="visible"/>
-                                      </p:to>
-                                    </p:set>
-                                  </p:childTnLst>
-                                </p:cTn>
-                              </p:par>
-                            </p:childTnLst>
-                          </p:cTn>
-                        </p:par>
-                      </p:childTnLst>
-                    </p:cTn>
-                  </p:par>
-                </p:childTnLst>
-              </p:cTn>
-              <p:prevCondLst>
-                <p:cond evt="onPrev" delay="0">
-                  <p:tgtEl>
-                    <p:sldTgt/>
-                  </p:tgtEl>
-                </p:cond>
-              </p:prevCondLst>
-              <p:nextCondLst>
-                <p:cond evt="onNext" delay="0">
-                  <p:tgtEl>
-                    <p:sldTgt/>
-                  </p:tgtEl>
-                </p:cond>
-              </p:nextCondLst>
-            </p:seq>
-          </p:childTnLst>
-        </p:cTn>
-      </p:par>
-    </p:tnLst>
-    <p:bldLst>
-      <p:bldP spid="23" grpId="0"/>
     </p:bldLst>
   </p:timing>
 </p:sld>
